--- a/materials/slides/ch03-4.pptx
+++ b/materials/slides/ch03-4.pptx
@@ -1,34 +1,34 @@
 
 <file path=ppt/presentation.xml><?xml version="1.0" encoding="utf-8"?>
-<p:presentation xmlns:a="http://schemas.openxmlformats.org/drawingml/2006/main" xmlns:r="http://schemas.openxmlformats.org/officeDocument/2006/relationships" xmlns:p="http://schemas.openxmlformats.org/presentationml/2006/main" showSpecialPlsOnTitleSld="0" saveSubsetFonts="1" bookmarkIdSeed="2">
+<p:presentation xmlns:a="http://schemas.openxmlformats.org/drawingml/2006/main" xmlns:r="http://schemas.openxmlformats.org/officeDocument/2006/relationships" xmlns:p="http://schemas.openxmlformats.org/presentationml/2006/main" bookmarkIdSeed="2" showSpecialPlsOnTitleSld="0">
   <p:sldMasterIdLst>
-    <p:sldMasterId id="2147483652" r:id="rId1"/>
+    <p:sldMasterId id="2147483648" r:id="rId1"/>
   </p:sldMasterIdLst>
   <p:notesMasterIdLst>
-    <p:notesMasterId r:id="rId18"/>
+    <p:notesMasterId r:id="rId8"/>
   </p:notesMasterIdLst>
   <p:handoutMasterIdLst>
-    <p:handoutMasterId r:id="rId19"/>
+    <p:handoutMasterId r:id="rId20"/>
   </p:handoutMasterIdLst>
   <p:sldIdLst>
-    <p:sldId id="256" r:id="rId2"/>
-    <p:sldId id="401" r:id="rId3"/>
-    <p:sldId id="378" r:id="rId4"/>
-    <p:sldId id="403" r:id="rId5"/>
-    <p:sldId id="402" r:id="rId6"/>
-    <p:sldId id="386" r:id="rId7"/>
-    <p:sldId id="317" r:id="rId8"/>
-    <p:sldId id="360" r:id="rId9"/>
-    <p:sldId id="392" r:id="rId10"/>
-    <p:sldId id="384" r:id="rId11"/>
-    <p:sldId id="361" r:id="rId12"/>
-    <p:sldId id="362" r:id="rId13"/>
-    <p:sldId id="387" r:id="rId14"/>
-    <p:sldId id="388" r:id="rId15"/>
-    <p:sldId id="369" r:id="rId16"/>
-    <p:sldId id="353" r:id="rId17"/>
+    <p:sldId id="256" r:id="rId3"/>
+    <p:sldId id="401" r:id="rId4"/>
+    <p:sldId id="378" r:id="rId5"/>
+    <p:sldId id="403" r:id="rId6"/>
+    <p:sldId id="402" r:id="rId7"/>
+    <p:sldId id="386" r:id="rId9"/>
+    <p:sldId id="317" r:id="rId10"/>
+    <p:sldId id="360" r:id="rId11"/>
+    <p:sldId id="392" r:id="rId12"/>
+    <p:sldId id="384" r:id="rId13"/>
+    <p:sldId id="361" r:id="rId14"/>
+    <p:sldId id="362" r:id="rId15"/>
+    <p:sldId id="387" r:id="rId16"/>
+    <p:sldId id="388" r:id="rId17"/>
+    <p:sldId id="369" r:id="rId18"/>
+    <p:sldId id="353" r:id="rId19"/>
   </p:sldIdLst>
-  <p:sldSz cx="9144000" cy="6858000" type="screen4x3"/>
+  <p:sldSz cx="12192000" cy="6858000"/>
   <p:notesSz cx="6858000" cy="9144000"/>
   <p:defaultTextStyle>
     <a:defPPr>
@@ -45,9 +45,9 @@
         <a:solidFill>
           <a:schemeClr val="tx1"/>
         </a:solidFill>
-        <a:latin typeface="Arial" charset="0"/>
+        <a:latin typeface="Arial" panose="020B0604020202020204" pitchFamily="34" charset="0"/>
         <a:ea typeface="+mn-ea"/>
-        <a:cs typeface="Arial" charset="0"/>
+        <a:cs typeface="Arial" panose="020B0604020202020204" pitchFamily="34" charset="0"/>
       </a:defRPr>
     </a:lvl1pPr>
     <a:lvl2pPr marL="457200" algn="l" rtl="0" fontAlgn="base">
@@ -61,9 +61,9 @@
         <a:solidFill>
           <a:schemeClr val="tx1"/>
         </a:solidFill>
-        <a:latin typeface="Arial" charset="0"/>
+        <a:latin typeface="Arial" panose="020B0604020202020204" pitchFamily="34" charset="0"/>
         <a:ea typeface="+mn-ea"/>
-        <a:cs typeface="Arial" charset="0"/>
+        <a:cs typeface="Arial" panose="020B0604020202020204" pitchFamily="34" charset="0"/>
       </a:defRPr>
     </a:lvl2pPr>
     <a:lvl3pPr marL="914400" algn="l" rtl="0" fontAlgn="base">
@@ -77,9 +77,9 @@
         <a:solidFill>
           <a:schemeClr val="tx1"/>
         </a:solidFill>
-        <a:latin typeface="Arial" charset="0"/>
+        <a:latin typeface="Arial" panose="020B0604020202020204" pitchFamily="34" charset="0"/>
         <a:ea typeface="+mn-ea"/>
-        <a:cs typeface="Arial" charset="0"/>
+        <a:cs typeface="Arial" panose="020B0604020202020204" pitchFamily="34" charset="0"/>
       </a:defRPr>
     </a:lvl3pPr>
     <a:lvl4pPr marL="1371600" algn="l" rtl="0" fontAlgn="base">
@@ -93,9 +93,9 @@
         <a:solidFill>
           <a:schemeClr val="tx1"/>
         </a:solidFill>
-        <a:latin typeface="Arial" charset="0"/>
+        <a:latin typeface="Arial" panose="020B0604020202020204" pitchFamily="34" charset="0"/>
         <a:ea typeface="+mn-ea"/>
-        <a:cs typeface="Arial" charset="0"/>
+        <a:cs typeface="Arial" panose="020B0604020202020204" pitchFamily="34" charset="0"/>
       </a:defRPr>
     </a:lvl4pPr>
     <a:lvl5pPr marL="1828800" algn="l" rtl="0" fontAlgn="base">
@@ -109,9 +109,9 @@
         <a:solidFill>
           <a:schemeClr val="tx1"/>
         </a:solidFill>
-        <a:latin typeface="Arial" charset="0"/>
+        <a:latin typeface="Arial" panose="020B0604020202020204" pitchFamily="34" charset="0"/>
         <a:ea typeface="+mn-ea"/>
-        <a:cs typeface="Arial" charset="0"/>
+        <a:cs typeface="Arial" panose="020B0604020202020204" pitchFamily="34" charset="0"/>
       </a:defRPr>
     </a:lvl5pPr>
     <a:lvl6pPr marL="2286000" algn="l" defTabSz="914400" rtl="0" eaLnBrk="1" latinLnBrk="0" hangingPunct="1">
@@ -119,9 +119,9 @@
         <a:solidFill>
           <a:schemeClr val="tx1"/>
         </a:solidFill>
-        <a:latin typeface="Arial" charset="0"/>
+        <a:latin typeface="Arial" panose="020B0604020202020204" pitchFamily="34" charset="0"/>
         <a:ea typeface="+mn-ea"/>
-        <a:cs typeface="Arial" charset="0"/>
+        <a:cs typeface="Arial" panose="020B0604020202020204" pitchFamily="34" charset="0"/>
       </a:defRPr>
     </a:lvl6pPr>
     <a:lvl7pPr marL="2743200" algn="l" defTabSz="914400" rtl="0" eaLnBrk="1" latinLnBrk="0" hangingPunct="1">
@@ -129,9 +129,9 @@
         <a:solidFill>
           <a:schemeClr val="tx1"/>
         </a:solidFill>
-        <a:latin typeface="Arial" charset="0"/>
+        <a:latin typeface="Arial" panose="020B0604020202020204" pitchFamily="34" charset="0"/>
         <a:ea typeface="+mn-ea"/>
-        <a:cs typeface="Arial" charset="0"/>
+        <a:cs typeface="Arial" panose="020B0604020202020204" pitchFamily="34" charset="0"/>
       </a:defRPr>
     </a:lvl7pPr>
     <a:lvl8pPr marL="3200400" algn="l" defTabSz="914400" rtl="0" eaLnBrk="1" latinLnBrk="0" hangingPunct="1">
@@ -139,9 +139,9 @@
         <a:solidFill>
           <a:schemeClr val="tx1"/>
         </a:solidFill>
-        <a:latin typeface="Arial" charset="0"/>
+        <a:latin typeface="Arial" panose="020B0604020202020204" pitchFamily="34" charset="0"/>
         <a:ea typeface="+mn-ea"/>
-        <a:cs typeface="Arial" charset="0"/>
+        <a:cs typeface="Arial" panose="020B0604020202020204" pitchFamily="34" charset="0"/>
       </a:defRPr>
     </a:lvl8pPr>
     <a:lvl9pPr marL="3657600" algn="l" defTabSz="914400" rtl="0" eaLnBrk="1" latinLnBrk="0" hangingPunct="1">
@@ -149,28 +149,12 @@
         <a:solidFill>
           <a:schemeClr val="tx1"/>
         </a:solidFill>
-        <a:latin typeface="Arial" charset="0"/>
+        <a:latin typeface="Arial" panose="020B0604020202020204" pitchFamily="34" charset="0"/>
         <a:ea typeface="+mn-ea"/>
-        <a:cs typeface="Arial" charset="0"/>
+        <a:cs typeface="Arial" panose="020B0604020202020204" pitchFamily="34" charset="0"/>
       </a:defRPr>
     </a:lvl9pPr>
   </p:defaultTextStyle>
-  <p:extLst>
-    <p:ext uri="{EFAFB233-063F-42B5-8137-9DF3F51BA10A}">
-      <p15:sldGuideLst xmlns:p15="http://schemas.microsoft.com/office/powerpoint/2012/main">
-        <p15:guide id="1" orient="horz" pos="2160">
-          <p15:clr>
-            <a:srgbClr val="A4A3A4"/>
-          </p15:clr>
-        </p15:guide>
-        <p15:guide id="2" pos="2880">
-          <p15:clr>
-            <a:srgbClr val="A4A3A4"/>
-          </p15:clr>
-        </p15:guide>
-      </p15:sldGuideLst>
-    </p:ext>
-  </p:extLst>
 </p:presentation>
 </file>
 
@@ -181,117 +165,39 @@
   <dgm:catLst>
     <dgm:cat type="accent1" pri="11200"/>
   </dgm:catLst>
-  <dgm:styleLbl name="node0">
+  <dgm:styleLbl name="alignAcc1">
     <dgm:fillClrLst meth="repeat">
-      <a:schemeClr val="accent1"/>
-    </dgm:fillClrLst>
-    <dgm:linClrLst meth="repeat">
-      <a:schemeClr val="lt1"/>
-    </dgm:linClrLst>
-    <dgm:effectClrLst/>
-    <dgm:txLinClrLst/>
-    <dgm:txFillClrLst/>
-    <dgm:txEffectClrLst/>
-  </dgm:styleLbl>
-  <dgm:styleLbl name="alignNode1">
-    <dgm:fillClrLst meth="repeat">
-      <a:schemeClr val="accent1"/>
+      <a:schemeClr val="lt1">
+        <a:alpha val="90000"/>
+      </a:schemeClr>
     </dgm:fillClrLst>
     <dgm:linClrLst meth="repeat">
       <a:schemeClr val="accent1"/>
     </dgm:linClrLst>
     <dgm:effectClrLst/>
     <dgm:txLinClrLst/>
-    <dgm:txFillClrLst/>
+    <dgm:txFillClrLst meth="repeat">
+      <a:schemeClr val="dk1"/>
+    </dgm:txFillClrLst>
     <dgm:txEffectClrLst/>
   </dgm:styleLbl>
-  <dgm:styleLbl name="node1">
-    <dgm:fillClrLst meth="repeat">
-      <a:schemeClr val="accent1"/>
-    </dgm:fillClrLst>
-    <dgm:linClrLst meth="repeat">
-      <a:schemeClr val="lt1"/>
-    </dgm:linClrLst>
-    <dgm:effectClrLst/>
-    <dgm:txLinClrLst/>
-    <dgm:txFillClrLst/>
-    <dgm:txEffectClrLst/>
-  </dgm:styleLbl>
-  <dgm:styleLbl name="lnNode1">
-    <dgm:fillClrLst meth="repeat">
-      <a:schemeClr val="accent1"/>
-    </dgm:fillClrLst>
-    <dgm:linClrLst meth="repeat">
-      <a:schemeClr val="lt1"/>
-    </dgm:linClrLst>
-    <dgm:effectClrLst/>
-    <dgm:txLinClrLst/>
-    <dgm:txFillClrLst/>
-    <dgm:txEffectClrLst/>
-  </dgm:styleLbl>
-  <dgm:styleLbl name="vennNode1">
+  <dgm:styleLbl name="alignAccFollowNode1">
     <dgm:fillClrLst meth="repeat">
       <a:schemeClr val="accent1">
-        <a:alpha val="50000"/>
+        <a:alpha val="90000"/>
+        <a:tint val="40000"/>
       </a:schemeClr>
     </dgm:fillClrLst>
     <dgm:linClrLst meth="repeat">
-      <a:schemeClr val="lt1"/>
-    </dgm:linClrLst>
-    <dgm:effectClrLst/>
-    <dgm:txLinClrLst/>
-    <dgm:txFillClrLst/>
-    <dgm:txEffectClrLst/>
-  </dgm:styleLbl>
-  <dgm:styleLbl name="node2">
-    <dgm:fillClrLst meth="repeat">
-      <a:schemeClr val="accent1"/>
-    </dgm:fillClrLst>
-    <dgm:linClrLst meth="repeat">
-      <a:schemeClr val="lt1"/>
-    </dgm:linClrLst>
-    <dgm:effectClrLst/>
-    <dgm:txLinClrLst/>
-    <dgm:txFillClrLst/>
-    <dgm:txEffectClrLst/>
-  </dgm:styleLbl>
-  <dgm:styleLbl name="node3">
-    <dgm:fillClrLst meth="repeat">
-      <a:schemeClr val="accent1"/>
-    </dgm:fillClrLst>
-    <dgm:linClrLst meth="repeat">
-      <a:schemeClr val="lt1"/>
-    </dgm:linClrLst>
-    <dgm:effectClrLst/>
-    <dgm:txLinClrLst/>
-    <dgm:txFillClrLst/>
-    <dgm:txEffectClrLst/>
-  </dgm:styleLbl>
-  <dgm:styleLbl name="node4">
-    <dgm:fillClrLst meth="repeat">
-      <a:schemeClr val="accent1"/>
-    </dgm:fillClrLst>
-    <dgm:linClrLst meth="repeat">
-      <a:schemeClr val="lt1"/>
-    </dgm:linClrLst>
-    <dgm:effectClrLst/>
-    <dgm:txLinClrLst/>
-    <dgm:txFillClrLst/>
-    <dgm:txEffectClrLst/>
-  </dgm:styleLbl>
-  <dgm:styleLbl name="fgImgPlace1">
-    <dgm:fillClrLst meth="repeat">
       <a:schemeClr val="accent1">
-        <a:tint val="50000"/>
+        <a:alpha val="90000"/>
+        <a:tint val="40000"/>
       </a:schemeClr>
-    </dgm:fillClrLst>
-    <dgm:linClrLst meth="repeat">
-      <a:schemeClr val="lt1"/>
     </dgm:linClrLst>
     <dgm:effectClrLst/>
     <dgm:txLinClrLst/>
     <dgm:txFillClrLst meth="repeat">
-      <a:schemeClr val="lt1"/>
+      <a:schemeClr val="dk1"/>
     </dgm:txFillClrLst>
     <dgm:txEffectClrLst/>
   </dgm:styleLbl>
@@ -311,71 +217,7 @@
     </dgm:txFillClrLst>
     <dgm:txEffectClrLst/>
   </dgm:styleLbl>
-  <dgm:styleLbl name="bgImgPlace1">
-    <dgm:fillClrLst meth="repeat">
-      <a:schemeClr val="accent1">
-        <a:tint val="50000"/>
-      </a:schemeClr>
-    </dgm:fillClrLst>
-    <dgm:linClrLst meth="repeat">
-      <a:schemeClr val="lt1"/>
-    </dgm:linClrLst>
-    <dgm:effectClrLst/>
-    <dgm:txLinClrLst/>
-    <dgm:txFillClrLst meth="repeat">
-      <a:schemeClr val="lt1"/>
-    </dgm:txFillClrLst>
-    <dgm:txEffectClrLst/>
-  </dgm:styleLbl>
-  <dgm:styleLbl name="sibTrans2D1">
-    <dgm:fillClrLst meth="repeat">
-      <a:schemeClr val="accent1">
-        <a:tint val="60000"/>
-      </a:schemeClr>
-    </dgm:fillClrLst>
-    <dgm:linClrLst meth="repeat">
-      <a:schemeClr val="accent1">
-        <a:tint val="60000"/>
-      </a:schemeClr>
-    </dgm:linClrLst>
-    <dgm:effectClrLst/>
-    <dgm:txLinClrLst/>
-    <dgm:txFillClrLst/>
-    <dgm:txEffectClrLst/>
-  </dgm:styleLbl>
-  <dgm:styleLbl name="fgSibTrans2D1">
-    <dgm:fillClrLst meth="repeat">
-      <a:schemeClr val="accent1">
-        <a:tint val="60000"/>
-      </a:schemeClr>
-    </dgm:fillClrLst>
-    <dgm:linClrLst meth="repeat">
-      <a:schemeClr val="accent1">
-        <a:tint val="60000"/>
-      </a:schemeClr>
-    </dgm:linClrLst>
-    <dgm:effectClrLst/>
-    <dgm:txLinClrLst/>
-    <dgm:txFillClrLst/>
-    <dgm:txEffectClrLst/>
-  </dgm:styleLbl>
-  <dgm:styleLbl name="bgSibTrans2D1">
-    <dgm:fillClrLst meth="repeat">
-      <a:schemeClr val="accent1">
-        <a:tint val="60000"/>
-      </a:schemeClr>
-    </dgm:fillClrLst>
-    <dgm:linClrLst meth="repeat">
-      <a:schemeClr val="accent1">
-        <a:tint val="60000"/>
-      </a:schemeClr>
-    </dgm:linClrLst>
-    <dgm:effectClrLst/>
-    <dgm:txLinClrLst/>
-    <dgm:txFillClrLst/>
-    <dgm:txEffectClrLst/>
-  </dgm:styleLbl>
-  <dgm:styleLbl name="sibTrans1D1">
+  <dgm:styleLbl name="alignNode1">
     <dgm:fillClrLst meth="repeat">
       <a:schemeClr val="accent1"/>
     </dgm:fillClrLst>
@@ -384,25 +226,7 @@
     </dgm:linClrLst>
     <dgm:effectClrLst/>
     <dgm:txLinClrLst/>
-    <dgm:txFillClrLst meth="repeat">
-      <a:schemeClr val="tx1"/>
-    </dgm:txFillClrLst>
-    <dgm:txEffectClrLst/>
-  </dgm:styleLbl>
-  <dgm:styleLbl name="callout">
-    <dgm:fillClrLst meth="repeat">
-      <a:schemeClr val="accent1"/>
-    </dgm:fillClrLst>
-    <dgm:linClrLst meth="repeat">
-      <a:schemeClr val="accent1">
-        <a:tint val="50000"/>
-      </a:schemeClr>
-    </dgm:linClrLst>
-    <dgm:effectClrLst/>
-    <dgm:txLinClrLst/>
-    <dgm:txFillClrLst meth="repeat">
-      <a:schemeClr val="tx1"/>
-    </dgm:txFillClrLst>
+    <dgm:txFillClrLst/>
     <dgm:txEffectClrLst/>
   </dgm:styleLbl>
   <dgm:styleLbl name="asst0">
@@ -465,7 +289,75 @@
     <dgm:txFillClrLst/>
     <dgm:txEffectClrLst/>
   </dgm:styleLbl>
-  <dgm:styleLbl name="parChTrans2D1">
+  <dgm:styleLbl name="bgAcc1">
+    <dgm:fillClrLst meth="repeat">
+      <a:schemeClr val="lt1">
+        <a:alpha val="90000"/>
+      </a:schemeClr>
+    </dgm:fillClrLst>
+    <dgm:linClrLst meth="repeat">
+      <a:schemeClr val="accent1"/>
+    </dgm:linClrLst>
+    <dgm:effectClrLst/>
+    <dgm:txLinClrLst/>
+    <dgm:txFillClrLst meth="repeat">
+      <a:schemeClr val="dk1"/>
+    </dgm:txFillClrLst>
+    <dgm:txEffectClrLst/>
+  </dgm:styleLbl>
+  <dgm:styleLbl name="bgAccFollowNode1">
+    <dgm:fillClrLst meth="repeat">
+      <a:schemeClr val="accent1">
+        <a:alpha val="90000"/>
+        <a:tint val="40000"/>
+      </a:schemeClr>
+    </dgm:fillClrLst>
+    <dgm:linClrLst meth="repeat">
+      <a:schemeClr val="accent1">
+        <a:alpha val="90000"/>
+        <a:tint val="40000"/>
+      </a:schemeClr>
+    </dgm:linClrLst>
+    <dgm:effectClrLst/>
+    <dgm:txLinClrLst/>
+    <dgm:txFillClrLst meth="repeat">
+      <a:schemeClr val="dk1"/>
+    </dgm:txFillClrLst>
+    <dgm:txEffectClrLst/>
+  </dgm:styleLbl>
+  <dgm:styleLbl name="bgImgPlace1">
+    <dgm:fillClrLst meth="repeat">
+      <a:schemeClr val="accent1">
+        <a:tint val="50000"/>
+      </a:schemeClr>
+    </dgm:fillClrLst>
+    <dgm:linClrLst meth="repeat">
+      <a:schemeClr val="lt1"/>
+    </dgm:linClrLst>
+    <dgm:effectClrLst/>
+    <dgm:txLinClrLst/>
+    <dgm:txFillClrLst meth="repeat">
+      <a:schemeClr val="lt1"/>
+    </dgm:txFillClrLst>
+    <dgm:txEffectClrLst/>
+  </dgm:styleLbl>
+  <dgm:styleLbl name="bgShp">
+    <dgm:fillClrLst meth="repeat">
+      <a:schemeClr val="accent1">
+        <a:tint val="40000"/>
+      </a:schemeClr>
+    </dgm:fillClrLst>
+    <dgm:linClrLst meth="repeat">
+      <a:schemeClr val="accent1"/>
+    </dgm:linClrLst>
+    <dgm:effectClrLst/>
+    <dgm:txLinClrLst/>
+    <dgm:txFillClrLst meth="repeat">
+      <a:schemeClr val="dk1"/>
+    </dgm:txFillClrLst>
+    <dgm:txEffectClrLst/>
+  </dgm:styleLbl>
+  <dgm:styleLbl name="bgSibTrans2D1">
     <dgm:fillClrLst meth="repeat">
       <a:schemeClr val="accent1">
         <a:tint val="60000"/>
@@ -478,14 +370,46 @@
     </dgm:linClrLst>
     <dgm:effectClrLst/>
     <dgm:txLinClrLst/>
+    <dgm:txFillClrLst/>
+    <dgm:txEffectClrLst/>
+  </dgm:styleLbl>
+  <dgm:styleLbl name="callout">
+    <dgm:fillClrLst meth="repeat">
+      <a:schemeClr val="accent1"/>
+    </dgm:fillClrLst>
+    <dgm:linClrLst meth="repeat">
+      <a:schemeClr val="accent1">
+        <a:tint val="50000"/>
+      </a:schemeClr>
+    </dgm:linClrLst>
+    <dgm:effectClrLst/>
+    <dgm:txLinClrLst/>
     <dgm:txFillClrLst meth="repeat">
-      <a:schemeClr val="lt1"/>
+      <a:schemeClr val="tx1"/>
     </dgm:txFillClrLst>
     <dgm:txEffectClrLst/>
   </dgm:styleLbl>
-  <dgm:styleLbl name="parChTrans2D2">
+  <dgm:styleLbl name="conFgAcc1">
     <dgm:fillClrLst meth="repeat">
+      <a:schemeClr val="lt1">
+        <a:alpha val="90000"/>
+      </a:schemeClr>
+    </dgm:fillClrLst>
+    <dgm:linClrLst meth="repeat">
       <a:schemeClr val="accent1"/>
+    </dgm:linClrLst>
+    <dgm:effectClrLst/>
+    <dgm:txLinClrLst/>
+    <dgm:txFillClrLst meth="repeat">
+      <a:schemeClr val="dk1"/>
+    </dgm:txFillClrLst>
+    <dgm:txEffectClrLst/>
+  </dgm:styleLbl>
+  <dgm:styleLbl name="dkBgShp">
+    <dgm:fillClrLst meth="repeat">
+      <a:schemeClr val="accent1">
+        <a:shade val="80000"/>
+      </a:schemeClr>
     </dgm:fillClrLst>
     <dgm:linClrLst meth="repeat">
       <a:schemeClr val="accent1"/>
@@ -497,12 +421,114 @@
     </dgm:txFillClrLst>
     <dgm:txEffectClrLst/>
   </dgm:styleLbl>
-  <dgm:styleLbl name="parChTrans2D3">
+  <dgm:styleLbl name="fgAcc0">
     <dgm:fillClrLst meth="repeat">
-      <a:schemeClr val="accent1"/>
+      <a:schemeClr val="lt1">
+        <a:alpha val="90000"/>
+      </a:schemeClr>
     </dgm:fillClrLst>
     <dgm:linClrLst meth="repeat">
       <a:schemeClr val="accent1"/>
+    </dgm:linClrLst>
+    <dgm:effectClrLst/>
+    <dgm:txLinClrLst/>
+    <dgm:txFillClrLst meth="repeat">
+      <a:schemeClr val="dk1"/>
+    </dgm:txFillClrLst>
+    <dgm:txEffectClrLst/>
+  </dgm:styleLbl>
+  <dgm:styleLbl name="fgAcc1">
+    <dgm:fillClrLst meth="repeat">
+      <a:schemeClr val="lt1">
+        <a:alpha val="90000"/>
+      </a:schemeClr>
+    </dgm:fillClrLst>
+    <dgm:linClrLst meth="repeat">
+      <a:schemeClr val="accent1"/>
+    </dgm:linClrLst>
+    <dgm:effectClrLst/>
+    <dgm:txLinClrLst/>
+    <dgm:txFillClrLst meth="repeat">
+      <a:schemeClr val="dk1"/>
+    </dgm:txFillClrLst>
+    <dgm:txEffectClrLst/>
+  </dgm:styleLbl>
+  <dgm:styleLbl name="fgAcc2">
+    <dgm:fillClrLst meth="repeat">
+      <a:schemeClr val="lt1">
+        <a:alpha val="90000"/>
+      </a:schemeClr>
+    </dgm:fillClrLst>
+    <dgm:linClrLst meth="repeat">
+      <a:schemeClr val="accent1"/>
+    </dgm:linClrLst>
+    <dgm:effectClrLst/>
+    <dgm:txLinClrLst/>
+    <dgm:txFillClrLst meth="repeat">
+      <a:schemeClr val="dk1"/>
+    </dgm:txFillClrLst>
+    <dgm:txEffectClrLst/>
+  </dgm:styleLbl>
+  <dgm:styleLbl name="fgAcc3">
+    <dgm:fillClrLst meth="repeat">
+      <a:schemeClr val="lt1">
+        <a:alpha val="90000"/>
+      </a:schemeClr>
+    </dgm:fillClrLst>
+    <dgm:linClrLst meth="repeat">
+      <a:schemeClr val="accent1"/>
+    </dgm:linClrLst>
+    <dgm:effectClrLst/>
+    <dgm:txLinClrLst/>
+    <dgm:txFillClrLst meth="repeat">
+      <a:schemeClr val="dk1"/>
+    </dgm:txFillClrLst>
+    <dgm:txEffectClrLst/>
+  </dgm:styleLbl>
+  <dgm:styleLbl name="fgAcc4">
+    <dgm:fillClrLst meth="repeat">
+      <a:schemeClr val="lt1">
+        <a:alpha val="90000"/>
+      </a:schemeClr>
+    </dgm:fillClrLst>
+    <dgm:linClrLst meth="repeat">
+      <a:schemeClr val="accent1"/>
+    </dgm:linClrLst>
+    <dgm:effectClrLst/>
+    <dgm:txLinClrLst/>
+    <dgm:txFillClrLst meth="repeat">
+      <a:schemeClr val="dk1"/>
+    </dgm:txFillClrLst>
+    <dgm:txEffectClrLst/>
+  </dgm:styleLbl>
+  <dgm:styleLbl name="fgAccFollowNode1">
+    <dgm:fillClrLst meth="repeat">
+      <a:schemeClr val="accent1">
+        <a:alpha val="90000"/>
+        <a:tint val="40000"/>
+      </a:schemeClr>
+    </dgm:fillClrLst>
+    <dgm:linClrLst meth="repeat">
+      <a:schemeClr val="accent1">
+        <a:alpha val="90000"/>
+        <a:tint val="40000"/>
+      </a:schemeClr>
+    </dgm:linClrLst>
+    <dgm:effectClrLst/>
+    <dgm:txLinClrLst/>
+    <dgm:txFillClrLst meth="repeat">
+      <a:schemeClr val="dk1"/>
+    </dgm:txFillClrLst>
+    <dgm:txEffectClrLst/>
+  </dgm:styleLbl>
+  <dgm:styleLbl name="fgImgPlace1">
+    <dgm:fillClrLst meth="repeat">
+      <a:schemeClr val="accent1">
+        <a:tint val="50000"/>
+      </a:schemeClr>
+    </dgm:fillClrLst>
+    <dgm:linClrLst meth="repeat">
+      <a:schemeClr val="lt1"/>
     </dgm:linClrLst>
     <dgm:effectClrLst/>
     <dgm:txLinClrLst/>
@@ -511,18 +537,108 @@
     </dgm:txFillClrLst>
     <dgm:txEffectClrLst/>
   </dgm:styleLbl>
-  <dgm:styleLbl name="parChTrans2D4">
+  <dgm:styleLbl name="fgShp">
+    <dgm:fillClrLst meth="repeat">
+      <a:schemeClr val="accent1">
+        <a:tint val="60000"/>
+      </a:schemeClr>
+    </dgm:fillClrLst>
+    <dgm:linClrLst meth="repeat">
+      <a:schemeClr val="lt1"/>
+    </dgm:linClrLst>
+    <dgm:effectClrLst/>
+    <dgm:txLinClrLst/>
+    <dgm:txFillClrLst meth="repeat">
+      <a:schemeClr val="dk1"/>
+    </dgm:txFillClrLst>
+    <dgm:txEffectClrLst/>
+  </dgm:styleLbl>
+  <dgm:styleLbl name="fgSibTrans2D1">
+    <dgm:fillClrLst meth="repeat">
+      <a:schemeClr val="accent1">
+        <a:tint val="60000"/>
+      </a:schemeClr>
+    </dgm:fillClrLst>
+    <dgm:linClrLst meth="repeat">
+      <a:schemeClr val="accent1">
+        <a:tint val="60000"/>
+      </a:schemeClr>
+    </dgm:linClrLst>
+    <dgm:effectClrLst/>
+    <dgm:txLinClrLst/>
+    <dgm:txFillClrLst/>
+    <dgm:txEffectClrLst/>
+  </dgm:styleLbl>
+  <dgm:styleLbl name="lnNode1">
     <dgm:fillClrLst meth="repeat">
       <a:schemeClr val="accent1"/>
     </dgm:fillClrLst>
     <dgm:linClrLst meth="repeat">
-      <a:schemeClr val="accent1"/>
+      <a:schemeClr val="lt1"/>
     </dgm:linClrLst>
     <dgm:effectClrLst/>
     <dgm:txLinClrLst/>
-    <dgm:txFillClrLst meth="repeat">
+    <dgm:txFillClrLst/>
+    <dgm:txEffectClrLst/>
+  </dgm:styleLbl>
+  <dgm:styleLbl name="node0">
+    <dgm:fillClrLst meth="repeat">
+      <a:schemeClr val="accent1"/>
+    </dgm:fillClrLst>
+    <dgm:linClrLst meth="repeat">
       <a:schemeClr val="lt1"/>
-    </dgm:txFillClrLst>
+    </dgm:linClrLst>
+    <dgm:effectClrLst/>
+    <dgm:txLinClrLst/>
+    <dgm:txFillClrLst/>
+    <dgm:txEffectClrLst/>
+  </dgm:styleLbl>
+  <dgm:styleLbl name="node1">
+    <dgm:fillClrLst meth="repeat">
+      <a:schemeClr val="accent1"/>
+    </dgm:fillClrLst>
+    <dgm:linClrLst meth="repeat">
+      <a:schemeClr val="lt1"/>
+    </dgm:linClrLst>
+    <dgm:effectClrLst/>
+    <dgm:txLinClrLst/>
+    <dgm:txFillClrLst/>
+    <dgm:txEffectClrLst/>
+  </dgm:styleLbl>
+  <dgm:styleLbl name="node2">
+    <dgm:fillClrLst meth="repeat">
+      <a:schemeClr val="accent1"/>
+    </dgm:fillClrLst>
+    <dgm:linClrLst meth="repeat">
+      <a:schemeClr val="lt1"/>
+    </dgm:linClrLst>
+    <dgm:effectClrLst/>
+    <dgm:txLinClrLst/>
+    <dgm:txFillClrLst/>
+    <dgm:txEffectClrLst/>
+  </dgm:styleLbl>
+  <dgm:styleLbl name="node3">
+    <dgm:fillClrLst meth="repeat">
+      <a:schemeClr val="accent1"/>
+    </dgm:fillClrLst>
+    <dgm:linClrLst meth="repeat">
+      <a:schemeClr val="lt1"/>
+    </dgm:linClrLst>
+    <dgm:effectClrLst/>
+    <dgm:txLinClrLst/>
+    <dgm:txFillClrLst/>
+    <dgm:txEffectClrLst/>
+  </dgm:styleLbl>
+  <dgm:styleLbl name="node4">
+    <dgm:fillClrLst meth="repeat">
+      <a:schemeClr val="accent1"/>
+    </dgm:fillClrLst>
+    <dgm:linClrLst meth="repeat">
+      <a:schemeClr val="lt1"/>
+    </dgm:linClrLst>
+    <dgm:effectClrLst/>
+    <dgm:txLinClrLst/>
+    <dgm:txFillClrLst/>
     <dgm:txEffectClrLst/>
   </dgm:styleLbl>
   <dgm:styleLbl name="parChTrans1D1">
@@ -589,11 +705,27 @@
     </dgm:txFillClrLst>
     <dgm:txEffectClrLst/>
   </dgm:styleLbl>
-  <dgm:styleLbl name="fgAcc1">
+  <dgm:styleLbl name="parChTrans2D1">
     <dgm:fillClrLst meth="repeat">
-      <a:schemeClr val="lt1">
-        <a:alpha val="90000"/>
+      <a:schemeClr val="accent1">
+        <a:tint val="60000"/>
       </a:schemeClr>
+    </dgm:fillClrLst>
+    <dgm:linClrLst meth="repeat">
+      <a:schemeClr val="accent1">
+        <a:tint val="60000"/>
+      </a:schemeClr>
+    </dgm:linClrLst>
+    <dgm:effectClrLst/>
+    <dgm:txLinClrLst/>
+    <dgm:txFillClrLst meth="repeat">
+      <a:schemeClr val="lt1"/>
+    </dgm:txFillClrLst>
+    <dgm:txEffectClrLst/>
+  </dgm:styleLbl>
+  <dgm:styleLbl name="parChTrans2D2">
+    <dgm:fillClrLst meth="repeat">
+      <a:schemeClr val="accent1"/>
     </dgm:fillClrLst>
     <dgm:linClrLst meth="repeat">
       <a:schemeClr val="accent1"/>
@@ -601,15 +733,13 @@
     <dgm:effectClrLst/>
     <dgm:txLinClrLst/>
     <dgm:txFillClrLst meth="repeat">
-      <a:schemeClr val="dk1"/>
+      <a:schemeClr val="lt1"/>
     </dgm:txFillClrLst>
     <dgm:txEffectClrLst/>
   </dgm:styleLbl>
-  <dgm:styleLbl name="conFgAcc1">
+  <dgm:styleLbl name="parChTrans2D3">
     <dgm:fillClrLst meth="repeat">
-      <a:schemeClr val="lt1">
-        <a:alpha val="90000"/>
-      </a:schemeClr>
+      <a:schemeClr val="accent1"/>
     </dgm:fillClrLst>
     <dgm:linClrLst meth="repeat">
       <a:schemeClr val="accent1"/>
@@ -617,15 +747,13 @@
     <dgm:effectClrLst/>
     <dgm:txLinClrLst/>
     <dgm:txFillClrLst meth="repeat">
-      <a:schemeClr val="dk1"/>
+      <a:schemeClr val="lt1"/>
     </dgm:txFillClrLst>
     <dgm:txEffectClrLst/>
   </dgm:styleLbl>
-  <dgm:styleLbl name="alignAcc1">
+  <dgm:styleLbl name="parChTrans2D4">
     <dgm:fillClrLst meth="repeat">
-      <a:schemeClr val="lt1">
-        <a:alpha val="90000"/>
-      </a:schemeClr>
+      <a:schemeClr val="accent1"/>
     </dgm:fillClrLst>
     <dgm:linClrLst meth="repeat">
       <a:schemeClr val="accent1"/>
@@ -633,15 +761,31 @@
     <dgm:effectClrLst/>
     <dgm:txLinClrLst/>
     <dgm:txFillClrLst meth="repeat">
-      <a:schemeClr val="dk1"/>
+      <a:schemeClr val="lt1"/>
     </dgm:txFillClrLst>
     <dgm:txEffectClrLst/>
   </dgm:styleLbl>
-  <dgm:styleLbl name="trAlignAcc1">
+  <dgm:styleLbl name="revTx">
     <dgm:fillClrLst meth="repeat">
       <a:schemeClr val="lt1">
-        <a:alpha val="40000"/>
+        <a:alpha val="0"/>
       </a:schemeClr>
+    </dgm:fillClrLst>
+    <dgm:linClrLst meth="repeat">
+      <a:schemeClr val="dk1">
+        <a:alpha val="0"/>
+      </a:schemeClr>
+    </dgm:linClrLst>
+    <dgm:effectClrLst/>
+    <dgm:txLinClrLst/>
+    <dgm:txFillClrLst meth="repeat">
+      <a:schemeClr val="tx1"/>
+    </dgm:txFillClrLst>
+    <dgm:txEffectClrLst/>
+  </dgm:styleLbl>
+  <dgm:styleLbl name="sibTrans1D1">
+    <dgm:fillClrLst meth="repeat">
+      <a:schemeClr val="accent1"/>
     </dgm:fillClrLst>
     <dgm:linClrLst meth="repeat">
       <a:schemeClr val="accent1"/>
@@ -649,38 +793,24 @@
     <dgm:effectClrLst/>
     <dgm:txLinClrLst/>
     <dgm:txFillClrLst meth="repeat">
-      <a:schemeClr val="dk1"/>
+      <a:schemeClr val="tx1"/>
     </dgm:txFillClrLst>
     <dgm:txEffectClrLst/>
   </dgm:styleLbl>
-  <dgm:styleLbl name="bgAcc1">
+  <dgm:styleLbl name="sibTrans2D1">
     <dgm:fillClrLst meth="repeat">
-      <a:schemeClr val="lt1">
-        <a:alpha val="90000"/>
+      <a:schemeClr val="accent1">
+        <a:tint val="60000"/>
       </a:schemeClr>
     </dgm:fillClrLst>
     <dgm:linClrLst meth="repeat">
-      <a:schemeClr val="accent1"/>
+      <a:schemeClr val="accent1">
+        <a:tint val="60000"/>
+      </a:schemeClr>
     </dgm:linClrLst>
     <dgm:effectClrLst/>
     <dgm:txLinClrLst/>
-    <dgm:txFillClrLst meth="repeat">
-      <a:schemeClr val="dk1"/>
-    </dgm:txFillClrLst>
-    <dgm:txEffectClrLst/>
-  </dgm:styleLbl>
-  <dgm:styleLbl name="solidFgAcc1">
-    <dgm:fillClrLst meth="repeat">
-      <a:schemeClr val="lt1"/>
-    </dgm:fillClrLst>
-    <dgm:linClrLst meth="repeat">
-      <a:schemeClr val="accent1"/>
-    </dgm:linClrLst>
-    <dgm:effectClrLst/>
-    <dgm:txLinClrLst/>
-    <dgm:txFillClrLst meth="repeat">
-      <a:schemeClr val="dk1"/>
-    </dgm:txFillClrLst>
+    <dgm:txFillClrLst/>
     <dgm:txEffectClrLst/>
   </dgm:styleLbl>
   <dgm:styleLbl name="solidAlignAcc1">
@@ -711,71 +841,9 @@
     </dgm:txFillClrLst>
     <dgm:txEffectClrLst/>
   </dgm:styleLbl>
-  <dgm:styleLbl name="fgAccFollowNode1">
+  <dgm:styleLbl name="solidFgAcc1">
     <dgm:fillClrLst meth="repeat">
-      <a:schemeClr val="accent1">
-        <a:alpha val="90000"/>
-        <a:tint val="40000"/>
-      </a:schemeClr>
-    </dgm:fillClrLst>
-    <dgm:linClrLst meth="repeat">
-      <a:schemeClr val="accent1">
-        <a:alpha val="90000"/>
-        <a:tint val="40000"/>
-      </a:schemeClr>
-    </dgm:linClrLst>
-    <dgm:effectClrLst/>
-    <dgm:txLinClrLst/>
-    <dgm:txFillClrLst meth="repeat">
-      <a:schemeClr val="dk1"/>
-    </dgm:txFillClrLst>
-    <dgm:txEffectClrLst/>
-  </dgm:styleLbl>
-  <dgm:styleLbl name="alignAccFollowNode1">
-    <dgm:fillClrLst meth="repeat">
-      <a:schemeClr val="accent1">
-        <a:alpha val="90000"/>
-        <a:tint val="40000"/>
-      </a:schemeClr>
-    </dgm:fillClrLst>
-    <dgm:linClrLst meth="repeat">
-      <a:schemeClr val="accent1">
-        <a:alpha val="90000"/>
-        <a:tint val="40000"/>
-      </a:schemeClr>
-    </dgm:linClrLst>
-    <dgm:effectClrLst/>
-    <dgm:txLinClrLst/>
-    <dgm:txFillClrLst meth="repeat">
-      <a:schemeClr val="dk1"/>
-    </dgm:txFillClrLst>
-    <dgm:txEffectClrLst/>
-  </dgm:styleLbl>
-  <dgm:styleLbl name="bgAccFollowNode1">
-    <dgm:fillClrLst meth="repeat">
-      <a:schemeClr val="accent1">
-        <a:alpha val="90000"/>
-        <a:tint val="40000"/>
-      </a:schemeClr>
-    </dgm:fillClrLst>
-    <dgm:linClrLst meth="repeat">
-      <a:schemeClr val="accent1">
-        <a:alpha val="90000"/>
-        <a:tint val="40000"/>
-      </a:schemeClr>
-    </dgm:linClrLst>
-    <dgm:effectClrLst/>
-    <dgm:txLinClrLst/>
-    <dgm:txFillClrLst meth="repeat">
-      <a:schemeClr val="dk1"/>
-    </dgm:txFillClrLst>
-    <dgm:txEffectClrLst/>
-  </dgm:styleLbl>
-  <dgm:styleLbl name="fgAcc0">
-    <dgm:fillClrLst meth="repeat">
-      <a:schemeClr val="lt1">
-        <a:alpha val="90000"/>
-      </a:schemeClr>
+      <a:schemeClr val="lt1"/>
     </dgm:fillClrLst>
     <dgm:linClrLst meth="repeat">
       <a:schemeClr val="accent1"/>
@@ -787,10 +855,10 @@
     </dgm:txFillClrLst>
     <dgm:txEffectClrLst/>
   </dgm:styleLbl>
-  <dgm:styleLbl name="fgAcc2">
+  <dgm:styleLbl name="trAlignAcc1">
     <dgm:fillClrLst meth="repeat">
       <a:schemeClr val="lt1">
-        <a:alpha val="90000"/>
+        <a:alpha val="40000"/>
       </a:schemeClr>
     </dgm:fillClrLst>
     <dgm:linClrLst meth="repeat">
@@ -800,70 +868,6 @@
     <dgm:txLinClrLst/>
     <dgm:txFillClrLst meth="repeat">
       <a:schemeClr val="dk1"/>
-    </dgm:txFillClrLst>
-    <dgm:txEffectClrLst/>
-  </dgm:styleLbl>
-  <dgm:styleLbl name="fgAcc3">
-    <dgm:fillClrLst meth="repeat">
-      <a:schemeClr val="lt1">
-        <a:alpha val="90000"/>
-      </a:schemeClr>
-    </dgm:fillClrLst>
-    <dgm:linClrLst meth="repeat">
-      <a:schemeClr val="accent1"/>
-    </dgm:linClrLst>
-    <dgm:effectClrLst/>
-    <dgm:txLinClrLst/>
-    <dgm:txFillClrLst meth="repeat">
-      <a:schemeClr val="dk1"/>
-    </dgm:txFillClrLst>
-    <dgm:txEffectClrLst/>
-  </dgm:styleLbl>
-  <dgm:styleLbl name="fgAcc4">
-    <dgm:fillClrLst meth="repeat">
-      <a:schemeClr val="lt1">
-        <a:alpha val="90000"/>
-      </a:schemeClr>
-    </dgm:fillClrLst>
-    <dgm:linClrLst meth="repeat">
-      <a:schemeClr val="accent1"/>
-    </dgm:linClrLst>
-    <dgm:effectClrLst/>
-    <dgm:txLinClrLst/>
-    <dgm:txFillClrLst meth="repeat">
-      <a:schemeClr val="dk1"/>
-    </dgm:txFillClrLst>
-    <dgm:txEffectClrLst/>
-  </dgm:styleLbl>
-  <dgm:styleLbl name="bgShp">
-    <dgm:fillClrLst meth="repeat">
-      <a:schemeClr val="accent1">
-        <a:tint val="40000"/>
-      </a:schemeClr>
-    </dgm:fillClrLst>
-    <dgm:linClrLst meth="repeat">
-      <a:schemeClr val="accent1"/>
-    </dgm:linClrLst>
-    <dgm:effectClrLst/>
-    <dgm:txLinClrLst/>
-    <dgm:txFillClrLst meth="repeat">
-      <a:schemeClr val="dk1"/>
-    </dgm:txFillClrLst>
-    <dgm:txEffectClrLst/>
-  </dgm:styleLbl>
-  <dgm:styleLbl name="dkBgShp">
-    <dgm:fillClrLst meth="repeat">
-      <a:schemeClr val="accent1">
-        <a:shade val="80000"/>
-      </a:schemeClr>
-    </dgm:fillClrLst>
-    <dgm:linClrLst meth="repeat">
-      <a:schemeClr val="accent1"/>
-    </dgm:linClrLst>
-    <dgm:effectClrLst/>
-    <dgm:txLinClrLst/>
-    <dgm:txFillClrLst meth="repeat">
-      <a:schemeClr val="lt1"/>
     </dgm:txFillClrLst>
     <dgm:txEffectClrLst/>
   </dgm:styleLbl>
@@ -884,10 +888,10 @@
     </dgm:txFillClrLst>
     <dgm:txEffectClrLst/>
   </dgm:styleLbl>
-  <dgm:styleLbl name="fgShp">
+  <dgm:styleLbl name="vennNode1">
     <dgm:fillClrLst meth="repeat">
       <a:schemeClr val="accent1">
-        <a:tint val="60000"/>
+        <a:alpha val="50000"/>
       </a:schemeClr>
     </dgm:fillClrLst>
     <dgm:linClrLst meth="repeat">
@@ -895,27 +899,7 @@
     </dgm:linClrLst>
     <dgm:effectClrLst/>
     <dgm:txLinClrLst/>
-    <dgm:txFillClrLst meth="repeat">
-      <a:schemeClr val="dk1"/>
-    </dgm:txFillClrLst>
-    <dgm:txEffectClrLst/>
-  </dgm:styleLbl>
-  <dgm:styleLbl name="revTx">
-    <dgm:fillClrLst meth="repeat">
-      <a:schemeClr val="lt1">
-        <a:alpha val="0"/>
-      </a:schemeClr>
-    </dgm:fillClrLst>
-    <dgm:linClrLst meth="repeat">
-      <a:schemeClr val="dk1">
-        <a:alpha val="0"/>
-      </a:schemeClr>
-    </dgm:linClrLst>
-    <dgm:effectClrLst/>
-    <dgm:txLinClrLst/>
-    <dgm:txFillClrLst meth="repeat">
-      <a:schemeClr val="tx1"/>
-    </dgm:txFillClrLst>
+    <dgm:txFillClrLst/>
     <dgm:txEffectClrLst/>
   </dgm:styleLbl>
 </dgm:colorsDef>
@@ -944,15 +928,15 @@
         <a:p>
           <a:r>
             <a:rPr lang="zh-CN" altLang="en-US" sz="1800" dirty="0">
-              <a:latin typeface="微软雅黑" pitchFamily="34" charset="-122"/>
-              <a:ea typeface="微软雅黑" pitchFamily="34" charset="-122"/>
+              <a:latin typeface="微软雅黑" panose="020B0503020204020204" pitchFamily="34" charset="-122"/>
+              <a:ea typeface="微软雅黑" panose="020B0503020204020204" pitchFamily="34" charset="-122"/>
             </a:rPr>
             <a:t>项目管理</a:t>
           </a:r>
         </a:p>
       </dgm:t>
     </dgm:pt>
-    <dgm:pt modelId="{780109C1-9655-47E2-88C3-EAFCF26935DB}" type="parTrans" cxnId="{09047B45-EB83-4B38-B2C2-D582BBB7B5F5}">
+    <dgm:pt modelId="{780109C1-9655-47E2-88C3-EAFCF26935DB}" cxnId="{09047B45-EB83-4B38-B2C2-D582BBB7B5F5}" type="parTrans">
       <dgm:prSet/>
       <dgm:spPr/>
       <dgm:t>
@@ -960,13 +944,13 @@
         <a:lstStyle/>
         <a:p>
           <a:endParaRPr lang="zh-CN" altLang="en-US" sz="2800">
-            <a:latin typeface="微软雅黑" pitchFamily="34" charset="-122"/>
-            <a:ea typeface="微软雅黑" pitchFamily="34" charset="-122"/>
+            <a:latin typeface="微软雅黑" panose="020B0503020204020204" pitchFamily="34" charset="-122"/>
+            <a:ea typeface="微软雅黑" panose="020B0503020204020204" pitchFamily="34" charset="-122"/>
           </a:endParaRPr>
         </a:p>
       </dgm:t>
     </dgm:pt>
-    <dgm:pt modelId="{25A7B371-2967-431B-ABEA-D02DC93FE7D8}" type="sibTrans" cxnId="{09047B45-EB83-4B38-B2C2-D582BBB7B5F5}">
+    <dgm:pt modelId="{25A7B371-2967-431B-ABEA-D02DC93FE7D8}" cxnId="{09047B45-EB83-4B38-B2C2-D582BBB7B5F5}" type="sibTrans">
       <dgm:prSet/>
       <dgm:spPr/>
       <dgm:t>
@@ -974,8 +958,8 @@
         <a:lstStyle/>
         <a:p>
           <a:endParaRPr lang="zh-CN" altLang="en-US" sz="2800">
-            <a:latin typeface="微软雅黑" pitchFamily="34" charset="-122"/>
-            <a:ea typeface="微软雅黑" pitchFamily="34" charset="-122"/>
+            <a:latin typeface="微软雅黑" panose="020B0503020204020204" pitchFamily="34" charset="-122"/>
+            <a:ea typeface="微软雅黑" panose="020B0503020204020204" pitchFamily="34" charset="-122"/>
           </a:endParaRPr>
         </a:p>
       </dgm:t>
@@ -989,15 +973,15 @@
         <a:p>
           <a:r>
             <a:rPr lang="zh-CN" altLang="en-US" sz="1800" dirty="0">
-              <a:latin typeface="微软雅黑" pitchFamily="34" charset="-122"/>
-              <a:ea typeface="微软雅黑" pitchFamily="34" charset="-122"/>
+              <a:latin typeface="微软雅黑" panose="020B0503020204020204" pitchFamily="34" charset="-122"/>
+              <a:ea typeface="微软雅黑" panose="020B0503020204020204" pitchFamily="34" charset="-122"/>
             </a:rPr>
             <a:t>事</a:t>
           </a:r>
         </a:p>
       </dgm:t>
     </dgm:pt>
-    <dgm:pt modelId="{E5D17642-311E-4E48-8DEA-D0D8890B54EE}" type="parTrans" cxnId="{FAB3F2FB-F6D5-4C97-A559-9A4E5DC86A11}">
+    <dgm:pt modelId="{E5D17642-311E-4E48-8DEA-D0D8890B54EE}" cxnId="{FAB3F2FB-F6D5-4C97-A559-9A4E5DC86A11}" type="parTrans">
       <dgm:prSet/>
       <dgm:spPr/>
       <dgm:t>
@@ -1005,13 +989,13 @@
         <a:lstStyle/>
         <a:p>
           <a:endParaRPr lang="zh-CN" altLang="en-US" sz="2800">
-            <a:latin typeface="微软雅黑" pitchFamily="34" charset="-122"/>
-            <a:ea typeface="微软雅黑" pitchFamily="34" charset="-122"/>
+            <a:latin typeface="微软雅黑" panose="020B0503020204020204" pitchFamily="34" charset="-122"/>
+            <a:ea typeface="微软雅黑" panose="020B0503020204020204" pitchFamily="34" charset="-122"/>
           </a:endParaRPr>
         </a:p>
       </dgm:t>
     </dgm:pt>
-    <dgm:pt modelId="{BB304DA2-FDD2-4AC3-9B7F-0E99D5E0A5B1}" type="sibTrans" cxnId="{FAB3F2FB-F6D5-4C97-A559-9A4E5DC86A11}">
+    <dgm:pt modelId="{BB304DA2-FDD2-4AC3-9B7F-0E99D5E0A5B1}" cxnId="{FAB3F2FB-F6D5-4C97-A559-9A4E5DC86A11}" type="sibTrans">
       <dgm:prSet/>
       <dgm:spPr/>
       <dgm:t>
@@ -1019,8 +1003,8 @@
         <a:lstStyle/>
         <a:p>
           <a:endParaRPr lang="zh-CN" altLang="en-US" sz="2800">
-            <a:latin typeface="微软雅黑" pitchFamily="34" charset="-122"/>
-            <a:ea typeface="微软雅黑" pitchFamily="34" charset="-122"/>
+            <a:latin typeface="微软雅黑" panose="020B0503020204020204" pitchFamily="34" charset="-122"/>
+            <a:ea typeface="微软雅黑" panose="020B0503020204020204" pitchFamily="34" charset="-122"/>
           </a:endParaRPr>
         </a:p>
       </dgm:t>
@@ -1034,15 +1018,15 @@
         <a:p>
           <a:r>
             <a:rPr lang="zh-CN" altLang="en-US" sz="1800" dirty="0">
-              <a:latin typeface="微软雅黑" pitchFamily="34" charset="-122"/>
-              <a:ea typeface="微软雅黑" pitchFamily="34" charset="-122"/>
+              <a:latin typeface="微软雅黑" panose="020B0503020204020204" pitchFamily="34" charset="-122"/>
+              <a:ea typeface="微软雅黑" panose="020B0503020204020204" pitchFamily="34" charset="-122"/>
             </a:rPr>
             <a:t>范围</a:t>
           </a:r>
         </a:p>
       </dgm:t>
     </dgm:pt>
-    <dgm:pt modelId="{10F5D31E-01D7-48D8-A17A-041F0FDE5A51}" type="parTrans" cxnId="{CDC70299-13DC-4242-BD10-3FE2159D639C}">
+    <dgm:pt modelId="{10F5D31E-01D7-48D8-A17A-041F0FDE5A51}" cxnId="{CDC70299-13DC-4242-BD10-3FE2159D639C}" type="parTrans">
       <dgm:prSet/>
       <dgm:spPr/>
       <dgm:t>
@@ -1050,13 +1034,13 @@
         <a:lstStyle/>
         <a:p>
           <a:endParaRPr lang="zh-CN" altLang="en-US" sz="2800">
-            <a:latin typeface="微软雅黑" pitchFamily="34" charset="-122"/>
-            <a:ea typeface="微软雅黑" pitchFamily="34" charset="-122"/>
+            <a:latin typeface="微软雅黑" panose="020B0503020204020204" pitchFamily="34" charset="-122"/>
+            <a:ea typeface="微软雅黑" panose="020B0503020204020204" pitchFamily="34" charset="-122"/>
           </a:endParaRPr>
         </a:p>
       </dgm:t>
     </dgm:pt>
-    <dgm:pt modelId="{9650F4D0-D729-49DA-856E-CABC5ECABC91}" type="sibTrans" cxnId="{CDC70299-13DC-4242-BD10-3FE2159D639C}">
+    <dgm:pt modelId="{9650F4D0-D729-49DA-856E-CABC5ECABC91}" cxnId="{CDC70299-13DC-4242-BD10-3FE2159D639C}" type="sibTrans">
       <dgm:prSet/>
       <dgm:spPr/>
       <dgm:t>
@@ -1064,8 +1048,8 @@
         <a:lstStyle/>
         <a:p>
           <a:endParaRPr lang="zh-CN" altLang="en-US" sz="2800">
-            <a:latin typeface="微软雅黑" pitchFamily="34" charset="-122"/>
-            <a:ea typeface="微软雅黑" pitchFamily="34" charset="-122"/>
+            <a:latin typeface="微软雅黑" panose="020B0503020204020204" pitchFamily="34" charset="-122"/>
+            <a:ea typeface="微软雅黑" panose="020B0503020204020204" pitchFamily="34" charset="-122"/>
           </a:endParaRPr>
         </a:p>
       </dgm:t>
@@ -1079,15 +1063,15 @@
         <a:p>
           <a:r>
             <a:rPr lang="zh-CN" altLang="en-US" sz="1800" dirty="0">
-              <a:latin typeface="微软雅黑" pitchFamily="34" charset="-122"/>
-              <a:ea typeface="微软雅黑" pitchFamily="34" charset="-122"/>
+              <a:latin typeface="微软雅黑" panose="020B0503020204020204" pitchFamily="34" charset="-122"/>
+              <a:ea typeface="微软雅黑" panose="020B0503020204020204" pitchFamily="34" charset="-122"/>
             </a:rPr>
             <a:t>时间</a:t>
           </a:r>
         </a:p>
       </dgm:t>
     </dgm:pt>
-    <dgm:pt modelId="{CC6703A3-6E18-4CFC-8EE5-235B7475FC24}" type="parTrans" cxnId="{B50250B4-0CBF-4078-A2DE-E79870F84E76}">
+    <dgm:pt modelId="{CC6703A3-6E18-4CFC-8EE5-235B7475FC24}" cxnId="{B50250B4-0CBF-4078-A2DE-E79870F84E76}" type="parTrans">
       <dgm:prSet/>
       <dgm:spPr/>
       <dgm:t>
@@ -1095,13 +1079,13 @@
         <a:lstStyle/>
         <a:p>
           <a:endParaRPr lang="zh-CN" altLang="en-US" sz="2800">
-            <a:latin typeface="微软雅黑" pitchFamily="34" charset="-122"/>
-            <a:ea typeface="微软雅黑" pitchFamily="34" charset="-122"/>
+            <a:latin typeface="微软雅黑" panose="020B0503020204020204" pitchFamily="34" charset="-122"/>
+            <a:ea typeface="微软雅黑" panose="020B0503020204020204" pitchFamily="34" charset="-122"/>
           </a:endParaRPr>
         </a:p>
       </dgm:t>
     </dgm:pt>
-    <dgm:pt modelId="{29ED61F3-2CE1-4C83-8EA0-C5701A73FAA7}" type="sibTrans" cxnId="{B50250B4-0CBF-4078-A2DE-E79870F84E76}">
+    <dgm:pt modelId="{29ED61F3-2CE1-4C83-8EA0-C5701A73FAA7}" cxnId="{B50250B4-0CBF-4078-A2DE-E79870F84E76}" type="sibTrans">
       <dgm:prSet/>
       <dgm:spPr/>
       <dgm:t>
@@ -1109,8 +1093,8 @@
         <a:lstStyle/>
         <a:p>
           <a:endParaRPr lang="zh-CN" altLang="en-US" sz="2800">
-            <a:latin typeface="微软雅黑" pitchFamily="34" charset="-122"/>
-            <a:ea typeface="微软雅黑" pitchFamily="34" charset="-122"/>
+            <a:latin typeface="微软雅黑" panose="020B0503020204020204" pitchFamily="34" charset="-122"/>
+            <a:ea typeface="微软雅黑" panose="020B0503020204020204" pitchFamily="34" charset="-122"/>
           </a:endParaRPr>
         </a:p>
       </dgm:t>
@@ -1124,15 +1108,15 @@
         <a:p>
           <a:r>
             <a:rPr lang="zh-CN" altLang="en-US" sz="1800" dirty="0">
-              <a:latin typeface="微软雅黑" pitchFamily="34" charset="-122"/>
-              <a:ea typeface="微软雅黑" pitchFamily="34" charset="-122"/>
+              <a:latin typeface="微软雅黑" panose="020B0503020204020204" pitchFamily="34" charset="-122"/>
+              <a:ea typeface="微软雅黑" panose="020B0503020204020204" pitchFamily="34" charset="-122"/>
             </a:rPr>
             <a:t>人</a:t>
           </a:r>
         </a:p>
       </dgm:t>
     </dgm:pt>
-    <dgm:pt modelId="{513DB6FD-C6AF-4569-976F-A254F44F1892}" type="parTrans" cxnId="{7FF62EE3-9AA1-4D3F-B751-E03B97D6EBBE}">
+    <dgm:pt modelId="{513DB6FD-C6AF-4569-976F-A254F44F1892}" cxnId="{7FF62EE3-9AA1-4D3F-B751-E03B97D6EBBE}" type="parTrans">
       <dgm:prSet/>
       <dgm:spPr/>
       <dgm:t>
@@ -1140,13 +1124,13 @@
         <a:lstStyle/>
         <a:p>
           <a:endParaRPr lang="zh-CN" altLang="en-US" sz="2800">
-            <a:latin typeface="微软雅黑" pitchFamily="34" charset="-122"/>
-            <a:ea typeface="微软雅黑" pitchFamily="34" charset="-122"/>
+            <a:latin typeface="微软雅黑" panose="020B0503020204020204" pitchFamily="34" charset="-122"/>
+            <a:ea typeface="微软雅黑" panose="020B0503020204020204" pitchFamily="34" charset="-122"/>
           </a:endParaRPr>
         </a:p>
       </dgm:t>
     </dgm:pt>
-    <dgm:pt modelId="{DCB10894-45A3-4B01-B290-17600C3EA423}" type="sibTrans" cxnId="{7FF62EE3-9AA1-4D3F-B751-E03B97D6EBBE}">
+    <dgm:pt modelId="{DCB10894-45A3-4B01-B290-17600C3EA423}" cxnId="{7FF62EE3-9AA1-4D3F-B751-E03B97D6EBBE}" type="sibTrans">
       <dgm:prSet/>
       <dgm:spPr/>
       <dgm:t>
@@ -1154,8 +1138,8 @@
         <a:lstStyle/>
         <a:p>
           <a:endParaRPr lang="zh-CN" altLang="en-US" sz="2800">
-            <a:latin typeface="微软雅黑" pitchFamily="34" charset="-122"/>
-            <a:ea typeface="微软雅黑" pitchFamily="34" charset="-122"/>
+            <a:latin typeface="微软雅黑" panose="020B0503020204020204" pitchFamily="34" charset="-122"/>
+            <a:ea typeface="微软雅黑" panose="020B0503020204020204" pitchFamily="34" charset="-122"/>
           </a:endParaRPr>
         </a:p>
       </dgm:t>
@@ -1169,15 +1153,15 @@
         <a:p>
           <a:r>
             <a:rPr lang="zh-CN" altLang="en-US" sz="1800" dirty="0">
-              <a:latin typeface="微软雅黑" pitchFamily="34" charset="-122"/>
-              <a:ea typeface="微软雅黑" pitchFamily="34" charset="-122"/>
+              <a:latin typeface="微软雅黑" panose="020B0503020204020204" pitchFamily="34" charset="-122"/>
+              <a:ea typeface="微软雅黑" panose="020B0503020204020204" pitchFamily="34" charset="-122"/>
             </a:rPr>
             <a:t>人力资源</a:t>
           </a:r>
         </a:p>
       </dgm:t>
     </dgm:pt>
-    <dgm:pt modelId="{55388E6F-6338-4CF4-87B0-851C4673823B}" type="parTrans" cxnId="{9E32DD99-262F-432C-BD2E-C85EC508EDFD}">
+    <dgm:pt modelId="{55388E6F-6338-4CF4-87B0-851C4673823B}" cxnId="{9E32DD99-262F-432C-BD2E-C85EC508EDFD}" type="parTrans">
       <dgm:prSet/>
       <dgm:spPr/>
       <dgm:t>
@@ -1185,13 +1169,13 @@
         <a:lstStyle/>
         <a:p>
           <a:endParaRPr lang="zh-CN" altLang="en-US" sz="2800">
-            <a:latin typeface="微软雅黑" pitchFamily="34" charset="-122"/>
-            <a:ea typeface="微软雅黑" pitchFamily="34" charset="-122"/>
+            <a:latin typeface="微软雅黑" panose="020B0503020204020204" pitchFamily="34" charset="-122"/>
+            <a:ea typeface="微软雅黑" panose="020B0503020204020204" pitchFamily="34" charset="-122"/>
           </a:endParaRPr>
         </a:p>
       </dgm:t>
     </dgm:pt>
-    <dgm:pt modelId="{11213025-812A-458F-8161-354A47AA333A}" type="sibTrans" cxnId="{9E32DD99-262F-432C-BD2E-C85EC508EDFD}">
+    <dgm:pt modelId="{11213025-812A-458F-8161-354A47AA333A}" cxnId="{9E32DD99-262F-432C-BD2E-C85EC508EDFD}" type="sibTrans">
       <dgm:prSet/>
       <dgm:spPr/>
       <dgm:t>
@@ -1199,8 +1183,8 @@
         <a:lstStyle/>
         <a:p>
           <a:endParaRPr lang="zh-CN" altLang="en-US" sz="2800">
-            <a:latin typeface="微软雅黑" pitchFamily="34" charset="-122"/>
-            <a:ea typeface="微软雅黑" pitchFamily="34" charset="-122"/>
+            <a:latin typeface="微软雅黑" panose="020B0503020204020204" pitchFamily="34" charset="-122"/>
+            <a:ea typeface="微软雅黑" panose="020B0503020204020204" pitchFamily="34" charset="-122"/>
           </a:endParaRPr>
         </a:p>
       </dgm:t>
@@ -1214,15 +1198,15 @@
         <a:p>
           <a:r>
             <a:rPr lang="zh-CN" altLang="en-US" sz="1800" dirty="0">
-              <a:latin typeface="微软雅黑" pitchFamily="34" charset="-122"/>
-              <a:ea typeface="微软雅黑" pitchFamily="34" charset="-122"/>
+              <a:latin typeface="微软雅黑" panose="020B0503020204020204" pitchFamily="34" charset="-122"/>
+              <a:ea typeface="微软雅黑" panose="020B0503020204020204" pitchFamily="34" charset="-122"/>
             </a:rPr>
             <a:t>成本</a:t>
           </a:r>
         </a:p>
       </dgm:t>
     </dgm:pt>
-    <dgm:pt modelId="{2033EEA5-8E1B-4AF2-8AC2-4C3A7D3D8D2B}" type="parTrans" cxnId="{D6DEDB76-78DB-4899-A5A0-15A51B0A1811}">
+    <dgm:pt modelId="{2033EEA5-8E1B-4AF2-8AC2-4C3A7D3D8D2B}" cxnId="{D6DEDB76-78DB-4899-A5A0-15A51B0A1811}" type="parTrans">
       <dgm:prSet/>
       <dgm:spPr/>
       <dgm:t>
@@ -1230,13 +1214,13 @@
         <a:lstStyle/>
         <a:p>
           <a:endParaRPr lang="zh-CN" altLang="en-US" sz="2800">
-            <a:latin typeface="微软雅黑" pitchFamily="34" charset="-122"/>
-            <a:ea typeface="微软雅黑" pitchFamily="34" charset="-122"/>
+            <a:latin typeface="微软雅黑" panose="020B0503020204020204" pitchFamily="34" charset="-122"/>
+            <a:ea typeface="微软雅黑" panose="020B0503020204020204" pitchFamily="34" charset="-122"/>
           </a:endParaRPr>
         </a:p>
       </dgm:t>
     </dgm:pt>
-    <dgm:pt modelId="{3F7D1C3C-8F07-48C9-ACCC-4DFB803E7B82}" type="sibTrans" cxnId="{D6DEDB76-78DB-4899-A5A0-15A51B0A1811}">
+    <dgm:pt modelId="{3F7D1C3C-8F07-48C9-ACCC-4DFB803E7B82}" cxnId="{D6DEDB76-78DB-4899-A5A0-15A51B0A1811}" type="sibTrans">
       <dgm:prSet/>
       <dgm:spPr/>
       <dgm:t>
@@ -1244,8 +1228,8 @@
         <a:lstStyle/>
         <a:p>
           <a:endParaRPr lang="zh-CN" altLang="en-US" sz="2800">
-            <a:latin typeface="微软雅黑" pitchFamily="34" charset="-122"/>
-            <a:ea typeface="微软雅黑" pitchFamily="34" charset="-122"/>
+            <a:latin typeface="微软雅黑" panose="020B0503020204020204" pitchFamily="34" charset="-122"/>
+            <a:ea typeface="微软雅黑" panose="020B0503020204020204" pitchFamily="34" charset="-122"/>
           </a:endParaRPr>
         </a:p>
       </dgm:t>
@@ -1259,15 +1243,15 @@
         <a:p>
           <a:r>
             <a:rPr lang="zh-CN" altLang="en-US" sz="1800" dirty="0">
-              <a:latin typeface="微软雅黑" pitchFamily="34" charset="-122"/>
-              <a:ea typeface="微软雅黑" pitchFamily="34" charset="-122"/>
+              <a:latin typeface="微软雅黑" panose="020B0503020204020204" pitchFamily="34" charset="-122"/>
+              <a:ea typeface="微软雅黑" panose="020B0503020204020204" pitchFamily="34" charset="-122"/>
             </a:rPr>
             <a:t>质量</a:t>
           </a:r>
         </a:p>
       </dgm:t>
     </dgm:pt>
-    <dgm:pt modelId="{EB1D478A-037E-41BB-B9EF-E06700D27A80}" type="parTrans" cxnId="{49C53F4D-67BF-4063-B274-89B2E5F4EFDD}">
+    <dgm:pt modelId="{EB1D478A-037E-41BB-B9EF-E06700D27A80}" cxnId="{49C53F4D-67BF-4063-B274-89B2E5F4EFDD}" type="parTrans">
       <dgm:prSet/>
       <dgm:spPr/>
       <dgm:t>
@@ -1275,13 +1259,13 @@
         <a:lstStyle/>
         <a:p>
           <a:endParaRPr lang="zh-CN" altLang="en-US" sz="2800">
-            <a:latin typeface="微软雅黑" pitchFamily="34" charset="-122"/>
-            <a:ea typeface="微软雅黑" pitchFamily="34" charset="-122"/>
+            <a:latin typeface="微软雅黑" panose="020B0503020204020204" pitchFamily="34" charset="-122"/>
+            <a:ea typeface="微软雅黑" panose="020B0503020204020204" pitchFamily="34" charset="-122"/>
           </a:endParaRPr>
         </a:p>
       </dgm:t>
     </dgm:pt>
-    <dgm:pt modelId="{7CEC71C0-C2B8-446E-9054-8E3CEFA2E526}" type="sibTrans" cxnId="{49C53F4D-67BF-4063-B274-89B2E5F4EFDD}">
+    <dgm:pt modelId="{7CEC71C0-C2B8-446E-9054-8E3CEFA2E526}" cxnId="{49C53F4D-67BF-4063-B274-89B2E5F4EFDD}" type="sibTrans">
       <dgm:prSet/>
       <dgm:spPr/>
       <dgm:t>
@@ -1289,8 +1273,8 @@
         <a:lstStyle/>
         <a:p>
           <a:endParaRPr lang="zh-CN" altLang="en-US" sz="2800">
-            <a:latin typeface="微软雅黑" pitchFamily="34" charset="-122"/>
-            <a:ea typeface="微软雅黑" pitchFamily="34" charset="-122"/>
+            <a:latin typeface="微软雅黑" panose="020B0503020204020204" pitchFamily="34" charset="-122"/>
+            <a:ea typeface="微软雅黑" panose="020B0503020204020204" pitchFamily="34" charset="-122"/>
           </a:endParaRPr>
         </a:p>
       </dgm:t>
@@ -1304,15 +1288,15 @@
         <a:p>
           <a:r>
             <a:rPr lang="zh-CN" altLang="en-US" sz="1800" dirty="0">
-              <a:latin typeface="微软雅黑" pitchFamily="34" charset="-122"/>
-              <a:ea typeface="微软雅黑" pitchFamily="34" charset="-122"/>
+              <a:latin typeface="微软雅黑" panose="020B0503020204020204" pitchFamily="34" charset="-122"/>
+              <a:ea typeface="微软雅黑" panose="020B0503020204020204" pitchFamily="34" charset="-122"/>
             </a:rPr>
             <a:t>风险</a:t>
           </a:r>
         </a:p>
       </dgm:t>
     </dgm:pt>
-    <dgm:pt modelId="{B963AF18-954A-4790-B081-22F850B4EF59}" type="parTrans" cxnId="{927BD30D-C068-434C-8445-9F9115C085E6}">
+    <dgm:pt modelId="{B963AF18-954A-4790-B081-22F850B4EF59}" cxnId="{927BD30D-C068-434C-8445-9F9115C085E6}" type="parTrans">
       <dgm:prSet/>
       <dgm:spPr/>
       <dgm:t>
@@ -1320,13 +1304,13 @@
         <a:lstStyle/>
         <a:p>
           <a:endParaRPr lang="zh-CN" altLang="en-US" sz="2800">
-            <a:latin typeface="微软雅黑" pitchFamily="34" charset="-122"/>
-            <a:ea typeface="微软雅黑" pitchFamily="34" charset="-122"/>
+            <a:latin typeface="微软雅黑" panose="020B0503020204020204" pitchFamily="34" charset="-122"/>
+            <a:ea typeface="微软雅黑" panose="020B0503020204020204" pitchFamily="34" charset="-122"/>
           </a:endParaRPr>
         </a:p>
       </dgm:t>
     </dgm:pt>
-    <dgm:pt modelId="{9AA1D75D-31A0-425F-A202-CECC03DAE80E}" type="sibTrans" cxnId="{927BD30D-C068-434C-8445-9F9115C085E6}">
+    <dgm:pt modelId="{9AA1D75D-31A0-425F-A202-CECC03DAE80E}" cxnId="{927BD30D-C068-434C-8445-9F9115C085E6}" type="sibTrans">
       <dgm:prSet/>
       <dgm:spPr/>
       <dgm:t>
@@ -1334,8 +1318,8 @@
         <a:lstStyle/>
         <a:p>
           <a:endParaRPr lang="zh-CN" altLang="en-US" sz="2800">
-            <a:latin typeface="微软雅黑" pitchFamily="34" charset="-122"/>
-            <a:ea typeface="微软雅黑" pitchFamily="34" charset="-122"/>
+            <a:latin typeface="微软雅黑" panose="020B0503020204020204" pitchFamily="34" charset="-122"/>
+            <a:ea typeface="微软雅黑" panose="020B0503020204020204" pitchFamily="34" charset="-122"/>
           </a:endParaRPr>
         </a:p>
       </dgm:t>
@@ -1349,15 +1333,15 @@
         <a:p>
           <a:r>
             <a:rPr lang="zh-CN" altLang="en-US" sz="1800" dirty="0">
-              <a:latin typeface="微软雅黑" pitchFamily="34" charset="-122"/>
-              <a:ea typeface="微软雅黑" pitchFamily="34" charset="-122"/>
+              <a:latin typeface="微软雅黑" panose="020B0503020204020204" pitchFamily="34" charset="-122"/>
+              <a:ea typeface="微软雅黑" panose="020B0503020204020204" pitchFamily="34" charset="-122"/>
             </a:rPr>
             <a:t>沟通</a:t>
           </a:r>
         </a:p>
       </dgm:t>
     </dgm:pt>
-    <dgm:pt modelId="{A910557D-39B8-4EBF-81FC-B81AE6ABAC4B}" type="parTrans" cxnId="{D7DDE220-7AB9-49D1-B21C-EA6F92BC8EB8}">
+    <dgm:pt modelId="{A910557D-39B8-4EBF-81FC-B81AE6ABAC4B}" cxnId="{D7DDE220-7AB9-49D1-B21C-EA6F92BC8EB8}" type="parTrans">
       <dgm:prSet/>
       <dgm:spPr/>
       <dgm:t>
@@ -1365,13 +1349,13 @@
         <a:lstStyle/>
         <a:p>
           <a:endParaRPr lang="zh-CN" altLang="en-US" sz="2800">
-            <a:latin typeface="微软雅黑" pitchFamily="34" charset="-122"/>
-            <a:ea typeface="微软雅黑" pitchFamily="34" charset="-122"/>
+            <a:latin typeface="微软雅黑" panose="020B0503020204020204" pitchFamily="34" charset="-122"/>
+            <a:ea typeface="微软雅黑" panose="020B0503020204020204" pitchFamily="34" charset="-122"/>
           </a:endParaRPr>
         </a:p>
       </dgm:t>
     </dgm:pt>
-    <dgm:pt modelId="{CA5350F7-4D32-4437-B95B-5CEFC201F08E}" type="sibTrans" cxnId="{D7DDE220-7AB9-49D1-B21C-EA6F92BC8EB8}">
+    <dgm:pt modelId="{CA5350F7-4D32-4437-B95B-5CEFC201F08E}" cxnId="{D7DDE220-7AB9-49D1-B21C-EA6F92BC8EB8}" type="sibTrans">
       <dgm:prSet/>
       <dgm:spPr/>
       <dgm:t>
@@ -1379,8 +1363,8 @@
         <a:lstStyle/>
         <a:p>
           <a:endParaRPr lang="zh-CN" altLang="en-US" sz="2800">
-            <a:latin typeface="微软雅黑" pitchFamily="34" charset="-122"/>
-            <a:ea typeface="微软雅黑" pitchFamily="34" charset="-122"/>
+            <a:latin typeface="微软雅黑" panose="020B0503020204020204" pitchFamily="34" charset="-122"/>
+            <a:ea typeface="微软雅黑" panose="020B0503020204020204" pitchFamily="34" charset="-122"/>
           </a:endParaRPr>
         </a:p>
       </dgm:t>
@@ -1394,15 +1378,15 @@
         <a:p>
           <a:r>
             <a:rPr lang="zh-CN" altLang="en-US" sz="1800" dirty="0">
-              <a:latin typeface="微软雅黑" pitchFamily="34" charset="-122"/>
-              <a:ea typeface="微软雅黑" pitchFamily="34" charset="-122"/>
+              <a:latin typeface="微软雅黑" panose="020B0503020204020204" pitchFamily="34" charset="-122"/>
+              <a:ea typeface="微软雅黑" panose="020B0503020204020204" pitchFamily="34" charset="-122"/>
             </a:rPr>
             <a:t>采购</a:t>
           </a:r>
         </a:p>
       </dgm:t>
     </dgm:pt>
-    <dgm:pt modelId="{6BBB0ADE-0271-4DEB-BA40-4CDD422D51FE}" type="parTrans" cxnId="{67D060C8-B4E9-48EA-9013-0AD8D704B634}">
+    <dgm:pt modelId="{6BBB0ADE-0271-4DEB-BA40-4CDD422D51FE}" cxnId="{67D060C8-B4E9-48EA-9013-0AD8D704B634}" type="parTrans">
       <dgm:prSet/>
       <dgm:spPr/>
       <dgm:t>
@@ -1410,13 +1394,13 @@
         <a:lstStyle/>
         <a:p>
           <a:endParaRPr lang="zh-CN" altLang="en-US" sz="2800">
-            <a:latin typeface="微软雅黑" pitchFamily="34" charset="-122"/>
-            <a:ea typeface="微软雅黑" pitchFamily="34" charset="-122"/>
+            <a:latin typeface="微软雅黑" panose="020B0503020204020204" pitchFamily="34" charset="-122"/>
+            <a:ea typeface="微软雅黑" panose="020B0503020204020204" pitchFamily="34" charset="-122"/>
           </a:endParaRPr>
         </a:p>
       </dgm:t>
     </dgm:pt>
-    <dgm:pt modelId="{7D06CDA7-DB4F-44CC-978A-D018E3336EDE}" type="sibTrans" cxnId="{67D060C8-B4E9-48EA-9013-0AD8D704B634}">
+    <dgm:pt modelId="{7D06CDA7-DB4F-44CC-978A-D018E3336EDE}" cxnId="{67D060C8-B4E9-48EA-9013-0AD8D704B634}" type="sibTrans">
       <dgm:prSet/>
       <dgm:spPr/>
       <dgm:t>
@@ -1424,8 +1408,8 @@
         <a:lstStyle/>
         <a:p>
           <a:endParaRPr lang="zh-CN" altLang="en-US" sz="2800">
-            <a:latin typeface="微软雅黑" pitchFamily="34" charset="-122"/>
-            <a:ea typeface="微软雅黑" pitchFamily="34" charset="-122"/>
+            <a:latin typeface="微软雅黑" panose="020B0503020204020204" pitchFamily="34" charset="-122"/>
+            <a:ea typeface="微软雅黑" panose="020B0503020204020204" pitchFamily="34" charset="-122"/>
           </a:endParaRPr>
         </a:p>
       </dgm:t>
@@ -1459,16 +1443,16 @@
                   <a:alphaOff val="0"/>
                 </a:srgbClr>
               </a:solidFill>
-              <a:latin typeface="微软雅黑" pitchFamily="34" charset="-122"/>
-              <a:ea typeface="微软雅黑" pitchFamily="34" charset="-122"/>
-              <a:cs typeface="Arial"/>
+              <a:latin typeface="微软雅黑" panose="020B0503020204020204" pitchFamily="34" charset="-122"/>
+              <a:ea typeface="微软雅黑" panose="020B0503020204020204" pitchFamily="34" charset="-122"/>
+              <a:cs typeface="Arial" panose="020B0604020202020204"/>
             </a:rPr>
             <a:t>干系人</a:t>
           </a:r>
         </a:p>
       </dgm:t>
     </dgm:pt>
-    <dgm:pt modelId="{83332816-3AEF-40C4-8DD3-C953BCC7595A}" type="parTrans" cxnId="{99F7F098-52EA-44C3-8F2E-AD75D5D60EC7}">
+    <dgm:pt modelId="{83332816-3AEF-40C4-8DD3-C953BCC7595A}" cxnId="{99F7F098-52EA-44C3-8F2E-AD75D5D60EC7}" type="parTrans">
       <dgm:prSet/>
       <dgm:spPr/>
       <dgm:t>
@@ -1479,7 +1463,7 @@
         </a:p>
       </dgm:t>
     </dgm:pt>
-    <dgm:pt modelId="{69D2346F-7D67-4A60-982B-77A03C97CEDA}" type="sibTrans" cxnId="{99F7F098-52EA-44C3-8F2E-AD75D5D60EC7}">
+    <dgm:pt modelId="{69D2346F-7D67-4A60-982B-77A03C97CEDA}" cxnId="{99F7F098-52EA-44C3-8F2E-AD75D5D60EC7}" type="sibTrans">
       <dgm:prSet/>
       <dgm:spPr/>
       <dgm:t>
@@ -2116,7 +2100,7 @@
   <dgm:whole/>
   <dgm:extLst>
     <a:ext uri="http://schemas.microsoft.com/office/drawing/2008/diagram">
-      <dsp:dataModelExt xmlns:dsp="http://schemas.microsoft.com/office/drawing/2008/diagram" relId="rId6" minVer="http://schemas.openxmlformats.org/drawingml/2006/diagram"/>
+      <dsp:dataModelExt xmlns:dsp="http://schemas.microsoft.com/office/drawing/2008/diagram" relId="rId5" minVer="http://schemas.openxmlformats.org/drawingml/2006/diagram"/>
     </a:ext>
   </dgm:extLst>
 </dgm:dataModel>
@@ -4599,14 +4583,14 @@
               <dgm:forEach name="Name9" axis="self" ptType="parTrans" cnt="1">
                 <dgm:layoutNode name="Name10">
                   <dgm:alg type="conn">
+                    <dgm:param type="srcNode" val="background"/>
+                    <dgm:param type="dstNode" val="background2"/>
                     <dgm:param type="dim" val="1D"/>
                     <dgm:param type="endSty" val="noArr"/>
                     <dgm:param type="connRout" val="bend"/>
-                    <dgm:param type="bendPt" val="end"/>
                     <dgm:param type="begPts" val="bCtr"/>
                     <dgm:param type="endPts" val="tCtr"/>
-                    <dgm:param type="srcNode" val="background"/>
-                    <dgm:param type="dstNode" val="background2"/>
+                    <dgm:param type="bendPt" val="end"/>
                   </dgm:alg>
                   <dgm:shape xmlns:r="http://schemas.openxmlformats.org/officeDocument/2006/relationships" type="conn" r:blip="" zOrderOff="-999">
                     <dgm:adjLst/>
@@ -4703,14 +4687,14 @@
                       <dgm:forEach name="Name16" axis="self" ptType="parTrans" cnt="1">
                         <dgm:layoutNode name="Name17">
                           <dgm:alg type="conn">
+                            <dgm:param type="srcNode" val="background2"/>
+                            <dgm:param type="dstNode" val="background3"/>
                             <dgm:param type="dim" val="1D"/>
                             <dgm:param type="endSty" val="noArr"/>
                             <dgm:param type="connRout" val="bend"/>
-                            <dgm:param type="bendPt" val="end"/>
                             <dgm:param type="begPts" val="bCtr"/>
                             <dgm:param type="endPts" val="tCtr"/>
-                            <dgm:param type="srcNode" val="background2"/>
-                            <dgm:param type="dstNode" val="background3"/>
+                            <dgm:param type="bendPt" val="end"/>
                           </dgm:alg>
                           <dgm:shape xmlns:r="http://schemas.openxmlformats.org/officeDocument/2006/relationships" type="conn" r:blip="" zOrderOff="-999">
                             <dgm:adjLst/>
@@ -4809,26 +4793,26 @@
                                   <dgm:choose name="Name24">
                                     <dgm:if name="Name25" axis="self" func="depth" op="lte" val="4">
                                       <dgm:alg type="conn">
+                                        <dgm:param type="srcNode" val="background3"/>
+                                        <dgm:param type="dstNode" val="background4"/>
                                         <dgm:param type="dim" val="1D"/>
                                         <dgm:param type="endSty" val="noArr"/>
                                         <dgm:param type="connRout" val="bend"/>
-                                        <dgm:param type="bendPt" val="end"/>
                                         <dgm:param type="begPts" val="bCtr"/>
                                         <dgm:param type="endPts" val="tCtr"/>
-                                        <dgm:param type="srcNode" val="background3"/>
-                                        <dgm:param type="dstNode" val="background4"/>
+                                        <dgm:param type="bendPt" val="end"/>
                                       </dgm:alg>
                                     </dgm:if>
                                     <dgm:else name="Name26">
                                       <dgm:alg type="conn">
+                                        <dgm:param type="srcNode" val="background4"/>
+                                        <dgm:param type="dstNode" val="background4"/>
                                         <dgm:param type="dim" val="1D"/>
                                         <dgm:param type="endSty" val="noArr"/>
                                         <dgm:param type="connRout" val="bend"/>
-                                        <dgm:param type="bendPt" val="end"/>
                                         <dgm:param type="begPts" val="bCtr"/>
                                         <dgm:param type="endPts" val="tCtr"/>
-                                        <dgm:param type="srcNode" val="background4"/>
-                                        <dgm:param type="dstNode" val="background4"/>
+                                        <dgm:param type="bendPt" val="end"/>
                                       </dgm:alg>
                                     </dgm:else>
                                   </dgm:choose>
@@ -4955,15 +4939,503 @@
     <a:camera prst="orthographicFront"/>
     <a:lightRig rig="threePt" dir="t"/>
   </dgm:scene3d>
-  <dgm:styleLbl name="node0">
+  <dgm:styleLbl name="alignAcc1">
     <dgm:scene3d>
       <a:camera prst="orthographicFront"/>
       <a:lightRig rig="threePt" dir="t"/>
     </dgm:scene3d>
-    <dgm:sp3d/>
     <dgm:txPr/>
     <dgm:style>
       <a:lnRef idx="2">
+        <a:scrgbClr r="0" g="0" b="0"/>
+      </a:lnRef>
+      <a:fillRef idx="1">
+        <a:scrgbClr r="0" g="0" b="0"/>
+      </a:fillRef>
+      <a:effectRef idx="0">
+        <a:scrgbClr r="0" g="0" b="0"/>
+      </a:effectRef>
+      <a:fontRef idx="minor"/>
+    </dgm:style>
+  </dgm:styleLbl>
+  <dgm:styleLbl name="alignAccFollowNode1">
+    <dgm:scene3d>
+      <a:camera prst="orthographicFront"/>
+      <a:lightRig rig="threePt" dir="t"/>
+    </dgm:scene3d>
+    <dgm:txPr/>
+    <dgm:style>
+      <a:lnRef idx="2">
+        <a:scrgbClr r="0" g="0" b="0"/>
+      </a:lnRef>
+      <a:fillRef idx="1">
+        <a:scrgbClr r="0" g="0" b="0"/>
+      </a:fillRef>
+      <a:effectRef idx="0">
+        <a:scrgbClr r="0" g="0" b="0"/>
+      </a:effectRef>
+      <a:fontRef idx="minor"/>
+    </dgm:style>
+  </dgm:styleLbl>
+  <dgm:styleLbl name="alignImgPlace1">
+    <dgm:scene3d>
+      <a:camera prst="orthographicFront"/>
+      <a:lightRig rig="threePt" dir="t"/>
+    </dgm:scene3d>
+    <dgm:txPr/>
+    <dgm:style>
+      <a:lnRef idx="2">
+        <a:scrgbClr r="0" g="0" b="0"/>
+      </a:lnRef>
+      <a:fillRef idx="1">
+        <a:scrgbClr r="0" g="0" b="0"/>
+      </a:fillRef>
+      <a:effectRef idx="0">
+        <a:scrgbClr r="0" g="0" b="0"/>
+      </a:effectRef>
+      <a:fontRef idx="minor"/>
+    </dgm:style>
+  </dgm:styleLbl>
+  <dgm:styleLbl name="alignNode1">
+    <dgm:scene3d>
+      <a:camera prst="orthographicFront"/>
+      <a:lightRig rig="threePt" dir="t"/>
+    </dgm:scene3d>
+    <dgm:txPr/>
+    <dgm:style>
+      <a:lnRef idx="2">
+        <a:scrgbClr r="0" g="0" b="0"/>
+      </a:lnRef>
+      <a:fillRef idx="1">
+        <a:scrgbClr r="0" g="0" b="0"/>
+      </a:fillRef>
+      <a:effectRef idx="0">
+        <a:scrgbClr r="0" g="0" b="0"/>
+      </a:effectRef>
+      <a:fontRef idx="minor">
+        <a:schemeClr val="lt1"/>
+      </a:fontRef>
+    </dgm:style>
+  </dgm:styleLbl>
+  <dgm:styleLbl name="asst0">
+    <dgm:scene3d>
+      <a:camera prst="orthographicFront"/>
+      <a:lightRig rig="threePt" dir="t"/>
+    </dgm:scene3d>
+    <dgm:txPr/>
+    <dgm:style>
+      <a:lnRef idx="2">
+        <a:scrgbClr r="0" g="0" b="0"/>
+      </a:lnRef>
+      <a:fillRef idx="1">
+        <a:scrgbClr r="0" g="0" b="0"/>
+      </a:fillRef>
+      <a:effectRef idx="0">
+        <a:scrgbClr r="0" g="0" b="0"/>
+      </a:effectRef>
+      <a:fontRef idx="minor">
+        <a:schemeClr val="lt1"/>
+      </a:fontRef>
+    </dgm:style>
+  </dgm:styleLbl>
+  <dgm:styleLbl name="asst1">
+    <dgm:scene3d>
+      <a:camera prst="orthographicFront"/>
+      <a:lightRig rig="threePt" dir="t"/>
+    </dgm:scene3d>
+    <dgm:txPr/>
+    <dgm:style>
+      <a:lnRef idx="2">
+        <a:scrgbClr r="0" g="0" b="0"/>
+      </a:lnRef>
+      <a:fillRef idx="1">
+        <a:scrgbClr r="0" g="0" b="0"/>
+      </a:fillRef>
+      <a:effectRef idx="0">
+        <a:scrgbClr r="0" g="0" b="0"/>
+      </a:effectRef>
+      <a:fontRef idx="minor">
+        <a:schemeClr val="lt1"/>
+      </a:fontRef>
+    </dgm:style>
+  </dgm:styleLbl>
+  <dgm:styleLbl name="asst2">
+    <dgm:scene3d>
+      <a:camera prst="orthographicFront"/>
+      <a:lightRig rig="threePt" dir="t"/>
+    </dgm:scene3d>
+    <dgm:txPr/>
+    <dgm:style>
+      <a:lnRef idx="2">
+        <a:scrgbClr r="0" g="0" b="0"/>
+      </a:lnRef>
+      <a:fillRef idx="1">
+        <a:scrgbClr r="0" g="0" b="0"/>
+      </a:fillRef>
+      <a:effectRef idx="0">
+        <a:scrgbClr r="0" g="0" b="0"/>
+      </a:effectRef>
+      <a:fontRef idx="minor">
+        <a:schemeClr val="lt1"/>
+      </a:fontRef>
+    </dgm:style>
+  </dgm:styleLbl>
+  <dgm:styleLbl name="asst3">
+    <dgm:scene3d>
+      <a:camera prst="orthographicFront"/>
+      <a:lightRig rig="threePt" dir="t"/>
+    </dgm:scene3d>
+    <dgm:txPr/>
+    <dgm:style>
+      <a:lnRef idx="2">
+        <a:scrgbClr r="0" g="0" b="0"/>
+      </a:lnRef>
+      <a:fillRef idx="1">
+        <a:scrgbClr r="0" g="0" b="0"/>
+      </a:fillRef>
+      <a:effectRef idx="0">
+        <a:scrgbClr r="0" g="0" b="0"/>
+      </a:effectRef>
+      <a:fontRef idx="minor">
+        <a:schemeClr val="lt1"/>
+      </a:fontRef>
+    </dgm:style>
+  </dgm:styleLbl>
+  <dgm:styleLbl name="asst4">
+    <dgm:scene3d>
+      <a:camera prst="orthographicFront"/>
+      <a:lightRig rig="threePt" dir="t"/>
+    </dgm:scene3d>
+    <dgm:txPr/>
+    <dgm:style>
+      <a:lnRef idx="2">
+        <a:scrgbClr r="0" g="0" b="0"/>
+      </a:lnRef>
+      <a:fillRef idx="1">
+        <a:scrgbClr r="0" g="0" b="0"/>
+      </a:fillRef>
+      <a:effectRef idx="0">
+        <a:scrgbClr r="0" g="0" b="0"/>
+      </a:effectRef>
+      <a:fontRef idx="minor">
+        <a:schemeClr val="lt1"/>
+      </a:fontRef>
+    </dgm:style>
+  </dgm:styleLbl>
+  <dgm:styleLbl name="bgAcc1">
+    <dgm:scene3d>
+      <a:camera prst="orthographicFront"/>
+      <a:lightRig rig="threePt" dir="t"/>
+    </dgm:scene3d>
+    <dgm:txPr/>
+    <dgm:style>
+      <a:lnRef idx="2">
+        <a:scrgbClr r="0" g="0" b="0"/>
+      </a:lnRef>
+      <a:fillRef idx="1">
+        <a:scrgbClr r="0" g="0" b="0"/>
+      </a:fillRef>
+      <a:effectRef idx="0">
+        <a:scrgbClr r="0" g="0" b="0"/>
+      </a:effectRef>
+      <a:fontRef idx="minor"/>
+    </dgm:style>
+  </dgm:styleLbl>
+  <dgm:styleLbl name="bgAccFollowNode1">
+    <dgm:scene3d>
+      <a:camera prst="orthographicFront"/>
+      <a:lightRig rig="threePt" dir="t"/>
+    </dgm:scene3d>
+    <dgm:txPr/>
+    <dgm:style>
+      <a:lnRef idx="2">
+        <a:scrgbClr r="0" g="0" b="0"/>
+      </a:lnRef>
+      <a:fillRef idx="1">
+        <a:scrgbClr r="0" g="0" b="0"/>
+      </a:fillRef>
+      <a:effectRef idx="0">
+        <a:scrgbClr r="0" g="0" b="0"/>
+      </a:effectRef>
+      <a:fontRef idx="minor"/>
+    </dgm:style>
+  </dgm:styleLbl>
+  <dgm:styleLbl name="bgImgPlace1">
+    <dgm:scene3d>
+      <a:camera prst="orthographicFront"/>
+      <a:lightRig rig="threePt" dir="t"/>
+    </dgm:scene3d>
+    <dgm:txPr/>
+    <dgm:style>
+      <a:lnRef idx="2">
+        <a:scrgbClr r="0" g="0" b="0"/>
+      </a:lnRef>
+      <a:fillRef idx="1">
+        <a:scrgbClr r="0" g="0" b="0"/>
+      </a:fillRef>
+      <a:effectRef idx="0">
+        <a:scrgbClr r="0" g="0" b="0"/>
+      </a:effectRef>
+      <a:fontRef idx="minor"/>
+    </dgm:style>
+  </dgm:styleLbl>
+  <dgm:styleLbl name="bgShp">
+    <dgm:scene3d>
+      <a:camera prst="orthographicFront"/>
+      <a:lightRig rig="threePt" dir="t"/>
+    </dgm:scene3d>
+    <dgm:txPr/>
+    <dgm:style>
+      <a:lnRef idx="0">
+        <a:scrgbClr r="0" g="0" b="0"/>
+      </a:lnRef>
+      <a:fillRef idx="1">
+        <a:scrgbClr r="0" g="0" b="0"/>
+      </a:fillRef>
+      <a:effectRef idx="0">
+        <a:scrgbClr r="0" g="0" b="0"/>
+      </a:effectRef>
+      <a:fontRef idx="minor"/>
+    </dgm:style>
+  </dgm:styleLbl>
+  <dgm:styleLbl name="bgSibTrans2D1">
+    <dgm:scene3d>
+      <a:camera prst="orthographicFront"/>
+      <a:lightRig rig="threePt" dir="t"/>
+    </dgm:scene3d>
+    <dgm:txPr/>
+    <dgm:style>
+      <a:lnRef idx="0">
+        <a:scrgbClr r="0" g="0" b="0"/>
+      </a:lnRef>
+      <a:fillRef idx="1">
+        <a:scrgbClr r="0" g="0" b="0"/>
+      </a:fillRef>
+      <a:effectRef idx="0">
+        <a:scrgbClr r="0" g="0" b="0"/>
+      </a:effectRef>
+      <a:fontRef idx="minor">
+        <a:schemeClr val="lt1"/>
+      </a:fontRef>
+    </dgm:style>
+  </dgm:styleLbl>
+  <dgm:styleLbl name="callout">
+    <dgm:scene3d>
+      <a:camera prst="orthographicFront"/>
+      <a:lightRig rig="threePt" dir="t"/>
+    </dgm:scene3d>
+    <dgm:txPr/>
+    <dgm:style>
+      <a:lnRef idx="2">
+        <a:scrgbClr r="0" g="0" b="0"/>
+      </a:lnRef>
+      <a:fillRef idx="1">
+        <a:scrgbClr r="0" g="0" b="0"/>
+      </a:fillRef>
+      <a:effectRef idx="0">
+        <a:scrgbClr r="0" g="0" b="0"/>
+      </a:effectRef>
+      <a:fontRef idx="minor"/>
+    </dgm:style>
+  </dgm:styleLbl>
+  <dgm:styleLbl name="conFgAcc1">
+    <dgm:scene3d>
+      <a:camera prst="orthographicFront"/>
+      <a:lightRig rig="threePt" dir="t"/>
+    </dgm:scene3d>
+    <dgm:txPr/>
+    <dgm:style>
+      <a:lnRef idx="2">
+        <a:scrgbClr r="0" g="0" b="0"/>
+      </a:lnRef>
+      <a:fillRef idx="1">
+        <a:scrgbClr r="0" g="0" b="0"/>
+      </a:fillRef>
+      <a:effectRef idx="0">
+        <a:scrgbClr r="0" g="0" b="0"/>
+      </a:effectRef>
+      <a:fontRef idx="minor"/>
+    </dgm:style>
+  </dgm:styleLbl>
+  <dgm:styleLbl name="dkBgShp">
+    <dgm:scene3d>
+      <a:camera prst="orthographicFront"/>
+      <a:lightRig rig="threePt" dir="t"/>
+    </dgm:scene3d>
+    <dgm:txPr/>
+    <dgm:style>
+      <a:lnRef idx="0">
+        <a:scrgbClr r="0" g="0" b="0"/>
+      </a:lnRef>
+      <a:fillRef idx="1">
+        <a:scrgbClr r="0" g="0" b="0"/>
+      </a:fillRef>
+      <a:effectRef idx="0">
+        <a:scrgbClr r="0" g="0" b="0"/>
+      </a:effectRef>
+      <a:fontRef idx="minor"/>
+    </dgm:style>
+  </dgm:styleLbl>
+  <dgm:styleLbl name="fgAcc0">
+    <dgm:scene3d>
+      <a:camera prst="orthographicFront"/>
+      <a:lightRig rig="threePt" dir="t"/>
+    </dgm:scene3d>
+    <dgm:txPr/>
+    <dgm:style>
+      <a:lnRef idx="2">
+        <a:scrgbClr r="0" g="0" b="0"/>
+      </a:lnRef>
+      <a:fillRef idx="1">
+        <a:scrgbClr r="0" g="0" b="0"/>
+      </a:fillRef>
+      <a:effectRef idx="0">
+        <a:scrgbClr r="0" g="0" b="0"/>
+      </a:effectRef>
+      <a:fontRef idx="minor"/>
+    </dgm:style>
+  </dgm:styleLbl>
+  <dgm:styleLbl name="fgAcc1">
+    <dgm:scene3d>
+      <a:camera prst="orthographicFront"/>
+      <a:lightRig rig="threePt" dir="t"/>
+    </dgm:scene3d>
+    <dgm:txPr/>
+    <dgm:style>
+      <a:lnRef idx="2">
+        <a:scrgbClr r="0" g="0" b="0"/>
+      </a:lnRef>
+      <a:fillRef idx="1">
+        <a:scrgbClr r="0" g="0" b="0"/>
+      </a:fillRef>
+      <a:effectRef idx="0">
+        <a:scrgbClr r="0" g="0" b="0"/>
+      </a:effectRef>
+      <a:fontRef idx="minor"/>
+    </dgm:style>
+  </dgm:styleLbl>
+  <dgm:styleLbl name="fgAcc2">
+    <dgm:scene3d>
+      <a:camera prst="orthographicFront"/>
+      <a:lightRig rig="threePt" dir="t"/>
+    </dgm:scene3d>
+    <dgm:txPr/>
+    <dgm:style>
+      <a:lnRef idx="2">
+        <a:scrgbClr r="0" g="0" b="0"/>
+      </a:lnRef>
+      <a:fillRef idx="1">
+        <a:scrgbClr r="0" g="0" b="0"/>
+      </a:fillRef>
+      <a:effectRef idx="0">
+        <a:scrgbClr r="0" g="0" b="0"/>
+      </a:effectRef>
+      <a:fontRef idx="minor"/>
+    </dgm:style>
+  </dgm:styleLbl>
+  <dgm:styleLbl name="fgAcc3">
+    <dgm:scene3d>
+      <a:camera prst="orthographicFront"/>
+      <a:lightRig rig="threePt" dir="t"/>
+    </dgm:scene3d>
+    <dgm:txPr/>
+    <dgm:style>
+      <a:lnRef idx="2">
+        <a:scrgbClr r="0" g="0" b="0"/>
+      </a:lnRef>
+      <a:fillRef idx="1">
+        <a:scrgbClr r="0" g="0" b="0"/>
+      </a:fillRef>
+      <a:effectRef idx="0">
+        <a:scrgbClr r="0" g="0" b="0"/>
+      </a:effectRef>
+      <a:fontRef idx="minor"/>
+    </dgm:style>
+  </dgm:styleLbl>
+  <dgm:styleLbl name="fgAcc4">
+    <dgm:scene3d>
+      <a:camera prst="orthographicFront"/>
+      <a:lightRig rig="threePt" dir="t"/>
+    </dgm:scene3d>
+    <dgm:txPr/>
+    <dgm:style>
+      <a:lnRef idx="2">
+        <a:scrgbClr r="0" g="0" b="0"/>
+      </a:lnRef>
+      <a:fillRef idx="1">
+        <a:scrgbClr r="0" g="0" b="0"/>
+      </a:fillRef>
+      <a:effectRef idx="0">
+        <a:scrgbClr r="0" g="0" b="0"/>
+      </a:effectRef>
+      <a:fontRef idx="minor"/>
+    </dgm:style>
+  </dgm:styleLbl>
+  <dgm:styleLbl name="fgAccFollowNode1">
+    <dgm:scene3d>
+      <a:camera prst="orthographicFront"/>
+      <a:lightRig rig="threePt" dir="t"/>
+    </dgm:scene3d>
+    <dgm:txPr/>
+    <dgm:style>
+      <a:lnRef idx="2">
+        <a:scrgbClr r="0" g="0" b="0"/>
+      </a:lnRef>
+      <a:fillRef idx="1">
+        <a:scrgbClr r="0" g="0" b="0"/>
+      </a:fillRef>
+      <a:effectRef idx="0">
+        <a:scrgbClr r="0" g="0" b="0"/>
+      </a:effectRef>
+      <a:fontRef idx="minor"/>
+    </dgm:style>
+  </dgm:styleLbl>
+  <dgm:styleLbl name="fgImgPlace1">
+    <dgm:scene3d>
+      <a:camera prst="orthographicFront"/>
+      <a:lightRig rig="threePt" dir="t"/>
+    </dgm:scene3d>
+    <dgm:txPr/>
+    <dgm:style>
+      <a:lnRef idx="2">
+        <a:scrgbClr r="0" g="0" b="0"/>
+      </a:lnRef>
+      <a:fillRef idx="1">
+        <a:scrgbClr r="0" g="0" b="0"/>
+      </a:fillRef>
+      <a:effectRef idx="0">
+        <a:scrgbClr r="0" g="0" b="0"/>
+      </a:effectRef>
+      <a:fontRef idx="minor"/>
+    </dgm:style>
+  </dgm:styleLbl>
+  <dgm:styleLbl name="fgShp">
+    <dgm:scene3d>
+      <a:camera prst="orthographicFront"/>
+      <a:lightRig rig="threePt" dir="t"/>
+    </dgm:scene3d>
+    <dgm:txPr/>
+    <dgm:style>
+      <a:lnRef idx="2">
+        <a:scrgbClr r="0" g="0" b="0"/>
+      </a:lnRef>
+      <a:fillRef idx="1">
+        <a:scrgbClr r="0" g="0" b="0"/>
+      </a:fillRef>
+      <a:effectRef idx="0">
+        <a:scrgbClr r="0" g="0" b="0"/>
+      </a:effectRef>
+      <a:fontRef idx="minor"/>
+    </dgm:style>
+  </dgm:styleLbl>
+  <dgm:styleLbl name="fgSibTrans2D1">
+    <dgm:scene3d>
+      <a:camera prst="orthographicFront"/>
+      <a:lightRig rig="threePt" dir="t"/>
+    </dgm:scene3d>
+    <dgm:txPr/>
+    <dgm:style>
+      <a:lnRef idx="0">
         <a:scrgbClr r="0" g="0" b="0"/>
       </a:lnRef>
       <a:fillRef idx="1">
@@ -4982,7 +5454,6 @@
       <a:camera prst="orthographicFront"/>
       <a:lightRig rig="threePt" dir="t"/>
     </dgm:scene3d>
-    <dgm:sp3d/>
     <dgm:txPr/>
     <dgm:style>
       <a:lnRef idx="2">
@@ -4999,34 +5470,11 @@
       </a:fontRef>
     </dgm:style>
   </dgm:styleLbl>
-  <dgm:styleLbl name="vennNode1">
+  <dgm:styleLbl name="node0">
     <dgm:scene3d>
       <a:camera prst="orthographicFront"/>
       <a:lightRig rig="threePt" dir="t"/>
     </dgm:scene3d>
-    <dgm:sp3d/>
-    <dgm:txPr/>
-    <dgm:style>
-      <a:lnRef idx="2">
-        <a:scrgbClr r="0" g="0" b="0"/>
-      </a:lnRef>
-      <a:fillRef idx="1">
-        <a:scrgbClr r="0" g="0" b="0"/>
-      </a:fillRef>
-      <a:effectRef idx="0">
-        <a:scrgbClr r="0" g="0" b="0"/>
-      </a:effectRef>
-      <a:fontRef idx="minor">
-        <a:schemeClr val="tx1"/>
-      </a:fontRef>
-    </dgm:style>
-  </dgm:styleLbl>
-  <dgm:styleLbl name="alignNode1">
-    <dgm:scene3d>
-      <a:camera prst="orthographicFront"/>
-      <a:lightRig rig="threePt" dir="t"/>
-    </dgm:scene3d>
-    <dgm:sp3d/>
     <dgm:txPr/>
     <dgm:style>
       <a:lnRef idx="2">
@@ -5048,7 +5496,6 @@
       <a:camera prst="orthographicFront"/>
       <a:lightRig rig="threePt" dir="t"/>
     </dgm:scene3d>
-    <dgm:sp3d/>
     <dgm:txPr/>
     <dgm:style>
       <a:lnRef idx="2">
@@ -5070,7 +5517,6 @@
       <a:camera prst="orthographicFront"/>
       <a:lightRig rig="threePt" dir="t"/>
     </dgm:scene3d>
-    <dgm:sp3d/>
     <dgm:txPr/>
     <dgm:style>
       <a:lnRef idx="2">
@@ -5092,7 +5538,6 @@
       <a:camera prst="orthographicFront"/>
       <a:lightRig rig="threePt" dir="t"/>
     </dgm:scene3d>
-    <dgm:sp3d/>
     <dgm:txPr/>
     <dgm:style>
       <a:lnRef idx="2">
@@ -5114,7 +5559,6 @@
       <a:camera prst="orthographicFront"/>
       <a:lightRig rig="threePt" dir="t"/>
     </dgm:scene3d>
-    <dgm:sp3d/>
     <dgm:txPr/>
     <dgm:style>
       <a:lnRef idx="2">
@@ -5131,141 +5575,14 @@
       </a:fontRef>
     </dgm:style>
   </dgm:styleLbl>
-  <dgm:styleLbl name="fgImgPlace1">
+  <dgm:styleLbl name="parChTrans1D1">
     <dgm:scene3d>
       <a:camera prst="orthographicFront"/>
       <a:lightRig rig="threePt" dir="t"/>
     </dgm:scene3d>
-    <dgm:sp3d/>
     <dgm:txPr/>
     <dgm:style>
       <a:lnRef idx="2">
-        <a:scrgbClr r="0" g="0" b="0"/>
-      </a:lnRef>
-      <a:fillRef idx="1">
-        <a:scrgbClr r="0" g="0" b="0"/>
-      </a:fillRef>
-      <a:effectRef idx="0">
-        <a:scrgbClr r="0" g="0" b="0"/>
-      </a:effectRef>
-      <a:fontRef idx="minor"/>
-    </dgm:style>
-  </dgm:styleLbl>
-  <dgm:styleLbl name="alignImgPlace1">
-    <dgm:scene3d>
-      <a:camera prst="orthographicFront"/>
-      <a:lightRig rig="threePt" dir="t"/>
-    </dgm:scene3d>
-    <dgm:sp3d/>
-    <dgm:txPr/>
-    <dgm:style>
-      <a:lnRef idx="2">
-        <a:scrgbClr r="0" g="0" b="0"/>
-      </a:lnRef>
-      <a:fillRef idx="1">
-        <a:scrgbClr r="0" g="0" b="0"/>
-      </a:fillRef>
-      <a:effectRef idx="0">
-        <a:scrgbClr r="0" g="0" b="0"/>
-      </a:effectRef>
-      <a:fontRef idx="minor"/>
-    </dgm:style>
-  </dgm:styleLbl>
-  <dgm:styleLbl name="bgImgPlace1">
-    <dgm:scene3d>
-      <a:camera prst="orthographicFront"/>
-      <a:lightRig rig="threePt" dir="t"/>
-    </dgm:scene3d>
-    <dgm:sp3d/>
-    <dgm:txPr/>
-    <dgm:style>
-      <a:lnRef idx="2">
-        <a:scrgbClr r="0" g="0" b="0"/>
-      </a:lnRef>
-      <a:fillRef idx="1">
-        <a:scrgbClr r="0" g="0" b="0"/>
-      </a:fillRef>
-      <a:effectRef idx="0">
-        <a:scrgbClr r="0" g="0" b="0"/>
-      </a:effectRef>
-      <a:fontRef idx="minor"/>
-    </dgm:style>
-  </dgm:styleLbl>
-  <dgm:styleLbl name="sibTrans2D1">
-    <dgm:scene3d>
-      <a:camera prst="orthographicFront"/>
-      <a:lightRig rig="threePt" dir="t"/>
-    </dgm:scene3d>
-    <dgm:sp3d/>
-    <dgm:txPr/>
-    <dgm:style>
-      <a:lnRef idx="0">
-        <a:scrgbClr r="0" g="0" b="0"/>
-      </a:lnRef>
-      <a:fillRef idx="1">
-        <a:scrgbClr r="0" g="0" b="0"/>
-      </a:fillRef>
-      <a:effectRef idx="0">
-        <a:scrgbClr r="0" g="0" b="0"/>
-      </a:effectRef>
-      <a:fontRef idx="minor">
-        <a:schemeClr val="lt1"/>
-      </a:fontRef>
-    </dgm:style>
-  </dgm:styleLbl>
-  <dgm:styleLbl name="fgSibTrans2D1">
-    <dgm:scene3d>
-      <a:camera prst="orthographicFront"/>
-      <a:lightRig rig="threePt" dir="t"/>
-    </dgm:scene3d>
-    <dgm:sp3d/>
-    <dgm:txPr/>
-    <dgm:style>
-      <a:lnRef idx="0">
-        <a:scrgbClr r="0" g="0" b="0"/>
-      </a:lnRef>
-      <a:fillRef idx="1">
-        <a:scrgbClr r="0" g="0" b="0"/>
-      </a:fillRef>
-      <a:effectRef idx="0">
-        <a:scrgbClr r="0" g="0" b="0"/>
-      </a:effectRef>
-      <a:fontRef idx="minor">
-        <a:schemeClr val="lt1"/>
-      </a:fontRef>
-    </dgm:style>
-  </dgm:styleLbl>
-  <dgm:styleLbl name="bgSibTrans2D1">
-    <dgm:scene3d>
-      <a:camera prst="orthographicFront"/>
-      <a:lightRig rig="threePt" dir="t"/>
-    </dgm:scene3d>
-    <dgm:sp3d/>
-    <dgm:txPr/>
-    <dgm:style>
-      <a:lnRef idx="0">
-        <a:scrgbClr r="0" g="0" b="0"/>
-      </a:lnRef>
-      <a:fillRef idx="1">
-        <a:scrgbClr r="0" g="0" b="0"/>
-      </a:fillRef>
-      <a:effectRef idx="0">
-        <a:scrgbClr r="0" g="0" b="0"/>
-      </a:effectRef>
-      <a:fontRef idx="minor">
-        <a:schemeClr val="lt1"/>
-      </a:fontRef>
-    </dgm:style>
-  </dgm:styleLbl>
-  <dgm:styleLbl name="sibTrans1D1">
-    <dgm:scene3d>
-      <a:camera prst="orthographicFront"/>
-      <a:lightRig rig="threePt" dir="t"/>
-    </dgm:scene3d>
-    <dgm:sp3d/>
-    <dgm:txPr/>
-    <dgm:style>
-      <a:lnRef idx="1">
         <a:scrgbClr r="0" g="0" b="0"/>
       </a:lnRef>
       <a:fillRef idx="0">
@@ -5277,18 +5594,17 @@
       <a:fontRef idx="minor"/>
     </dgm:style>
   </dgm:styleLbl>
-  <dgm:styleLbl name="callout">
+  <dgm:styleLbl name="parChTrans1D2">
     <dgm:scene3d>
       <a:camera prst="orthographicFront"/>
       <a:lightRig rig="threePt" dir="t"/>
     </dgm:scene3d>
-    <dgm:sp3d/>
     <dgm:txPr/>
     <dgm:style>
       <a:lnRef idx="2">
         <a:scrgbClr r="0" g="0" b="0"/>
       </a:lnRef>
-      <a:fillRef idx="1">
+      <a:fillRef idx="0">
         <a:scrgbClr r="0" g="0" b="0"/>
       </a:fillRef>
       <a:effectRef idx="0">
@@ -5297,114 +5613,42 @@
       <a:fontRef idx="minor"/>
     </dgm:style>
   </dgm:styleLbl>
-  <dgm:styleLbl name="asst0">
+  <dgm:styleLbl name="parChTrans1D3">
     <dgm:scene3d>
       <a:camera prst="orthographicFront"/>
       <a:lightRig rig="threePt" dir="t"/>
     </dgm:scene3d>
-    <dgm:sp3d/>
     <dgm:txPr/>
     <dgm:style>
       <a:lnRef idx="2">
         <a:scrgbClr r="0" g="0" b="0"/>
       </a:lnRef>
-      <a:fillRef idx="1">
+      <a:fillRef idx="0">
         <a:scrgbClr r="0" g="0" b="0"/>
       </a:fillRef>
       <a:effectRef idx="0">
         <a:scrgbClr r="0" g="0" b="0"/>
       </a:effectRef>
-      <a:fontRef idx="minor">
-        <a:schemeClr val="lt1"/>
-      </a:fontRef>
+      <a:fontRef idx="minor"/>
     </dgm:style>
   </dgm:styleLbl>
-  <dgm:styleLbl name="asst1">
+  <dgm:styleLbl name="parChTrans1D4">
     <dgm:scene3d>
       <a:camera prst="orthographicFront"/>
       <a:lightRig rig="threePt" dir="t"/>
     </dgm:scene3d>
-    <dgm:sp3d/>
     <dgm:txPr/>
     <dgm:style>
       <a:lnRef idx="2">
         <a:scrgbClr r="0" g="0" b="0"/>
       </a:lnRef>
-      <a:fillRef idx="1">
+      <a:fillRef idx="0">
         <a:scrgbClr r="0" g="0" b="0"/>
       </a:fillRef>
       <a:effectRef idx="0">
         <a:scrgbClr r="0" g="0" b="0"/>
       </a:effectRef>
-      <a:fontRef idx="minor">
-        <a:schemeClr val="lt1"/>
-      </a:fontRef>
-    </dgm:style>
-  </dgm:styleLbl>
-  <dgm:styleLbl name="asst2">
-    <dgm:scene3d>
-      <a:camera prst="orthographicFront"/>
-      <a:lightRig rig="threePt" dir="t"/>
-    </dgm:scene3d>
-    <dgm:sp3d/>
-    <dgm:txPr/>
-    <dgm:style>
-      <a:lnRef idx="2">
-        <a:scrgbClr r="0" g="0" b="0"/>
-      </a:lnRef>
-      <a:fillRef idx="1">
-        <a:scrgbClr r="0" g="0" b="0"/>
-      </a:fillRef>
-      <a:effectRef idx="0">
-        <a:scrgbClr r="0" g="0" b="0"/>
-      </a:effectRef>
-      <a:fontRef idx="minor">
-        <a:schemeClr val="lt1"/>
-      </a:fontRef>
-    </dgm:style>
-  </dgm:styleLbl>
-  <dgm:styleLbl name="asst3">
-    <dgm:scene3d>
-      <a:camera prst="orthographicFront"/>
-      <a:lightRig rig="threePt" dir="t"/>
-    </dgm:scene3d>
-    <dgm:sp3d/>
-    <dgm:txPr/>
-    <dgm:style>
-      <a:lnRef idx="2">
-        <a:scrgbClr r="0" g="0" b="0"/>
-      </a:lnRef>
-      <a:fillRef idx="1">
-        <a:scrgbClr r="0" g="0" b="0"/>
-      </a:fillRef>
-      <a:effectRef idx="0">
-        <a:scrgbClr r="0" g="0" b="0"/>
-      </a:effectRef>
-      <a:fontRef idx="minor">
-        <a:schemeClr val="lt1"/>
-      </a:fontRef>
-    </dgm:style>
-  </dgm:styleLbl>
-  <dgm:styleLbl name="asst4">
-    <dgm:scene3d>
-      <a:camera prst="orthographicFront"/>
-      <a:lightRig rig="threePt" dir="t"/>
-    </dgm:scene3d>
-    <dgm:sp3d/>
-    <dgm:txPr/>
-    <dgm:style>
-      <a:lnRef idx="2">
-        <a:scrgbClr r="0" g="0" b="0"/>
-      </a:lnRef>
-      <a:fillRef idx="1">
-        <a:scrgbClr r="0" g="0" b="0"/>
-      </a:fillRef>
-      <a:effectRef idx="0">
-        <a:scrgbClr r="0" g="0" b="0"/>
-      </a:effectRef>
-      <a:fontRef idx="minor">
-        <a:schemeClr val="lt1"/>
-      </a:fontRef>
+      <a:fontRef idx="minor"/>
     </dgm:style>
   </dgm:styleLbl>
   <dgm:styleLbl name="parChTrans2D1">
@@ -5412,7 +5656,6 @@
       <a:camera prst="orthographicFront"/>
       <a:lightRig rig="threePt" dir="t"/>
     </dgm:scene3d>
-    <dgm:sp3d/>
     <dgm:txPr/>
     <dgm:style>
       <a:lnRef idx="2">
@@ -5434,7 +5677,6 @@
       <a:camera prst="orthographicFront"/>
       <a:lightRig rig="threePt" dir="t"/>
     </dgm:scene3d>
-    <dgm:sp3d/>
     <dgm:txPr/>
     <dgm:style>
       <a:lnRef idx="2">
@@ -5456,7 +5698,6 @@
       <a:camera prst="orthographicFront"/>
       <a:lightRig rig="threePt" dir="t"/>
     </dgm:scene3d>
-    <dgm:sp3d/>
     <dgm:txPr/>
     <dgm:style>
       <a:lnRef idx="2">
@@ -5478,7 +5719,6 @@
       <a:camera prst="orthographicFront"/>
       <a:lightRig rig="threePt" dir="t"/>
     </dgm:scene3d>
-    <dgm:sp3d/>
     <dgm:txPr/>
     <dgm:style>
       <a:lnRef idx="2">
@@ -5495,15 +5735,14 @@
       </a:fontRef>
     </dgm:style>
   </dgm:styleLbl>
-  <dgm:styleLbl name="parChTrans1D1">
+  <dgm:styleLbl name="revTx">
     <dgm:scene3d>
       <a:camera prst="orthographicFront"/>
       <a:lightRig rig="threePt" dir="t"/>
     </dgm:scene3d>
-    <dgm:sp3d/>
     <dgm:txPr/>
     <dgm:style>
-      <a:lnRef idx="2">
+      <a:lnRef idx="0">
         <a:scrgbClr r="0" g="0" b="0"/>
       </a:lnRef>
       <a:fillRef idx="0">
@@ -5515,15 +5754,14 @@
       <a:fontRef idx="minor"/>
     </dgm:style>
   </dgm:styleLbl>
-  <dgm:styleLbl name="parChTrans1D2">
+  <dgm:styleLbl name="sibTrans1D1">
     <dgm:scene3d>
       <a:camera prst="orthographicFront"/>
       <a:lightRig rig="threePt" dir="t"/>
     </dgm:scene3d>
-    <dgm:sp3d/>
     <dgm:txPr/>
     <dgm:style>
-      <a:lnRef idx="2">
+      <a:lnRef idx="1">
         <a:scrgbClr r="0" g="0" b="0"/>
       </a:lnRef>
       <a:fillRef idx="0">
@@ -5535,52 +5773,32 @@
       <a:fontRef idx="minor"/>
     </dgm:style>
   </dgm:styleLbl>
-  <dgm:styleLbl name="parChTrans1D3">
+  <dgm:styleLbl name="sibTrans2D1">
     <dgm:scene3d>
       <a:camera prst="orthographicFront"/>
       <a:lightRig rig="threePt" dir="t"/>
     </dgm:scene3d>
-    <dgm:sp3d/>
     <dgm:txPr/>
     <dgm:style>
-      <a:lnRef idx="2">
+      <a:lnRef idx="0">
         <a:scrgbClr r="0" g="0" b="0"/>
       </a:lnRef>
-      <a:fillRef idx="0">
+      <a:fillRef idx="1">
         <a:scrgbClr r="0" g="0" b="0"/>
       </a:fillRef>
       <a:effectRef idx="0">
         <a:scrgbClr r="0" g="0" b="0"/>
       </a:effectRef>
-      <a:fontRef idx="minor"/>
+      <a:fontRef idx="minor">
+        <a:schemeClr val="lt1"/>
+      </a:fontRef>
     </dgm:style>
   </dgm:styleLbl>
-  <dgm:styleLbl name="parChTrans1D4">
+  <dgm:styleLbl name="solidAlignAcc1">
     <dgm:scene3d>
       <a:camera prst="orthographicFront"/>
       <a:lightRig rig="threePt" dir="t"/>
     </dgm:scene3d>
-    <dgm:sp3d/>
-    <dgm:txPr/>
-    <dgm:style>
-      <a:lnRef idx="2">
-        <a:scrgbClr r="0" g="0" b="0"/>
-      </a:lnRef>
-      <a:fillRef idx="0">
-        <a:scrgbClr r="0" g="0" b="0"/>
-      </a:fillRef>
-      <a:effectRef idx="0">
-        <a:scrgbClr r="0" g="0" b="0"/>
-      </a:effectRef>
-      <a:fontRef idx="minor"/>
-    </dgm:style>
-  </dgm:styleLbl>
-  <dgm:styleLbl name="fgAcc1">
-    <dgm:scene3d>
-      <a:camera prst="orthographicFront"/>
-      <a:lightRig rig="threePt" dir="t"/>
-    </dgm:scene3d>
-    <dgm:sp3d/>
     <dgm:txPr/>
     <dgm:style>
       <a:lnRef idx="2">
@@ -5595,12 +5813,11 @@
       <a:fontRef idx="minor"/>
     </dgm:style>
   </dgm:styleLbl>
-  <dgm:styleLbl name="conFgAcc1">
+  <dgm:styleLbl name="solidBgAcc1">
     <dgm:scene3d>
       <a:camera prst="orthographicFront"/>
       <a:lightRig rig="threePt" dir="t"/>
     </dgm:scene3d>
-    <dgm:sp3d/>
     <dgm:txPr/>
     <dgm:style>
       <a:lnRef idx="2">
@@ -5615,12 +5832,11 @@
       <a:fontRef idx="minor"/>
     </dgm:style>
   </dgm:styleLbl>
-  <dgm:styleLbl name="alignAcc1">
+  <dgm:styleLbl name="solidFgAcc1">
     <dgm:scene3d>
       <a:camera prst="orthographicFront"/>
       <a:lightRig rig="threePt" dir="t"/>
     </dgm:scene3d>
-    <dgm:sp3d/>
     <dgm:txPr/>
     <dgm:style>
       <a:lnRef idx="2">
@@ -5640,270 +5856,9 @@
       <a:camera prst="orthographicFront"/>
       <a:lightRig rig="threePt" dir="t"/>
     </dgm:scene3d>
-    <dgm:sp3d/>
     <dgm:txPr/>
     <dgm:style>
       <a:lnRef idx="1">
-        <a:scrgbClr r="0" g="0" b="0"/>
-      </a:lnRef>
-      <a:fillRef idx="1">
-        <a:scrgbClr r="0" g="0" b="0"/>
-      </a:fillRef>
-      <a:effectRef idx="0">
-        <a:scrgbClr r="0" g="0" b="0"/>
-      </a:effectRef>
-      <a:fontRef idx="minor"/>
-    </dgm:style>
-  </dgm:styleLbl>
-  <dgm:styleLbl name="bgAcc1">
-    <dgm:scene3d>
-      <a:camera prst="orthographicFront"/>
-      <a:lightRig rig="threePt" dir="t"/>
-    </dgm:scene3d>
-    <dgm:sp3d/>
-    <dgm:txPr/>
-    <dgm:style>
-      <a:lnRef idx="2">
-        <a:scrgbClr r="0" g="0" b="0"/>
-      </a:lnRef>
-      <a:fillRef idx="1">
-        <a:scrgbClr r="0" g="0" b="0"/>
-      </a:fillRef>
-      <a:effectRef idx="0">
-        <a:scrgbClr r="0" g="0" b="0"/>
-      </a:effectRef>
-      <a:fontRef idx="minor"/>
-    </dgm:style>
-  </dgm:styleLbl>
-  <dgm:styleLbl name="solidFgAcc1">
-    <dgm:scene3d>
-      <a:camera prst="orthographicFront"/>
-      <a:lightRig rig="threePt" dir="t"/>
-    </dgm:scene3d>
-    <dgm:sp3d/>
-    <dgm:txPr/>
-    <dgm:style>
-      <a:lnRef idx="2">
-        <a:scrgbClr r="0" g="0" b="0"/>
-      </a:lnRef>
-      <a:fillRef idx="1">
-        <a:scrgbClr r="0" g="0" b="0"/>
-      </a:fillRef>
-      <a:effectRef idx="0">
-        <a:scrgbClr r="0" g="0" b="0"/>
-      </a:effectRef>
-      <a:fontRef idx="minor"/>
-    </dgm:style>
-  </dgm:styleLbl>
-  <dgm:styleLbl name="solidAlignAcc1">
-    <dgm:scene3d>
-      <a:camera prst="orthographicFront"/>
-      <a:lightRig rig="threePt" dir="t"/>
-    </dgm:scene3d>
-    <dgm:sp3d/>
-    <dgm:txPr/>
-    <dgm:style>
-      <a:lnRef idx="2">
-        <a:scrgbClr r="0" g="0" b="0"/>
-      </a:lnRef>
-      <a:fillRef idx="1">
-        <a:scrgbClr r="0" g="0" b="0"/>
-      </a:fillRef>
-      <a:effectRef idx="0">
-        <a:scrgbClr r="0" g="0" b="0"/>
-      </a:effectRef>
-      <a:fontRef idx="minor"/>
-    </dgm:style>
-  </dgm:styleLbl>
-  <dgm:styleLbl name="solidBgAcc1">
-    <dgm:scene3d>
-      <a:camera prst="orthographicFront"/>
-      <a:lightRig rig="threePt" dir="t"/>
-    </dgm:scene3d>
-    <dgm:sp3d/>
-    <dgm:txPr/>
-    <dgm:style>
-      <a:lnRef idx="2">
-        <a:scrgbClr r="0" g="0" b="0"/>
-      </a:lnRef>
-      <a:fillRef idx="1">
-        <a:scrgbClr r="0" g="0" b="0"/>
-      </a:fillRef>
-      <a:effectRef idx="0">
-        <a:scrgbClr r="0" g="0" b="0"/>
-      </a:effectRef>
-      <a:fontRef idx="minor"/>
-    </dgm:style>
-  </dgm:styleLbl>
-  <dgm:styleLbl name="fgAccFollowNode1">
-    <dgm:scene3d>
-      <a:camera prst="orthographicFront"/>
-      <a:lightRig rig="threePt" dir="t"/>
-    </dgm:scene3d>
-    <dgm:sp3d/>
-    <dgm:txPr/>
-    <dgm:style>
-      <a:lnRef idx="2">
-        <a:scrgbClr r="0" g="0" b="0"/>
-      </a:lnRef>
-      <a:fillRef idx="1">
-        <a:scrgbClr r="0" g="0" b="0"/>
-      </a:fillRef>
-      <a:effectRef idx="0">
-        <a:scrgbClr r="0" g="0" b="0"/>
-      </a:effectRef>
-      <a:fontRef idx="minor"/>
-    </dgm:style>
-  </dgm:styleLbl>
-  <dgm:styleLbl name="alignAccFollowNode1">
-    <dgm:scene3d>
-      <a:camera prst="orthographicFront"/>
-      <a:lightRig rig="threePt" dir="t"/>
-    </dgm:scene3d>
-    <dgm:sp3d/>
-    <dgm:txPr/>
-    <dgm:style>
-      <a:lnRef idx="2">
-        <a:scrgbClr r="0" g="0" b="0"/>
-      </a:lnRef>
-      <a:fillRef idx="1">
-        <a:scrgbClr r="0" g="0" b="0"/>
-      </a:fillRef>
-      <a:effectRef idx="0">
-        <a:scrgbClr r="0" g="0" b="0"/>
-      </a:effectRef>
-      <a:fontRef idx="minor"/>
-    </dgm:style>
-  </dgm:styleLbl>
-  <dgm:styleLbl name="bgAccFollowNode1">
-    <dgm:scene3d>
-      <a:camera prst="orthographicFront"/>
-      <a:lightRig rig="threePt" dir="t"/>
-    </dgm:scene3d>
-    <dgm:sp3d/>
-    <dgm:txPr/>
-    <dgm:style>
-      <a:lnRef idx="2">
-        <a:scrgbClr r="0" g="0" b="0"/>
-      </a:lnRef>
-      <a:fillRef idx="1">
-        <a:scrgbClr r="0" g="0" b="0"/>
-      </a:fillRef>
-      <a:effectRef idx="0">
-        <a:scrgbClr r="0" g="0" b="0"/>
-      </a:effectRef>
-      <a:fontRef idx="minor"/>
-    </dgm:style>
-  </dgm:styleLbl>
-  <dgm:styleLbl name="fgAcc0">
-    <dgm:scene3d>
-      <a:camera prst="orthographicFront"/>
-      <a:lightRig rig="threePt" dir="t"/>
-    </dgm:scene3d>
-    <dgm:sp3d/>
-    <dgm:txPr/>
-    <dgm:style>
-      <a:lnRef idx="2">
-        <a:scrgbClr r="0" g="0" b="0"/>
-      </a:lnRef>
-      <a:fillRef idx="1">
-        <a:scrgbClr r="0" g="0" b="0"/>
-      </a:fillRef>
-      <a:effectRef idx="0">
-        <a:scrgbClr r="0" g="0" b="0"/>
-      </a:effectRef>
-      <a:fontRef idx="minor"/>
-    </dgm:style>
-  </dgm:styleLbl>
-  <dgm:styleLbl name="fgAcc2">
-    <dgm:scene3d>
-      <a:camera prst="orthographicFront"/>
-      <a:lightRig rig="threePt" dir="t"/>
-    </dgm:scene3d>
-    <dgm:sp3d/>
-    <dgm:txPr/>
-    <dgm:style>
-      <a:lnRef idx="2">
-        <a:scrgbClr r="0" g="0" b="0"/>
-      </a:lnRef>
-      <a:fillRef idx="1">
-        <a:scrgbClr r="0" g="0" b="0"/>
-      </a:fillRef>
-      <a:effectRef idx="0">
-        <a:scrgbClr r="0" g="0" b="0"/>
-      </a:effectRef>
-      <a:fontRef idx="minor"/>
-    </dgm:style>
-  </dgm:styleLbl>
-  <dgm:styleLbl name="fgAcc3">
-    <dgm:scene3d>
-      <a:camera prst="orthographicFront"/>
-      <a:lightRig rig="threePt" dir="t"/>
-    </dgm:scene3d>
-    <dgm:sp3d/>
-    <dgm:txPr/>
-    <dgm:style>
-      <a:lnRef idx="2">
-        <a:scrgbClr r="0" g="0" b="0"/>
-      </a:lnRef>
-      <a:fillRef idx="1">
-        <a:scrgbClr r="0" g="0" b="0"/>
-      </a:fillRef>
-      <a:effectRef idx="0">
-        <a:scrgbClr r="0" g="0" b="0"/>
-      </a:effectRef>
-      <a:fontRef idx="minor"/>
-    </dgm:style>
-  </dgm:styleLbl>
-  <dgm:styleLbl name="fgAcc4">
-    <dgm:scene3d>
-      <a:camera prst="orthographicFront"/>
-      <a:lightRig rig="threePt" dir="t"/>
-    </dgm:scene3d>
-    <dgm:sp3d/>
-    <dgm:txPr/>
-    <dgm:style>
-      <a:lnRef idx="2">
-        <a:scrgbClr r="0" g="0" b="0"/>
-      </a:lnRef>
-      <a:fillRef idx="1">
-        <a:scrgbClr r="0" g="0" b="0"/>
-      </a:fillRef>
-      <a:effectRef idx="0">
-        <a:scrgbClr r="0" g="0" b="0"/>
-      </a:effectRef>
-      <a:fontRef idx="minor"/>
-    </dgm:style>
-  </dgm:styleLbl>
-  <dgm:styleLbl name="bgShp">
-    <dgm:scene3d>
-      <a:camera prst="orthographicFront"/>
-      <a:lightRig rig="threePt" dir="t"/>
-    </dgm:scene3d>
-    <dgm:sp3d/>
-    <dgm:txPr/>
-    <dgm:style>
-      <a:lnRef idx="0">
-        <a:scrgbClr r="0" g="0" b="0"/>
-      </a:lnRef>
-      <a:fillRef idx="1">
-        <a:scrgbClr r="0" g="0" b="0"/>
-      </a:fillRef>
-      <a:effectRef idx="0">
-        <a:scrgbClr r="0" g="0" b="0"/>
-      </a:effectRef>
-      <a:fontRef idx="minor"/>
-    </dgm:style>
-  </dgm:styleLbl>
-  <dgm:styleLbl name="dkBgShp">
-    <dgm:scene3d>
-      <a:camera prst="orthographicFront"/>
-      <a:lightRig rig="threePt" dir="t"/>
-    </dgm:scene3d>
-    <dgm:sp3d/>
-    <dgm:txPr/>
-    <dgm:style>
-      <a:lnRef idx="0">
         <a:scrgbClr r="0" g="0" b="0"/>
       </a:lnRef>
       <a:fillRef idx="1">
@@ -5920,7 +5875,6 @@
       <a:camera prst="orthographicFront"/>
       <a:lightRig rig="threePt" dir="t"/>
     </dgm:scene3d>
-    <dgm:sp3d/>
     <dgm:txPr/>
     <dgm:style>
       <a:lnRef idx="0">
@@ -5935,12 +5889,11 @@
       <a:fontRef idx="minor"/>
     </dgm:style>
   </dgm:styleLbl>
-  <dgm:styleLbl name="fgShp">
+  <dgm:styleLbl name="vennNode1">
     <dgm:scene3d>
       <a:camera prst="orthographicFront"/>
       <a:lightRig rig="threePt" dir="t"/>
     </dgm:scene3d>
-    <dgm:sp3d/>
     <dgm:txPr/>
     <dgm:style>
       <a:lnRef idx="2">
@@ -5952,27 +5905,9 @@
       <a:effectRef idx="0">
         <a:scrgbClr r="0" g="0" b="0"/>
       </a:effectRef>
-      <a:fontRef idx="minor"/>
-    </dgm:style>
-  </dgm:styleLbl>
-  <dgm:styleLbl name="revTx">
-    <dgm:scene3d>
-      <a:camera prst="orthographicFront"/>
-      <a:lightRig rig="threePt" dir="t"/>
-    </dgm:scene3d>
-    <dgm:sp3d/>
-    <dgm:txPr/>
-    <dgm:style>
-      <a:lnRef idx="0">
-        <a:scrgbClr r="0" g="0" b="0"/>
-      </a:lnRef>
-      <a:fillRef idx="0">
-        <a:scrgbClr r="0" g="0" b="0"/>
-      </a:fillRef>
-      <a:effectRef idx="0">
-        <a:scrgbClr r="0" g="0" b="0"/>
-      </a:effectRef>
-      <a:fontRef idx="minor"/>
+      <a:fontRef idx="minor">
+        <a:schemeClr val="tx1"/>
+      </a:fontRef>
     </dgm:style>
   </dgm:styleLbl>
 </dgm:styleDef>
@@ -6025,21 +5960,15 @@
           <a:ln w="9525">
             <a:noFill/>
             <a:miter lim="800000"/>
-            <a:headEnd/>
-            <a:tailEnd/>
           </a:ln>
           <a:effectLst/>
         </p:spPr>
         <p:txBody>
-          <a:bodyPr vert="horz" wrap="square" lIns="91440" tIns="45720" rIns="91440" bIns="45720" numCol="1" anchor="t" anchorCtr="0" compatLnSpc="1">
-            <a:prstTxWarp prst="textNoShape">
-              <a:avLst/>
-            </a:prstTxWarp>
-          </a:bodyPr>
+          <a:bodyPr vert="horz" wrap="square" lIns="91440" tIns="45720" rIns="91440" bIns="45720" numCol="1" anchor="t" anchorCtr="0" compatLnSpc="1"/>
           <a:lstStyle>
             <a:lvl1pPr>
               <a:defRPr sz="1200">
-                <a:latin typeface="Arial" charset="0"/>
+                <a:latin typeface="Arial" panose="020B0604020202020204" pitchFamily="34" charset="0"/>
                 <a:cs typeface="+mn-cs"/>
               </a:defRPr>
             </a:lvl1pPr>
@@ -6074,21 +6003,15 @@
           <a:ln w="9525">
             <a:noFill/>
             <a:miter lim="800000"/>
-            <a:headEnd/>
-            <a:tailEnd/>
           </a:ln>
           <a:effectLst/>
         </p:spPr>
         <p:txBody>
-          <a:bodyPr vert="horz" wrap="square" lIns="91440" tIns="45720" rIns="91440" bIns="45720" numCol="1" anchor="t" anchorCtr="0" compatLnSpc="1">
-            <a:prstTxWarp prst="textNoShape">
-              <a:avLst/>
-            </a:prstTxWarp>
-          </a:bodyPr>
+          <a:bodyPr vert="horz" wrap="square" lIns="91440" tIns="45720" rIns="91440" bIns="45720" numCol="1" anchor="t" anchorCtr="0" compatLnSpc="1"/>
           <a:lstStyle>
             <a:lvl1pPr algn="r">
               <a:defRPr sz="1200">
-                <a:latin typeface="Arial" charset="0"/>
+                <a:latin typeface="Arial" panose="020B0604020202020204" pitchFamily="34" charset="0"/>
                 <a:cs typeface="+mn-cs"/>
               </a:defRPr>
             </a:lvl1pPr>
@@ -6123,21 +6046,15 @@
           <a:ln w="9525">
             <a:noFill/>
             <a:miter lim="800000"/>
-            <a:headEnd/>
-            <a:tailEnd/>
           </a:ln>
           <a:effectLst/>
         </p:spPr>
         <p:txBody>
-          <a:bodyPr vert="horz" wrap="square" lIns="91440" tIns="45720" rIns="91440" bIns="45720" numCol="1" anchor="b" anchorCtr="0" compatLnSpc="1">
-            <a:prstTxWarp prst="textNoShape">
-              <a:avLst/>
-            </a:prstTxWarp>
-          </a:bodyPr>
+          <a:bodyPr vert="horz" wrap="square" lIns="91440" tIns="45720" rIns="91440" bIns="45720" numCol="1" anchor="b" anchorCtr="0" compatLnSpc="1"/>
           <a:lstStyle>
             <a:lvl1pPr>
               <a:defRPr sz="1200">
-                <a:latin typeface="Arial" charset="0"/>
+                <a:latin typeface="Arial" panose="020B0604020202020204" pitchFamily="34" charset="0"/>
                 <a:cs typeface="+mn-cs"/>
               </a:defRPr>
             </a:lvl1pPr>
@@ -6172,21 +6089,15 @@
           <a:ln w="9525">
             <a:noFill/>
             <a:miter lim="800000"/>
-            <a:headEnd/>
-            <a:tailEnd/>
           </a:ln>
           <a:effectLst/>
         </p:spPr>
         <p:txBody>
-          <a:bodyPr vert="horz" wrap="square" lIns="91440" tIns="45720" rIns="91440" bIns="45720" numCol="1" anchor="b" anchorCtr="0" compatLnSpc="1">
-            <a:prstTxWarp prst="textNoShape">
-              <a:avLst/>
-            </a:prstTxWarp>
-          </a:bodyPr>
+          <a:bodyPr vert="horz" wrap="square" lIns="91440" tIns="45720" rIns="91440" bIns="45720" numCol="1" anchor="b" anchorCtr="0" compatLnSpc="1"/>
           <a:lstStyle>
             <a:lvl1pPr algn="r">
               <a:defRPr sz="1200">
-                <a:latin typeface="Arial" charset="0"/>
+                <a:latin typeface="Arial" panose="020B0604020202020204" pitchFamily="34" charset="0"/>
                 <a:cs typeface="+mn-cs"/>
               </a:defRPr>
             </a:lvl1pPr>
@@ -6197,21 +6108,12 @@
             </a:pPr>
             <a:fld id="{EA86A4B5-776F-49C1-8046-01AC5D0258F9}" type="slidenum">
               <a:rPr lang="en-US" altLang="zh-CN"/>
-              <a:pPr>
-                <a:defRPr/>
-              </a:pPr>
-              <a:t>‹#›</a:t>
             </a:fld>
             <a:endParaRPr lang="en-US" altLang="zh-CN"/>
           </a:p>
         </p:txBody>
       </p:sp>
     </p:spTree>
-    <p:extLst>
-      <p:ext uri="{BB962C8B-B14F-4D97-AF65-F5344CB8AC3E}">
-        <p14:creationId xmlns:p14="http://schemas.microsoft.com/office/powerpoint/2010/main" val="1248590551"/>
-      </p:ext>
-    </p:extLst>
   </p:cSld>
   <p:clrMap bg1="lt1" tx1="dk1" bg2="lt2" tx2="dk2" accent1="accent1" accent2="accent2" accent3="accent3" accent4="accent4" accent5="accent5" accent6="accent6" hlink="hlink" folHlink="folHlink"/>
 </p:handoutMaster>
@@ -6264,22 +6166,16 @@
           <a:ln w="9525">
             <a:noFill/>
             <a:miter lim="800000"/>
-            <a:headEnd/>
-            <a:tailEnd/>
           </a:ln>
           <a:effectLst/>
         </p:spPr>
         <p:txBody>
-          <a:bodyPr vert="horz" wrap="square" lIns="91440" tIns="45720" rIns="91440" bIns="45720" numCol="1" anchor="t" anchorCtr="0" compatLnSpc="1">
-            <a:prstTxWarp prst="textNoShape">
-              <a:avLst/>
-            </a:prstTxWarp>
-          </a:bodyPr>
+          <a:bodyPr vert="horz" wrap="square" lIns="91440" tIns="45720" rIns="91440" bIns="45720" numCol="1" anchor="t" anchorCtr="0" compatLnSpc="1"/>
           <a:lstStyle>
             <a:lvl1pPr>
               <a:defRPr sz="1200" smtClean="0">
-                <a:latin typeface="Arial" pitchFamily="34" charset="0"/>
-                <a:cs typeface="Arial" pitchFamily="34" charset="0"/>
+                <a:latin typeface="Arial" panose="020B0604020202020204" pitchFamily="34" charset="0"/>
+                <a:cs typeface="Arial" panose="020B0604020202020204" pitchFamily="34" charset="0"/>
               </a:defRPr>
             </a:lvl1pPr>
           </a:lstStyle>
@@ -6313,22 +6209,16 @@
           <a:ln w="9525">
             <a:noFill/>
             <a:miter lim="800000"/>
-            <a:headEnd/>
-            <a:tailEnd/>
           </a:ln>
           <a:effectLst/>
         </p:spPr>
         <p:txBody>
-          <a:bodyPr vert="horz" wrap="square" lIns="91440" tIns="45720" rIns="91440" bIns="45720" numCol="1" anchor="t" anchorCtr="0" compatLnSpc="1">
-            <a:prstTxWarp prst="textNoShape">
-              <a:avLst/>
-            </a:prstTxWarp>
-          </a:bodyPr>
+          <a:bodyPr vert="horz" wrap="square" lIns="91440" tIns="45720" rIns="91440" bIns="45720" numCol="1" anchor="t" anchorCtr="0" compatLnSpc="1"/>
           <a:lstStyle>
             <a:lvl1pPr algn="r">
               <a:defRPr sz="1200" smtClean="0">
-                <a:latin typeface="Arial" pitchFamily="34" charset="0"/>
-                <a:cs typeface="Arial" pitchFamily="34" charset="0"/>
+                <a:latin typeface="Arial" panose="020B0604020202020204" pitchFamily="34" charset="0"/>
+                <a:cs typeface="Arial" panose="020B0604020202020204" pitchFamily="34" charset="0"/>
               </a:defRPr>
             </a:lvl1pPr>
           </a:lstStyle>
@@ -6352,8 +6242,8 @@
         </p:nvSpPr>
         <p:spPr bwMode="auto">
           <a:xfrm>
-            <a:off x="1143000" y="685800"/>
-            <a:ext cx="4572000" cy="3429000"/>
+            <a:off x="381000" y="685800"/>
+            <a:ext cx="6096000" cy="3429000"/>
           </a:xfrm>
           <a:prstGeom prst="rect">
             <a:avLst/>
@@ -6364,8 +6254,6 @@
               <a:srgbClr val="000000"/>
             </a:solidFill>
             <a:miter lim="800000"/>
-            <a:headEnd/>
-            <a:tailEnd/>
           </a:ln>
         </p:spPr>
       </p:sp>
@@ -6391,17 +6279,11 @@
           <a:ln w="9525">
             <a:noFill/>
             <a:miter lim="800000"/>
-            <a:headEnd/>
-            <a:tailEnd/>
           </a:ln>
           <a:effectLst/>
         </p:spPr>
         <p:txBody>
-          <a:bodyPr vert="horz" wrap="square" lIns="91440" tIns="45720" rIns="91440" bIns="45720" numCol="1" anchor="t" anchorCtr="0" compatLnSpc="1">
-            <a:prstTxWarp prst="textNoShape">
-              <a:avLst/>
-            </a:prstTxWarp>
-          </a:bodyPr>
+          <a:bodyPr vert="horz" wrap="square" lIns="91440" tIns="45720" rIns="91440" bIns="45720" numCol="1" anchor="t" anchorCtr="0" compatLnSpc="1"/>
           <a:lstStyle/>
           <a:p>
             <a:pPr lvl="0"/>
@@ -6409,6 +6291,7 @@
               <a:rPr lang="de-DE" noProof="0" smtClean="0"/>
               <a:t>Textmasterformate durch Klicken bearbeiten</a:t>
             </a:r>
+            <a:endParaRPr lang="de-DE" noProof="0" smtClean="0"/>
           </a:p>
           <a:p>
             <a:pPr lvl="1"/>
@@ -6416,6 +6299,7 @@
               <a:rPr lang="de-DE" noProof="0" smtClean="0"/>
               <a:t>Zweite Ebene</a:t>
             </a:r>
+            <a:endParaRPr lang="de-DE" noProof="0" smtClean="0"/>
           </a:p>
           <a:p>
             <a:pPr lvl="2"/>
@@ -6423,6 +6307,7 @@
               <a:rPr lang="de-DE" noProof="0" smtClean="0"/>
               <a:t>Dritte Ebene</a:t>
             </a:r>
+            <a:endParaRPr lang="de-DE" noProof="0" smtClean="0"/>
           </a:p>
           <a:p>
             <a:pPr lvl="3"/>
@@ -6430,6 +6315,7 @@
               <a:rPr lang="de-DE" noProof="0" smtClean="0"/>
               <a:t>Vierte Ebene</a:t>
             </a:r>
+            <a:endParaRPr lang="de-DE" noProof="0" smtClean="0"/>
           </a:p>
           <a:p>
             <a:pPr lvl="4"/>
@@ -6437,6 +6323,7 @@
               <a:rPr lang="de-DE" noProof="0" smtClean="0"/>
               <a:t>Fünfte Ebene</a:t>
             </a:r>
+            <a:endParaRPr lang="de-DE" noProof="0" smtClean="0"/>
           </a:p>
         </p:txBody>
       </p:sp>
@@ -6462,22 +6349,16 @@
           <a:ln w="9525">
             <a:noFill/>
             <a:miter lim="800000"/>
-            <a:headEnd/>
-            <a:tailEnd/>
           </a:ln>
           <a:effectLst/>
         </p:spPr>
         <p:txBody>
-          <a:bodyPr vert="horz" wrap="square" lIns="91440" tIns="45720" rIns="91440" bIns="45720" numCol="1" anchor="b" anchorCtr="0" compatLnSpc="1">
-            <a:prstTxWarp prst="textNoShape">
-              <a:avLst/>
-            </a:prstTxWarp>
-          </a:bodyPr>
+          <a:bodyPr vert="horz" wrap="square" lIns="91440" tIns="45720" rIns="91440" bIns="45720" numCol="1" anchor="b" anchorCtr="0" compatLnSpc="1"/>
           <a:lstStyle>
             <a:lvl1pPr>
               <a:defRPr sz="1200" smtClean="0">
-                <a:latin typeface="Arial" pitchFamily="34" charset="0"/>
-                <a:cs typeface="Arial" pitchFamily="34" charset="0"/>
+                <a:latin typeface="Arial" panose="020B0604020202020204" pitchFamily="34" charset="0"/>
+                <a:cs typeface="Arial" panose="020B0604020202020204" pitchFamily="34" charset="0"/>
               </a:defRPr>
             </a:lvl1pPr>
           </a:lstStyle>
@@ -6511,22 +6392,16 @@
           <a:ln w="9525">
             <a:noFill/>
             <a:miter lim="800000"/>
-            <a:headEnd/>
-            <a:tailEnd/>
           </a:ln>
           <a:effectLst/>
         </p:spPr>
         <p:txBody>
-          <a:bodyPr vert="horz" wrap="square" lIns="91440" tIns="45720" rIns="91440" bIns="45720" numCol="1" anchor="b" anchorCtr="0" compatLnSpc="1">
-            <a:prstTxWarp prst="textNoShape">
-              <a:avLst/>
-            </a:prstTxWarp>
-          </a:bodyPr>
+          <a:bodyPr vert="horz" wrap="square" lIns="91440" tIns="45720" rIns="91440" bIns="45720" numCol="1" anchor="b" anchorCtr="0" compatLnSpc="1"/>
           <a:lstStyle>
             <a:lvl1pPr algn="r">
               <a:defRPr sz="1200" smtClean="0">
-                <a:latin typeface="Arial" pitchFamily="34" charset="0"/>
-                <a:cs typeface="Arial" pitchFamily="34" charset="0"/>
+                <a:latin typeface="Arial" panose="020B0604020202020204" pitchFamily="34" charset="0"/>
+                <a:cs typeface="Arial" panose="020B0604020202020204" pitchFamily="34" charset="0"/>
               </a:defRPr>
             </a:lvl1pPr>
           </a:lstStyle>
@@ -6536,21 +6411,12 @@
             </a:pPr>
             <a:fld id="{AD744E2D-6CE4-438C-B9A0-AF7F3BF83E59}" type="slidenum">
               <a:rPr lang="de-DE" altLang="zh-CN"/>
-              <a:pPr>
-                <a:defRPr/>
-              </a:pPr>
-              <a:t>‹#›</a:t>
             </a:fld>
             <a:endParaRPr lang="de-DE" altLang="zh-CN"/>
           </a:p>
         </p:txBody>
       </p:sp>
     </p:spTree>
-    <p:extLst>
-      <p:ext uri="{BB962C8B-B14F-4D97-AF65-F5344CB8AC3E}">
-        <p14:creationId xmlns:p14="http://schemas.microsoft.com/office/powerpoint/2010/main" val="2489988134"/>
-      </p:ext>
-    </p:extLst>
   </p:cSld>
   <p:clrMap bg1="lt1" tx1="dk1" bg2="lt2" tx2="dk2" accent1="accent1" accent2="accent2" accent3="accent3" accent4="accent4" accent5="accent5" accent6="accent6" hlink="hlink" folHlink="folHlink"/>
   <p:notesStyle>
@@ -6565,7 +6431,7 @@
         <a:solidFill>
           <a:schemeClr val="tx1"/>
         </a:solidFill>
-        <a:latin typeface="Arial" charset="0"/>
+        <a:latin typeface="Arial" panose="020B0604020202020204" pitchFamily="34" charset="0"/>
         <a:ea typeface="+mn-ea"/>
         <a:cs typeface="+mn-cs"/>
       </a:defRPr>
@@ -6581,7 +6447,7 @@
         <a:solidFill>
           <a:schemeClr val="tx1"/>
         </a:solidFill>
-        <a:latin typeface="Arial" charset="0"/>
+        <a:latin typeface="Arial" panose="020B0604020202020204" pitchFamily="34" charset="0"/>
         <a:ea typeface="+mn-ea"/>
         <a:cs typeface="+mn-cs"/>
       </a:defRPr>
@@ -6597,7 +6463,7 @@
         <a:solidFill>
           <a:schemeClr val="tx1"/>
         </a:solidFill>
-        <a:latin typeface="Arial" charset="0"/>
+        <a:latin typeface="Arial" panose="020B0604020202020204" pitchFamily="34" charset="0"/>
         <a:ea typeface="+mn-ea"/>
         <a:cs typeface="+mn-cs"/>
       </a:defRPr>
@@ -6613,7 +6479,7 @@
         <a:solidFill>
           <a:schemeClr val="tx1"/>
         </a:solidFill>
-        <a:latin typeface="Arial" charset="0"/>
+        <a:latin typeface="Arial" panose="020B0604020202020204" pitchFamily="34" charset="0"/>
         <a:ea typeface="+mn-ea"/>
         <a:cs typeface="+mn-cs"/>
       </a:defRPr>
@@ -6629,7 +6495,7 @@
         <a:solidFill>
           <a:schemeClr val="tx1"/>
         </a:solidFill>
-        <a:latin typeface="Arial" charset="0"/>
+        <a:latin typeface="Arial" panose="020B0604020202020204" pitchFamily="34" charset="0"/>
         <a:ea typeface="+mn-ea"/>
         <a:cs typeface="+mn-cs"/>
       </a:defRPr>
@@ -6752,21 +6618,56 @@
             </a:pPr>
             <a:fld id="{2D70A793-C072-4DB4-AAF5-69ED796BA566}" type="slidenum">
               <a:rPr lang="en-US" altLang="zh-CN" smtClean="0"/>
-              <a:pPr>
-                <a:defRPr/>
-              </a:pPr>
-              <a:t>5</a:t>
             </a:fld>
             <a:endParaRPr lang="en-US" altLang="zh-CN" dirty="0"/>
           </a:p>
         </p:txBody>
       </p:sp>
     </p:spTree>
-    <p:extLst>
-      <p:ext uri="{BB962C8B-B14F-4D97-AF65-F5344CB8AC3E}">
-        <p14:creationId xmlns:p14="http://schemas.microsoft.com/office/powerpoint/2010/main" val="2657239554"/>
-      </p:ext>
-    </p:extLst>
+  </p:cSld>
+  <p:clrMapOvr>
+    <a:masterClrMapping/>
+  </p:clrMapOvr>
+</p:notes>
+</file>
+
+<file path=ppt/notesSlides/notesSlide2.xml><?xml version="1.0" encoding="utf-8"?>
+<p:notes xmlns:a="http://schemas.openxmlformats.org/drawingml/2006/main" xmlns:r="http://schemas.openxmlformats.org/officeDocument/2006/relationships" xmlns:p="http://schemas.openxmlformats.org/presentationml/2006/main">
+  <p:cSld>
+    <p:spTree>
+      <p:nvGrpSpPr>
+        <p:cNvPr id="1" name=""/>
+        <p:cNvGrpSpPr/>
+        <p:nvPr/>
+      </p:nvGrpSpPr>
+      <p:grpSpPr/>
+      <p:sp>
+        <p:nvSpPr>
+          <p:cNvPr id="2" name="幻灯片图像占位符 1"/>
+          <p:cNvSpPr/>
+          <p:nvPr>
+            <p:ph type="sldImg" idx="2"/>
+          </p:nvPr>
+        </p:nvSpPr>
+        <p:spPr/>
+      </p:sp>
+      <p:sp>
+        <p:nvSpPr>
+          <p:cNvPr id="3" name="文本占位符 2"/>
+          <p:cNvSpPr/>
+          <p:nvPr>
+            <p:ph type="body" idx="3"/>
+          </p:nvPr>
+        </p:nvSpPr>
+        <p:spPr/>
+        <p:txBody>
+          <a:bodyPr/>
+          <a:p>
+            <a:endParaRPr lang="zh-CN" altLang="en-US"/>
+          </a:p>
+        </p:txBody>
+      </p:sp>
+    </p:spTree>
   </p:cSld>
   <p:clrMapOvr>
     <a:masterClrMapping/>
@@ -6775,7 +6676,7 @@
 </file>
 
 <file path=ppt/slideLayouts/slideLayout1.xml><?xml version="1.0" encoding="utf-8"?>
-<p:sldLayout xmlns:a="http://schemas.openxmlformats.org/drawingml/2006/main" xmlns:r="http://schemas.openxmlformats.org/officeDocument/2006/relationships" xmlns:p="http://schemas.openxmlformats.org/presentationml/2006/main" showMasterSp="0" type="title" preserve="1">
+<p:sldLayout xmlns:a="http://schemas.openxmlformats.org/drawingml/2006/main" xmlns:r="http://schemas.openxmlformats.org/officeDocument/2006/relationships" xmlns:p="http://schemas.openxmlformats.org/presentationml/2006/main" type="title" preserve="1" showMasterSp="0">
   <p:cSld name="标题幻灯片">
     <p:bg>
       <p:bgPr>
@@ -6821,8 +6722,8 @@
         </p:nvSpPr>
         <p:spPr>
           <a:xfrm>
-            <a:off x="863600" y="4271963"/>
-            <a:ext cx="7485063" cy="1081087"/>
+            <a:off x="1151467" y="4271963"/>
+            <a:ext cx="9980084" cy="1081087"/>
           </a:xfrm>
         </p:spPr>
         <p:txBody>
@@ -6844,6 +6745,7 @@
               <a:rPr lang="de-DE" dirty="0"/>
               <a:t>Titelmasterformat durch Klicken bearbeiten</a:t>
             </a:r>
+            <a:endParaRPr lang="de-DE" dirty="0"/>
           </a:p>
         </p:txBody>
       </p:sp>
@@ -6859,15 +6761,15 @@
         </p:nvSpPr>
         <p:spPr bwMode="gray">
           <a:xfrm>
-            <a:off x="863600" y="5284788"/>
-            <a:ext cx="7510463" cy="800100"/>
+            <a:off x="1151467" y="5284788"/>
+            <a:ext cx="10013951" cy="800100"/>
           </a:xfrm>
         </p:spPr>
         <p:txBody>
           <a:bodyPr tIns="45720" bIns="45720"/>
           <a:lstStyle>
             <a:lvl1pPr marL="0" indent="0">
-              <a:buFont typeface="Wingdings" charset="2"/>
+              <a:buFont typeface="Wingdings" panose="05000000000000000000" pitchFamily="2" charset="2"/>
               <a:buNone/>
               <a:defRPr sz="2400"/>
             </a:lvl1pPr>
@@ -6877,6 +6779,7 @@
               <a:rPr lang="de-DE" dirty="0"/>
               <a:t>Formatvorlage des Untertitelmasters durch Klicken bearbeiten</a:t>
             </a:r>
+            <a:endParaRPr lang="de-DE" dirty="0"/>
           </a:p>
         </p:txBody>
       </p:sp>
@@ -6892,8 +6795,8 @@
         </p:nvSpPr>
         <p:spPr>
           <a:xfrm>
-            <a:off x="3124200" y="6245225"/>
-            <a:ext cx="2895600" cy="476250"/>
+            <a:off x="4165600" y="6245225"/>
+            <a:ext cx="3860800" cy="476250"/>
           </a:xfrm>
         </p:spPr>
         <p:txBody>
@@ -6937,8 +6840,8 @@
         </p:blipFill>
         <p:spPr>
           <a:xfrm>
-            <a:off x="5462081" y="6269850"/>
-            <a:ext cx="3653413" cy="563436"/>
+            <a:off x="7282775" y="6269850"/>
+            <a:ext cx="4871217" cy="563436"/>
           </a:xfrm>
           <a:prstGeom prst="rect">
             <a:avLst/>
@@ -7013,6 +6916,7 @@
               <a:rPr lang="zh-CN" altLang="en-US" smtClean="0"/>
               <a:t>单击此处编辑母版文本样式</a:t>
             </a:r>
+            <a:endParaRPr lang="zh-CN" altLang="en-US" smtClean="0"/>
           </a:p>
           <a:p>
             <a:pPr lvl="1"/>
@@ -7020,6 +6924,7 @@
               <a:rPr lang="zh-CN" altLang="en-US" smtClean="0"/>
               <a:t>第二级</a:t>
             </a:r>
+            <a:endParaRPr lang="zh-CN" altLang="en-US" smtClean="0"/>
           </a:p>
           <a:p>
             <a:pPr lvl="2"/>
@@ -7027,6 +6932,7 @@
               <a:rPr lang="zh-CN" altLang="en-US" smtClean="0"/>
               <a:t>第三级</a:t>
             </a:r>
+            <a:endParaRPr lang="zh-CN" altLang="en-US" smtClean="0"/>
           </a:p>
           <a:p>
             <a:pPr lvl="3"/>
@@ -7034,6 +6940,7 @@
               <a:rPr lang="zh-CN" altLang="en-US" smtClean="0"/>
               <a:t>第四级</a:t>
             </a:r>
+            <a:endParaRPr lang="zh-CN" altLang="en-US" smtClean="0"/>
           </a:p>
           <a:p>
             <a:pPr lvl="4"/>
@@ -7055,9 +6962,7 @@
             <p:ph type="ftr" sz="quarter" idx="10"/>
           </p:nvPr>
         </p:nvSpPr>
-        <p:spPr>
-          <a:ln/>
-        </p:spPr>
+        <p:spPr/>
         <p:txBody>
           <a:bodyPr/>
           <a:lstStyle>
@@ -7110,8 +7015,8 @@
         </p:nvSpPr>
         <p:spPr>
           <a:xfrm>
-            <a:off x="6689725" y="252413"/>
-            <a:ext cx="2130425" cy="5549900"/>
+            <a:off x="8919633" y="252413"/>
+            <a:ext cx="2840567" cy="5549900"/>
           </a:xfrm>
         </p:spPr>
         <p:txBody>
@@ -7138,8 +7043,8 @@
         </p:nvSpPr>
         <p:spPr>
           <a:xfrm>
-            <a:off x="295275" y="252413"/>
-            <a:ext cx="6242050" cy="5549900"/>
+            <a:off x="393700" y="252413"/>
+            <a:ext cx="8322733" cy="5549900"/>
           </a:xfrm>
         </p:spPr>
         <p:txBody>
@@ -7151,6 +7056,7 @@
               <a:rPr lang="zh-CN" altLang="en-US" smtClean="0"/>
               <a:t>单击此处编辑母版文本样式</a:t>
             </a:r>
+            <a:endParaRPr lang="zh-CN" altLang="en-US" smtClean="0"/>
           </a:p>
           <a:p>
             <a:pPr lvl="1"/>
@@ -7158,6 +7064,7 @@
               <a:rPr lang="zh-CN" altLang="en-US" smtClean="0"/>
               <a:t>第二级</a:t>
             </a:r>
+            <a:endParaRPr lang="zh-CN" altLang="en-US" smtClean="0"/>
           </a:p>
           <a:p>
             <a:pPr lvl="2"/>
@@ -7165,6 +7072,7 @@
               <a:rPr lang="zh-CN" altLang="en-US" smtClean="0"/>
               <a:t>第三级</a:t>
             </a:r>
+            <a:endParaRPr lang="zh-CN" altLang="en-US" smtClean="0"/>
           </a:p>
           <a:p>
             <a:pPr lvl="3"/>
@@ -7172,6 +7080,7 @@
               <a:rPr lang="zh-CN" altLang="en-US" smtClean="0"/>
               <a:t>第四级</a:t>
             </a:r>
+            <a:endParaRPr lang="zh-CN" altLang="en-US" smtClean="0"/>
           </a:p>
           <a:p>
             <a:pPr lvl="4"/>
@@ -7193,9 +7102,7 @@
             <p:ph type="ftr" sz="quarter" idx="10"/>
           </p:nvPr>
         </p:nvSpPr>
-        <p:spPr>
-          <a:ln/>
-        </p:spPr>
+        <p:spPr/>
         <p:txBody>
           <a:bodyPr/>
           <a:lstStyle>
@@ -7279,6 +7186,7 @@
               <a:rPr lang="zh-CN" altLang="en-US" smtClean="0"/>
               <a:t>单击此处编辑母版文本样式</a:t>
             </a:r>
+            <a:endParaRPr lang="zh-CN" altLang="en-US" smtClean="0"/>
           </a:p>
           <a:p>
             <a:pPr lvl="1"/>
@@ -7286,6 +7194,7 @@
               <a:rPr lang="zh-CN" altLang="en-US" smtClean="0"/>
               <a:t>第二级</a:t>
             </a:r>
+            <a:endParaRPr lang="zh-CN" altLang="en-US" smtClean="0"/>
           </a:p>
           <a:p>
             <a:pPr lvl="2"/>
@@ -7293,6 +7202,7 @@
               <a:rPr lang="zh-CN" altLang="en-US" smtClean="0"/>
               <a:t>第三级</a:t>
             </a:r>
+            <a:endParaRPr lang="zh-CN" altLang="en-US" smtClean="0"/>
           </a:p>
           <a:p>
             <a:pPr lvl="3"/>
@@ -7300,6 +7210,7 @@
               <a:rPr lang="zh-CN" altLang="en-US" smtClean="0"/>
               <a:t>第四级</a:t>
             </a:r>
+            <a:endParaRPr lang="zh-CN" altLang="en-US" smtClean="0"/>
           </a:p>
           <a:p>
             <a:pPr lvl="4"/>
@@ -7321,9 +7232,7 @@
             <p:ph type="ftr" sz="quarter" idx="10"/>
           </p:nvPr>
         </p:nvSpPr>
-        <p:spPr>
-          <a:ln/>
-        </p:spPr>
+        <p:spPr/>
         <p:txBody>
           <a:bodyPr/>
           <a:lstStyle>
@@ -7376,8 +7285,8 @@
         </p:nvSpPr>
         <p:spPr>
           <a:xfrm>
-            <a:off x="722313" y="4406900"/>
-            <a:ext cx="7772400" cy="1362075"/>
+            <a:off x="963084" y="4406900"/>
+            <a:ext cx="10363200" cy="1362075"/>
           </a:xfrm>
         </p:spPr>
         <p:txBody>
@@ -7408,8 +7317,8 @@
         </p:nvSpPr>
         <p:spPr>
           <a:xfrm>
-            <a:off x="722313" y="2906713"/>
-            <a:ext cx="7772400" cy="1500187"/>
+            <a:off x="963084" y="2906713"/>
+            <a:ext cx="10363200" cy="1500187"/>
           </a:xfrm>
         </p:spPr>
         <p:txBody>
@@ -7458,6 +7367,7 @@
               <a:rPr lang="zh-CN" altLang="en-US" smtClean="0"/>
               <a:t>单击此处编辑母版文本样式</a:t>
             </a:r>
+            <a:endParaRPr lang="zh-CN" altLang="en-US" smtClean="0"/>
           </a:p>
         </p:txBody>
       </p:sp>
@@ -7471,9 +7381,7 @@
             <p:ph type="ftr" sz="quarter" idx="10"/>
           </p:nvPr>
         </p:nvSpPr>
-        <p:spPr>
-          <a:ln/>
-        </p:spPr>
+        <p:spPr/>
         <p:txBody>
           <a:bodyPr/>
           <a:lstStyle>
@@ -7549,8 +7457,8 @@
         </p:nvSpPr>
         <p:spPr>
           <a:xfrm>
-            <a:off x="295275" y="1489075"/>
-            <a:ext cx="4186238" cy="4313238"/>
+            <a:off x="393700" y="1489075"/>
+            <a:ext cx="5581651" cy="4313238"/>
           </a:xfrm>
         </p:spPr>
         <p:txBody>
@@ -7590,6 +7498,7 @@
               <a:rPr lang="zh-CN" altLang="en-US" smtClean="0"/>
               <a:t>单击此处编辑母版文本样式</a:t>
             </a:r>
+            <a:endParaRPr lang="zh-CN" altLang="en-US" smtClean="0"/>
           </a:p>
           <a:p>
             <a:pPr lvl="1"/>
@@ -7597,6 +7506,7 @@
               <a:rPr lang="zh-CN" altLang="en-US" smtClean="0"/>
               <a:t>第二级</a:t>
             </a:r>
+            <a:endParaRPr lang="zh-CN" altLang="en-US" smtClean="0"/>
           </a:p>
           <a:p>
             <a:pPr lvl="2"/>
@@ -7604,6 +7514,7 @@
               <a:rPr lang="zh-CN" altLang="en-US" smtClean="0"/>
               <a:t>第三级</a:t>
             </a:r>
+            <a:endParaRPr lang="zh-CN" altLang="en-US" smtClean="0"/>
           </a:p>
           <a:p>
             <a:pPr lvl="3"/>
@@ -7611,6 +7522,7 @@
               <a:rPr lang="zh-CN" altLang="en-US" smtClean="0"/>
               <a:t>第四级</a:t>
             </a:r>
+            <a:endParaRPr lang="zh-CN" altLang="en-US" smtClean="0"/>
           </a:p>
           <a:p>
             <a:pPr lvl="4"/>
@@ -7634,8 +7546,8 @@
         </p:nvSpPr>
         <p:spPr>
           <a:xfrm>
-            <a:off x="4633913" y="1489075"/>
-            <a:ext cx="4186237" cy="4313238"/>
+            <a:off x="6178551" y="1489075"/>
+            <a:ext cx="5581649" cy="4313238"/>
           </a:xfrm>
         </p:spPr>
         <p:txBody>
@@ -7675,6 +7587,7 @@
               <a:rPr lang="zh-CN" altLang="en-US" smtClean="0"/>
               <a:t>单击此处编辑母版文本样式</a:t>
             </a:r>
+            <a:endParaRPr lang="zh-CN" altLang="en-US" smtClean="0"/>
           </a:p>
           <a:p>
             <a:pPr lvl="1"/>
@@ -7682,6 +7595,7 @@
               <a:rPr lang="zh-CN" altLang="en-US" smtClean="0"/>
               <a:t>第二级</a:t>
             </a:r>
+            <a:endParaRPr lang="zh-CN" altLang="en-US" smtClean="0"/>
           </a:p>
           <a:p>
             <a:pPr lvl="2"/>
@@ -7689,6 +7603,7 @@
               <a:rPr lang="zh-CN" altLang="en-US" smtClean="0"/>
               <a:t>第三级</a:t>
             </a:r>
+            <a:endParaRPr lang="zh-CN" altLang="en-US" smtClean="0"/>
           </a:p>
           <a:p>
             <a:pPr lvl="3"/>
@@ -7696,6 +7611,7 @@
               <a:rPr lang="zh-CN" altLang="en-US" smtClean="0"/>
               <a:t>第四级</a:t>
             </a:r>
+            <a:endParaRPr lang="zh-CN" altLang="en-US" smtClean="0"/>
           </a:p>
           <a:p>
             <a:pPr lvl="4"/>
@@ -7717,9 +7633,7 @@
             <p:ph type="ftr" sz="quarter" idx="10"/>
           </p:nvPr>
         </p:nvSpPr>
-        <p:spPr>
-          <a:ln/>
-        </p:spPr>
+        <p:spPr/>
         <p:txBody>
           <a:bodyPr/>
           <a:lstStyle>
@@ -7772,8 +7686,8 @@
         </p:nvSpPr>
         <p:spPr>
           <a:xfrm>
-            <a:off x="457200" y="274638"/>
-            <a:ext cx="8229600" cy="1143000"/>
+            <a:off x="609600" y="274638"/>
+            <a:ext cx="10972800" cy="1143000"/>
           </a:xfrm>
         </p:spPr>
         <p:txBody>
@@ -7804,8 +7718,8 @@
         </p:nvSpPr>
         <p:spPr>
           <a:xfrm>
-            <a:off x="457200" y="1535113"/>
-            <a:ext cx="4040188" cy="639762"/>
+            <a:off x="609600" y="1535113"/>
+            <a:ext cx="5386917" cy="639762"/>
           </a:xfrm>
         </p:spPr>
         <p:txBody>
@@ -7854,6 +7768,7 @@
               <a:rPr lang="zh-CN" altLang="en-US" smtClean="0"/>
               <a:t>单击此处编辑母版文本样式</a:t>
             </a:r>
+            <a:endParaRPr lang="zh-CN" altLang="en-US" smtClean="0"/>
           </a:p>
         </p:txBody>
       </p:sp>
@@ -7869,8 +7784,8 @@
         </p:nvSpPr>
         <p:spPr>
           <a:xfrm>
-            <a:off x="457200" y="2174875"/>
-            <a:ext cx="4040188" cy="3951288"/>
+            <a:off x="609600" y="2174875"/>
+            <a:ext cx="5386917" cy="3951288"/>
           </a:xfrm>
         </p:spPr>
         <p:txBody>
@@ -7910,6 +7825,7 @@
               <a:rPr lang="zh-CN" altLang="en-US" smtClean="0"/>
               <a:t>单击此处编辑母版文本样式</a:t>
             </a:r>
+            <a:endParaRPr lang="zh-CN" altLang="en-US" smtClean="0"/>
           </a:p>
           <a:p>
             <a:pPr lvl="1"/>
@@ -7917,6 +7833,7 @@
               <a:rPr lang="zh-CN" altLang="en-US" smtClean="0"/>
               <a:t>第二级</a:t>
             </a:r>
+            <a:endParaRPr lang="zh-CN" altLang="en-US" smtClean="0"/>
           </a:p>
           <a:p>
             <a:pPr lvl="2"/>
@@ -7924,6 +7841,7 @@
               <a:rPr lang="zh-CN" altLang="en-US" smtClean="0"/>
               <a:t>第三级</a:t>
             </a:r>
+            <a:endParaRPr lang="zh-CN" altLang="en-US" smtClean="0"/>
           </a:p>
           <a:p>
             <a:pPr lvl="3"/>
@@ -7931,6 +7849,7 @@
               <a:rPr lang="zh-CN" altLang="en-US" smtClean="0"/>
               <a:t>第四级</a:t>
             </a:r>
+            <a:endParaRPr lang="zh-CN" altLang="en-US" smtClean="0"/>
           </a:p>
           <a:p>
             <a:pPr lvl="4"/>
@@ -7954,8 +7873,8 @@
         </p:nvSpPr>
         <p:spPr>
           <a:xfrm>
-            <a:off x="4645025" y="1535113"/>
-            <a:ext cx="4041775" cy="639762"/>
+            <a:off x="6193367" y="1535113"/>
+            <a:ext cx="5389033" cy="639762"/>
           </a:xfrm>
         </p:spPr>
         <p:txBody>
@@ -8004,6 +7923,7 @@
               <a:rPr lang="zh-CN" altLang="en-US" smtClean="0"/>
               <a:t>单击此处编辑母版文本样式</a:t>
             </a:r>
+            <a:endParaRPr lang="zh-CN" altLang="en-US" smtClean="0"/>
           </a:p>
         </p:txBody>
       </p:sp>
@@ -8019,8 +7939,8 @@
         </p:nvSpPr>
         <p:spPr>
           <a:xfrm>
-            <a:off x="4645025" y="2174875"/>
-            <a:ext cx="4041775" cy="3951288"/>
+            <a:off x="6193367" y="2174875"/>
+            <a:ext cx="5389033" cy="3951288"/>
           </a:xfrm>
         </p:spPr>
         <p:txBody>
@@ -8060,6 +7980,7 @@
               <a:rPr lang="zh-CN" altLang="en-US" smtClean="0"/>
               <a:t>单击此处编辑母版文本样式</a:t>
             </a:r>
+            <a:endParaRPr lang="zh-CN" altLang="en-US" smtClean="0"/>
           </a:p>
           <a:p>
             <a:pPr lvl="1"/>
@@ -8067,6 +7988,7 @@
               <a:rPr lang="zh-CN" altLang="en-US" smtClean="0"/>
               <a:t>第二级</a:t>
             </a:r>
+            <a:endParaRPr lang="zh-CN" altLang="en-US" smtClean="0"/>
           </a:p>
           <a:p>
             <a:pPr lvl="2"/>
@@ -8074,6 +7996,7 @@
               <a:rPr lang="zh-CN" altLang="en-US" smtClean="0"/>
               <a:t>第三级</a:t>
             </a:r>
+            <a:endParaRPr lang="zh-CN" altLang="en-US" smtClean="0"/>
           </a:p>
           <a:p>
             <a:pPr lvl="3"/>
@@ -8081,6 +8004,7 @@
               <a:rPr lang="zh-CN" altLang="en-US" smtClean="0"/>
               <a:t>第四级</a:t>
             </a:r>
+            <a:endParaRPr lang="zh-CN" altLang="en-US" smtClean="0"/>
           </a:p>
           <a:p>
             <a:pPr lvl="4"/>
@@ -8102,9 +8026,7 @@
             <p:ph type="ftr" sz="quarter" idx="10"/>
           </p:nvPr>
         </p:nvSpPr>
-        <p:spPr>
-          <a:ln/>
-        </p:spPr>
+        <p:spPr/>
         <p:txBody>
           <a:bodyPr/>
           <a:lstStyle>
@@ -8178,9 +8100,7 @@
             <p:ph type="ftr" sz="quarter" idx="10"/>
           </p:nvPr>
         </p:nvSpPr>
-        <p:spPr>
-          <a:ln/>
-        </p:spPr>
+        <p:spPr/>
         <p:txBody>
           <a:bodyPr/>
           <a:lstStyle>
@@ -8231,9 +8151,7 @@
             <p:ph type="ftr" sz="quarter" idx="10"/>
           </p:nvPr>
         </p:nvSpPr>
-        <p:spPr>
-          <a:ln/>
-        </p:spPr>
+        <p:spPr/>
         <p:txBody>
           <a:bodyPr/>
           <a:lstStyle>
@@ -8286,8 +8204,8 @@
         </p:nvSpPr>
         <p:spPr>
           <a:xfrm>
-            <a:off x="457200" y="273050"/>
-            <a:ext cx="3008313" cy="1162050"/>
+            <a:off x="609600" y="273050"/>
+            <a:ext cx="4011084" cy="1162050"/>
           </a:xfrm>
         </p:spPr>
         <p:txBody>
@@ -8318,8 +8236,8 @@
         </p:nvSpPr>
         <p:spPr>
           <a:xfrm>
-            <a:off x="3575050" y="273050"/>
-            <a:ext cx="5111750" cy="5853113"/>
+            <a:off x="4766733" y="273050"/>
+            <a:ext cx="6815667" cy="5853113"/>
           </a:xfrm>
         </p:spPr>
         <p:txBody>
@@ -8359,6 +8277,7 @@
               <a:rPr lang="zh-CN" altLang="en-US" smtClean="0"/>
               <a:t>单击此处编辑母版文本样式</a:t>
             </a:r>
+            <a:endParaRPr lang="zh-CN" altLang="en-US" smtClean="0"/>
           </a:p>
           <a:p>
             <a:pPr lvl="1"/>
@@ -8366,6 +8285,7 @@
               <a:rPr lang="zh-CN" altLang="en-US" smtClean="0"/>
               <a:t>第二级</a:t>
             </a:r>
+            <a:endParaRPr lang="zh-CN" altLang="en-US" smtClean="0"/>
           </a:p>
           <a:p>
             <a:pPr lvl="2"/>
@@ -8373,6 +8293,7 @@
               <a:rPr lang="zh-CN" altLang="en-US" smtClean="0"/>
               <a:t>第三级</a:t>
             </a:r>
+            <a:endParaRPr lang="zh-CN" altLang="en-US" smtClean="0"/>
           </a:p>
           <a:p>
             <a:pPr lvl="3"/>
@@ -8380,6 +8301,7 @@
               <a:rPr lang="zh-CN" altLang="en-US" smtClean="0"/>
               <a:t>第四级</a:t>
             </a:r>
+            <a:endParaRPr lang="zh-CN" altLang="en-US" smtClean="0"/>
           </a:p>
           <a:p>
             <a:pPr lvl="4"/>
@@ -8403,8 +8325,8 @@
         </p:nvSpPr>
         <p:spPr>
           <a:xfrm>
-            <a:off x="457200" y="1435100"/>
-            <a:ext cx="3008313" cy="4691063"/>
+            <a:off x="609600" y="1435100"/>
+            <a:ext cx="4011084" cy="4691063"/>
           </a:xfrm>
         </p:spPr>
         <p:txBody>
@@ -8453,6 +8375,7 @@
               <a:rPr lang="zh-CN" altLang="en-US" smtClean="0"/>
               <a:t>单击此处编辑母版文本样式</a:t>
             </a:r>
+            <a:endParaRPr lang="zh-CN" altLang="en-US" smtClean="0"/>
           </a:p>
         </p:txBody>
       </p:sp>
@@ -8466,9 +8389,7 @@
             <p:ph type="ftr" sz="quarter" idx="10"/>
           </p:nvPr>
         </p:nvSpPr>
-        <p:spPr>
-          <a:ln/>
-        </p:spPr>
+        <p:spPr/>
         <p:txBody>
           <a:bodyPr/>
           <a:lstStyle>
@@ -8521,8 +8442,8 @@
         </p:nvSpPr>
         <p:spPr>
           <a:xfrm>
-            <a:off x="1792288" y="4800600"/>
-            <a:ext cx="5486400" cy="566738"/>
+            <a:off x="2389717" y="4800600"/>
+            <a:ext cx="7315200" cy="566738"/>
           </a:xfrm>
         </p:spPr>
         <p:txBody>
@@ -8553,8 +8474,8 @@
         </p:nvSpPr>
         <p:spPr>
           <a:xfrm>
-            <a:off x="1792288" y="612775"/>
-            <a:ext cx="5486400" cy="4114800"/>
+            <a:off x="2389717" y="612775"/>
+            <a:ext cx="7315200" cy="4114800"/>
           </a:xfrm>
         </p:spPr>
         <p:txBody>
@@ -8615,8 +8536,8 @@
         </p:nvSpPr>
         <p:spPr>
           <a:xfrm>
-            <a:off x="1792288" y="5367338"/>
-            <a:ext cx="5486400" cy="804862"/>
+            <a:off x="2389717" y="5367338"/>
+            <a:ext cx="7315200" cy="804862"/>
           </a:xfrm>
         </p:spPr>
         <p:txBody>
@@ -8665,6 +8586,7 @@
               <a:rPr lang="zh-CN" altLang="en-US" smtClean="0"/>
               <a:t>单击此处编辑母版文本样式</a:t>
             </a:r>
+            <a:endParaRPr lang="zh-CN" altLang="en-US" smtClean="0"/>
           </a:p>
         </p:txBody>
       </p:sp>
@@ -8678,9 +8600,7 @@
             <p:ph type="ftr" sz="quarter" idx="10"/>
           </p:nvPr>
         </p:nvSpPr>
-        <p:spPr>
-          <a:ln/>
-        </p:spPr>
+        <p:spPr/>
         <p:txBody>
           <a:bodyPr/>
           <a:lstStyle>
@@ -8710,7 +8630,7 @@
     <p:bg>
       <p:bgPr>
         <a:blipFill dpi="0" rotWithShape="0">
-          <a:blip r:embed="rId13">
+          <a:blip r:embed="rId12">
             <a:extLst>
               <a:ext uri="{28A0092B-C50C-407E-A947-70E740481C1C}">
                 <a14:useLocalDpi xmlns:a14="http://schemas.microsoft.com/office/drawing/2010/main" val="0"/>
@@ -8751,8 +8671,8 @@
         </p:nvSpPr>
         <p:spPr bwMode="auto">
           <a:xfrm>
-            <a:off x="295275" y="1489075"/>
-            <a:ext cx="8524875" cy="4313238"/>
+            <a:off x="393700" y="1489075"/>
+            <a:ext cx="11366500" cy="4313238"/>
           </a:xfrm>
           <a:prstGeom prst="rect">
             <a:avLst/>
@@ -8761,16 +8681,10 @@
           <a:ln w="9525">
             <a:noFill/>
             <a:miter lim="800000"/>
-            <a:headEnd/>
-            <a:tailEnd/>
           </a:ln>
         </p:spPr>
         <p:txBody>
-          <a:bodyPr vert="horz" wrap="square" lIns="0" tIns="0" rIns="0" bIns="0" numCol="1" anchor="t" anchorCtr="0" compatLnSpc="1">
-            <a:prstTxWarp prst="textNoShape">
-              <a:avLst/>
-            </a:prstTxWarp>
-          </a:bodyPr>
+          <a:bodyPr vert="horz" wrap="square" lIns="0" tIns="0" rIns="0" bIns="0" numCol="1" anchor="t" anchorCtr="0" compatLnSpc="1"/>
           <a:lstStyle/>
           <a:p>
             <a:pPr lvl="0"/>
@@ -8778,6 +8692,7 @@
               <a:rPr lang="de-DE" altLang="zh-CN" dirty="0" smtClean="0"/>
               <a:t>Textmasterformate durch Klicken bearbeiten</a:t>
             </a:r>
+            <a:endParaRPr lang="de-DE" altLang="zh-CN" dirty="0" smtClean="0"/>
           </a:p>
           <a:p>
             <a:pPr lvl="1"/>
@@ -8785,6 +8700,7 @@
               <a:rPr lang="de-DE" altLang="zh-CN" dirty="0" smtClean="0"/>
               <a:t>Zweite Ebene</a:t>
             </a:r>
+            <a:endParaRPr lang="de-DE" altLang="zh-CN" dirty="0" smtClean="0"/>
           </a:p>
           <a:p>
             <a:pPr lvl="2"/>
@@ -8792,6 +8708,7 @@
               <a:rPr lang="de-DE" altLang="zh-CN" dirty="0" smtClean="0"/>
               <a:t>Dritte Ebene</a:t>
             </a:r>
+            <a:endParaRPr lang="de-DE" altLang="zh-CN" dirty="0" smtClean="0"/>
           </a:p>
           <a:p>
             <a:pPr lvl="3"/>
@@ -8799,6 +8716,7 @@
               <a:rPr lang="de-DE" altLang="zh-CN" dirty="0" smtClean="0"/>
               <a:t>Vierte Ebene</a:t>
             </a:r>
+            <a:endParaRPr lang="de-DE" altLang="zh-CN" dirty="0" smtClean="0"/>
           </a:p>
           <a:p>
             <a:pPr lvl="4"/>
@@ -8806,6 +8724,7 @@
               <a:rPr lang="de-DE" altLang="zh-CN" dirty="0" smtClean="0"/>
               <a:t>Fünfte Ebene</a:t>
             </a:r>
+            <a:endParaRPr lang="de-DE" altLang="zh-CN" dirty="0" smtClean="0"/>
           </a:p>
         </p:txBody>
       </p:sp>
@@ -8821,8 +8740,8 @@
         </p:nvSpPr>
         <p:spPr bwMode="gray">
           <a:xfrm>
-            <a:off x="3124200" y="6365875"/>
-            <a:ext cx="2895600" cy="247650"/>
+            <a:off x="4165600" y="6365875"/>
+            <a:ext cx="3860800" cy="247650"/>
           </a:xfrm>
           <a:prstGeom prst="rect">
             <a:avLst/>
@@ -8831,23 +8750,17 @@
           <a:ln w="9525">
             <a:noFill/>
             <a:miter lim="800000"/>
-            <a:headEnd/>
-            <a:tailEnd/>
           </a:ln>
         </p:spPr>
         <p:txBody>
-          <a:bodyPr vert="horz" wrap="square" lIns="91440" tIns="45720" rIns="91440" bIns="45720" numCol="1" anchor="t" anchorCtr="0" compatLnSpc="1">
-            <a:prstTxWarp prst="textNoShape">
-              <a:avLst/>
-            </a:prstTxWarp>
-          </a:bodyPr>
+          <a:bodyPr vert="horz" wrap="square" lIns="91440" tIns="45720" rIns="91440" bIns="45720" numCol="1" anchor="t" anchorCtr="0" compatLnSpc="1"/>
           <a:lstStyle>
             <a:lvl1pPr algn="ctr">
               <a:defRPr sz="1000" noProof="1">
                 <a:solidFill>
                   <a:schemeClr val="bg1"/>
                 </a:solidFill>
-                <a:latin typeface="Arial" charset="0"/>
+                <a:latin typeface="Arial" panose="020B0604020202020204" pitchFamily="34" charset="0"/>
                 <a:cs typeface="+mn-cs"/>
               </a:defRPr>
             </a:lvl1pPr>
@@ -8872,8 +8785,8 @@
         </p:nvSpPr>
         <p:spPr bwMode="gray">
           <a:xfrm>
-            <a:off x="300038" y="252413"/>
-            <a:ext cx="8520112" cy="647700"/>
+            <a:off x="400051" y="252413"/>
+            <a:ext cx="11360149" cy="647700"/>
           </a:xfrm>
           <a:prstGeom prst="rect">
             <a:avLst/>
@@ -8882,16 +8795,10 @@
           <a:ln w="9525">
             <a:noFill/>
             <a:miter lim="800000"/>
-            <a:headEnd/>
-            <a:tailEnd/>
           </a:ln>
         </p:spPr>
         <p:txBody>
-          <a:bodyPr vert="horz" wrap="square" lIns="0" tIns="45720" rIns="0" bIns="45720" numCol="1" anchor="t" anchorCtr="0" compatLnSpc="1">
-            <a:prstTxWarp prst="textNoShape">
-              <a:avLst/>
-            </a:prstTxWarp>
-          </a:bodyPr>
+          <a:bodyPr vert="horz" wrap="square" lIns="0" tIns="45720" rIns="0" bIns="45720" numCol="1" anchor="t" anchorCtr="0" compatLnSpc="1"/>
           <a:lstStyle/>
           <a:p>
             <a:pPr lvl="0"/>
@@ -8899,6 +8806,7 @@
               <a:rPr lang="de-DE" altLang="zh-CN" smtClean="0"/>
               <a:t>Klicken Sie, um das Titelformat zu bearbeiten</a:t>
             </a:r>
+            <a:endParaRPr lang="de-DE" altLang="zh-CN" smtClean="0"/>
           </a:p>
         </p:txBody>
       </p:sp>
@@ -8912,8 +8820,8 @@
         </p:nvSpPr>
         <p:spPr bwMode="gray">
           <a:xfrm>
-            <a:off x="219075" y="6365875"/>
-            <a:ext cx="1343025" cy="247650"/>
+            <a:off x="292100" y="6365875"/>
+            <a:ext cx="1790700" cy="247650"/>
           </a:xfrm>
           <a:prstGeom prst="rect">
             <a:avLst/>
@@ -8922,8 +8830,6 @@
           <a:ln w="9525">
             <a:noFill/>
             <a:miter lim="800000"/>
-            <a:headEnd/>
-            <a:tailEnd/>
           </a:ln>
         </p:spPr>
         <p:txBody>
@@ -8935,44 +8841,40 @@
             </a:pPr>
             <a:r>
               <a:rPr lang="de-DE" altLang="zh-CN" sz="1000">
-                <a:latin typeface="Arial" pitchFamily="34" charset="0"/>
-                <a:ea typeface="宋体" pitchFamily="2" charset="-122"/>
-                <a:cs typeface="Arial" pitchFamily="34" charset="0"/>
+                <a:latin typeface="Arial" panose="020B0604020202020204" pitchFamily="34" charset="0"/>
+                <a:ea typeface="宋体" panose="02010600030101010101" pitchFamily="2" charset="-122"/>
+                <a:cs typeface="Arial" panose="020B0604020202020204" pitchFamily="34" charset="0"/>
               </a:rPr>
               <a:t>Page </a:t>
             </a:r>
             <a:r>
               <a:rPr lang="de-DE" altLang="zh-CN" sz="1000">
-                <a:latin typeface="Arial" pitchFamily="34" charset="0"/>
-                <a:ea typeface="宋体" pitchFamily="2" charset="-122"/>
-                <a:cs typeface="Arial" pitchFamily="34" charset="0"/>
-                <a:sym typeface="Wingdings" pitchFamily="2" charset="2"/>
+                <a:latin typeface="Arial" panose="020B0604020202020204" pitchFamily="34" charset="0"/>
+                <a:ea typeface="宋体" panose="02010600030101010101" pitchFamily="2" charset="-122"/>
+                <a:cs typeface="Arial" panose="020B0604020202020204" pitchFamily="34" charset="0"/>
+                <a:sym typeface="Wingdings" panose="05000000000000000000" pitchFamily="2" charset="2"/>
               </a:rPr>
               <a:t></a:t>
             </a:r>
             <a:r>
               <a:rPr lang="de-DE" altLang="zh-CN" sz="1000">
-                <a:latin typeface="Arial" pitchFamily="34" charset="0"/>
-                <a:ea typeface="宋体" pitchFamily="2" charset="-122"/>
-                <a:cs typeface="Arial" pitchFamily="34" charset="0"/>
+                <a:latin typeface="Arial" panose="020B0604020202020204" pitchFamily="34" charset="0"/>
+                <a:ea typeface="宋体" panose="02010600030101010101" pitchFamily="2" charset="-122"/>
+                <a:cs typeface="Arial" panose="020B0604020202020204" pitchFamily="34" charset="0"/>
               </a:rPr>
               <a:t> </a:t>
             </a:r>
             <a:fld id="{32D91C8F-FAEA-4B44-9189-5505FEED48C3}" type="slidenum">
               <a:rPr lang="de-DE" altLang="zh-CN" sz="1000">
-                <a:latin typeface="Arial" pitchFamily="34" charset="0"/>
-                <a:ea typeface="宋体" pitchFamily="2" charset="-122"/>
-                <a:cs typeface="Arial" pitchFamily="34" charset="0"/>
+                <a:latin typeface="Arial" panose="020B0604020202020204" pitchFamily="34" charset="0"/>
+                <a:ea typeface="宋体" panose="02010600030101010101" pitchFamily="2" charset="-122"/>
+                <a:cs typeface="Arial" panose="020B0604020202020204" pitchFamily="34" charset="0"/>
               </a:rPr>
-              <a:pPr>
-                <a:defRPr/>
-              </a:pPr>
-              <a:t>‹#›</a:t>
             </a:fld>
             <a:endParaRPr lang="de-DE" altLang="zh-CN" sz="1000">
-              <a:latin typeface="Arial" pitchFamily="34" charset="0"/>
-              <a:ea typeface="宋体" pitchFamily="2" charset="-122"/>
-              <a:cs typeface="Arial" pitchFamily="34" charset="0"/>
+              <a:latin typeface="Arial" panose="020B0604020202020204" pitchFamily="34" charset="0"/>
+              <a:ea typeface="宋体" panose="02010600030101010101" pitchFamily="2" charset="-122"/>
+              <a:cs typeface="Arial" panose="020B0604020202020204" pitchFamily="34" charset="0"/>
             </a:endParaRPr>
           </a:p>
         </p:txBody>
@@ -8986,7 +8888,7 @@
           <p:nvPr/>
         </p:nvPicPr>
         <p:blipFill>
-          <a:blip r:embed="rId14" cstate="print">
+          <a:blip r:embed="rId13" cstate="print">
             <a:extLst>
               <a:ext uri="{28A0092B-C50C-407E-A947-70E740481C1C}">
                 <a14:useLocalDpi xmlns:a14="http://schemas.microsoft.com/office/drawing/2010/main" val="0"/>
@@ -8999,8 +8901,8 @@
         </p:blipFill>
         <p:spPr>
           <a:xfrm>
-            <a:off x="6627100" y="6443496"/>
-            <a:ext cx="2224653" cy="343090"/>
+            <a:off x="8836133" y="6443496"/>
+            <a:ext cx="2966204" cy="343090"/>
           </a:xfrm>
           <a:prstGeom prst="rect">
             <a:avLst/>
@@ -9011,17 +8913,17 @@
   </p:cSld>
   <p:clrMap bg1="lt1" tx1="dk1" bg2="lt2" tx2="dk2" accent1="accent1" accent2="accent2" accent3="accent3" accent4="accent4" accent5="accent5" accent6="accent6" hlink="hlink" folHlink="folHlink"/>
   <p:sldLayoutIdLst>
-    <p:sldLayoutId id="2147483687" r:id="rId1"/>
-    <p:sldLayoutId id="2147483677" r:id="rId2"/>
-    <p:sldLayoutId id="2147483678" r:id="rId3"/>
-    <p:sldLayoutId id="2147483679" r:id="rId4"/>
-    <p:sldLayoutId id="2147483680" r:id="rId5"/>
-    <p:sldLayoutId id="2147483681" r:id="rId6"/>
-    <p:sldLayoutId id="2147483682" r:id="rId7"/>
-    <p:sldLayoutId id="2147483683" r:id="rId8"/>
-    <p:sldLayoutId id="2147483684" r:id="rId9"/>
-    <p:sldLayoutId id="2147483685" r:id="rId10"/>
-    <p:sldLayoutId id="2147483686" r:id="rId11"/>
+    <p:sldLayoutId id="2147483649" r:id="rId1"/>
+    <p:sldLayoutId id="2147483650" r:id="rId2"/>
+    <p:sldLayoutId id="2147483651" r:id="rId3"/>
+    <p:sldLayoutId id="2147483652" r:id="rId4"/>
+    <p:sldLayoutId id="2147483653" r:id="rId5"/>
+    <p:sldLayoutId id="2147483654" r:id="rId6"/>
+    <p:sldLayoutId id="2147483655" r:id="rId7"/>
+    <p:sldLayoutId id="2147483656" r:id="rId8"/>
+    <p:sldLayoutId id="2147483657" r:id="rId9"/>
+    <p:sldLayoutId id="2147483658" r:id="rId10"/>
+    <p:sldLayoutId id="2147483659" r:id="rId11"/>
   </p:sldLayoutIdLst>
   <p:txStyles>
     <p:titleStyle>
@@ -9039,8 +8941,8 @@
           <a:solidFill>
             <a:schemeClr val="bg1"/>
           </a:solidFill>
-          <a:latin typeface="微软雅黑" pitchFamily="34" charset="-122"/>
-          <a:ea typeface="微软雅黑" pitchFamily="34" charset="-122"/>
+          <a:latin typeface="微软雅黑" panose="020B0503020204020204" pitchFamily="34" charset="-122"/>
+          <a:ea typeface="微软雅黑" panose="020B0503020204020204" pitchFamily="34" charset="-122"/>
           <a:cs typeface="+mj-cs"/>
         </a:defRPr>
       </a:lvl1pPr>
@@ -9058,8 +8960,8 @@
           <a:solidFill>
             <a:schemeClr val="bg1"/>
           </a:solidFill>
-          <a:latin typeface="Arial" charset="0"/>
-          <a:cs typeface="Arial" charset="0"/>
+          <a:latin typeface="Arial" panose="020B0604020202020204" pitchFamily="34" charset="0"/>
+          <a:cs typeface="Arial" panose="020B0604020202020204" pitchFamily="34" charset="0"/>
         </a:defRPr>
       </a:lvl2pPr>
       <a:lvl3pPr algn="l" rtl="0" eaLnBrk="0" fontAlgn="base" hangingPunct="0">
@@ -9076,8 +8978,8 @@
           <a:solidFill>
             <a:schemeClr val="bg1"/>
           </a:solidFill>
-          <a:latin typeface="Arial" charset="0"/>
-          <a:cs typeface="Arial" charset="0"/>
+          <a:latin typeface="Arial" panose="020B0604020202020204" pitchFamily="34" charset="0"/>
+          <a:cs typeface="Arial" panose="020B0604020202020204" pitchFamily="34" charset="0"/>
         </a:defRPr>
       </a:lvl3pPr>
       <a:lvl4pPr algn="l" rtl="0" eaLnBrk="0" fontAlgn="base" hangingPunct="0">
@@ -9094,8 +8996,8 @@
           <a:solidFill>
             <a:schemeClr val="bg1"/>
           </a:solidFill>
-          <a:latin typeface="Arial" charset="0"/>
-          <a:cs typeface="Arial" charset="0"/>
+          <a:latin typeface="Arial" panose="020B0604020202020204" pitchFamily="34" charset="0"/>
+          <a:cs typeface="Arial" panose="020B0604020202020204" pitchFamily="34" charset="0"/>
         </a:defRPr>
       </a:lvl4pPr>
       <a:lvl5pPr algn="l" rtl="0" eaLnBrk="0" fontAlgn="base" hangingPunct="0">
@@ -9112,8 +9014,8 @@
           <a:solidFill>
             <a:schemeClr val="bg1"/>
           </a:solidFill>
-          <a:latin typeface="Arial" charset="0"/>
-          <a:cs typeface="Arial" charset="0"/>
+          <a:latin typeface="Arial" panose="020B0604020202020204" pitchFamily="34" charset="0"/>
+          <a:cs typeface="Arial" panose="020B0604020202020204" pitchFamily="34" charset="0"/>
         </a:defRPr>
       </a:lvl5pPr>
       <a:lvl6pPr marL="457200" algn="l" rtl="0" fontAlgn="base">
@@ -9130,8 +9032,8 @@
           <a:solidFill>
             <a:schemeClr val="bg1"/>
           </a:solidFill>
-          <a:latin typeface="Arial" charset="0"/>
-          <a:cs typeface="Arial" charset="0"/>
+          <a:latin typeface="Arial" panose="020B0604020202020204" pitchFamily="34" charset="0"/>
+          <a:cs typeface="Arial" panose="020B0604020202020204" pitchFamily="34" charset="0"/>
         </a:defRPr>
       </a:lvl6pPr>
       <a:lvl7pPr marL="914400" algn="l" rtl="0" fontAlgn="base">
@@ -9148,8 +9050,8 @@
           <a:solidFill>
             <a:schemeClr val="bg1"/>
           </a:solidFill>
-          <a:latin typeface="Arial" charset="0"/>
-          <a:cs typeface="Arial" charset="0"/>
+          <a:latin typeface="Arial" panose="020B0604020202020204" pitchFamily="34" charset="0"/>
+          <a:cs typeface="Arial" panose="020B0604020202020204" pitchFamily="34" charset="0"/>
         </a:defRPr>
       </a:lvl7pPr>
       <a:lvl8pPr marL="1371600" algn="l" rtl="0" fontAlgn="base">
@@ -9166,8 +9068,8 @@
           <a:solidFill>
             <a:schemeClr val="bg1"/>
           </a:solidFill>
-          <a:latin typeface="Arial" charset="0"/>
-          <a:cs typeface="Arial" charset="0"/>
+          <a:latin typeface="Arial" panose="020B0604020202020204" pitchFamily="34" charset="0"/>
+          <a:cs typeface="Arial" panose="020B0604020202020204" pitchFamily="34" charset="0"/>
         </a:defRPr>
       </a:lvl8pPr>
       <a:lvl9pPr marL="1828800" algn="l" rtl="0" fontAlgn="base">
@@ -9184,8 +9086,8 @@
           <a:solidFill>
             <a:schemeClr val="bg1"/>
           </a:solidFill>
-          <a:latin typeface="Arial" charset="0"/>
-          <a:cs typeface="Arial" charset="0"/>
+          <a:latin typeface="Arial" panose="020B0604020202020204" pitchFamily="34" charset="0"/>
+          <a:cs typeface="Arial" panose="020B0604020202020204" pitchFamily="34" charset="0"/>
         </a:defRPr>
       </a:lvl9pPr>
     </p:titleStyle>
@@ -9197,18 +9099,18 @@
         <a:spcAft>
           <a:spcPct val="40000"/>
         </a:spcAft>
-        <a:buFont typeface="Wingdings" pitchFamily="2" charset="2"/>
+        <a:buFont typeface="Wingdings" panose="05000000000000000000" pitchFamily="2" charset="2"/>
         <a:buChar char="§"/>
         <a:defRPr sz="2000">
           <a:solidFill>
             <a:schemeClr val="tx1"/>
           </a:solidFill>
-          <a:latin typeface="微软雅黑" pitchFamily="34" charset="-122"/>
-          <a:ea typeface="微软雅黑" pitchFamily="34" charset="-122"/>
+          <a:latin typeface="微软雅黑" panose="020B0503020204020204" pitchFamily="34" charset="-122"/>
+          <a:ea typeface="微软雅黑" panose="020B0503020204020204" pitchFamily="34" charset="-122"/>
           <a:cs typeface="+mn-cs"/>
         </a:defRPr>
       </a:lvl1pPr>
-      <a:lvl2pPr marL="444500" indent="-261938" algn="l" rtl="0" eaLnBrk="0" fontAlgn="base" hangingPunct="0">
+      <a:lvl2pPr marL="444500" indent="-262255" algn="l" rtl="0" eaLnBrk="0" fontAlgn="base" hangingPunct="0">
         <a:spcBef>
           <a:spcPct val="0"/>
         </a:spcBef>
@@ -9220,12 +9122,12 @@
           <a:solidFill>
             <a:schemeClr val="tx1"/>
           </a:solidFill>
-          <a:latin typeface="微软雅黑" pitchFamily="34" charset="-122"/>
-          <a:ea typeface="微软雅黑" pitchFamily="34" charset="-122"/>
+          <a:latin typeface="微软雅黑" panose="020B0503020204020204" pitchFamily="34" charset="-122"/>
+          <a:ea typeface="微软雅黑" panose="020B0503020204020204" pitchFamily="34" charset="-122"/>
           <a:cs typeface="+mn-cs"/>
         </a:defRPr>
       </a:lvl2pPr>
-      <a:lvl3pPr marL="720725" indent="-274638" algn="l" rtl="0" eaLnBrk="0" fontAlgn="base" hangingPunct="0">
+      <a:lvl3pPr marL="720725" indent="-274955" algn="l" rtl="0" eaLnBrk="0" fontAlgn="base" hangingPunct="0">
         <a:spcBef>
           <a:spcPct val="0"/>
         </a:spcBef>
@@ -9237,12 +9139,12 @@
           <a:solidFill>
             <a:schemeClr val="tx1"/>
           </a:solidFill>
-          <a:latin typeface="微软雅黑" pitchFamily="34" charset="-122"/>
-          <a:ea typeface="微软雅黑" pitchFamily="34" charset="-122"/>
+          <a:latin typeface="微软雅黑" panose="020B0503020204020204" pitchFamily="34" charset="-122"/>
+          <a:ea typeface="微软雅黑" panose="020B0503020204020204" pitchFamily="34" charset="-122"/>
           <a:cs typeface="+mn-cs"/>
         </a:defRPr>
       </a:lvl3pPr>
-      <a:lvl4pPr marL="987425" indent="-265113" algn="l" rtl="0" eaLnBrk="0" fontAlgn="base" hangingPunct="0">
+      <a:lvl4pPr marL="987425" indent="-265430" algn="l" rtl="0" eaLnBrk="0" fontAlgn="base" hangingPunct="0">
         <a:spcBef>
           <a:spcPct val="0"/>
         </a:spcBef>
@@ -9254,12 +9156,12 @@
           <a:solidFill>
             <a:schemeClr val="tx1"/>
           </a:solidFill>
-          <a:latin typeface="微软雅黑" pitchFamily="34" charset="-122"/>
-          <a:ea typeface="微软雅黑" pitchFamily="34" charset="-122"/>
+          <a:latin typeface="微软雅黑" panose="020B0503020204020204" pitchFamily="34" charset="-122"/>
+          <a:ea typeface="微软雅黑" panose="020B0503020204020204" pitchFamily="34" charset="-122"/>
           <a:cs typeface="+mn-cs"/>
         </a:defRPr>
       </a:lvl4pPr>
-      <a:lvl5pPr marL="1254125" indent="-265113" algn="l" rtl="0" eaLnBrk="0" fontAlgn="base" hangingPunct="0">
+      <a:lvl5pPr marL="1254125" indent="-265430" algn="l" rtl="0" eaLnBrk="0" fontAlgn="base" hangingPunct="0">
         <a:spcBef>
           <a:spcPct val="0"/>
         </a:spcBef>
@@ -9271,12 +9173,12 @@
           <a:solidFill>
             <a:schemeClr val="tx1"/>
           </a:solidFill>
-          <a:latin typeface="微软雅黑" pitchFamily="34" charset="-122"/>
-          <a:ea typeface="微软雅黑" pitchFamily="34" charset="-122"/>
+          <a:latin typeface="微软雅黑" panose="020B0503020204020204" pitchFamily="34" charset="-122"/>
+          <a:ea typeface="微软雅黑" panose="020B0503020204020204" pitchFamily="34" charset="-122"/>
           <a:cs typeface="+mn-cs"/>
         </a:defRPr>
       </a:lvl5pPr>
-      <a:lvl6pPr marL="1711325" indent="-265113" algn="l" rtl="0" fontAlgn="base">
+      <a:lvl6pPr marL="1711325" indent="-265430" algn="l" rtl="0" fontAlgn="base">
         <a:spcBef>
           <a:spcPct val="0"/>
         </a:spcBef>
@@ -9292,7 +9194,7 @@
           <a:cs typeface="+mn-cs"/>
         </a:defRPr>
       </a:lvl6pPr>
-      <a:lvl7pPr marL="2168525" indent="-265113" algn="l" rtl="0" fontAlgn="base">
+      <a:lvl7pPr marL="2168525" indent="-265430" algn="l" rtl="0" fontAlgn="base">
         <a:spcBef>
           <a:spcPct val="0"/>
         </a:spcBef>
@@ -9308,7 +9210,7 @@
           <a:cs typeface="+mn-cs"/>
         </a:defRPr>
       </a:lvl7pPr>
-      <a:lvl8pPr marL="2625725" indent="-265113" algn="l" rtl="0" fontAlgn="base">
+      <a:lvl8pPr marL="2625725" indent="-265430" algn="l" rtl="0" fontAlgn="base">
         <a:spcBef>
           <a:spcPct val="0"/>
         </a:spcBef>
@@ -9324,7 +9226,7 @@
           <a:cs typeface="+mn-cs"/>
         </a:defRPr>
       </a:lvl8pPr>
-      <a:lvl9pPr marL="3082925" indent="-265113" algn="l" rtl="0" fontAlgn="base">
+      <a:lvl9pPr marL="3082925" indent="-265430" algn="l" rtl="0" fontAlgn="base">
         <a:spcBef>
           <a:spcPct val="0"/>
         </a:spcBef>
@@ -9469,7 +9371,7 @@
         </p:nvSpPr>
         <p:spPr>
           <a:xfrm>
-            <a:off x="2971800" y="3352800"/>
+            <a:off x="4495800" y="3352800"/>
             <a:ext cx="6029356" cy="609600"/>
           </a:xfrm>
         </p:spPr>
@@ -9505,8 +9407,8 @@
         </p:nvSpPr>
         <p:spPr>
           <a:xfrm>
-            <a:off x="373743" y="214314"/>
-            <a:ext cx="4648200" cy="533400"/>
+            <a:off x="40005" y="214630"/>
+            <a:ext cx="6506210" cy="533400"/>
           </a:xfrm>
         </p:spPr>
         <p:txBody>
@@ -9538,6 +9440,9 @@
         </p:txBody>
       </p:sp>
     </p:spTree>
+    <p:custDataLst>
+      <p:tags r:id="rId1"/>
+    </p:custDataLst>
   </p:cSld>
   <p:clrMapOvr>
     <a:masterClrMapping/>
@@ -9596,25 +9501,6 @@
           </a:p>
         </p:txBody>
       </p:sp>
-      <p:sp>
-        <p:nvSpPr>
-          <p:cNvPr id="7" name="内容占位符 6"/>
-          <p:cNvSpPr>
-            <a:spLocks noGrp="1"/>
-          </p:cNvSpPr>
-          <p:nvPr>
-            <p:ph idx="1"/>
-          </p:nvPr>
-        </p:nvSpPr>
-        <p:spPr/>
-        <p:txBody>
-          <a:bodyPr/>
-          <a:lstStyle/>
-          <a:p>
-            <a:endParaRPr lang="zh-CN" altLang="en-US"/>
-          </a:p>
-        </p:txBody>
-      </p:sp>
       <p:pic>
         <p:nvPicPr>
           <p:cNvPr id="1026" name="Picture 2" descr="D:\软件学院\参考资料\7.0\10-11第二学期\IT项目管理\参考资料\测试过程.jpg"/>
@@ -9624,7 +9510,7 @@
           <p:nvPr/>
         </p:nvPicPr>
         <p:blipFill>
-          <a:blip r:embed="rId2" cstate="print">
+          <a:blip r:embed="rId1" cstate="print">
             <a:extLst>
               <a:ext uri="{28A0092B-C50C-407E-A947-70E740481C1C}">
                 <a14:useLocalDpi xmlns:a14="http://schemas.microsoft.com/office/drawing/2010/main" val="0"/>
@@ -9638,8 +9524,8 @@
         </p:blipFill>
         <p:spPr bwMode="auto">
           <a:xfrm>
-            <a:off x="-1" y="2081530"/>
-            <a:ext cx="9186211" cy="2703830"/>
+            <a:off x="901700" y="2170430"/>
+            <a:ext cx="10389235" cy="3058160"/>
           </a:xfrm>
           <a:prstGeom prst="rect">
             <a:avLst/>
@@ -9981,7 +9867,7 @@
         </p:nvSpPr>
         <p:spPr>
           <a:xfrm>
-            <a:off x="295275" y="1459579"/>
+            <a:off x="1819275" y="1459579"/>
             <a:ext cx="8524875" cy="4313238"/>
           </a:xfrm>
         </p:spPr>
@@ -10036,6 +9922,38 @@
       <p:pic>
         <p:nvPicPr>
           <p:cNvPr id="1026" name="Picture 2" descr="http://www.cnsaes.org/homepage/saesmag/shjyky/2007/7/jk070719a.gif"/>
+          <p:cNvPicPr>
+            <a:picLocks noChangeAspect="1" noChangeArrowheads="1"/>
+          </p:cNvPicPr>
+          <p:nvPr/>
+        </p:nvPicPr>
+        <p:blipFill>
+          <a:blip r:embed="rId1">
+            <a:extLst>
+              <a:ext uri="{28A0092B-C50C-407E-A947-70E740481C1C}">
+                <a14:useLocalDpi xmlns:a14="http://schemas.microsoft.com/office/drawing/2010/main" val="0"/>
+              </a:ext>
+            </a:extLst>
+          </a:blip>
+          <a:srcRect/>
+          <a:stretch>
+            <a:fillRect/>
+          </a:stretch>
+        </p:blipFill>
+        <p:spPr bwMode="auto">
+          <a:xfrm>
+            <a:off x="1612488" y="2454824"/>
+            <a:ext cx="4413252" cy="4329983"/>
+          </a:xfrm>
+          <a:prstGeom prst="rect">
+            <a:avLst/>
+          </a:prstGeom>
+          <a:noFill/>
+        </p:spPr>
+      </p:pic>
+      <p:pic>
+        <p:nvPicPr>
+          <p:cNvPr id="1028" name="Picture 4" descr="http://www.cnsaes.org/homepage/saesmag/shjyky/2007/7/jk070719b.gif"/>
           <p:cNvPicPr>
             <a:picLocks noChangeAspect="1" noChangeArrowheads="1"/>
           </p:cNvPicPr>
@@ -10056,8 +9974,8 @@
         </p:blipFill>
         <p:spPr bwMode="auto">
           <a:xfrm>
-            <a:off x="88488" y="2513244"/>
-            <a:ext cx="4413252" cy="4329983"/>
+            <a:off x="6139112" y="2446321"/>
+            <a:ext cx="4571988" cy="4323735"/>
           </a:xfrm>
           <a:prstGeom prst="rect">
             <a:avLst/>
@@ -10067,14 +9985,16 @@
       </p:pic>
       <p:pic>
         <p:nvPicPr>
-          <p:cNvPr id="1028" name="Picture 4" descr="http://www.cnsaes.org/homepage/saesmag/shjyky/2007/7/jk070719b.gif"/>
+          <p:cNvPr id="1030" name="Picture 6" descr="http://t3.baidu.com/it/u=2529806779,637864888&amp;fm=15&amp;gp=0.jpg">
+            <a:hlinkClick r:id="rId3"/>
+          </p:cNvPr>
           <p:cNvPicPr>
             <a:picLocks noChangeAspect="1" noChangeArrowheads="1"/>
           </p:cNvPicPr>
           <p:nvPr/>
         </p:nvPicPr>
         <p:blipFill>
-          <a:blip r:embed="rId3">
+          <a:blip r:embed="rId4">
             <a:extLst>
               <a:ext uri="{28A0092B-C50C-407E-A947-70E740481C1C}">
                 <a14:useLocalDpi xmlns:a14="http://schemas.microsoft.com/office/drawing/2010/main" val="0"/>
@@ -10088,41 +10008,7 @@
         </p:blipFill>
         <p:spPr bwMode="auto">
           <a:xfrm>
-            <a:off x="4498272" y="2504741"/>
-            <a:ext cx="4571988" cy="4323735"/>
-          </a:xfrm>
-          <a:prstGeom prst="rect">
-            <a:avLst/>
-          </a:prstGeom>
-          <a:noFill/>
-        </p:spPr>
-      </p:pic>
-      <p:pic>
-        <p:nvPicPr>
-          <p:cNvPr id="1030" name="Picture 6" descr="http://t3.baidu.com/it/u=2529806779,637864888&amp;fm=15&amp;gp=0.jpg">
-            <a:hlinkClick r:id="rId4"/>
-          </p:cNvPr>
-          <p:cNvPicPr>
-            <a:picLocks noChangeAspect="1" noChangeArrowheads="1"/>
-          </p:cNvPicPr>
-          <p:nvPr/>
-        </p:nvPicPr>
-        <p:blipFill>
-          <a:blip r:embed="rId5">
-            <a:extLst>
-              <a:ext uri="{28A0092B-C50C-407E-A947-70E740481C1C}">
-                <a14:useLocalDpi xmlns:a14="http://schemas.microsoft.com/office/drawing/2010/main" val="0"/>
-              </a:ext>
-            </a:extLst>
-          </a:blip>
-          <a:srcRect/>
-          <a:stretch>
-            <a:fillRect/>
-          </a:stretch>
-        </p:blipFill>
-        <p:spPr bwMode="auto">
-          <a:xfrm>
-            <a:off x="7167717" y="0"/>
+            <a:off x="8691717" y="0"/>
             <a:ext cx="1976284" cy="2448495"/>
           </a:xfrm>
           <a:prstGeom prst="rect">
@@ -10213,16 +10099,12 @@
               <a:rPr lang="zh-CN" altLang="en-US" sz="2000" dirty="0" smtClean="0"/>
               <a:t>客户满意。朱兰认为：品质就是“适合使用” 。</a:t>
             </a:r>
-            <a:r>
-              <a:rPr lang="en-US" altLang="zh-CN" sz="2000" dirty="0" smtClean="0"/>
-              <a:t/>
-            </a:r>
             <a:br>
               <a:rPr lang="en-US" altLang="zh-CN" sz="2000" dirty="0" smtClean="0"/>
             </a:br>
             <a:r>
               <a:rPr lang="zh-CN" altLang="en-US" sz="2000" dirty="0" smtClean="0"/>
-              <a:t>而是否适合则交由客户来定义；</a:t>
+              <a:t>而是否适合则交由客户来定义。</a:t>
             </a:r>
             <a:endParaRPr lang="en-US" altLang="zh-CN" sz="2000" dirty="0" smtClean="0"/>
           </a:p>
@@ -10246,7 +10128,7 @@
             </a:r>
             <a:r>
               <a:rPr lang="zh-CN" altLang="en-US" sz="2000" dirty="0" smtClean="0"/>
-              <a:t>的环节中产生的。；</a:t>
+              <a:t>的环节中产生的。</a:t>
             </a:r>
             <a:endParaRPr lang="en-US" altLang="zh-CN" sz="2000" dirty="0" smtClean="0"/>
           </a:p>
@@ -10270,7 +10152,7 @@
             </a:r>
             <a:r>
               <a:rPr lang="zh-CN" altLang="en-US" sz="2000" dirty="0" smtClean="0"/>
-              <a:t>的质量问题是领导者造成的；</a:t>
+              <a:t>的质量问题是领导者造成的。</a:t>
             </a:r>
             <a:endParaRPr lang="en-US" altLang="zh-CN" sz="2000" dirty="0" smtClean="0"/>
           </a:p>
@@ -10304,7 +10186,7 @@
           <p:nvPr/>
         </p:nvPicPr>
         <p:blipFill>
-          <a:blip r:embed="rId2">
+          <a:blip r:embed="rId1">
             <a:extLst>
               <a:ext uri="{28A0092B-C50C-407E-A947-70E740481C1C}">
                 <a14:useLocalDpi xmlns:a14="http://schemas.microsoft.com/office/drawing/2010/main" val="0"/>
@@ -10318,7 +10200,7 @@
         </p:blipFill>
         <p:spPr bwMode="auto">
           <a:xfrm>
-            <a:off x="7300452" y="0"/>
+            <a:off x="8824452" y="0"/>
             <a:ext cx="1843548" cy="2353817"/>
           </a:xfrm>
           <a:prstGeom prst="rect">
@@ -10394,8 +10276,8 @@
         </p:nvSpPr>
         <p:spPr>
           <a:xfrm>
-            <a:off x="295275" y="1489075"/>
-            <a:ext cx="8494764" cy="4313238"/>
+            <a:off x="493395" y="1489075"/>
+            <a:ext cx="10116185" cy="4313555"/>
           </a:xfrm>
         </p:spPr>
         <p:txBody>
@@ -10677,7 +10559,7 @@
         </p:nvSpPr>
         <p:spPr bwMode="gray">
           <a:xfrm>
-            <a:off x="3124200" y="3352800"/>
+            <a:off x="4648200" y="3352800"/>
             <a:ext cx="4419600" cy="609600"/>
           </a:xfrm>
           <a:prstGeom prst="rect">
@@ -10702,8 +10584,6 @@
                     <a:schemeClr val="bg1"/>
                   </a:solidFill>
                   <a:round/>
-                  <a:headEnd/>
-                  <a:tailEnd/>
                 </a:ln>
                 <a:gradFill rotWithShape="1">
                   <a:gsLst>
@@ -10723,8 +10603,8 @@
                     </a:srgbClr>
                   </a:outerShdw>
                 </a:effectLst>
-                <a:latin typeface="Arial"/>
-                <a:cs typeface="Arial"/>
+                <a:latin typeface="Arial" panose="020B0604020202020204"/>
+                <a:cs typeface="Arial" panose="020B0604020202020204"/>
               </a:rPr>
               <a:t>Thank You !</a:t>
             </a:r>
@@ -10734,8 +10614,6 @@
                   <a:schemeClr val="bg1"/>
                 </a:solidFill>
                 <a:round/>
-                <a:headEnd/>
-                <a:tailEnd/>
               </a:ln>
               <a:gradFill rotWithShape="1">
                 <a:gsLst>
@@ -10755,8 +10633,8 @@
                   </a:srgbClr>
                 </a:outerShdw>
               </a:effectLst>
-              <a:latin typeface="Arial"/>
-              <a:cs typeface="Arial"/>
+              <a:latin typeface="Arial" panose="020B0604020202020204"/>
+              <a:cs typeface="Arial" panose="020B0604020202020204"/>
             </a:endParaRPr>
           </a:p>
         </p:txBody>
@@ -10790,7 +10668,7 @@
                             </p:stCondLst>
                             <p:childTnLst>
                               <p:par>
-                                <p:cTn id="5" presetID="53" presetClass="entr" presetSubtype="0" fill="hold" grpId="0" nodeType="afterEffect">
+                                <p:cTn id="5" presetID="53" presetClass="entr" presetSubtype="16" fill="hold" grpId="0" nodeType="afterEffect">
                                   <p:stCondLst>
                                     <p:cond delay="0"/>
                                   </p:stCondLst>
@@ -10975,11 +10853,6 @@
         </p:txBody>
       </p:sp>
     </p:spTree>
-    <p:extLst>
-      <p:ext uri="{BB962C8B-B14F-4D97-AF65-F5344CB8AC3E}">
-        <p14:creationId xmlns:p14="http://schemas.microsoft.com/office/powerpoint/2010/main" val="2303794848"/>
-      </p:ext>
-    </p:extLst>
   </p:cSld>
   <p:clrMapOvr>
     <a:masterClrMapping/>
@@ -11020,7 +10893,7 @@
           <p:nvPr/>
         </p:nvPicPr>
         <p:blipFill>
-          <a:blip r:embed="rId2">
+          <a:blip r:embed="rId1">
             <a:extLst>
               <a:ext uri="{28A0092B-C50C-407E-A947-70E740481C1C}">
                 <a14:useLocalDpi xmlns:a14="http://schemas.microsoft.com/office/drawing/2010/main" val="0"/>
@@ -11034,7 +10907,7 @@
         </p:blipFill>
         <p:spPr bwMode="auto">
           <a:xfrm>
-            <a:off x="366349" y="1758818"/>
+            <a:off x="1890349" y="1758818"/>
             <a:ext cx="8382727" cy="3773751"/>
           </a:xfrm>
           <a:prstGeom prst="rect">
@@ -11086,7 +10959,7 @@
         </p:nvSpPr>
         <p:spPr>
           <a:xfrm>
-            <a:off x="3734733" y="3184070"/>
+            <a:off x="5258733" y="3184070"/>
             <a:ext cx="1526751" cy="1028701"/>
           </a:xfrm>
           <a:prstGeom prst="roundRect">
@@ -11175,48 +11048,35 @@
               <a:rPr lang="zh-CN" altLang="en-US" dirty="0"/>
               <a:t>参考项目管理的十大知识领域完成规划</a:t>
             </a:r>
+            <a:endParaRPr lang="zh-CN" altLang="en-US" dirty="0"/>
           </a:p>
         </p:txBody>
       </p:sp>
       <p:graphicFrame>
         <p:nvGraphicFramePr>
-          <p:cNvPr id="7" name="图示 6">
-            <a:extLst>
-              <a:ext uri="{FF2B5EF4-FFF2-40B4-BE49-F238E27FC236}">
-                <a16:creationId xmlns:a16="http://schemas.microsoft.com/office/drawing/2014/main" id="{D6F16BCF-91EF-44F0-9191-FD57AAE0AB21}"/>
-              </a:ext>
-            </a:extLst>
-          </p:cNvPr>
+          <p:cNvPr id="7" name="图示 6"/>
           <p:cNvGraphicFramePr/>
-          <p:nvPr>
-            <p:extLst/>
-          </p:nvPr>
+          <p:nvPr/>
         </p:nvGraphicFramePr>
         <p:xfrm>
-          <a:off x="0" y="2049517"/>
+          <a:off x="1524000" y="1567552"/>
           <a:ext cx="9143999" cy="3247427"/>
         </p:xfrm>
         <a:graphic>
           <a:graphicData uri="http://schemas.openxmlformats.org/drawingml/2006/diagram">
-            <dgm:relIds xmlns:dgm="http://schemas.openxmlformats.org/drawingml/2006/diagram" xmlns:r="http://schemas.openxmlformats.org/officeDocument/2006/relationships" r:dm="rId2" r:lo="rId3" r:qs="rId4" r:cs="rId5"/>
+            <dgm:relIds xmlns:dgm="http://schemas.openxmlformats.org/drawingml/2006/diagram" xmlns:r="http://schemas.openxmlformats.org/officeDocument/2006/relationships" r:dm="rId1" r:lo="rId2" r:qs="rId3" r:cs="rId4"/>
           </a:graphicData>
         </a:graphic>
       </p:graphicFrame>
       <p:grpSp>
         <p:nvGrpSpPr>
-          <p:cNvPr id="8" name="组合 7">
-            <a:extLst>
-              <a:ext uri="{FF2B5EF4-FFF2-40B4-BE49-F238E27FC236}">
-                <a16:creationId xmlns:a16="http://schemas.microsoft.com/office/drawing/2014/main" id="{F7840E8C-E501-4710-992D-D7514538D51E}"/>
-              </a:ext>
-            </a:extLst>
-          </p:cNvPr>
+          <p:cNvPr id="8" name="组合 7"/>
           <p:cNvGrpSpPr/>
           <p:nvPr/>
         </p:nvGrpSpPr>
         <p:grpSpPr>
           <a:xfrm>
-            <a:off x="1032385" y="5046227"/>
+            <a:off x="2556385" y="4564262"/>
             <a:ext cx="7046268" cy="1302961"/>
             <a:chOff x="1032385" y="5046227"/>
             <a:chExt cx="7046268" cy="1302961"/>
@@ -11224,13 +11084,7 @@
         </p:grpSpPr>
         <p:sp>
           <p:nvSpPr>
-            <p:cNvPr id="9" name="右大括号 8">
-              <a:extLst>
-                <a:ext uri="{FF2B5EF4-FFF2-40B4-BE49-F238E27FC236}">
-                  <a16:creationId xmlns:a16="http://schemas.microsoft.com/office/drawing/2014/main" id="{CD818985-E7A2-4D2A-825B-3515AEABEDA9}"/>
-                </a:ext>
-              </a:extLst>
-            </p:cNvPr>
+            <p:cNvPr id="9" name="右大括号 8"/>
             <p:cNvSpPr/>
             <p:nvPr/>
           </p:nvSpPr>
@@ -11273,13 +11127,7 @@
         </p:sp>
         <p:sp>
           <p:nvSpPr>
-            <p:cNvPr id="10" name="圆角矩形 4">
-              <a:extLst>
-                <a:ext uri="{FF2B5EF4-FFF2-40B4-BE49-F238E27FC236}">
-                  <a16:creationId xmlns:a16="http://schemas.microsoft.com/office/drawing/2014/main" id="{B288E10D-EC6A-4B01-8EA4-947307D7ED27}"/>
-                </a:ext>
-              </a:extLst>
-            </p:cNvPr>
+            <p:cNvPr id="10" name="圆角矩形 4"/>
             <p:cNvSpPr/>
             <p:nvPr/>
           </p:nvSpPr>
@@ -11311,11 +11159,7 @@
             </a:fontRef>
           </p:style>
           <p:txBody>
-            <a:bodyPr vert="horz" wrap="none" lIns="90000" tIns="46800" rIns="90000" bIns="46800" numCol="1" rtlCol="0" anchor="ctr" anchorCtr="0" compatLnSpc="1">
-              <a:prstTxWarp prst="textNoShape">
-                <a:avLst/>
-              </a:prstTxWarp>
-            </a:bodyPr>
+            <a:bodyPr vert="horz" wrap="none" lIns="90000" tIns="46800" rIns="90000" bIns="46800" numCol="1" rtlCol="0" anchor="ctr" anchorCtr="0" compatLnSpc="1"/>
             <a:lstStyle/>
             <a:p>
               <a:pPr marL="0" marR="0" indent="0" algn="ctr" defTabSz="914400" rtl="0" eaLnBrk="1" fontAlgn="base" latinLnBrk="0" hangingPunct="1">
@@ -11332,7 +11176,6 @@
                 <a:buSzTx/>
                 <a:buFontTx/>
                 <a:buNone/>
-                <a:tabLst/>
               </a:pPr>
               <a:r>
                 <a:rPr kumimoji="0" lang="zh-CN" altLang="en-US" sz="2000" b="0" i="0" u="none" strike="noStrike" cap="none" normalizeH="0" baseline="0" dirty="0">
@@ -11343,21 +11186,27 @@
                     <a:schemeClr val="tx1"/>
                   </a:solidFill>
                   <a:effectLst/>
-                  <a:latin typeface="微软雅黑" pitchFamily="34" charset="-122"/>
-                  <a:ea typeface="微软雅黑" pitchFamily="34" charset="-122"/>
+                  <a:latin typeface="微软雅黑" panose="020B0503020204020204" pitchFamily="34" charset="-122"/>
+                  <a:ea typeface="微软雅黑" panose="020B0503020204020204" pitchFamily="34" charset="-122"/>
                 </a:rPr>
                 <a:t>整合</a:t>
               </a:r>
+              <a:endParaRPr kumimoji="0" lang="zh-CN" altLang="en-US" sz="2000" b="0" i="0" u="none" strike="noStrike" cap="none" normalizeH="0" baseline="0" dirty="0">
+                <a:ln>
+                  <a:noFill/>
+                </a:ln>
+                <a:solidFill>
+                  <a:schemeClr val="tx1"/>
+                </a:solidFill>
+                <a:effectLst/>
+                <a:latin typeface="微软雅黑" panose="020B0503020204020204" pitchFamily="34" charset="-122"/>
+                <a:ea typeface="微软雅黑" panose="020B0503020204020204" pitchFamily="34" charset="-122"/>
+              </a:endParaRPr>
             </a:p>
           </p:txBody>
         </p:sp>
       </p:grpSp>
     </p:spTree>
-    <p:extLst>
-      <p:ext uri="{BB962C8B-B14F-4D97-AF65-F5344CB8AC3E}">
-        <p14:creationId xmlns:p14="http://schemas.microsoft.com/office/powerpoint/2010/main" val="4029880489"/>
-      </p:ext>
-    </p:extLst>
   </p:cSld>
   <p:clrMapOvr>
     <a:masterClrMapping/>
@@ -11616,7 +11465,7 @@
           <a:p>
             <a:r>
               <a:rPr lang="zh-CN" altLang="en-US" dirty="0" smtClean="0"/>
-              <a:t>九大知识领域在规划阶段的规律和关联性</a:t>
+              <a:t>十大知识领域在规划阶段的规律和关联性</a:t>
             </a:r>
             <a:endParaRPr lang="zh-CN" altLang="en-US" dirty="0"/>
           </a:p>
@@ -11630,7 +11479,7 @@
         </p:nvSpPr>
         <p:spPr>
           <a:xfrm>
-            <a:off x="152399" y="3581400"/>
+            <a:off x="1676399" y="3581400"/>
             <a:ext cx="1348155" cy="609600"/>
           </a:xfrm>
           <a:prstGeom prst="rect">
@@ -11664,28 +11513,18 @@
                 <a:solidFill>
                   <a:schemeClr val="tx1"/>
                 </a:solidFill>
-                <a:latin typeface="微软雅黑" pitchFamily="34" charset="-122"/>
-                <a:ea typeface="微软雅黑" pitchFamily="34" charset="-122"/>
+                <a:latin typeface="微软雅黑" panose="020B0503020204020204" pitchFamily="34" charset="-122"/>
+                <a:ea typeface="微软雅黑" panose="020B0503020204020204" pitchFamily="34" charset="-122"/>
               </a:rPr>
               <a:t>做什么</a:t>
-            </a:r>
-            <a:r>
-              <a:rPr lang="en-US" altLang="zh-CN" sz="1800" b="1" dirty="0">
-                <a:solidFill>
-                  <a:schemeClr val="tx1"/>
-                </a:solidFill>
-                <a:latin typeface="微软雅黑" pitchFamily="34" charset="-122"/>
-                <a:ea typeface="微软雅黑" pitchFamily="34" charset="-122"/>
-              </a:rPr>
-              <a:t/>
             </a:r>
             <a:br>
               <a:rPr lang="en-US" altLang="zh-CN" sz="1800" b="1" dirty="0">
                 <a:solidFill>
                   <a:schemeClr val="tx1"/>
                 </a:solidFill>
-                <a:latin typeface="微软雅黑" pitchFamily="34" charset="-122"/>
-                <a:ea typeface="微软雅黑" pitchFamily="34" charset="-122"/>
+                <a:latin typeface="微软雅黑" panose="020B0503020204020204" pitchFamily="34" charset="-122"/>
+                <a:ea typeface="微软雅黑" panose="020B0503020204020204" pitchFamily="34" charset="-122"/>
               </a:rPr>
             </a:br>
             <a:r>
@@ -11693,11 +11532,18 @@
                 <a:solidFill>
                   <a:schemeClr val="tx1"/>
                 </a:solidFill>
-                <a:latin typeface="微软雅黑" pitchFamily="34" charset="-122"/>
-                <a:ea typeface="微软雅黑" pitchFamily="34" charset="-122"/>
+                <a:latin typeface="微软雅黑" panose="020B0503020204020204" pitchFamily="34" charset="-122"/>
+                <a:ea typeface="微软雅黑" panose="020B0503020204020204" pitchFamily="34" charset="-122"/>
               </a:rPr>
               <a:t>（范围管理）</a:t>
             </a:r>
+            <a:endParaRPr lang="zh-CN" altLang="en-US" sz="1800" b="1" dirty="0">
+              <a:solidFill>
+                <a:schemeClr val="tx1"/>
+              </a:solidFill>
+              <a:latin typeface="微软雅黑" panose="020B0503020204020204" pitchFamily="34" charset="-122"/>
+              <a:ea typeface="微软雅黑" panose="020B0503020204020204" pitchFamily="34" charset="-122"/>
+            </a:endParaRPr>
           </a:p>
         </p:txBody>
       </p:sp>
@@ -11709,7 +11555,7 @@
         </p:nvSpPr>
         <p:spPr>
           <a:xfrm>
-            <a:off x="1981200" y="2590800"/>
+            <a:off x="3505200" y="2590800"/>
             <a:ext cx="1600201" cy="609600"/>
           </a:xfrm>
           <a:prstGeom prst="rect">
@@ -11743,28 +11589,18 @@
                 <a:solidFill>
                   <a:schemeClr val="tx1"/>
                 </a:solidFill>
-                <a:latin typeface="微软雅黑" pitchFamily="34" charset="-122"/>
-                <a:ea typeface="微软雅黑" pitchFamily="34" charset="-122"/>
+                <a:latin typeface="微软雅黑" panose="020B0503020204020204" pitchFamily="34" charset="-122"/>
+                <a:ea typeface="微软雅黑" panose="020B0503020204020204" pitchFamily="34" charset="-122"/>
               </a:rPr>
               <a:t>什么时候做？</a:t>
-            </a:r>
-            <a:r>
-              <a:rPr lang="en-US" altLang="zh-CN" sz="1800" b="1" dirty="0">
-                <a:solidFill>
-                  <a:schemeClr val="tx1"/>
-                </a:solidFill>
-                <a:latin typeface="微软雅黑" pitchFamily="34" charset="-122"/>
-                <a:ea typeface="微软雅黑" pitchFamily="34" charset="-122"/>
-              </a:rPr>
-              <a:t/>
             </a:r>
             <a:br>
               <a:rPr lang="en-US" altLang="zh-CN" sz="1800" b="1" dirty="0">
                 <a:solidFill>
                   <a:schemeClr val="tx1"/>
                 </a:solidFill>
-                <a:latin typeface="微软雅黑" pitchFamily="34" charset="-122"/>
-                <a:ea typeface="微软雅黑" pitchFamily="34" charset="-122"/>
+                <a:latin typeface="微软雅黑" panose="020B0503020204020204" pitchFamily="34" charset="-122"/>
+                <a:ea typeface="微软雅黑" panose="020B0503020204020204" pitchFamily="34" charset="-122"/>
               </a:rPr>
             </a:br>
             <a:r>
@@ -11772,11 +11608,18 @@
                 <a:solidFill>
                   <a:schemeClr val="tx1"/>
                 </a:solidFill>
-                <a:latin typeface="微软雅黑" pitchFamily="34" charset="-122"/>
-                <a:ea typeface="微软雅黑" pitchFamily="34" charset="-122"/>
+                <a:latin typeface="微软雅黑" panose="020B0503020204020204" pitchFamily="34" charset="-122"/>
+                <a:ea typeface="微软雅黑" panose="020B0503020204020204" pitchFamily="34" charset="-122"/>
               </a:rPr>
               <a:t>（时间管理）</a:t>
             </a:r>
+            <a:endParaRPr lang="zh-CN" altLang="en-US" sz="1800" b="1" dirty="0">
+              <a:solidFill>
+                <a:schemeClr val="tx1"/>
+              </a:solidFill>
+              <a:latin typeface="微软雅黑" panose="020B0503020204020204" pitchFamily="34" charset="-122"/>
+              <a:ea typeface="微软雅黑" panose="020B0503020204020204" pitchFamily="34" charset="-122"/>
+            </a:endParaRPr>
           </a:p>
         </p:txBody>
       </p:sp>
@@ -11788,7 +11631,7 @@
         </p:nvSpPr>
         <p:spPr>
           <a:xfrm>
-            <a:off x="1981200" y="3581399"/>
+            <a:off x="3505200" y="3581399"/>
             <a:ext cx="1600201" cy="609600"/>
           </a:xfrm>
           <a:prstGeom prst="rect">
@@ -11822,28 +11665,18 @@
                 <a:solidFill>
                   <a:schemeClr val="tx1"/>
                 </a:solidFill>
-                <a:latin typeface="微软雅黑" pitchFamily="34" charset="-122"/>
-                <a:ea typeface="微软雅黑" pitchFamily="34" charset="-122"/>
+                <a:latin typeface="微软雅黑" panose="020B0503020204020204" pitchFamily="34" charset="-122"/>
+                <a:ea typeface="微软雅黑" panose="020B0503020204020204" pitchFamily="34" charset="-122"/>
               </a:rPr>
               <a:t>以什么代价做？</a:t>
-            </a:r>
-            <a:r>
-              <a:rPr lang="en-US" altLang="zh-CN" sz="1800" b="1" dirty="0" smtClean="0">
-                <a:solidFill>
-                  <a:schemeClr val="tx1"/>
-                </a:solidFill>
-                <a:latin typeface="微软雅黑" pitchFamily="34" charset="-122"/>
-                <a:ea typeface="微软雅黑" pitchFamily="34" charset="-122"/>
-              </a:rPr>
-              <a:t/>
             </a:r>
             <a:br>
               <a:rPr lang="en-US" altLang="zh-CN" sz="1800" b="1" dirty="0" smtClean="0">
                 <a:solidFill>
                   <a:schemeClr val="tx1"/>
                 </a:solidFill>
-                <a:latin typeface="微软雅黑" pitchFamily="34" charset="-122"/>
-                <a:ea typeface="微软雅黑" pitchFamily="34" charset="-122"/>
+                <a:latin typeface="微软雅黑" panose="020B0503020204020204" pitchFamily="34" charset="-122"/>
+                <a:ea typeface="微软雅黑" panose="020B0503020204020204" pitchFamily="34" charset="-122"/>
               </a:rPr>
             </a:br>
             <a:r>
@@ -11851,8 +11684,8 @@
                 <a:solidFill>
                   <a:schemeClr val="tx1"/>
                 </a:solidFill>
-                <a:latin typeface="微软雅黑" pitchFamily="34" charset="-122"/>
-                <a:ea typeface="微软雅黑" pitchFamily="34" charset="-122"/>
+                <a:latin typeface="微软雅黑" panose="020B0503020204020204" pitchFamily="34" charset="-122"/>
+                <a:ea typeface="微软雅黑" panose="020B0503020204020204" pitchFamily="34" charset="-122"/>
               </a:rPr>
               <a:t>（成本管理）</a:t>
             </a:r>
@@ -11860,8 +11693,8 @@
               <a:solidFill>
                 <a:schemeClr val="tx1"/>
               </a:solidFill>
-              <a:latin typeface="微软雅黑" pitchFamily="34" charset="-122"/>
-              <a:ea typeface="微软雅黑" pitchFamily="34" charset="-122"/>
+              <a:latin typeface="微软雅黑" panose="020B0503020204020204" pitchFamily="34" charset="-122"/>
+              <a:ea typeface="微软雅黑" panose="020B0503020204020204" pitchFamily="34" charset="-122"/>
             </a:endParaRPr>
           </a:p>
         </p:txBody>
@@ -11874,7 +11707,7 @@
         </p:nvSpPr>
         <p:spPr>
           <a:xfrm>
-            <a:off x="1981200" y="4495800"/>
+            <a:off x="3505200" y="4495800"/>
             <a:ext cx="1676401" cy="609600"/>
           </a:xfrm>
           <a:prstGeom prst="rect">
@@ -11908,28 +11741,18 @@
                 <a:solidFill>
                   <a:srgbClr val="FF0000"/>
                 </a:solidFill>
-                <a:latin typeface="微软雅黑" pitchFamily="34" charset="-122"/>
-                <a:ea typeface="微软雅黑" pitchFamily="34" charset="-122"/>
+                <a:latin typeface="微软雅黑" panose="020B0503020204020204" pitchFamily="34" charset="-122"/>
+                <a:ea typeface="微软雅黑" panose="020B0503020204020204" pitchFamily="34" charset="-122"/>
               </a:rPr>
               <a:t>按什么要求做？</a:t>
-            </a:r>
-            <a:r>
-              <a:rPr lang="en-US" altLang="zh-CN" sz="1800" b="1" dirty="0">
-                <a:solidFill>
-                  <a:srgbClr val="FF0000"/>
-                </a:solidFill>
-                <a:latin typeface="微软雅黑" pitchFamily="34" charset="-122"/>
-                <a:ea typeface="微软雅黑" pitchFamily="34" charset="-122"/>
-              </a:rPr>
-              <a:t/>
             </a:r>
             <a:br>
               <a:rPr lang="en-US" altLang="zh-CN" sz="1800" b="1" dirty="0">
                 <a:solidFill>
                   <a:srgbClr val="FF0000"/>
                 </a:solidFill>
-                <a:latin typeface="微软雅黑" pitchFamily="34" charset="-122"/>
-                <a:ea typeface="微软雅黑" pitchFamily="34" charset="-122"/>
+                <a:latin typeface="微软雅黑" panose="020B0503020204020204" pitchFamily="34" charset="-122"/>
+                <a:ea typeface="微软雅黑" panose="020B0503020204020204" pitchFamily="34" charset="-122"/>
               </a:rPr>
             </a:br>
             <a:r>
@@ -11937,11 +11760,18 @@
                 <a:solidFill>
                   <a:srgbClr val="FF0000"/>
                 </a:solidFill>
-                <a:latin typeface="微软雅黑" pitchFamily="34" charset="-122"/>
-                <a:ea typeface="微软雅黑" pitchFamily="34" charset="-122"/>
+                <a:latin typeface="微软雅黑" panose="020B0503020204020204" pitchFamily="34" charset="-122"/>
+                <a:ea typeface="微软雅黑" panose="020B0503020204020204" pitchFamily="34" charset="-122"/>
               </a:rPr>
               <a:t>（质量管理）</a:t>
             </a:r>
+            <a:endParaRPr lang="zh-CN" altLang="en-US" sz="1800" b="1" dirty="0">
+              <a:solidFill>
+                <a:srgbClr val="FF0000"/>
+              </a:solidFill>
+              <a:latin typeface="微软雅黑" panose="020B0503020204020204" pitchFamily="34" charset="-122"/>
+              <a:ea typeface="微软雅黑" panose="020B0503020204020204" pitchFamily="34" charset="-122"/>
+            </a:endParaRPr>
           </a:p>
         </p:txBody>
       </p:sp>
@@ -11953,7 +11783,7 @@
         </p:nvSpPr>
         <p:spPr>
           <a:xfrm>
-            <a:off x="4108939" y="2438401"/>
+            <a:off x="5632939" y="2438401"/>
             <a:ext cx="996461" cy="2895599"/>
           </a:xfrm>
           <a:prstGeom prst="flowChartDecision">
@@ -11987,28 +11817,18 @@
                 <a:solidFill>
                   <a:schemeClr val="tx1"/>
                 </a:solidFill>
-                <a:latin typeface="微软雅黑" pitchFamily="34" charset="-122"/>
-                <a:ea typeface="微软雅黑" pitchFamily="34" charset="-122"/>
+                <a:latin typeface="微软雅黑" panose="020B0503020204020204" pitchFamily="34" charset="-122"/>
+                <a:ea typeface="微软雅黑" panose="020B0503020204020204" pitchFamily="34" charset="-122"/>
               </a:rPr>
               <a:t>需要什么</a:t>
-            </a:r>
-            <a:r>
-              <a:rPr lang="en-US" altLang="zh-CN" sz="1800" b="1" dirty="0">
-                <a:solidFill>
-                  <a:schemeClr val="tx1"/>
-                </a:solidFill>
-                <a:latin typeface="微软雅黑" pitchFamily="34" charset="-122"/>
-                <a:ea typeface="微软雅黑" pitchFamily="34" charset="-122"/>
-              </a:rPr>
-              <a:t/>
             </a:r>
             <a:br>
               <a:rPr lang="en-US" altLang="zh-CN" sz="1800" b="1" dirty="0">
                 <a:solidFill>
                   <a:schemeClr val="tx1"/>
                 </a:solidFill>
-                <a:latin typeface="微软雅黑" pitchFamily="34" charset="-122"/>
-                <a:ea typeface="微软雅黑" pitchFamily="34" charset="-122"/>
+                <a:latin typeface="微软雅黑" panose="020B0503020204020204" pitchFamily="34" charset="-122"/>
+                <a:ea typeface="微软雅黑" panose="020B0503020204020204" pitchFamily="34" charset="-122"/>
               </a:rPr>
             </a:br>
             <a:r>
@@ -12016,11 +11836,18 @@
                 <a:solidFill>
                   <a:schemeClr val="tx1"/>
                 </a:solidFill>
-                <a:latin typeface="微软雅黑" pitchFamily="34" charset="-122"/>
-                <a:ea typeface="微软雅黑" pitchFamily="34" charset="-122"/>
+                <a:latin typeface="微软雅黑" panose="020B0503020204020204" pitchFamily="34" charset="-122"/>
+                <a:ea typeface="微软雅黑" panose="020B0503020204020204" pitchFamily="34" charset="-122"/>
               </a:rPr>
               <a:t>人力资源</a:t>
             </a:r>
+            <a:endParaRPr lang="zh-CN" altLang="en-US" sz="1800" b="1" dirty="0">
+              <a:solidFill>
+                <a:schemeClr val="tx1"/>
+              </a:solidFill>
+              <a:latin typeface="微软雅黑" panose="020B0503020204020204" pitchFamily="34" charset="-122"/>
+              <a:ea typeface="微软雅黑" panose="020B0503020204020204" pitchFamily="34" charset="-122"/>
+            </a:endParaRPr>
           </a:p>
         </p:txBody>
       </p:sp>
@@ -12032,7 +11859,7 @@
         </p:nvSpPr>
         <p:spPr>
           <a:xfrm>
-            <a:off x="5638799" y="2590799"/>
+            <a:off x="7162799" y="2590799"/>
             <a:ext cx="1676401" cy="609601"/>
           </a:xfrm>
           <a:prstGeom prst="rect">
@@ -12066,28 +11893,18 @@
                 <a:solidFill>
                   <a:schemeClr val="tx1"/>
                 </a:solidFill>
-                <a:latin typeface="微软雅黑" pitchFamily="34" charset="-122"/>
-                <a:ea typeface="微软雅黑" pitchFamily="34" charset="-122"/>
+                <a:latin typeface="微软雅黑" panose="020B0503020204020204" pitchFamily="34" charset="-122"/>
+                <a:ea typeface="微软雅黑" panose="020B0503020204020204" pitchFamily="34" charset="-122"/>
               </a:rPr>
               <a:t>内部</a:t>
-            </a:r>
-            <a:r>
-              <a:rPr lang="en-US" altLang="zh-CN" sz="1800" b="1" dirty="0">
-                <a:solidFill>
-                  <a:schemeClr val="tx1"/>
-                </a:solidFill>
-                <a:latin typeface="微软雅黑" pitchFamily="34" charset="-122"/>
-                <a:ea typeface="微软雅黑" pitchFamily="34" charset="-122"/>
-              </a:rPr>
-              <a:t/>
             </a:r>
             <a:br>
               <a:rPr lang="en-US" altLang="zh-CN" sz="1800" b="1" dirty="0">
                 <a:solidFill>
                   <a:schemeClr val="tx1"/>
                 </a:solidFill>
-                <a:latin typeface="微软雅黑" pitchFamily="34" charset="-122"/>
-                <a:ea typeface="微软雅黑" pitchFamily="34" charset="-122"/>
+                <a:latin typeface="微软雅黑" panose="020B0503020204020204" pitchFamily="34" charset="-122"/>
+                <a:ea typeface="微软雅黑" panose="020B0503020204020204" pitchFamily="34" charset="-122"/>
               </a:rPr>
             </a:br>
             <a:r>
@@ -12095,8 +11912,8 @@
                 <a:solidFill>
                   <a:schemeClr val="tx1"/>
                 </a:solidFill>
-                <a:latin typeface="微软雅黑" pitchFamily="34" charset="-122"/>
-                <a:ea typeface="微软雅黑" pitchFamily="34" charset="-122"/>
+                <a:latin typeface="微软雅黑" panose="020B0503020204020204" pitchFamily="34" charset="-122"/>
+                <a:ea typeface="微软雅黑" panose="020B0503020204020204" pitchFamily="34" charset="-122"/>
               </a:rPr>
               <a:t>(</a:t>
             </a:r>
@@ -12105,8 +11922,8 @@
                 <a:solidFill>
                   <a:schemeClr val="tx1"/>
                 </a:solidFill>
-                <a:latin typeface="微软雅黑" pitchFamily="34" charset="-122"/>
-                <a:ea typeface="微软雅黑" pitchFamily="34" charset="-122"/>
+                <a:latin typeface="微软雅黑" panose="020B0503020204020204" pitchFamily="34" charset="-122"/>
+                <a:ea typeface="微软雅黑" panose="020B0503020204020204" pitchFamily="34" charset="-122"/>
               </a:rPr>
               <a:t>人力资源管理</a:t>
             </a:r>
@@ -12115,8 +11932,8 @@
                 <a:solidFill>
                   <a:schemeClr val="tx1"/>
                 </a:solidFill>
-                <a:latin typeface="微软雅黑" pitchFamily="34" charset="-122"/>
-                <a:ea typeface="微软雅黑" pitchFamily="34" charset="-122"/>
+                <a:latin typeface="微软雅黑" panose="020B0503020204020204" pitchFamily="34" charset="-122"/>
+                <a:ea typeface="微软雅黑" panose="020B0503020204020204" pitchFamily="34" charset="-122"/>
               </a:rPr>
               <a:t>)</a:t>
             </a:r>
@@ -12124,8 +11941,8 @@
               <a:solidFill>
                 <a:schemeClr val="tx1"/>
               </a:solidFill>
-              <a:latin typeface="微软雅黑" pitchFamily="34" charset="-122"/>
-              <a:ea typeface="微软雅黑" pitchFamily="34" charset="-122"/>
+              <a:latin typeface="微软雅黑" panose="020B0503020204020204" pitchFamily="34" charset="-122"/>
+              <a:ea typeface="微软雅黑" panose="020B0503020204020204" pitchFamily="34" charset="-122"/>
             </a:endParaRPr>
           </a:p>
         </p:txBody>
@@ -12138,7 +11955,7 @@
         </p:nvSpPr>
         <p:spPr>
           <a:xfrm>
-            <a:off x="5638799" y="4495800"/>
+            <a:off x="7162799" y="4495800"/>
             <a:ext cx="1676401" cy="609601"/>
           </a:xfrm>
           <a:prstGeom prst="rect">
@@ -12172,28 +11989,18 @@
                 <a:solidFill>
                   <a:schemeClr val="tx1"/>
                 </a:solidFill>
-                <a:latin typeface="微软雅黑" pitchFamily="34" charset="-122"/>
-                <a:ea typeface="微软雅黑" pitchFamily="34" charset="-122"/>
+                <a:latin typeface="微软雅黑" panose="020B0503020204020204" pitchFamily="34" charset="-122"/>
+                <a:ea typeface="微软雅黑" panose="020B0503020204020204" pitchFamily="34" charset="-122"/>
               </a:rPr>
               <a:t>外部</a:t>
-            </a:r>
-            <a:r>
-              <a:rPr lang="en-US" altLang="zh-CN" sz="1800" b="1" dirty="0">
-                <a:solidFill>
-                  <a:schemeClr val="tx1"/>
-                </a:solidFill>
-                <a:latin typeface="微软雅黑" pitchFamily="34" charset="-122"/>
-                <a:ea typeface="微软雅黑" pitchFamily="34" charset="-122"/>
-              </a:rPr>
-              <a:t/>
             </a:r>
             <a:br>
               <a:rPr lang="en-US" altLang="zh-CN" sz="1800" b="1" dirty="0">
                 <a:solidFill>
                   <a:schemeClr val="tx1"/>
                 </a:solidFill>
-                <a:latin typeface="微软雅黑" pitchFamily="34" charset="-122"/>
-                <a:ea typeface="微软雅黑" pitchFamily="34" charset="-122"/>
+                <a:latin typeface="微软雅黑" panose="020B0503020204020204" pitchFamily="34" charset="-122"/>
+                <a:ea typeface="微软雅黑" panose="020B0503020204020204" pitchFamily="34" charset="-122"/>
               </a:rPr>
             </a:br>
             <a:r>
@@ -12201,8 +12008,8 @@
                 <a:solidFill>
                   <a:schemeClr val="tx1"/>
                 </a:solidFill>
-                <a:latin typeface="微软雅黑" pitchFamily="34" charset="-122"/>
-                <a:ea typeface="微软雅黑" pitchFamily="34" charset="-122"/>
+                <a:latin typeface="微软雅黑" panose="020B0503020204020204" pitchFamily="34" charset="-122"/>
+                <a:ea typeface="微软雅黑" panose="020B0503020204020204" pitchFamily="34" charset="-122"/>
               </a:rPr>
               <a:t>(</a:t>
             </a:r>
@@ -12211,8 +12018,8 @@
                 <a:solidFill>
                   <a:schemeClr val="tx1"/>
                 </a:solidFill>
-                <a:latin typeface="微软雅黑" pitchFamily="34" charset="-122"/>
-                <a:ea typeface="微软雅黑" pitchFamily="34" charset="-122"/>
+                <a:latin typeface="微软雅黑" panose="020B0503020204020204" pitchFamily="34" charset="-122"/>
+                <a:ea typeface="微软雅黑" panose="020B0503020204020204" pitchFamily="34" charset="-122"/>
               </a:rPr>
               <a:t>采购管理</a:t>
             </a:r>
@@ -12221,8 +12028,8 @@
                 <a:solidFill>
                   <a:schemeClr val="tx1"/>
                 </a:solidFill>
-                <a:latin typeface="微软雅黑" pitchFamily="34" charset="-122"/>
-                <a:ea typeface="微软雅黑" pitchFamily="34" charset="-122"/>
+                <a:latin typeface="微软雅黑" panose="020B0503020204020204" pitchFamily="34" charset="-122"/>
+                <a:ea typeface="微软雅黑" panose="020B0503020204020204" pitchFamily="34" charset="-122"/>
               </a:rPr>
               <a:t>)</a:t>
             </a:r>
@@ -12230,8 +12037,8 @@
               <a:solidFill>
                 <a:schemeClr val="tx1"/>
               </a:solidFill>
-              <a:latin typeface="微软雅黑" pitchFamily="34" charset="-122"/>
-              <a:ea typeface="微软雅黑" pitchFamily="34" charset="-122"/>
+              <a:latin typeface="微软雅黑" panose="020B0503020204020204" pitchFamily="34" charset="-122"/>
+              <a:ea typeface="微软雅黑" panose="020B0503020204020204" pitchFamily="34" charset="-122"/>
             </a:endParaRPr>
           </a:p>
         </p:txBody>
@@ -12244,7 +12051,7 @@
         </p:nvSpPr>
         <p:spPr>
           <a:xfrm>
-            <a:off x="7696200" y="3428999"/>
+            <a:off x="9220200" y="3428999"/>
             <a:ext cx="1295401" cy="609601"/>
           </a:xfrm>
           <a:prstGeom prst="rect">
@@ -12278,28 +12085,18 @@
                 <a:solidFill>
                   <a:schemeClr val="tx1"/>
                 </a:solidFill>
-                <a:latin typeface="微软雅黑" pitchFamily="34" charset="-122"/>
-                <a:ea typeface="微软雅黑" pitchFamily="34" charset="-122"/>
+                <a:latin typeface="微软雅黑" panose="020B0503020204020204" pitchFamily="34" charset="-122"/>
+                <a:ea typeface="微软雅黑" panose="020B0503020204020204" pitchFamily="34" charset="-122"/>
               </a:rPr>
               <a:t>如何沟通？</a:t>
-            </a:r>
-            <a:r>
-              <a:rPr lang="en-US" altLang="zh-CN" sz="1800" b="1" dirty="0">
-                <a:solidFill>
-                  <a:schemeClr val="tx1"/>
-                </a:solidFill>
-                <a:latin typeface="微软雅黑" pitchFamily="34" charset="-122"/>
-                <a:ea typeface="微软雅黑" pitchFamily="34" charset="-122"/>
-              </a:rPr>
-              <a:t/>
             </a:r>
             <a:br>
               <a:rPr lang="en-US" altLang="zh-CN" sz="1800" b="1" dirty="0">
                 <a:solidFill>
                   <a:schemeClr val="tx1"/>
                 </a:solidFill>
-                <a:latin typeface="微软雅黑" pitchFamily="34" charset="-122"/>
-                <a:ea typeface="微软雅黑" pitchFamily="34" charset="-122"/>
+                <a:latin typeface="微软雅黑" panose="020B0503020204020204" pitchFamily="34" charset="-122"/>
+                <a:ea typeface="微软雅黑" panose="020B0503020204020204" pitchFamily="34" charset="-122"/>
               </a:rPr>
             </a:br>
             <a:r>
@@ -12307,8 +12104,8 @@
                 <a:solidFill>
                   <a:schemeClr val="tx1"/>
                 </a:solidFill>
-                <a:latin typeface="微软雅黑" pitchFamily="34" charset="-122"/>
-                <a:ea typeface="微软雅黑" pitchFamily="34" charset="-122"/>
+                <a:latin typeface="微软雅黑" panose="020B0503020204020204" pitchFamily="34" charset="-122"/>
+                <a:ea typeface="微软雅黑" panose="020B0503020204020204" pitchFamily="34" charset="-122"/>
               </a:rPr>
               <a:t>(</a:t>
             </a:r>
@@ -12317,8 +12114,8 @@
                 <a:solidFill>
                   <a:schemeClr val="tx1"/>
                 </a:solidFill>
-                <a:latin typeface="微软雅黑" pitchFamily="34" charset="-122"/>
-                <a:ea typeface="微软雅黑" pitchFamily="34" charset="-122"/>
+                <a:latin typeface="微软雅黑" panose="020B0503020204020204" pitchFamily="34" charset="-122"/>
+                <a:ea typeface="微软雅黑" panose="020B0503020204020204" pitchFamily="34" charset="-122"/>
               </a:rPr>
               <a:t>沟通管理</a:t>
             </a:r>
@@ -12327,8 +12124,8 @@
                 <a:solidFill>
                   <a:schemeClr val="tx1"/>
                 </a:solidFill>
-                <a:latin typeface="微软雅黑" pitchFamily="34" charset="-122"/>
-                <a:ea typeface="微软雅黑" pitchFamily="34" charset="-122"/>
+                <a:latin typeface="微软雅黑" panose="020B0503020204020204" pitchFamily="34" charset="-122"/>
+                <a:ea typeface="微软雅黑" panose="020B0503020204020204" pitchFamily="34" charset="-122"/>
               </a:rPr>
               <a:t>)</a:t>
             </a:r>
@@ -12336,8 +12133,8 @@
               <a:solidFill>
                 <a:schemeClr val="tx1"/>
               </a:solidFill>
-              <a:latin typeface="微软雅黑" pitchFamily="34" charset="-122"/>
-              <a:ea typeface="微软雅黑" pitchFamily="34" charset="-122"/>
+              <a:latin typeface="微软雅黑" panose="020B0503020204020204" pitchFamily="34" charset="-122"/>
+              <a:ea typeface="微软雅黑" panose="020B0503020204020204" pitchFamily="34" charset="-122"/>
             </a:endParaRPr>
           </a:p>
         </p:txBody>
@@ -12350,7 +12147,7 @@
         </p:nvSpPr>
         <p:spPr>
           <a:xfrm>
-            <a:off x="228600" y="1295400"/>
+            <a:off x="1752600" y="1295400"/>
             <a:ext cx="8686800" cy="609600"/>
           </a:xfrm>
           <a:prstGeom prst="rect">
@@ -12384,8 +12181,8 @@
                 <a:solidFill>
                   <a:schemeClr val="tx1"/>
                 </a:solidFill>
-                <a:latin typeface="微软雅黑" pitchFamily="34" charset="-122"/>
-                <a:ea typeface="微软雅黑" pitchFamily="34" charset="-122"/>
+                <a:latin typeface="微软雅黑" panose="020B0503020204020204" pitchFamily="34" charset="-122"/>
+                <a:ea typeface="微软雅黑" panose="020B0503020204020204" pitchFamily="34" charset="-122"/>
               </a:rPr>
               <a:t>如何实现综合最优？（整合管理）</a:t>
             </a:r>
@@ -12393,8 +12190,8 @@
               <a:solidFill>
                 <a:schemeClr val="tx1"/>
               </a:solidFill>
-              <a:latin typeface="微软雅黑" pitchFamily="34" charset="-122"/>
-              <a:ea typeface="微软雅黑" pitchFamily="34" charset="-122"/>
+              <a:latin typeface="微软雅黑" panose="020B0503020204020204" pitchFamily="34" charset="-122"/>
+              <a:ea typeface="微软雅黑" panose="020B0503020204020204" pitchFamily="34" charset="-122"/>
             </a:endParaRPr>
           </a:p>
         </p:txBody>
@@ -12407,7 +12204,7 @@
         </p:nvSpPr>
         <p:spPr>
           <a:xfrm>
-            <a:off x="228600" y="5791200"/>
+            <a:off x="1752600" y="5791200"/>
             <a:ext cx="8686800" cy="609600"/>
           </a:xfrm>
           <a:prstGeom prst="rect">
@@ -12441,11 +12238,18 @@
                 <a:solidFill>
                   <a:schemeClr val="tx1"/>
                 </a:solidFill>
-                <a:latin typeface="微软雅黑" pitchFamily="34" charset="-122"/>
-                <a:ea typeface="微软雅黑" pitchFamily="34" charset="-122"/>
+                <a:latin typeface="微软雅黑" panose="020B0503020204020204" pitchFamily="34" charset="-122"/>
+                <a:ea typeface="微软雅黑" panose="020B0503020204020204" pitchFamily="34" charset="-122"/>
               </a:rPr>
               <a:t>有哪些风险？（风险管理）</a:t>
             </a:r>
+            <a:endParaRPr lang="zh-CN" altLang="en-US" sz="1800" b="1" dirty="0">
+              <a:solidFill>
+                <a:schemeClr val="tx1"/>
+              </a:solidFill>
+              <a:latin typeface="微软雅黑" panose="020B0503020204020204" pitchFamily="34" charset="-122"/>
+              <a:ea typeface="微软雅黑" panose="020B0503020204020204" pitchFamily="34" charset="-122"/>
+            </a:endParaRPr>
           </a:p>
         </p:txBody>
       </p:sp>
@@ -12460,7 +12264,7 @@
         </p:nvCxnSpPr>
         <p:spPr>
           <a:xfrm flipV="1">
-            <a:off x="1500554" y="2895600"/>
+            <a:off x="3024554" y="2895600"/>
             <a:ext cx="480646" cy="990600"/>
           </a:xfrm>
           <a:prstGeom prst="bentConnector3">
@@ -12498,7 +12302,7 @@
         </p:nvCxnSpPr>
         <p:spPr>
           <a:xfrm flipV="1">
-            <a:off x="1500554" y="3886199"/>
+            <a:off x="3024554" y="3886199"/>
             <a:ext cx="480646" cy="1"/>
           </a:xfrm>
           <a:prstGeom prst="bentConnector3">
@@ -12536,7 +12340,7 @@
         </p:nvCxnSpPr>
         <p:spPr>
           <a:xfrm>
-            <a:off x="1500554" y="3886200"/>
+            <a:off x="3024554" y="3886200"/>
             <a:ext cx="480646" cy="914400"/>
           </a:xfrm>
           <a:prstGeom prst="bentConnector3">
@@ -12574,7 +12378,7 @@
         </p:nvCxnSpPr>
         <p:spPr>
           <a:xfrm>
-            <a:off x="3581401" y="2895600"/>
+            <a:off x="5105401" y="2895600"/>
             <a:ext cx="527538" cy="990601"/>
           </a:xfrm>
           <a:prstGeom prst="bentConnector3">
@@ -12612,7 +12416,7 @@
         </p:nvCxnSpPr>
         <p:spPr>
           <a:xfrm>
-            <a:off x="3581401" y="3886199"/>
+            <a:off x="5105401" y="3886199"/>
             <a:ext cx="527538" cy="2"/>
           </a:xfrm>
           <a:prstGeom prst="bentConnector3">
@@ -12650,7 +12454,7 @@
         </p:nvCxnSpPr>
         <p:spPr>
           <a:xfrm flipV="1">
-            <a:off x="3657601" y="3886201"/>
+            <a:off x="5181601" y="3886201"/>
             <a:ext cx="451338" cy="914399"/>
           </a:xfrm>
           <a:prstGeom prst="bentConnector3">
@@ -12688,7 +12492,7 @@
         </p:nvCxnSpPr>
         <p:spPr>
           <a:xfrm flipV="1">
-            <a:off x="5105400" y="2895600"/>
+            <a:off x="6629400" y="2895600"/>
             <a:ext cx="533399" cy="990601"/>
           </a:xfrm>
           <a:prstGeom prst="bentConnector3">
@@ -12726,7 +12530,7 @@
         </p:nvCxnSpPr>
         <p:spPr>
           <a:xfrm>
-            <a:off x="5105400" y="3886201"/>
+            <a:off x="6629400" y="3886201"/>
             <a:ext cx="533399" cy="914400"/>
           </a:xfrm>
           <a:prstGeom prst="bentConnector3">
@@ -12764,7 +12568,7 @@
         </p:nvCxnSpPr>
         <p:spPr>
           <a:xfrm>
-            <a:off x="7315200" y="2895600"/>
+            <a:off x="8839200" y="2895600"/>
             <a:ext cx="1028701" cy="533399"/>
           </a:xfrm>
           <a:prstGeom prst="bentConnector2">
@@ -12800,7 +12604,7 @@
         </p:nvCxnSpPr>
         <p:spPr>
           <a:xfrm flipV="1">
-            <a:off x="7315200" y="4038600"/>
+            <a:off x="8839200" y="4038600"/>
             <a:ext cx="1028701" cy="762001"/>
           </a:xfrm>
           <a:prstGeom prst="bentConnector2">
@@ -12833,7 +12637,7 @@
         </p:nvSpPr>
         <p:spPr>
           <a:xfrm rot="5400000">
-            <a:off x="2514600" y="2133600"/>
+            <a:off x="4038600" y="2133600"/>
             <a:ext cx="533400" cy="228600"/>
           </a:xfrm>
           <a:prstGeom prst="leftRightArrow">
@@ -12879,7 +12683,7 @@
         </p:nvSpPr>
         <p:spPr>
           <a:xfrm rot="5400000">
-            <a:off x="533400" y="2133600"/>
+            <a:off x="2057400" y="2133600"/>
             <a:ext cx="533400" cy="228600"/>
           </a:xfrm>
           <a:prstGeom prst="leftRightArrow">
@@ -12925,7 +12729,7 @@
         </p:nvSpPr>
         <p:spPr>
           <a:xfrm rot="5400000">
-            <a:off x="6248400" y="2133600"/>
+            <a:off x="7772400" y="2133600"/>
             <a:ext cx="533400" cy="228600"/>
           </a:xfrm>
           <a:prstGeom prst="leftRightArrow">
@@ -12971,7 +12775,7 @@
         </p:nvSpPr>
         <p:spPr>
           <a:xfrm rot="5400000">
-            <a:off x="8153400" y="2133600"/>
+            <a:off x="9677400" y="2133600"/>
             <a:ext cx="533400" cy="228600"/>
           </a:xfrm>
           <a:prstGeom prst="leftRightArrow">
@@ -13017,7 +12821,7 @@
         </p:nvSpPr>
         <p:spPr>
           <a:xfrm rot="5400000">
-            <a:off x="2590800" y="5334000"/>
+            <a:off x="4114800" y="5334000"/>
             <a:ext cx="533400" cy="228600"/>
           </a:xfrm>
           <a:prstGeom prst="leftRightArrow">
@@ -13063,7 +12867,7 @@
         </p:nvSpPr>
         <p:spPr>
           <a:xfrm rot="5400000">
-            <a:off x="609600" y="5334000"/>
+            <a:off x="2133600" y="5334000"/>
             <a:ext cx="533400" cy="228600"/>
           </a:xfrm>
           <a:prstGeom prst="leftRightArrow">
@@ -13109,7 +12913,7 @@
         </p:nvSpPr>
         <p:spPr>
           <a:xfrm rot="5400000">
-            <a:off x="6324600" y="5334000"/>
+            <a:off x="7848600" y="5334000"/>
             <a:ext cx="533400" cy="228600"/>
           </a:xfrm>
           <a:prstGeom prst="leftRightArrow">
@@ -13155,7 +12959,7 @@
         </p:nvSpPr>
         <p:spPr>
           <a:xfrm rot="5400000">
-            <a:off x="8229600" y="5334000"/>
+            <a:off x="9753600" y="5334000"/>
             <a:ext cx="533400" cy="228600"/>
           </a:xfrm>
           <a:prstGeom prst="leftRightArrow">
@@ -13194,11 +12998,6 @@
         </p:txBody>
       </p:sp>
     </p:spTree>
-    <p:extLst>
-      <p:ext uri="{BB962C8B-B14F-4D97-AF65-F5344CB8AC3E}">
-        <p14:creationId xmlns:p14="http://schemas.microsoft.com/office/powerpoint/2010/main" val="764334816"/>
-      </p:ext>
-    </p:extLst>
   </p:cSld>
   <p:clrMapOvr>
     <a:masterClrMapping/>
@@ -14393,24 +14192,24 @@
       </p:par>
     </p:tnLst>
     <p:bldLst>
-      <p:bldP spid="6" grpId="0" animBg="1"/>
-      <p:bldP spid="7" grpId="0" animBg="1"/>
-      <p:bldP spid="8" grpId="0" animBg="1"/>
-      <p:bldP spid="9" grpId="0" animBg="1"/>
-      <p:bldP spid="10" grpId="0" animBg="1"/>
-      <p:bldP spid="12" grpId="0" animBg="1"/>
-      <p:bldP spid="13" grpId="0" animBg="1"/>
-      <p:bldP spid="14" grpId="0" animBg="1"/>
-      <p:bldP spid="15" grpId="0" animBg="1"/>
-      <p:bldP spid="16" grpId="0" animBg="1"/>
-      <p:bldP spid="40" grpId="0" animBg="1"/>
-      <p:bldP spid="42" grpId="0" animBg="1"/>
-      <p:bldP spid="43" grpId="0" animBg="1"/>
-      <p:bldP spid="44" grpId="0" animBg="1"/>
-      <p:bldP spid="45" grpId="0" animBg="1"/>
-      <p:bldP spid="46" grpId="0" animBg="1"/>
-      <p:bldP spid="47" grpId="0" animBg="1"/>
-      <p:bldP spid="48" grpId="0" animBg="1"/>
+      <p:bldP spid="6" grpId="0" bldLvl="0" animBg="1"/>
+      <p:bldP spid="7" grpId="0" bldLvl="0" animBg="1"/>
+      <p:bldP spid="8" grpId="0" bldLvl="0" animBg="1"/>
+      <p:bldP spid="9" grpId="0" bldLvl="0" animBg="1"/>
+      <p:bldP spid="10" grpId="0" bldLvl="0" animBg="1"/>
+      <p:bldP spid="12" grpId="0" bldLvl="0" animBg="1"/>
+      <p:bldP spid="13" grpId="0" bldLvl="0" animBg="1"/>
+      <p:bldP spid="14" grpId="0" bldLvl="0" animBg="1"/>
+      <p:bldP spid="15" grpId="0" bldLvl="0" animBg="1"/>
+      <p:bldP spid="16" grpId="0" bldLvl="0" animBg="1"/>
+      <p:bldP spid="40" grpId="0" bldLvl="0" animBg="1"/>
+      <p:bldP spid="42" grpId="0" bldLvl="0" animBg="1"/>
+      <p:bldP spid="43" grpId="0" bldLvl="0" animBg="1"/>
+      <p:bldP spid="44" grpId="0" bldLvl="0" animBg="1"/>
+      <p:bldP spid="45" grpId="0" bldLvl="0" animBg="1"/>
+      <p:bldP spid="46" grpId="0" bldLvl="0" animBg="1"/>
+      <p:bldP spid="47" grpId="0" bldLvl="0" animBg="1"/>
+      <p:bldP spid="48" grpId="0" bldLvl="0" animBg="1"/>
     </p:bldLst>
   </p:timing>
 </p:sld>
@@ -14610,8 +14409,8 @@
         </p:nvSpPr>
         <p:spPr>
           <a:xfrm>
-            <a:off x="295275" y="1489074"/>
-            <a:ext cx="8524875" cy="4846411"/>
+            <a:off x="640080" y="1489075"/>
+            <a:ext cx="9704070" cy="4846320"/>
           </a:xfrm>
         </p:spPr>
         <p:txBody>
@@ -14792,6 +14591,7 @@
               <a:rPr lang="zh-CN" altLang="en-US" sz="2000" dirty="0" smtClean="0"/>
               <a:t>：品质是一组固有特性（在产品或服务中本身具有的特性）符合需求的程度。 </a:t>
             </a:r>
+            <a:endParaRPr lang="zh-CN" altLang="en-US" sz="2000" dirty="0" smtClean="0"/>
           </a:p>
           <a:p>
             <a:pPr lvl="1"/>
@@ -14807,6 +14607,7 @@
               <a:rPr lang="zh-CN" altLang="en-US" sz="2000" dirty="0" smtClean="0"/>
               <a:t>克劳士比：品质就是“符合需求”。此处的需求并不一定完全反映了客户的期待。</a:t>
             </a:r>
+            <a:endParaRPr lang="zh-CN" altLang="en-US" sz="2000" dirty="0" smtClean="0"/>
           </a:p>
           <a:p>
             <a:pPr lvl="1"/>
@@ -14822,6 +14623,7 @@
               <a:rPr lang="zh-CN" altLang="en-US" sz="2000" dirty="0" smtClean="0"/>
               <a:t>朱兰：品质就是“适合使用” 。而是否适合则交由客户来定义。 </a:t>
             </a:r>
+            <a:endParaRPr lang="zh-CN" altLang="en-US" sz="2000" dirty="0" smtClean="0"/>
           </a:p>
           <a:p>
             <a:pPr lvl="1"/>
@@ -14829,6 +14631,7 @@
               <a:rPr lang="zh-CN" altLang="en-US" sz="2000" dirty="0" smtClean="0"/>
               <a:t>狩野纪昭将品质视为一个二维的系统，二维的坐标分别为“当然的品质” 及“有魅力的品质”，可以简化为一句话：符合或超越客户期待的产品及服务。 </a:t>
             </a:r>
+            <a:endParaRPr lang="zh-CN" altLang="en-US" sz="2000" dirty="0" smtClean="0"/>
           </a:p>
           <a:p>
             <a:pPr lvl="1"/>
@@ -14864,6 +14667,7 @@
               <a:rPr lang="zh-CN" altLang="en-US" sz="2000" dirty="0" smtClean="0"/>
               <a:t>百万次测试中的错误次数。 </a:t>
             </a:r>
+            <a:endParaRPr lang="zh-CN" altLang="en-US" sz="2000" dirty="0" smtClean="0"/>
           </a:p>
           <a:p>
             <a:endParaRPr lang="zh-CN" altLang="en-US" dirty="0"/>
@@ -14972,7 +14776,7 @@
           <p:nvPr/>
         </p:nvPicPr>
         <p:blipFill rotWithShape="1">
-          <a:blip r:embed="rId2" cstate="print">
+          <a:blip r:embed="rId1" cstate="print">
             <a:extLst>
               <a:ext uri="{28A0092B-C50C-407E-A947-70E740481C1C}">
                 <a14:useLocalDpi xmlns:a14="http://schemas.microsoft.com/office/drawing/2010/main" val="0"/>
@@ -14980,11 +14784,13 @@
             </a:extLst>
           </a:blip>
           <a:srcRect r="53659"/>
-          <a:stretch/>
+          <a:stretch>
+            <a:fillRect/>
+          </a:stretch>
         </p:blipFill>
         <p:spPr bwMode="auto">
           <a:xfrm>
-            <a:off x="1" y="3636396"/>
+            <a:off x="1524001" y="3636396"/>
             <a:ext cx="2423782" cy="3174544"/>
           </a:xfrm>
           <a:prstGeom prst="rect">
@@ -15011,7 +14817,7 @@
           <p:nvPr/>
         </p:nvPicPr>
         <p:blipFill rotWithShape="1">
-          <a:blip r:embed="rId3">
+          <a:blip r:embed="rId2">
             <a:extLst>
               <a:ext uri="{28A0092B-C50C-407E-A947-70E740481C1C}">
                 <a14:useLocalDpi xmlns:a14="http://schemas.microsoft.com/office/drawing/2010/main" val="0"/>
@@ -15019,11 +14825,13 @@
             </a:extLst>
           </a:blip>
           <a:srcRect r="4037"/>
-          <a:stretch/>
+          <a:stretch>
+            <a:fillRect/>
+          </a:stretch>
         </p:blipFill>
         <p:spPr bwMode="auto">
           <a:xfrm>
-            <a:off x="2381956" y="3636396"/>
+            <a:off x="3905956" y="3636396"/>
             <a:ext cx="3032612" cy="3174544"/>
           </a:xfrm>
           <a:prstGeom prst="rect">
@@ -15050,7 +14858,7 @@
           <p:nvPr/>
         </p:nvPicPr>
         <p:blipFill>
-          <a:blip r:embed="rId4">
+          <a:blip r:embed="rId3">
             <a:extLst>
               <a:ext uri="{28A0092B-C50C-407E-A947-70E740481C1C}">
                 <a14:useLocalDpi xmlns:a14="http://schemas.microsoft.com/office/drawing/2010/main" val="0"/>
@@ -15064,7 +14872,7 @@
         </p:blipFill>
         <p:spPr bwMode="auto">
           <a:xfrm>
-            <a:off x="5399112" y="4002281"/>
+            <a:off x="6923112" y="4002281"/>
             <a:ext cx="3744879" cy="2808660"/>
           </a:xfrm>
           <a:prstGeom prst="rect">
@@ -15090,8 +14898,8 @@
         </p:nvSpPr>
         <p:spPr>
           <a:xfrm>
-            <a:off x="683542" y="3022093"/>
-            <a:ext cx="1056700" cy="646331"/>
+            <a:off x="2207542" y="3022093"/>
+            <a:ext cx="1046480" cy="645160"/>
           </a:xfrm>
           <a:prstGeom prst="rect">
             <a:avLst/>
@@ -15128,8 +14936,8 @@
         </p:nvSpPr>
         <p:spPr>
           <a:xfrm>
-            <a:off x="3369912" y="2986207"/>
-            <a:ext cx="1928733" cy="646331"/>
+            <a:off x="4893912" y="2986207"/>
+            <a:ext cx="1910080" cy="645160"/>
           </a:xfrm>
           <a:prstGeom prst="rect">
             <a:avLst/>
@@ -15174,8 +14982,8 @@
         </p:nvSpPr>
         <p:spPr>
           <a:xfrm>
-            <a:off x="6307184" y="3022093"/>
-            <a:ext cx="1697901" cy="646331"/>
+            <a:off x="7831184" y="3022093"/>
+            <a:ext cx="1681480" cy="645160"/>
           </a:xfrm>
           <a:prstGeom prst="rect">
             <a:avLst/>
@@ -15217,6 +15025,16 @@
     </p:tnLst>
   </p:timing>
 </p:sld>
+</file>
+
+<file path=ppt/tags/tag1.xml><?xml version="1.0" encoding="utf-8"?>
+<p:tagLst xmlns:p="http://schemas.openxmlformats.org/presentationml/2006/main">
+  <p:tag name="KSO_WM_TEMPLATE_TOPIC_ID" val="2869567"/>
+  <p:tag name="KSO_WM_TEMPLATE_OUTLINE_ID" val="14"/>
+  <p:tag name="KSO_WM_TEMPLATE_SCENE_ID" val="1"/>
+  <p:tag name="KSO_WM_TEMPLATE_JOB_ID" val="14"/>
+  <p:tag name="KSO_WM_TEMPLATE_TOPIC_DEFAULT" val="0"/>
+</p:tagLst>
 </file>
 
 <file path=ppt/theme/theme1.xml><?xml version="1.0" encoding="utf-8"?>
@@ -15466,13 +15284,8 @@
           <a:headEnd type="none" w="med" len="med"/>
           <a:tailEnd type="none" w="med" len="med"/>
         </a:ln>
-        <a:effectLst/>
       </a:spPr>
-      <a:bodyPr vert="horz" wrap="none" lIns="90000" tIns="46800" rIns="90000" bIns="46800" numCol="1" anchor="ctr" anchorCtr="0" compatLnSpc="1">
-        <a:prstTxWarp prst="textNoShape">
-          <a:avLst/>
-        </a:prstTxWarp>
-      </a:bodyPr>
+      <a:bodyPr vert="horz" wrap="none" lIns="90000" tIns="46800" rIns="90000" bIns="46800" numCol="1" anchor="ctr" anchorCtr="0" compatLnSpc="1"/>
       <a:lstStyle>
         <a:defPPr marL="0" marR="0" indent="0" algn="l" defTabSz="914400" rtl="0" eaLnBrk="1" fontAlgn="base" latinLnBrk="0" hangingPunct="1">
           <a:lnSpc>
@@ -15488,7 +15301,6 @@
           <a:buSzTx/>
           <a:buFontTx/>
           <a:buNone/>
-          <a:tabLst/>
           <a:defRPr kumimoji="0" lang="en-US" sz="2000" b="0" i="0" u="none" strike="noStrike" cap="none" normalizeH="0" baseline="0" smtClean="0">
             <a:ln>
               <a:noFill/>
@@ -15497,7 +15309,7 @@
               <a:schemeClr val="tx1"/>
             </a:solidFill>
             <a:effectLst/>
-            <a:latin typeface="Arial" charset="0"/>
+            <a:latin typeface="Arial" panose="020B0604020202020204" pitchFamily="34" charset="0"/>
           </a:defRPr>
         </a:defPPr>
       </a:lstStyle>
@@ -15516,7 +15328,6 @@
           <a:headEnd type="none" w="med" len="med"/>
           <a:tailEnd type="none" w="med" len="med"/>
         </a:ln>
-        <a:effectLst/>
       </a:spPr>
       <a:bodyPr/>
       <a:lstStyle/>
@@ -15565,6 +15376,11 @@
       <a:clrMap bg1="lt1" tx1="dk1" bg2="lt2" tx2="dk2" accent1="accent1" accent2="accent2" accent3="accent3" accent4="accent4" accent5="accent5" accent6="accent6" hlink="hlink" folHlink="folHlink"/>
     </a:extraClrScheme>
   </a:extraClrSchemeLst>
+  <a:extLst>
+    <a:ext uri="{05A4C25C-085E-4340-85A3-A5531E510DB2}">
+      <thm15:themeFamily xmlns:thm15="http://schemas.microsoft.com/office/thememl/2012/main" name="Office Theme" id="{62F939B6-93AF-4DB8-9C6B-D6C7DFDC589F}" vid="{4A3C46E8-61CC-4603-A589-7422A47A8E4A}"/>
+    </a:ext>
+  </a:extLst>
 </a:theme>
 </file>
 
@@ -15846,8 +15662,11 @@
       </a:bgFillStyleLst>
     </a:fmtScheme>
   </a:themeElements>
-  <a:objectDefaults/>
-  <a:extraClrSchemeLst/>
+  <a:extLst>
+    <a:ext uri="{05A4C25C-085E-4340-85A3-A5531E510DB2}">
+      <thm15:themeFamily xmlns:thm15="http://schemas.microsoft.com/office/thememl/2012/main" name="Office Theme" id="{62F939B6-93AF-4DB8-9C6B-D6C7DFDC589F}" vid="{4A3C46E8-61CC-4603-A589-7422A47A8E4A}"/>
+    </a:ext>
+  </a:extLst>
 </a:theme>
 </file>
 
@@ -16129,7 +15948,10 @@
       </a:bgFillStyleLst>
     </a:fmtScheme>
   </a:themeElements>
-  <a:objectDefaults/>
-  <a:extraClrSchemeLst/>
+  <a:extLst>
+    <a:ext uri="{05A4C25C-085E-4340-85A3-A5531E510DB2}">
+      <thm15:themeFamily xmlns:thm15="http://schemas.microsoft.com/office/thememl/2012/main" name="Office Theme" id="{62F939B6-93AF-4DB8-9C6B-D6C7DFDC589F}" vid="{4A3C46E8-61CC-4603-A589-7422A47A8E4A}"/>
+    </a:ext>
+  </a:extLst>
 </a:theme>
 </file>
--- a/materials/slides/ch03-4.pptx
+++ b/materials/slides/ch03-4.pptx
@@ -8,7 +8,7 @@
     <p:notesMasterId r:id="rId8"/>
   </p:notesMasterIdLst>
   <p:handoutMasterIdLst>
-    <p:handoutMasterId r:id="rId20"/>
+    <p:handoutMasterId r:id="rId19"/>
   </p:handoutMasterIdLst>
   <p:sldIdLst>
     <p:sldId id="256" r:id="rId3"/>
@@ -17,16 +17,15 @@
     <p:sldId id="403" r:id="rId6"/>
     <p:sldId id="402" r:id="rId7"/>
     <p:sldId id="386" r:id="rId9"/>
-    <p:sldId id="317" r:id="rId10"/>
-    <p:sldId id="360" r:id="rId11"/>
-    <p:sldId id="392" r:id="rId12"/>
-    <p:sldId id="384" r:id="rId13"/>
-    <p:sldId id="361" r:id="rId14"/>
-    <p:sldId id="362" r:id="rId15"/>
-    <p:sldId id="387" r:id="rId16"/>
-    <p:sldId id="388" r:id="rId17"/>
-    <p:sldId id="369" r:id="rId18"/>
-    <p:sldId id="353" r:id="rId19"/>
+    <p:sldId id="360" r:id="rId10"/>
+    <p:sldId id="392" r:id="rId11"/>
+    <p:sldId id="384" r:id="rId12"/>
+    <p:sldId id="361" r:id="rId13"/>
+    <p:sldId id="362" r:id="rId14"/>
+    <p:sldId id="387" r:id="rId15"/>
+    <p:sldId id="388" r:id="rId16"/>
+    <p:sldId id="369" r:id="rId17"/>
+    <p:sldId id="353" r:id="rId18"/>
   </p:sldIdLst>
   <p:sldSz cx="12192000" cy="6858000"/>
   <p:notesSz cx="6858000" cy="9144000"/>
@@ -9490,49 +9489,103 @@
           <a:lstStyle/>
           <a:p>
             <a:r>
-              <a:rPr lang="en-US" altLang="zh-CN" dirty="0" smtClean="0"/>
-              <a:t>IT</a:t>
-            </a:r>
-            <a:r>
               <a:rPr lang="zh-CN" altLang="en-US" dirty="0" smtClean="0"/>
-              <a:t>项目中的质量工作</a:t>
+              <a:t>规划质量的成果</a:t>
             </a:r>
             <a:endParaRPr lang="zh-CN" altLang="en-US" dirty="0"/>
           </a:p>
         </p:txBody>
       </p:sp>
-      <p:pic>
-        <p:nvPicPr>
-          <p:cNvPr id="1026" name="Picture 2" descr="D:\软件学院\参考资料\7.0\10-11第二学期\IT项目管理\参考资料\测试过程.jpg"/>
-          <p:cNvPicPr>
-            <a:picLocks noChangeAspect="1" noChangeArrowheads="1"/>
-          </p:cNvPicPr>
-          <p:nvPr/>
-        </p:nvPicPr>
-        <p:blipFill>
-          <a:blip r:embed="rId1" cstate="print">
-            <a:extLst>
-              <a:ext uri="{28A0092B-C50C-407E-A947-70E740481C1C}">
-                <a14:useLocalDpi xmlns:a14="http://schemas.microsoft.com/office/drawing/2010/main" val="0"/>
-              </a:ext>
-            </a:extLst>
-          </a:blip>
-          <a:srcRect/>
-          <a:stretch>
-            <a:fillRect/>
-          </a:stretch>
-        </p:blipFill>
-        <p:spPr bwMode="auto">
-          <a:xfrm>
-            <a:off x="901700" y="2170430"/>
-            <a:ext cx="10389235" cy="3058160"/>
-          </a:xfrm>
-          <a:prstGeom prst="rect">
-            <a:avLst/>
-          </a:prstGeom>
-          <a:noFill/>
-        </p:spPr>
-      </p:pic>
+      <p:sp>
+        <p:nvSpPr>
+          <p:cNvPr id="3" name="内容占位符 2"/>
+          <p:cNvSpPr>
+            <a:spLocks noGrp="1"/>
+          </p:cNvSpPr>
+          <p:nvPr>
+            <p:ph idx="1"/>
+          </p:nvPr>
+        </p:nvSpPr>
+        <p:spPr/>
+        <p:txBody>
+          <a:bodyPr/>
+          <a:lstStyle/>
+          <a:p>
+            <a:r>
+              <a:rPr lang="en-US" altLang="zh-CN" sz="2400" dirty="0" smtClean="0"/>
+              <a:t>IT</a:t>
+            </a:r>
+            <a:r>
+              <a:rPr lang="zh-CN" altLang="en-US" sz="2400" dirty="0" smtClean="0"/>
+              <a:t>项目规划质量依据</a:t>
+            </a:r>
+            <a:r>
+              <a:rPr lang="en-US" altLang="zh-CN" sz="2400" dirty="0" smtClean="0"/>
+              <a:t>《</a:t>
+            </a:r>
+            <a:r>
+              <a:rPr lang="zh-CN" altLang="en-US" sz="2400" dirty="0" smtClean="0"/>
+              <a:t>需求说明书</a:t>
+            </a:r>
+            <a:r>
+              <a:rPr lang="en-US" altLang="zh-CN" sz="2400" dirty="0" smtClean="0"/>
+              <a:t>》</a:t>
+            </a:r>
+            <a:r>
+              <a:rPr lang="zh-CN" altLang="en-US" sz="2400" dirty="0" smtClean="0"/>
+              <a:t>，成果通常为：</a:t>
+            </a:r>
+            <a:endParaRPr lang="en-US" altLang="zh-CN" sz="2400" dirty="0" smtClean="0"/>
+          </a:p>
+          <a:p>
+            <a:pPr lvl="1"/>
+            <a:r>
+              <a:rPr lang="en-US" altLang="zh-CN" sz="2000" dirty="0" smtClean="0"/>
+              <a:t>《</a:t>
+            </a:r>
+            <a:r>
+              <a:rPr lang="zh-CN" altLang="en-US" sz="2000" dirty="0" smtClean="0"/>
+              <a:t>测试计划</a:t>
+            </a:r>
+            <a:r>
+              <a:rPr lang="en-US" altLang="zh-CN" sz="2000" dirty="0" smtClean="0"/>
+              <a:t>》</a:t>
+            </a:r>
+            <a:r>
+              <a:rPr lang="zh-CN" altLang="en-US" sz="2000" dirty="0" smtClean="0"/>
+              <a:t>，详细定义将如何实施测试过程；</a:t>
+            </a:r>
+            <a:endParaRPr lang="en-US" altLang="zh-CN" sz="2000" dirty="0" smtClean="0"/>
+          </a:p>
+          <a:p>
+            <a:pPr lvl="1"/>
+            <a:r>
+              <a:rPr lang="en-US" altLang="zh-CN" sz="2000" dirty="0" smtClean="0"/>
+              <a:t>《</a:t>
+            </a:r>
+            <a:r>
+              <a:rPr lang="zh-CN" altLang="en-US" sz="2000" dirty="0" smtClean="0"/>
+              <a:t>测试用例</a:t>
+            </a:r>
+            <a:r>
+              <a:rPr lang="en-US" altLang="zh-CN" sz="2000" dirty="0" smtClean="0"/>
+              <a:t>》</a:t>
+            </a:r>
+            <a:r>
+              <a:rPr lang="zh-CN" altLang="en-US" sz="2000" dirty="0" smtClean="0"/>
+              <a:t>，详细描述对于功能性和非功能性需求的测试标准、方法、步骤、预期成果等；</a:t>
+            </a:r>
+            <a:endParaRPr lang="en-US" altLang="zh-CN" sz="2000" dirty="0" smtClean="0"/>
+          </a:p>
+          <a:p>
+            <a:pPr lvl="1"/>
+            <a:endParaRPr lang="en-US" altLang="zh-CN" sz="2200" dirty="0" smtClean="0"/>
+          </a:p>
+          <a:p>
+            <a:endParaRPr lang="zh-CN" altLang="en-US" dirty="0"/>
+          </a:p>
+        </p:txBody>
+      </p:sp>
     </p:spTree>
   </p:cSld>
   <p:clrMapOvr>
@@ -9582,7 +9635,7 @@
           <a:p>
             <a:r>
               <a:rPr lang="zh-CN" altLang="en-US" dirty="0" smtClean="0"/>
-              <a:t>规划质量的成果</a:t>
+              <a:t>质量相关的补充</a:t>
             </a:r>
             <a:endParaRPr lang="zh-CN" altLang="en-US" dirty="0"/>
           </a:p>
@@ -9604,77 +9657,50 @@
           <a:lstStyle/>
           <a:p>
             <a:r>
+              <a:rPr lang="zh-CN" altLang="en-US" sz="2400" dirty="0" smtClean="0"/>
+              <a:t>教材</a:t>
+            </a:r>
+            <a:r>
+              <a:rPr lang="en-US" altLang="zh-CN" sz="2400" dirty="0" smtClean="0"/>
+              <a:t>《</a:t>
+            </a:r>
+            <a:r>
+              <a:rPr lang="zh-CN" altLang="en-US" sz="2400" dirty="0" smtClean="0"/>
+              <a:t>项目质量管理</a:t>
+            </a:r>
+            <a:r>
+              <a:rPr lang="en-US" altLang="zh-CN" sz="2400" dirty="0" smtClean="0"/>
+              <a:t>》</a:t>
+            </a:r>
+            <a:r>
+              <a:rPr lang="zh-CN" altLang="en-US" sz="2400" dirty="0" smtClean="0"/>
+              <a:t>章，第</a:t>
+            </a:r>
+            <a:r>
+              <a:rPr lang="en-US" altLang="zh-CN" sz="2400" dirty="0" smtClean="0"/>
+              <a:t>7</a:t>
+            </a:r>
+            <a:r>
+              <a:rPr lang="zh-CN" altLang="en-US" sz="2400" dirty="0" smtClean="0"/>
+              <a:t>节“现代质量管理”，第</a:t>
+            </a:r>
+            <a:r>
+              <a:rPr lang="en-US" altLang="zh-CN" sz="2400" dirty="0" smtClean="0"/>
+              <a:t>8</a:t>
+            </a:r>
+            <a:r>
+              <a:rPr lang="zh-CN" altLang="en-US" sz="2400" dirty="0" smtClean="0"/>
+              <a:t>节“提高</a:t>
+            </a:r>
+            <a:r>
               <a:rPr lang="en-US" altLang="zh-CN" sz="2400" dirty="0" smtClean="0"/>
               <a:t>IT</a:t>
             </a:r>
             <a:r>
               <a:rPr lang="zh-CN" altLang="en-US" sz="2400" dirty="0" smtClean="0"/>
-              <a:t>项目规划质量依据</a:t>
-            </a:r>
-            <a:r>
-              <a:rPr lang="en-US" altLang="zh-CN" sz="2400" dirty="0" smtClean="0"/>
-              <a:t>《</a:t>
-            </a:r>
-            <a:r>
-              <a:rPr lang="zh-CN" altLang="en-US" sz="2400" dirty="0" smtClean="0"/>
-              <a:t>需求说明书</a:t>
-            </a:r>
-            <a:r>
-              <a:rPr lang="en-US" altLang="zh-CN" sz="2400" dirty="0" smtClean="0"/>
-              <a:t>》</a:t>
-            </a:r>
-            <a:r>
-              <a:rPr lang="zh-CN" altLang="en-US" sz="2400" dirty="0" smtClean="0"/>
-              <a:t>，成果通常为：</a:t>
-            </a:r>
-            <a:endParaRPr lang="en-US" altLang="zh-CN" sz="2400" dirty="0" smtClean="0"/>
-          </a:p>
-          <a:p>
-            <a:pPr lvl="1"/>
-            <a:r>
-              <a:rPr lang="en-US" altLang="zh-CN" sz="2000" dirty="0" smtClean="0"/>
-              <a:t>《</a:t>
-            </a:r>
-            <a:r>
-              <a:rPr lang="zh-CN" altLang="en-US" sz="2000" dirty="0" smtClean="0"/>
-              <a:t>测试计划</a:t>
-            </a:r>
-            <a:r>
-              <a:rPr lang="en-US" altLang="zh-CN" sz="2000" dirty="0" smtClean="0"/>
-              <a:t>》</a:t>
-            </a:r>
-            <a:r>
-              <a:rPr lang="zh-CN" altLang="en-US" sz="2000" dirty="0" smtClean="0"/>
-              <a:t>，详细定义将如何实施测试过程；</a:t>
-            </a:r>
-            <a:endParaRPr lang="en-US" altLang="zh-CN" sz="2000" dirty="0" smtClean="0"/>
-          </a:p>
-          <a:p>
-            <a:pPr lvl="1"/>
-            <a:r>
-              <a:rPr lang="en-US" altLang="zh-CN" sz="2000" dirty="0" smtClean="0"/>
-              <a:t>《</a:t>
-            </a:r>
-            <a:r>
-              <a:rPr lang="zh-CN" altLang="en-US" sz="2000" dirty="0" smtClean="0"/>
-              <a:t>测试用例</a:t>
-            </a:r>
-            <a:r>
-              <a:rPr lang="en-US" altLang="zh-CN" sz="2000" dirty="0" smtClean="0"/>
-              <a:t>》</a:t>
-            </a:r>
-            <a:r>
-              <a:rPr lang="zh-CN" altLang="en-US" sz="2000" dirty="0" smtClean="0"/>
-              <a:t>，详细描述对于功能性和非功能性需求的测试标准、方法、步骤、预期成果等；</a:t>
-            </a:r>
-            <a:endParaRPr lang="en-US" altLang="zh-CN" sz="2000" dirty="0" smtClean="0"/>
-          </a:p>
-          <a:p>
-            <a:pPr lvl="1"/>
-            <a:endParaRPr lang="en-US" altLang="zh-CN" sz="2200" dirty="0" smtClean="0"/>
-          </a:p>
-          <a:p>
-            <a:endParaRPr lang="zh-CN" altLang="en-US" dirty="0"/>
+              <a:t>项目质量”；</a:t>
+            </a:r>
+            <a:endParaRPr lang="zh-CN" altLang="en-US" sz="2400" dirty="0"/>
           </a:p>
         </p:txBody>
       </p:sp>
@@ -9694,124 +9720,6 @@
 </file>
 
 <file path=ppt/slides/slide12.xml><?xml version="1.0" encoding="utf-8"?>
-<p:sld xmlns:a="http://schemas.openxmlformats.org/drawingml/2006/main" xmlns:r="http://schemas.openxmlformats.org/officeDocument/2006/relationships" xmlns:p="http://schemas.openxmlformats.org/presentationml/2006/main">
-  <p:cSld>
-    <p:spTree>
-      <p:nvGrpSpPr>
-        <p:cNvPr id="1" name=""/>
-        <p:cNvGrpSpPr/>
-        <p:nvPr/>
-      </p:nvGrpSpPr>
-      <p:grpSpPr>
-        <a:xfrm>
-          <a:off x="0" y="0"/>
-          <a:ext cx="0" cy="0"/>
-          <a:chOff x="0" y="0"/>
-          <a:chExt cx="0" cy="0"/>
-        </a:xfrm>
-      </p:grpSpPr>
-      <p:sp>
-        <p:nvSpPr>
-          <p:cNvPr id="2" name="标题 1"/>
-          <p:cNvSpPr>
-            <a:spLocks noGrp="1"/>
-          </p:cNvSpPr>
-          <p:nvPr>
-            <p:ph type="title"/>
-          </p:nvPr>
-        </p:nvSpPr>
-        <p:spPr/>
-        <p:txBody>
-          <a:bodyPr/>
-          <a:lstStyle/>
-          <a:p>
-            <a:r>
-              <a:rPr lang="zh-CN" altLang="en-US" dirty="0" smtClean="0"/>
-              <a:t>质量相关的补充</a:t>
-            </a:r>
-            <a:endParaRPr lang="zh-CN" altLang="en-US" dirty="0"/>
-          </a:p>
-        </p:txBody>
-      </p:sp>
-      <p:sp>
-        <p:nvSpPr>
-          <p:cNvPr id="3" name="内容占位符 2"/>
-          <p:cNvSpPr>
-            <a:spLocks noGrp="1"/>
-          </p:cNvSpPr>
-          <p:nvPr>
-            <p:ph idx="1"/>
-          </p:nvPr>
-        </p:nvSpPr>
-        <p:spPr/>
-        <p:txBody>
-          <a:bodyPr/>
-          <a:lstStyle/>
-          <a:p>
-            <a:r>
-              <a:rPr lang="zh-CN" altLang="en-US" sz="2400" dirty="0" smtClean="0"/>
-              <a:t>教材</a:t>
-            </a:r>
-            <a:r>
-              <a:rPr lang="en-US" altLang="zh-CN" sz="2400" dirty="0" smtClean="0"/>
-              <a:t>《</a:t>
-            </a:r>
-            <a:r>
-              <a:rPr lang="zh-CN" altLang="en-US" sz="2400" dirty="0" smtClean="0"/>
-              <a:t>项目质量管理</a:t>
-            </a:r>
-            <a:r>
-              <a:rPr lang="en-US" altLang="zh-CN" sz="2400" dirty="0" smtClean="0"/>
-              <a:t>》</a:t>
-            </a:r>
-            <a:r>
-              <a:rPr lang="zh-CN" altLang="en-US" sz="2400" dirty="0" smtClean="0"/>
-              <a:t>章，第</a:t>
-            </a:r>
-            <a:r>
-              <a:rPr lang="en-US" altLang="zh-CN" sz="2400" dirty="0" smtClean="0"/>
-              <a:t>7</a:t>
-            </a:r>
-            <a:r>
-              <a:rPr lang="zh-CN" altLang="en-US" sz="2400" dirty="0" smtClean="0"/>
-              <a:t>节“现代质量管理”，第</a:t>
-            </a:r>
-            <a:r>
-              <a:rPr lang="en-US" altLang="zh-CN" sz="2400" dirty="0" smtClean="0"/>
-              <a:t>8</a:t>
-            </a:r>
-            <a:r>
-              <a:rPr lang="zh-CN" altLang="en-US" sz="2400" dirty="0" smtClean="0"/>
-              <a:t>节“提高</a:t>
-            </a:r>
-            <a:r>
-              <a:rPr lang="en-US" altLang="zh-CN" sz="2400" dirty="0" smtClean="0"/>
-              <a:t>IT</a:t>
-            </a:r>
-            <a:r>
-              <a:rPr lang="zh-CN" altLang="en-US" sz="2400" dirty="0" smtClean="0"/>
-              <a:t>项目质量”；</a:t>
-            </a:r>
-            <a:endParaRPr lang="zh-CN" altLang="en-US" sz="2400" dirty="0"/>
-          </a:p>
-        </p:txBody>
-      </p:sp>
-    </p:spTree>
-  </p:cSld>
-  <p:clrMapOvr>
-    <a:masterClrMapping/>
-  </p:clrMapOvr>
-  <p:timing>
-    <p:tnLst>
-      <p:par>
-        <p:cTn id="1" dur="indefinite" restart="never" nodeType="tmRoot"/>
-      </p:par>
-    </p:tnLst>
-  </p:timing>
-</p:sld>
-</file>
-
-<file path=ppt/slides/slide13.xml><?xml version="1.0" encoding="utf-8"?>
 <p:sld xmlns:a="http://schemas.openxmlformats.org/drawingml/2006/main" xmlns:r="http://schemas.openxmlformats.org/officeDocument/2006/relationships" xmlns:p="http://schemas.openxmlformats.org/presentationml/2006/main">
   <p:cSld>
     <p:spTree>
@@ -10032,7 +9940,7 @@
 </p:sld>
 </file>
 
-<file path=ppt/slides/slide14.xml><?xml version="1.0" encoding="utf-8"?>
+<file path=ppt/slides/slide13.xml><?xml version="1.0" encoding="utf-8"?>
 <p:sld xmlns:a="http://schemas.openxmlformats.org/drawingml/2006/main" xmlns:r="http://schemas.openxmlformats.org/officeDocument/2006/relationships" xmlns:p="http://schemas.openxmlformats.org/presentationml/2006/main">
   <p:cSld>
     <p:spTree>
@@ -10224,7 +10132,7 @@
 </p:sld>
 </file>
 
-<file path=ppt/slides/slide15.xml><?xml version="1.0" encoding="utf-8"?>
+<file path=ppt/slides/slide14.xml><?xml version="1.0" encoding="utf-8"?>
 <p:sld xmlns:a="http://schemas.openxmlformats.org/drawingml/2006/main" xmlns:r="http://schemas.openxmlformats.org/officeDocument/2006/relationships" xmlns:p="http://schemas.openxmlformats.org/presentationml/2006/main">
   <p:cSld>
     <p:spTree>
@@ -10532,7 +10440,7 @@
 </p:sld>
 </file>
 
-<file path=ppt/slides/slide16.xml><?xml version="1.0" encoding="utf-8"?>
+<file path=ppt/slides/slide15.xml><?xml version="1.0" encoding="utf-8"?>
 <p:sld xmlns:a="http://schemas.openxmlformats.org/drawingml/2006/main" xmlns:r="http://schemas.openxmlformats.org/officeDocument/2006/relationships" xmlns:p="http://schemas.openxmlformats.org/presentationml/2006/main">
   <p:cSld>
     <p:spTree>
@@ -11214,219 +11122,9 @@
   <p:timing>
     <p:tnLst>
       <p:par>
-        <p:cTn id="1" dur="indefinite" restart="never" nodeType="tmRoot">
-          <p:childTnLst>
-            <p:seq concurrent="1" nextAc="seek">
-              <p:cTn id="2" dur="indefinite" nodeType="mainSeq">
-                <p:childTnLst>
-                  <p:par>
-                    <p:cTn id="3" fill="hold">
-                      <p:stCondLst>
-                        <p:cond delay="indefinite"/>
-                      </p:stCondLst>
-                      <p:childTnLst>
-                        <p:par>
-                          <p:cTn id="4" fill="hold">
-                            <p:stCondLst>
-                              <p:cond delay="0"/>
-                            </p:stCondLst>
-                            <p:childTnLst>
-                              <p:par>
-                                <p:cTn id="5" presetID="2" presetClass="entr" presetSubtype="4" fill="hold" grpId="0" nodeType="clickEffect">
-                                  <p:stCondLst>
-                                    <p:cond delay="0"/>
-                                  </p:stCondLst>
-                                  <p:childTnLst>
-                                    <p:set>
-                                      <p:cBhvr>
-                                        <p:cTn id="6" dur="1" fill="hold">
-                                          <p:stCondLst>
-                                            <p:cond delay="0"/>
-                                          </p:stCondLst>
-                                        </p:cTn>
-                                        <p:tgtEl>
-                                          <p:spTgt spid="7"/>
-                                        </p:tgtEl>
-                                        <p:attrNameLst>
-                                          <p:attrName>style.visibility</p:attrName>
-                                        </p:attrNameLst>
-                                      </p:cBhvr>
-                                      <p:to>
-                                        <p:strVal val="visible"/>
-                                      </p:to>
-                                    </p:set>
-                                    <p:anim calcmode="lin" valueType="num">
-                                      <p:cBhvr additive="base">
-                                        <p:cTn id="7" dur="500" fill="hold"/>
-                                        <p:tgtEl>
-                                          <p:spTgt spid="7"/>
-                                        </p:tgtEl>
-                                        <p:attrNameLst>
-                                          <p:attrName>ppt_x</p:attrName>
-                                        </p:attrNameLst>
-                                      </p:cBhvr>
-                                      <p:tavLst>
-                                        <p:tav tm="0">
-                                          <p:val>
-                                            <p:strVal val="#ppt_x"/>
-                                          </p:val>
-                                        </p:tav>
-                                        <p:tav tm="100000">
-                                          <p:val>
-                                            <p:strVal val="#ppt_x"/>
-                                          </p:val>
-                                        </p:tav>
-                                      </p:tavLst>
-                                    </p:anim>
-                                    <p:anim calcmode="lin" valueType="num">
-                                      <p:cBhvr additive="base">
-                                        <p:cTn id="8" dur="500" fill="hold"/>
-                                        <p:tgtEl>
-                                          <p:spTgt spid="7"/>
-                                        </p:tgtEl>
-                                        <p:attrNameLst>
-                                          <p:attrName>ppt_y</p:attrName>
-                                        </p:attrNameLst>
-                                      </p:cBhvr>
-                                      <p:tavLst>
-                                        <p:tav tm="0">
-                                          <p:val>
-                                            <p:strVal val="1+#ppt_h/2"/>
-                                          </p:val>
-                                        </p:tav>
-                                        <p:tav tm="100000">
-                                          <p:val>
-                                            <p:strVal val="#ppt_y"/>
-                                          </p:val>
-                                        </p:tav>
-                                      </p:tavLst>
-                                    </p:anim>
-                                  </p:childTnLst>
-                                </p:cTn>
-                              </p:par>
-                            </p:childTnLst>
-                          </p:cTn>
-                        </p:par>
-                      </p:childTnLst>
-                    </p:cTn>
-                  </p:par>
-                  <p:par>
-                    <p:cTn id="9" fill="hold">
-                      <p:stCondLst>
-                        <p:cond delay="indefinite"/>
-                      </p:stCondLst>
-                      <p:childTnLst>
-                        <p:par>
-                          <p:cTn id="10" fill="hold">
-                            <p:stCondLst>
-                              <p:cond delay="0"/>
-                            </p:stCondLst>
-                            <p:childTnLst>
-                              <p:par>
-                                <p:cTn id="11" presetID="2" presetClass="entr" presetSubtype="4" fill="hold" nodeType="clickEffect">
-                                  <p:stCondLst>
-                                    <p:cond delay="0"/>
-                                  </p:stCondLst>
-                                  <p:childTnLst>
-                                    <p:set>
-                                      <p:cBhvr>
-                                        <p:cTn id="12" dur="1" fill="hold">
-                                          <p:stCondLst>
-                                            <p:cond delay="0"/>
-                                          </p:stCondLst>
-                                        </p:cTn>
-                                        <p:tgtEl>
-                                          <p:spTgt spid="8"/>
-                                        </p:tgtEl>
-                                        <p:attrNameLst>
-                                          <p:attrName>style.visibility</p:attrName>
-                                        </p:attrNameLst>
-                                      </p:cBhvr>
-                                      <p:to>
-                                        <p:strVal val="visible"/>
-                                      </p:to>
-                                    </p:set>
-                                    <p:anim calcmode="lin" valueType="num">
-                                      <p:cBhvr additive="base">
-                                        <p:cTn id="13" dur="500" fill="hold"/>
-                                        <p:tgtEl>
-                                          <p:spTgt spid="8"/>
-                                        </p:tgtEl>
-                                        <p:attrNameLst>
-                                          <p:attrName>ppt_x</p:attrName>
-                                        </p:attrNameLst>
-                                      </p:cBhvr>
-                                      <p:tavLst>
-                                        <p:tav tm="0">
-                                          <p:val>
-                                            <p:strVal val="#ppt_x"/>
-                                          </p:val>
-                                        </p:tav>
-                                        <p:tav tm="100000">
-                                          <p:val>
-                                            <p:strVal val="#ppt_x"/>
-                                          </p:val>
-                                        </p:tav>
-                                      </p:tavLst>
-                                    </p:anim>
-                                    <p:anim calcmode="lin" valueType="num">
-                                      <p:cBhvr additive="base">
-                                        <p:cTn id="14" dur="500" fill="hold"/>
-                                        <p:tgtEl>
-                                          <p:spTgt spid="8"/>
-                                        </p:tgtEl>
-                                        <p:attrNameLst>
-                                          <p:attrName>ppt_y</p:attrName>
-                                        </p:attrNameLst>
-                                      </p:cBhvr>
-                                      <p:tavLst>
-                                        <p:tav tm="0">
-                                          <p:val>
-                                            <p:strVal val="1+#ppt_h/2"/>
-                                          </p:val>
-                                        </p:tav>
-                                        <p:tav tm="100000">
-                                          <p:val>
-                                            <p:strVal val="#ppt_y"/>
-                                          </p:val>
-                                        </p:tav>
-                                      </p:tavLst>
-                                    </p:anim>
-                                  </p:childTnLst>
-                                </p:cTn>
-                              </p:par>
-                            </p:childTnLst>
-                          </p:cTn>
-                        </p:par>
-                      </p:childTnLst>
-                    </p:cTn>
-                  </p:par>
-                </p:childTnLst>
-              </p:cTn>
-              <p:prevCondLst>
-                <p:cond evt="onPrev" delay="0">
-                  <p:tgtEl>
-                    <p:sldTgt/>
-                  </p:tgtEl>
-                </p:cond>
-              </p:prevCondLst>
-              <p:nextCondLst>
-                <p:cond evt="onNext" delay="0">
-                  <p:tgtEl>
-                    <p:sldTgt/>
-                  </p:tgtEl>
-                </p:cond>
-              </p:nextCondLst>
-            </p:seq>
-          </p:childTnLst>
-        </p:cTn>
+        <p:cTn id="1" dur="indefinite" restart="never" nodeType="tmRoot"/>
       </p:par>
     </p:tnLst>
-    <p:bldLst>
-      <p:bldGraphic spid="7" grpId="0">
-        <p:bldAsOne/>
-      </p:bldGraphic>
-    </p:bldLst>
   </p:timing>
 </p:sld>
 </file>
@@ -13005,1212 +12703,9 @@
   <p:timing>
     <p:tnLst>
       <p:par>
-        <p:cTn id="1" dur="indefinite" restart="never" nodeType="tmRoot">
-          <p:childTnLst>
-            <p:seq concurrent="1" nextAc="seek">
-              <p:cTn id="2" dur="indefinite" nodeType="mainSeq">
-                <p:childTnLst>
-                  <p:par>
-                    <p:cTn id="3" fill="hold">
-                      <p:stCondLst>
-                        <p:cond delay="indefinite"/>
-                      </p:stCondLst>
-                      <p:childTnLst>
-                        <p:par>
-                          <p:cTn id="4" fill="hold">
-                            <p:stCondLst>
-                              <p:cond delay="0"/>
-                            </p:stCondLst>
-                            <p:childTnLst>
-                              <p:par>
-                                <p:cTn id="5" presetID="3" presetClass="entr" presetSubtype="10" fill="hold" grpId="0" nodeType="clickEffect">
-                                  <p:stCondLst>
-                                    <p:cond delay="0"/>
-                                  </p:stCondLst>
-                                  <p:childTnLst>
-                                    <p:set>
-                                      <p:cBhvr>
-                                        <p:cTn id="6" dur="1" fill="hold">
-                                          <p:stCondLst>
-                                            <p:cond delay="0"/>
-                                          </p:stCondLst>
-                                        </p:cTn>
-                                        <p:tgtEl>
-                                          <p:spTgt spid="6"/>
-                                        </p:tgtEl>
-                                        <p:attrNameLst>
-                                          <p:attrName>style.visibility</p:attrName>
-                                        </p:attrNameLst>
-                                      </p:cBhvr>
-                                      <p:to>
-                                        <p:strVal val="visible"/>
-                                      </p:to>
-                                    </p:set>
-                                    <p:animEffect transition="in" filter="blinds(horizontal)">
-                                      <p:cBhvr>
-                                        <p:cTn id="7" dur="500"/>
-                                        <p:tgtEl>
-                                          <p:spTgt spid="6"/>
-                                        </p:tgtEl>
-                                      </p:cBhvr>
-                                    </p:animEffect>
-                                  </p:childTnLst>
-                                </p:cTn>
-                              </p:par>
-                            </p:childTnLst>
-                          </p:cTn>
-                        </p:par>
-                      </p:childTnLst>
-                    </p:cTn>
-                  </p:par>
-                  <p:par>
-                    <p:cTn id="8" fill="hold">
-                      <p:stCondLst>
-                        <p:cond delay="indefinite"/>
-                      </p:stCondLst>
-                      <p:childTnLst>
-                        <p:par>
-                          <p:cTn id="9" fill="hold">
-                            <p:stCondLst>
-                              <p:cond delay="0"/>
-                            </p:stCondLst>
-                            <p:childTnLst>
-                              <p:par>
-                                <p:cTn id="10" presetID="3" presetClass="entr" presetSubtype="10" fill="hold" nodeType="clickEffect">
-                                  <p:stCondLst>
-                                    <p:cond delay="0"/>
-                                  </p:stCondLst>
-                                  <p:childTnLst>
-                                    <p:set>
-                                      <p:cBhvr>
-                                        <p:cTn id="11" dur="1" fill="hold">
-                                          <p:stCondLst>
-                                            <p:cond delay="0"/>
-                                          </p:stCondLst>
-                                        </p:cTn>
-                                        <p:tgtEl>
-                                          <p:spTgt spid="18"/>
-                                        </p:tgtEl>
-                                        <p:attrNameLst>
-                                          <p:attrName>style.visibility</p:attrName>
-                                        </p:attrNameLst>
-                                      </p:cBhvr>
-                                      <p:to>
-                                        <p:strVal val="visible"/>
-                                      </p:to>
-                                    </p:set>
-                                    <p:animEffect transition="in" filter="blinds(horizontal)">
-                                      <p:cBhvr>
-                                        <p:cTn id="12" dur="500"/>
-                                        <p:tgtEl>
-                                          <p:spTgt spid="18"/>
-                                        </p:tgtEl>
-                                      </p:cBhvr>
-                                    </p:animEffect>
-                                  </p:childTnLst>
-                                </p:cTn>
-                              </p:par>
-                              <p:par>
-                                <p:cTn id="13" presetID="3" presetClass="entr" presetSubtype="10" fill="hold" grpId="0" nodeType="withEffect">
-                                  <p:stCondLst>
-                                    <p:cond delay="0"/>
-                                  </p:stCondLst>
-                                  <p:childTnLst>
-                                    <p:set>
-                                      <p:cBhvr>
-                                        <p:cTn id="14" dur="1" fill="hold">
-                                          <p:stCondLst>
-                                            <p:cond delay="0"/>
-                                          </p:stCondLst>
-                                        </p:cTn>
-                                        <p:tgtEl>
-                                          <p:spTgt spid="7"/>
-                                        </p:tgtEl>
-                                        <p:attrNameLst>
-                                          <p:attrName>style.visibility</p:attrName>
-                                        </p:attrNameLst>
-                                      </p:cBhvr>
-                                      <p:to>
-                                        <p:strVal val="visible"/>
-                                      </p:to>
-                                    </p:set>
-                                    <p:animEffect transition="in" filter="blinds(horizontal)">
-                                      <p:cBhvr>
-                                        <p:cTn id="15" dur="500"/>
-                                        <p:tgtEl>
-                                          <p:spTgt spid="7"/>
-                                        </p:tgtEl>
-                                      </p:cBhvr>
-                                    </p:animEffect>
-                                  </p:childTnLst>
-                                </p:cTn>
-                              </p:par>
-                            </p:childTnLst>
-                          </p:cTn>
-                        </p:par>
-                      </p:childTnLst>
-                    </p:cTn>
-                  </p:par>
-                  <p:par>
-                    <p:cTn id="16" fill="hold">
-                      <p:stCondLst>
-                        <p:cond delay="indefinite"/>
-                      </p:stCondLst>
-                      <p:childTnLst>
-                        <p:par>
-                          <p:cTn id="17" fill="hold">
-                            <p:stCondLst>
-                              <p:cond delay="0"/>
-                            </p:stCondLst>
-                            <p:childTnLst>
-                              <p:par>
-                                <p:cTn id="18" presetID="3" presetClass="entr" presetSubtype="10" fill="hold" nodeType="clickEffect">
-                                  <p:stCondLst>
-                                    <p:cond delay="0"/>
-                                  </p:stCondLst>
-                                  <p:childTnLst>
-                                    <p:set>
-                                      <p:cBhvr>
-                                        <p:cTn id="19" dur="1" fill="hold">
-                                          <p:stCondLst>
-                                            <p:cond delay="0"/>
-                                          </p:stCondLst>
-                                        </p:cTn>
-                                        <p:tgtEl>
-                                          <p:spTgt spid="20"/>
-                                        </p:tgtEl>
-                                        <p:attrNameLst>
-                                          <p:attrName>style.visibility</p:attrName>
-                                        </p:attrNameLst>
-                                      </p:cBhvr>
-                                      <p:to>
-                                        <p:strVal val="visible"/>
-                                      </p:to>
-                                    </p:set>
-                                    <p:animEffect transition="in" filter="blinds(horizontal)">
-                                      <p:cBhvr>
-                                        <p:cTn id="20" dur="500"/>
-                                        <p:tgtEl>
-                                          <p:spTgt spid="20"/>
-                                        </p:tgtEl>
-                                      </p:cBhvr>
-                                    </p:animEffect>
-                                  </p:childTnLst>
-                                </p:cTn>
-                              </p:par>
-                              <p:par>
-                                <p:cTn id="21" presetID="3" presetClass="entr" presetSubtype="10" fill="hold" grpId="0" nodeType="withEffect">
-                                  <p:stCondLst>
-                                    <p:cond delay="0"/>
-                                  </p:stCondLst>
-                                  <p:childTnLst>
-                                    <p:set>
-                                      <p:cBhvr>
-                                        <p:cTn id="22" dur="1" fill="hold">
-                                          <p:stCondLst>
-                                            <p:cond delay="0"/>
-                                          </p:stCondLst>
-                                        </p:cTn>
-                                        <p:tgtEl>
-                                          <p:spTgt spid="8"/>
-                                        </p:tgtEl>
-                                        <p:attrNameLst>
-                                          <p:attrName>style.visibility</p:attrName>
-                                        </p:attrNameLst>
-                                      </p:cBhvr>
-                                      <p:to>
-                                        <p:strVal val="visible"/>
-                                      </p:to>
-                                    </p:set>
-                                    <p:animEffect transition="in" filter="blinds(horizontal)">
-                                      <p:cBhvr>
-                                        <p:cTn id="23" dur="500"/>
-                                        <p:tgtEl>
-                                          <p:spTgt spid="8"/>
-                                        </p:tgtEl>
-                                      </p:cBhvr>
-                                    </p:animEffect>
-                                  </p:childTnLst>
-                                </p:cTn>
-                              </p:par>
-                            </p:childTnLst>
-                          </p:cTn>
-                        </p:par>
-                      </p:childTnLst>
-                    </p:cTn>
-                  </p:par>
-                  <p:par>
-                    <p:cTn id="24" fill="hold">
-                      <p:stCondLst>
-                        <p:cond delay="indefinite"/>
-                      </p:stCondLst>
-                      <p:childTnLst>
-                        <p:par>
-                          <p:cTn id="25" fill="hold">
-                            <p:stCondLst>
-                              <p:cond delay="0"/>
-                            </p:stCondLst>
-                            <p:childTnLst>
-                              <p:par>
-                                <p:cTn id="26" presetID="3" presetClass="entr" presetSubtype="10" fill="hold" nodeType="clickEffect">
-                                  <p:stCondLst>
-                                    <p:cond delay="0"/>
-                                  </p:stCondLst>
-                                  <p:childTnLst>
-                                    <p:set>
-                                      <p:cBhvr>
-                                        <p:cTn id="27" dur="1" fill="hold">
-                                          <p:stCondLst>
-                                            <p:cond delay="0"/>
-                                          </p:stCondLst>
-                                        </p:cTn>
-                                        <p:tgtEl>
-                                          <p:spTgt spid="22"/>
-                                        </p:tgtEl>
-                                        <p:attrNameLst>
-                                          <p:attrName>style.visibility</p:attrName>
-                                        </p:attrNameLst>
-                                      </p:cBhvr>
-                                      <p:to>
-                                        <p:strVal val="visible"/>
-                                      </p:to>
-                                    </p:set>
-                                    <p:animEffect transition="in" filter="blinds(horizontal)">
-                                      <p:cBhvr>
-                                        <p:cTn id="28" dur="500"/>
-                                        <p:tgtEl>
-                                          <p:spTgt spid="22"/>
-                                        </p:tgtEl>
-                                      </p:cBhvr>
-                                    </p:animEffect>
-                                  </p:childTnLst>
-                                </p:cTn>
-                              </p:par>
-                              <p:par>
-                                <p:cTn id="29" presetID="3" presetClass="entr" presetSubtype="10" fill="hold" grpId="0" nodeType="withEffect">
-                                  <p:stCondLst>
-                                    <p:cond delay="0"/>
-                                  </p:stCondLst>
-                                  <p:childTnLst>
-                                    <p:set>
-                                      <p:cBhvr>
-                                        <p:cTn id="30" dur="1" fill="hold">
-                                          <p:stCondLst>
-                                            <p:cond delay="0"/>
-                                          </p:stCondLst>
-                                        </p:cTn>
-                                        <p:tgtEl>
-                                          <p:spTgt spid="9"/>
-                                        </p:tgtEl>
-                                        <p:attrNameLst>
-                                          <p:attrName>style.visibility</p:attrName>
-                                        </p:attrNameLst>
-                                      </p:cBhvr>
-                                      <p:to>
-                                        <p:strVal val="visible"/>
-                                      </p:to>
-                                    </p:set>
-                                    <p:animEffect transition="in" filter="blinds(horizontal)">
-                                      <p:cBhvr>
-                                        <p:cTn id="31" dur="500"/>
-                                        <p:tgtEl>
-                                          <p:spTgt spid="9"/>
-                                        </p:tgtEl>
-                                      </p:cBhvr>
-                                    </p:animEffect>
-                                  </p:childTnLst>
-                                </p:cTn>
-                              </p:par>
-                            </p:childTnLst>
-                          </p:cTn>
-                        </p:par>
-                      </p:childTnLst>
-                    </p:cTn>
-                  </p:par>
-                  <p:par>
-                    <p:cTn id="32" fill="hold">
-                      <p:stCondLst>
-                        <p:cond delay="indefinite"/>
-                      </p:stCondLst>
-                      <p:childTnLst>
-                        <p:par>
-                          <p:cTn id="33" fill="hold">
-                            <p:stCondLst>
-                              <p:cond delay="0"/>
-                            </p:stCondLst>
-                            <p:childTnLst>
-                              <p:par>
-                                <p:cTn id="34" presetID="3" presetClass="entr" presetSubtype="10" fill="hold" nodeType="clickEffect">
-                                  <p:stCondLst>
-                                    <p:cond delay="0"/>
-                                  </p:stCondLst>
-                                  <p:childTnLst>
-                                    <p:set>
-                                      <p:cBhvr>
-                                        <p:cTn id="35" dur="1" fill="hold">
-                                          <p:stCondLst>
-                                            <p:cond delay="0"/>
-                                          </p:stCondLst>
-                                        </p:cTn>
-                                        <p:tgtEl>
-                                          <p:spTgt spid="24"/>
-                                        </p:tgtEl>
-                                        <p:attrNameLst>
-                                          <p:attrName>style.visibility</p:attrName>
-                                        </p:attrNameLst>
-                                      </p:cBhvr>
-                                      <p:to>
-                                        <p:strVal val="visible"/>
-                                      </p:to>
-                                    </p:set>
-                                    <p:animEffect transition="in" filter="blinds(horizontal)">
-                                      <p:cBhvr>
-                                        <p:cTn id="36" dur="500"/>
-                                        <p:tgtEl>
-                                          <p:spTgt spid="24"/>
-                                        </p:tgtEl>
-                                      </p:cBhvr>
-                                    </p:animEffect>
-                                  </p:childTnLst>
-                                </p:cTn>
-                              </p:par>
-                              <p:par>
-                                <p:cTn id="37" presetID="3" presetClass="entr" presetSubtype="10" fill="hold" nodeType="withEffect">
-                                  <p:stCondLst>
-                                    <p:cond delay="0"/>
-                                  </p:stCondLst>
-                                  <p:childTnLst>
-                                    <p:set>
-                                      <p:cBhvr>
-                                        <p:cTn id="38" dur="1" fill="hold">
-                                          <p:stCondLst>
-                                            <p:cond delay="0"/>
-                                          </p:stCondLst>
-                                        </p:cTn>
-                                        <p:tgtEl>
-                                          <p:spTgt spid="26"/>
-                                        </p:tgtEl>
-                                        <p:attrNameLst>
-                                          <p:attrName>style.visibility</p:attrName>
-                                        </p:attrNameLst>
-                                      </p:cBhvr>
-                                      <p:to>
-                                        <p:strVal val="visible"/>
-                                      </p:to>
-                                    </p:set>
-                                    <p:animEffect transition="in" filter="blinds(horizontal)">
-                                      <p:cBhvr>
-                                        <p:cTn id="39" dur="500"/>
-                                        <p:tgtEl>
-                                          <p:spTgt spid="26"/>
-                                        </p:tgtEl>
-                                      </p:cBhvr>
-                                    </p:animEffect>
-                                  </p:childTnLst>
-                                </p:cTn>
-                              </p:par>
-                              <p:par>
-                                <p:cTn id="40" presetID="3" presetClass="entr" presetSubtype="10" fill="hold" nodeType="withEffect">
-                                  <p:stCondLst>
-                                    <p:cond delay="0"/>
-                                  </p:stCondLst>
-                                  <p:childTnLst>
-                                    <p:set>
-                                      <p:cBhvr>
-                                        <p:cTn id="41" dur="1" fill="hold">
-                                          <p:stCondLst>
-                                            <p:cond delay="0"/>
-                                          </p:stCondLst>
-                                        </p:cTn>
-                                        <p:tgtEl>
-                                          <p:spTgt spid="30"/>
-                                        </p:tgtEl>
-                                        <p:attrNameLst>
-                                          <p:attrName>style.visibility</p:attrName>
-                                        </p:attrNameLst>
-                                      </p:cBhvr>
-                                      <p:to>
-                                        <p:strVal val="visible"/>
-                                      </p:to>
-                                    </p:set>
-                                    <p:animEffect transition="in" filter="blinds(horizontal)">
-                                      <p:cBhvr>
-                                        <p:cTn id="42" dur="500"/>
-                                        <p:tgtEl>
-                                          <p:spTgt spid="30"/>
-                                        </p:tgtEl>
-                                      </p:cBhvr>
-                                    </p:animEffect>
-                                  </p:childTnLst>
-                                </p:cTn>
-                              </p:par>
-                              <p:par>
-                                <p:cTn id="43" presetID="3" presetClass="entr" presetSubtype="10" fill="hold" grpId="0" nodeType="withEffect">
-                                  <p:stCondLst>
-                                    <p:cond delay="0"/>
-                                  </p:stCondLst>
-                                  <p:childTnLst>
-                                    <p:set>
-                                      <p:cBhvr>
-                                        <p:cTn id="44" dur="1" fill="hold">
-                                          <p:stCondLst>
-                                            <p:cond delay="0"/>
-                                          </p:stCondLst>
-                                        </p:cTn>
-                                        <p:tgtEl>
-                                          <p:spTgt spid="10"/>
-                                        </p:tgtEl>
-                                        <p:attrNameLst>
-                                          <p:attrName>style.visibility</p:attrName>
-                                        </p:attrNameLst>
-                                      </p:cBhvr>
-                                      <p:to>
-                                        <p:strVal val="visible"/>
-                                      </p:to>
-                                    </p:set>
-                                    <p:animEffect transition="in" filter="blinds(horizontal)">
-                                      <p:cBhvr>
-                                        <p:cTn id="45" dur="500"/>
-                                        <p:tgtEl>
-                                          <p:spTgt spid="10"/>
-                                        </p:tgtEl>
-                                      </p:cBhvr>
-                                    </p:animEffect>
-                                  </p:childTnLst>
-                                </p:cTn>
-                              </p:par>
-                            </p:childTnLst>
-                          </p:cTn>
-                        </p:par>
-                      </p:childTnLst>
-                    </p:cTn>
-                  </p:par>
-                  <p:par>
-                    <p:cTn id="46" fill="hold">
-                      <p:stCondLst>
-                        <p:cond delay="indefinite"/>
-                      </p:stCondLst>
-                      <p:childTnLst>
-                        <p:par>
-                          <p:cTn id="47" fill="hold">
-                            <p:stCondLst>
-                              <p:cond delay="0"/>
-                            </p:stCondLst>
-                            <p:childTnLst>
-                              <p:par>
-                                <p:cTn id="48" presetID="3" presetClass="entr" presetSubtype="10" fill="hold" nodeType="clickEffect">
-                                  <p:stCondLst>
-                                    <p:cond delay="0"/>
-                                  </p:stCondLst>
-                                  <p:childTnLst>
-                                    <p:set>
-                                      <p:cBhvr>
-                                        <p:cTn id="49" dur="1" fill="hold">
-                                          <p:stCondLst>
-                                            <p:cond delay="0"/>
-                                          </p:stCondLst>
-                                        </p:cTn>
-                                        <p:tgtEl>
-                                          <p:spTgt spid="32"/>
-                                        </p:tgtEl>
-                                        <p:attrNameLst>
-                                          <p:attrName>style.visibility</p:attrName>
-                                        </p:attrNameLst>
-                                      </p:cBhvr>
-                                      <p:to>
-                                        <p:strVal val="visible"/>
-                                      </p:to>
-                                    </p:set>
-                                    <p:animEffect transition="in" filter="blinds(horizontal)">
-                                      <p:cBhvr>
-                                        <p:cTn id="50" dur="500"/>
-                                        <p:tgtEl>
-                                          <p:spTgt spid="32"/>
-                                        </p:tgtEl>
-                                      </p:cBhvr>
-                                    </p:animEffect>
-                                  </p:childTnLst>
-                                </p:cTn>
-                              </p:par>
-                              <p:par>
-                                <p:cTn id="51" presetID="3" presetClass="entr" presetSubtype="10" fill="hold" grpId="0" nodeType="withEffect">
-                                  <p:stCondLst>
-                                    <p:cond delay="0"/>
-                                  </p:stCondLst>
-                                  <p:childTnLst>
-                                    <p:set>
-                                      <p:cBhvr>
-                                        <p:cTn id="52" dur="1" fill="hold">
-                                          <p:stCondLst>
-                                            <p:cond delay="0"/>
-                                          </p:stCondLst>
-                                        </p:cTn>
-                                        <p:tgtEl>
-                                          <p:spTgt spid="12"/>
-                                        </p:tgtEl>
-                                        <p:attrNameLst>
-                                          <p:attrName>style.visibility</p:attrName>
-                                        </p:attrNameLst>
-                                      </p:cBhvr>
-                                      <p:to>
-                                        <p:strVal val="visible"/>
-                                      </p:to>
-                                    </p:set>
-                                    <p:animEffect transition="in" filter="blinds(horizontal)">
-                                      <p:cBhvr>
-                                        <p:cTn id="53" dur="500"/>
-                                        <p:tgtEl>
-                                          <p:spTgt spid="12"/>
-                                        </p:tgtEl>
-                                      </p:cBhvr>
-                                    </p:animEffect>
-                                  </p:childTnLst>
-                                </p:cTn>
-                              </p:par>
-                            </p:childTnLst>
-                          </p:cTn>
-                        </p:par>
-                      </p:childTnLst>
-                    </p:cTn>
-                  </p:par>
-                  <p:par>
-                    <p:cTn id="54" fill="hold">
-                      <p:stCondLst>
-                        <p:cond delay="indefinite"/>
-                      </p:stCondLst>
-                      <p:childTnLst>
-                        <p:par>
-                          <p:cTn id="55" fill="hold">
-                            <p:stCondLst>
-                              <p:cond delay="0"/>
-                            </p:stCondLst>
-                            <p:childTnLst>
-                              <p:par>
-                                <p:cTn id="56" presetID="3" presetClass="entr" presetSubtype="10" fill="hold" nodeType="clickEffect">
-                                  <p:stCondLst>
-                                    <p:cond delay="0"/>
-                                  </p:stCondLst>
-                                  <p:childTnLst>
-                                    <p:set>
-                                      <p:cBhvr>
-                                        <p:cTn id="57" dur="1" fill="hold">
-                                          <p:stCondLst>
-                                            <p:cond delay="0"/>
-                                          </p:stCondLst>
-                                        </p:cTn>
-                                        <p:tgtEl>
-                                          <p:spTgt spid="34"/>
-                                        </p:tgtEl>
-                                        <p:attrNameLst>
-                                          <p:attrName>style.visibility</p:attrName>
-                                        </p:attrNameLst>
-                                      </p:cBhvr>
-                                      <p:to>
-                                        <p:strVal val="visible"/>
-                                      </p:to>
-                                    </p:set>
-                                    <p:animEffect transition="in" filter="blinds(horizontal)">
-                                      <p:cBhvr>
-                                        <p:cTn id="58" dur="500"/>
-                                        <p:tgtEl>
-                                          <p:spTgt spid="34"/>
-                                        </p:tgtEl>
-                                      </p:cBhvr>
-                                    </p:animEffect>
-                                  </p:childTnLst>
-                                </p:cTn>
-                              </p:par>
-                              <p:par>
-                                <p:cTn id="59" presetID="3" presetClass="entr" presetSubtype="10" fill="hold" grpId="0" nodeType="withEffect">
-                                  <p:stCondLst>
-                                    <p:cond delay="0"/>
-                                  </p:stCondLst>
-                                  <p:childTnLst>
-                                    <p:set>
-                                      <p:cBhvr>
-                                        <p:cTn id="60" dur="1" fill="hold">
-                                          <p:stCondLst>
-                                            <p:cond delay="0"/>
-                                          </p:stCondLst>
-                                        </p:cTn>
-                                        <p:tgtEl>
-                                          <p:spTgt spid="13"/>
-                                        </p:tgtEl>
-                                        <p:attrNameLst>
-                                          <p:attrName>style.visibility</p:attrName>
-                                        </p:attrNameLst>
-                                      </p:cBhvr>
-                                      <p:to>
-                                        <p:strVal val="visible"/>
-                                      </p:to>
-                                    </p:set>
-                                    <p:animEffect transition="in" filter="blinds(horizontal)">
-                                      <p:cBhvr>
-                                        <p:cTn id="61" dur="500"/>
-                                        <p:tgtEl>
-                                          <p:spTgt spid="13"/>
-                                        </p:tgtEl>
-                                      </p:cBhvr>
-                                    </p:animEffect>
-                                  </p:childTnLst>
-                                </p:cTn>
-                              </p:par>
-                            </p:childTnLst>
-                          </p:cTn>
-                        </p:par>
-                      </p:childTnLst>
-                    </p:cTn>
-                  </p:par>
-                  <p:par>
-                    <p:cTn id="62" fill="hold">
-                      <p:stCondLst>
-                        <p:cond delay="indefinite"/>
-                      </p:stCondLst>
-                      <p:childTnLst>
-                        <p:par>
-                          <p:cTn id="63" fill="hold">
-                            <p:stCondLst>
-                              <p:cond delay="0"/>
-                            </p:stCondLst>
-                            <p:childTnLst>
-                              <p:par>
-                                <p:cTn id="64" presetID="3" presetClass="entr" presetSubtype="10" fill="hold" nodeType="clickEffect">
-                                  <p:stCondLst>
-                                    <p:cond delay="0"/>
-                                  </p:stCondLst>
-                                  <p:childTnLst>
-                                    <p:set>
-                                      <p:cBhvr>
-                                        <p:cTn id="65" dur="1" fill="hold">
-                                          <p:stCondLst>
-                                            <p:cond delay="0"/>
-                                          </p:stCondLst>
-                                        </p:cTn>
-                                        <p:tgtEl>
-                                          <p:spTgt spid="36"/>
-                                        </p:tgtEl>
-                                        <p:attrNameLst>
-                                          <p:attrName>style.visibility</p:attrName>
-                                        </p:attrNameLst>
-                                      </p:cBhvr>
-                                      <p:to>
-                                        <p:strVal val="visible"/>
-                                      </p:to>
-                                    </p:set>
-                                    <p:animEffect transition="in" filter="blinds(horizontal)">
-                                      <p:cBhvr>
-                                        <p:cTn id="66" dur="500"/>
-                                        <p:tgtEl>
-                                          <p:spTgt spid="36"/>
-                                        </p:tgtEl>
-                                      </p:cBhvr>
-                                    </p:animEffect>
-                                  </p:childTnLst>
-                                </p:cTn>
-                              </p:par>
-                              <p:par>
-                                <p:cTn id="67" presetID="3" presetClass="entr" presetSubtype="10" fill="hold" nodeType="withEffect">
-                                  <p:stCondLst>
-                                    <p:cond delay="0"/>
-                                  </p:stCondLst>
-                                  <p:childTnLst>
-                                    <p:set>
-                                      <p:cBhvr>
-                                        <p:cTn id="68" dur="1" fill="hold">
-                                          <p:stCondLst>
-                                            <p:cond delay="0"/>
-                                          </p:stCondLst>
-                                        </p:cTn>
-                                        <p:tgtEl>
-                                          <p:spTgt spid="38"/>
-                                        </p:tgtEl>
-                                        <p:attrNameLst>
-                                          <p:attrName>style.visibility</p:attrName>
-                                        </p:attrNameLst>
-                                      </p:cBhvr>
-                                      <p:to>
-                                        <p:strVal val="visible"/>
-                                      </p:to>
-                                    </p:set>
-                                    <p:animEffect transition="in" filter="blinds(horizontal)">
-                                      <p:cBhvr>
-                                        <p:cTn id="69" dur="500"/>
-                                        <p:tgtEl>
-                                          <p:spTgt spid="38"/>
-                                        </p:tgtEl>
-                                      </p:cBhvr>
-                                    </p:animEffect>
-                                  </p:childTnLst>
-                                </p:cTn>
-                              </p:par>
-                              <p:par>
-                                <p:cTn id="70" presetID="3" presetClass="entr" presetSubtype="10" fill="hold" grpId="0" nodeType="withEffect">
-                                  <p:stCondLst>
-                                    <p:cond delay="0"/>
-                                  </p:stCondLst>
-                                  <p:childTnLst>
-                                    <p:set>
-                                      <p:cBhvr>
-                                        <p:cTn id="71" dur="1" fill="hold">
-                                          <p:stCondLst>
-                                            <p:cond delay="0"/>
-                                          </p:stCondLst>
-                                        </p:cTn>
-                                        <p:tgtEl>
-                                          <p:spTgt spid="14"/>
-                                        </p:tgtEl>
-                                        <p:attrNameLst>
-                                          <p:attrName>style.visibility</p:attrName>
-                                        </p:attrNameLst>
-                                      </p:cBhvr>
-                                      <p:to>
-                                        <p:strVal val="visible"/>
-                                      </p:to>
-                                    </p:set>
-                                    <p:animEffect transition="in" filter="blinds(horizontal)">
-                                      <p:cBhvr>
-                                        <p:cTn id="72" dur="500"/>
-                                        <p:tgtEl>
-                                          <p:spTgt spid="14"/>
-                                        </p:tgtEl>
-                                      </p:cBhvr>
-                                    </p:animEffect>
-                                  </p:childTnLst>
-                                </p:cTn>
-                              </p:par>
-                            </p:childTnLst>
-                          </p:cTn>
-                        </p:par>
-                      </p:childTnLst>
-                    </p:cTn>
-                  </p:par>
-                  <p:par>
-                    <p:cTn id="73" fill="hold">
-                      <p:stCondLst>
-                        <p:cond delay="indefinite"/>
-                      </p:stCondLst>
-                      <p:childTnLst>
-                        <p:par>
-                          <p:cTn id="74" fill="hold">
-                            <p:stCondLst>
-                              <p:cond delay="0"/>
-                            </p:stCondLst>
-                            <p:childTnLst>
-                              <p:par>
-                                <p:cTn id="75" presetID="3" presetClass="entr" presetSubtype="10" fill="hold" grpId="0" nodeType="clickEffect">
-                                  <p:stCondLst>
-                                    <p:cond delay="0"/>
-                                  </p:stCondLst>
-                                  <p:childTnLst>
-                                    <p:set>
-                                      <p:cBhvr>
-                                        <p:cTn id="76" dur="1" fill="hold">
-                                          <p:stCondLst>
-                                            <p:cond delay="0"/>
-                                          </p:stCondLst>
-                                        </p:cTn>
-                                        <p:tgtEl>
-                                          <p:spTgt spid="46"/>
-                                        </p:tgtEl>
-                                        <p:attrNameLst>
-                                          <p:attrName>style.visibility</p:attrName>
-                                        </p:attrNameLst>
-                                      </p:cBhvr>
-                                      <p:to>
-                                        <p:strVal val="visible"/>
-                                      </p:to>
-                                    </p:set>
-                                    <p:animEffect transition="in" filter="blinds(horizontal)">
-                                      <p:cBhvr>
-                                        <p:cTn id="77" dur="500"/>
-                                        <p:tgtEl>
-                                          <p:spTgt spid="46"/>
-                                        </p:tgtEl>
-                                      </p:cBhvr>
-                                    </p:animEffect>
-                                  </p:childTnLst>
-                                </p:cTn>
-                              </p:par>
-                              <p:par>
-                                <p:cTn id="78" presetID="3" presetClass="entr" presetSubtype="10" fill="hold" grpId="0" nodeType="withEffect">
-                                  <p:stCondLst>
-                                    <p:cond delay="0"/>
-                                  </p:stCondLst>
-                                  <p:childTnLst>
-                                    <p:set>
-                                      <p:cBhvr>
-                                        <p:cTn id="79" dur="1" fill="hold">
-                                          <p:stCondLst>
-                                            <p:cond delay="0"/>
-                                          </p:stCondLst>
-                                        </p:cTn>
-                                        <p:tgtEl>
-                                          <p:spTgt spid="45"/>
-                                        </p:tgtEl>
-                                        <p:attrNameLst>
-                                          <p:attrName>style.visibility</p:attrName>
-                                        </p:attrNameLst>
-                                      </p:cBhvr>
-                                      <p:to>
-                                        <p:strVal val="visible"/>
-                                      </p:to>
-                                    </p:set>
-                                    <p:animEffect transition="in" filter="blinds(horizontal)">
-                                      <p:cBhvr>
-                                        <p:cTn id="80" dur="500"/>
-                                        <p:tgtEl>
-                                          <p:spTgt spid="45"/>
-                                        </p:tgtEl>
-                                      </p:cBhvr>
-                                    </p:animEffect>
-                                  </p:childTnLst>
-                                </p:cTn>
-                              </p:par>
-                              <p:par>
-                                <p:cTn id="81" presetID="3" presetClass="entr" presetSubtype="10" fill="hold" grpId="0" nodeType="withEffect">
-                                  <p:stCondLst>
-                                    <p:cond delay="0"/>
-                                  </p:stCondLst>
-                                  <p:childTnLst>
-                                    <p:set>
-                                      <p:cBhvr>
-                                        <p:cTn id="82" dur="1" fill="hold">
-                                          <p:stCondLst>
-                                            <p:cond delay="0"/>
-                                          </p:stCondLst>
-                                        </p:cTn>
-                                        <p:tgtEl>
-                                          <p:spTgt spid="47"/>
-                                        </p:tgtEl>
-                                        <p:attrNameLst>
-                                          <p:attrName>style.visibility</p:attrName>
-                                        </p:attrNameLst>
-                                      </p:cBhvr>
-                                      <p:to>
-                                        <p:strVal val="visible"/>
-                                      </p:to>
-                                    </p:set>
-                                    <p:animEffect transition="in" filter="blinds(horizontal)">
-                                      <p:cBhvr>
-                                        <p:cTn id="83" dur="500"/>
-                                        <p:tgtEl>
-                                          <p:spTgt spid="47"/>
-                                        </p:tgtEl>
-                                      </p:cBhvr>
-                                    </p:animEffect>
-                                  </p:childTnLst>
-                                </p:cTn>
-                              </p:par>
-                              <p:par>
-                                <p:cTn id="84" presetID="3" presetClass="entr" presetSubtype="10" fill="hold" grpId="0" nodeType="withEffect">
-                                  <p:stCondLst>
-                                    <p:cond delay="0"/>
-                                  </p:stCondLst>
-                                  <p:childTnLst>
-                                    <p:set>
-                                      <p:cBhvr>
-                                        <p:cTn id="85" dur="1" fill="hold">
-                                          <p:stCondLst>
-                                            <p:cond delay="0"/>
-                                          </p:stCondLst>
-                                        </p:cTn>
-                                        <p:tgtEl>
-                                          <p:spTgt spid="48"/>
-                                        </p:tgtEl>
-                                        <p:attrNameLst>
-                                          <p:attrName>style.visibility</p:attrName>
-                                        </p:attrNameLst>
-                                      </p:cBhvr>
-                                      <p:to>
-                                        <p:strVal val="visible"/>
-                                      </p:to>
-                                    </p:set>
-                                    <p:animEffect transition="in" filter="blinds(horizontal)">
-                                      <p:cBhvr>
-                                        <p:cTn id="86" dur="500"/>
-                                        <p:tgtEl>
-                                          <p:spTgt spid="48"/>
-                                        </p:tgtEl>
-                                      </p:cBhvr>
-                                    </p:animEffect>
-                                  </p:childTnLst>
-                                </p:cTn>
-                              </p:par>
-                              <p:par>
-                                <p:cTn id="87" presetID="3" presetClass="entr" presetSubtype="10" fill="hold" grpId="0" nodeType="withEffect">
-                                  <p:stCondLst>
-                                    <p:cond delay="0"/>
-                                  </p:stCondLst>
-                                  <p:childTnLst>
-                                    <p:set>
-                                      <p:cBhvr>
-                                        <p:cTn id="88" dur="1" fill="hold">
-                                          <p:stCondLst>
-                                            <p:cond delay="0"/>
-                                          </p:stCondLst>
-                                        </p:cTn>
-                                        <p:tgtEl>
-                                          <p:spTgt spid="16"/>
-                                        </p:tgtEl>
-                                        <p:attrNameLst>
-                                          <p:attrName>style.visibility</p:attrName>
-                                        </p:attrNameLst>
-                                      </p:cBhvr>
-                                      <p:to>
-                                        <p:strVal val="visible"/>
-                                      </p:to>
-                                    </p:set>
-                                    <p:animEffect transition="in" filter="blinds(horizontal)">
-                                      <p:cBhvr>
-                                        <p:cTn id="89" dur="500"/>
-                                        <p:tgtEl>
-                                          <p:spTgt spid="16"/>
-                                        </p:tgtEl>
-                                      </p:cBhvr>
-                                    </p:animEffect>
-                                  </p:childTnLst>
-                                </p:cTn>
-                              </p:par>
-                            </p:childTnLst>
-                          </p:cTn>
-                        </p:par>
-                      </p:childTnLst>
-                    </p:cTn>
-                  </p:par>
-                  <p:par>
-                    <p:cTn id="90" fill="hold">
-                      <p:stCondLst>
-                        <p:cond delay="indefinite"/>
-                      </p:stCondLst>
-                      <p:childTnLst>
-                        <p:par>
-                          <p:cTn id="91" fill="hold">
-                            <p:stCondLst>
-                              <p:cond delay="0"/>
-                            </p:stCondLst>
-                            <p:childTnLst>
-                              <p:par>
-                                <p:cTn id="92" presetID="3" presetClass="entr" presetSubtype="10" fill="hold" grpId="0" nodeType="clickEffect">
-                                  <p:stCondLst>
-                                    <p:cond delay="0"/>
-                                  </p:stCondLst>
-                                  <p:childTnLst>
-                                    <p:set>
-                                      <p:cBhvr>
-                                        <p:cTn id="93" dur="1" fill="hold">
-                                          <p:stCondLst>
-                                            <p:cond delay="0"/>
-                                          </p:stCondLst>
-                                        </p:cTn>
-                                        <p:tgtEl>
-                                          <p:spTgt spid="42"/>
-                                        </p:tgtEl>
-                                        <p:attrNameLst>
-                                          <p:attrName>style.visibility</p:attrName>
-                                        </p:attrNameLst>
-                                      </p:cBhvr>
-                                      <p:to>
-                                        <p:strVal val="visible"/>
-                                      </p:to>
-                                    </p:set>
-                                    <p:animEffect transition="in" filter="blinds(horizontal)">
-                                      <p:cBhvr>
-                                        <p:cTn id="94" dur="500"/>
-                                        <p:tgtEl>
-                                          <p:spTgt spid="42"/>
-                                        </p:tgtEl>
-                                      </p:cBhvr>
-                                    </p:animEffect>
-                                  </p:childTnLst>
-                                </p:cTn>
-                              </p:par>
-                              <p:par>
-                                <p:cTn id="95" presetID="3" presetClass="entr" presetSubtype="10" fill="hold" grpId="0" nodeType="withEffect">
-                                  <p:stCondLst>
-                                    <p:cond delay="0"/>
-                                  </p:stCondLst>
-                                  <p:childTnLst>
-                                    <p:set>
-                                      <p:cBhvr>
-                                        <p:cTn id="96" dur="1" fill="hold">
-                                          <p:stCondLst>
-                                            <p:cond delay="0"/>
-                                          </p:stCondLst>
-                                        </p:cTn>
-                                        <p:tgtEl>
-                                          <p:spTgt spid="40"/>
-                                        </p:tgtEl>
-                                        <p:attrNameLst>
-                                          <p:attrName>style.visibility</p:attrName>
-                                        </p:attrNameLst>
-                                      </p:cBhvr>
-                                      <p:to>
-                                        <p:strVal val="visible"/>
-                                      </p:to>
-                                    </p:set>
-                                    <p:animEffect transition="in" filter="blinds(horizontal)">
-                                      <p:cBhvr>
-                                        <p:cTn id="97" dur="500"/>
-                                        <p:tgtEl>
-                                          <p:spTgt spid="40"/>
-                                        </p:tgtEl>
-                                      </p:cBhvr>
-                                    </p:animEffect>
-                                  </p:childTnLst>
-                                </p:cTn>
-                              </p:par>
-                              <p:par>
-                                <p:cTn id="98" presetID="3" presetClass="entr" presetSubtype="10" fill="hold" grpId="0" nodeType="withEffect">
-                                  <p:stCondLst>
-                                    <p:cond delay="0"/>
-                                  </p:stCondLst>
-                                  <p:childTnLst>
-                                    <p:set>
-                                      <p:cBhvr>
-                                        <p:cTn id="99" dur="1" fill="hold">
-                                          <p:stCondLst>
-                                            <p:cond delay="0"/>
-                                          </p:stCondLst>
-                                        </p:cTn>
-                                        <p:tgtEl>
-                                          <p:spTgt spid="43"/>
-                                        </p:tgtEl>
-                                        <p:attrNameLst>
-                                          <p:attrName>style.visibility</p:attrName>
-                                        </p:attrNameLst>
-                                      </p:cBhvr>
-                                      <p:to>
-                                        <p:strVal val="visible"/>
-                                      </p:to>
-                                    </p:set>
-                                    <p:animEffect transition="in" filter="blinds(horizontal)">
-                                      <p:cBhvr>
-                                        <p:cTn id="100" dur="500"/>
-                                        <p:tgtEl>
-                                          <p:spTgt spid="43"/>
-                                        </p:tgtEl>
-                                      </p:cBhvr>
-                                    </p:animEffect>
-                                  </p:childTnLst>
-                                </p:cTn>
-                              </p:par>
-                              <p:par>
-                                <p:cTn id="101" presetID="3" presetClass="entr" presetSubtype="10" fill="hold" grpId="0" nodeType="withEffect">
-                                  <p:stCondLst>
-                                    <p:cond delay="0"/>
-                                  </p:stCondLst>
-                                  <p:childTnLst>
-                                    <p:set>
-                                      <p:cBhvr>
-                                        <p:cTn id="102" dur="1" fill="hold">
-                                          <p:stCondLst>
-                                            <p:cond delay="0"/>
-                                          </p:stCondLst>
-                                        </p:cTn>
-                                        <p:tgtEl>
-                                          <p:spTgt spid="44"/>
-                                        </p:tgtEl>
-                                        <p:attrNameLst>
-                                          <p:attrName>style.visibility</p:attrName>
-                                        </p:attrNameLst>
-                                      </p:cBhvr>
-                                      <p:to>
-                                        <p:strVal val="visible"/>
-                                      </p:to>
-                                    </p:set>
-                                    <p:animEffect transition="in" filter="blinds(horizontal)">
-                                      <p:cBhvr>
-                                        <p:cTn id="103" dur="500"/>
-                                        <p:tgtEl>
-                                          <p:spTgt spid="44"/>
-                                        </p:tgtEl>
-                                      </p:cBhvr>
-                                    </p:animEffect>
-                                  </p:childTnLst>
-                                </p:cTn>
-                              </p:par>
-                              <p:par>
-                                <p:cTn id="104" presetID="3" presetClass="entr" presetSubtype="10" fill="hold" grpId="0" nodeType="withEffect">
-                                  <p:stCondLst>
-                                    <p:cond delay="0"/>
-                                  </p:stCondLst>
-                                  <p:childTnLst>
-                                    <p:set>
-                                      <p:cBhvr>
-                                        <p:cTn id="105" dur="1" fill="hold">
-                                          <p:stCondLst>
-                                            <p:cond delay="0"/>
-                                          </p:stCondLst>
-                                        </p:cTn>
-                                        <p:tgtEl>
-                                          <p:spTgt spid="15"/>
-                                        </p:tgtEl>
-                                        <p:attrNameLst>
-                                          <p:attrName>style.visibility</p:attrName>
-                                        </p:attrNameLst>
-                                      </p:cBhvr>
-                                      <p:to>
-                                        <p:strVal val="visible"/>
-                                      </p:to>
-                                    </p:set>
-                                    <p:animEffect transition="in" filter="blinds(horizontal)">
-                                      <p:cBhvr>
-                                        <p:cTn id="106" dur="500"/>
-                                        <p:tgtEl>
-                                          <p:spTgt spid="15"/>
-                                        </p:tgtEl>
-                                      </p:cBhvr>
-                                    </p:animEffect>
-                                  </p:childTnLst>
-                                </p:cTn>
-                              </p:par>
-                            </p:childTnLst>
-                          </p:cTn>
-                        </p:par>
-                      </p:childTnLst>
-                    </p:cTn>
-                  </p:par>
-                </p:childTnLst>
-              </p:cTn>
-              <p:prevCondLst>
-                <p:cond evt="onPrev" delay="0">
-                  <p:tgtEl>
-                    <p:sldTgt/>
-                  </p:tgtEl>
-                </p:cond>
-              </p:prevCondLst>
-              <p:nextCondLst>
-                <p:cond evt="onNext" delay="0">
-                  <p:tgtEl>
-                    <p:sldTgt/>
-                  </p:tgtEl>
-                </p:cond>
-              </p:nextCondLst>
-            </p:seq>
-          </p:childTnLst>
-        </p:cTn>
+        <p:cTn id="1" dur="indefinite" restart="never" nodeType="tmRoot"/>
       </p:par>
     </p:tnLst>
-    <p:bldLst>
-      <p:bldP spid="6" grpId="0" bldLvl="0" animBg="1"/>
-      <p:bldP spid="7" grpId="0" bldLvl="0" animBg="1"/>
-      <p:bldP spid="8" grpId="0" bldLvl="0" animBg="1"/>
-      <p:bldP spid="9" grpId="0" bldLvl="0" animBg="1"/>
-      <p:bldP spid="10" grpId="0" bldLvl="0" animBg="1"/>
-      <p:bldP spid="12" grpId="0" bldLvl="0" animBg="1"/>
-      <p:bldP spid="13" grpId="0" bldLvl="0" animBg="1"/>
-      <p:bldP spid="14" grpId="0" bldLvl="0" animBg="1"/>
-      <p:bldP spid="15" grpId="0" bldLvl="0" animBg="1"/>
-      <p:bldP spid="16" grpId="0" bldLvl="0" animBg="1"/>
-      <p:bldP spid="40" grpId="0" bldLvl="0" animBg="1"/>
-      <p:bldP spid="42" grpId="0" bldLvl="0" animBg="1"/>
-      <p:bldP spid="43" grpId="0" bldLvl="0" animBg="1"/>
-      <p:bldP spid="44" grpId="0" bldLvl="0" animBg="1"/>
-      <p:bldP spid="45" grpId="0" bldLvl="0" animBg="1"/>
-      <p:bldP spid="46" grpId="0" bldLvl="0" animBg="1"/>
-      <p:bldP spid="47" grpId="0" bldLvl="0" animBg="1"/>
-      <p:bldP spid="48" grpId="0" bldLvl="0" animBg="1"/>
-    </p:bldLst>
   </p:timing>
 </p:sld>
 </file>
@@ -14249,7 +12744,7 @@
           <a:p>
             <a:r>
               <a:rPr lang="zh-CN" altLang="en-US" dirty="0" smtClean="0"/>
-              <a:t>项目质量管理的重要性</a:t>
+              <a:t>项目中质量的重要性及质量规划内容</a:t>
             </a:r>
             <a:endParaRPr lang="zh-CN" altLang="en-US" dirty="0"/>
           </a:p>
@@ -14265,7 +12760,12 @@
             <p:ph idx="1"/>
           </p:nvPr>
         </p:nvSpPr>
-        <p:spPr/>
+        <p:spPr>
+          <a:xfrm>
+            <a:off x="393700" y="1489075"/>
+            <a:ext cx="9775190" cy="4313555"/>
+          </a:xfrm>
+        </p:spPr>
         <p:txBody>
           <a:bodyPr/>
           <a:lstStyle/>
@@ -14290,45 +12790,160 @@
               <a:rPr lang="zh-CN" altLang="en-US" sz="2400" dirty="0" smtClean="0"/>
               <a:t>章节的第一小节；</a:t>
             </a:r>
+            <a:endParaRPr lang="zh-CN" altLang="en-US" sz="2400" dirty="0" smtClean="0"/>
+          </a:p>
+          <a:p>
+            <a:r>
+              <a:rPr lang="zh-CN" altLang="en-US" sz="2400" dirty="0" smtClean="0">
+                <a:sym typeface="+mn-ea"/>
+              </a:rPr>
+              <a:t>质量问题可能会：</a:t>
+            </a:r>
             <a:endParaRPr lang="en-US" altLang="zh-CN" sz="2400" dirty="0" smtClean="0"/>
           </a:p>
           <a:p>
-            <a:r>
-              <a:rPr lang="zh-CN" altLang="en-US" sz="2400" dirty="0" smtClean="0"/>
-              <a:t>质量问题可能会：</a:t>
+            <a:pPr lvl="1" algn="l"/>
+            <a:r>
+              <a:rPr lang="zh-CN" altLang="en-US" sz="2000" dirty="0" smtClean="0">
+                <a:sym typeface="+mn-ea"/>
+              </a:rPr>
+              <a:t>有时候，带给我们的麻烦远超过带给我们的便利；</a:t>
+            </a:r>
+            <a:endParaRPr lang="zh-CN" altLang="en-US" sz="2000" dirty="0" smtClean="0"/>
+          </a:p>
+          <a:p>
+            <a:pPr lvl="1" algn="l"/>
+            <a:r>
+              <a:rPr lang="zh-CN" altLang="en-US" sz="2000" dirty="0" smtClean="0">
+                <a:sym typeface="+mn-ea"/>
+              </a:rPr>
+              <a:t>有时候，会让巨大的投入化为泡影；</a:t>
+            </a:r>
+            <a:endParaRPr lang="zh-CN" altLang="en-US" sz="2000" dirty="0" smtClean="0"/>
+          </a:p>
+          <a:p>
+            <a:pPr lvl="1" algn="l"/>
+            <a:r>
+              <a:rPr lang="zh-CN" altLang="en-US" sz="2000" dirty="0" smtClean="0">
+                <a:sym typeface="+mn-ea"/>
+              </a:rPr>
+              <a:t>有时候，</a:t>
+            </a:r>
+            <a:r>
+              <a:rPr lang="zh-CN" altLang="en-US" sz="2000" dirty="0" smtClean="0">
+                <a:sym typeface="+mn-ea"/>
+              </a:rPr>
+              <a:t>会产生更严重后果，如人员伤亡等；</a:t>
             </a:r>
             <a:endParaRPr lang="en-US" altLang="zh-CN" sz="2400" dirty="0" smtClean="0"/>
           </a:p>
           <a:p>
+            <a:r>
+              <a:rPr lang="zh-CN" altLang="en-US" sz="2400" dirty="0" smtClean="0">
+                <a:sym typeface="+mn-ea"/>
+              </a:rPr>
+              <a:t>质量规划</a:t>
+            </a:r>
+            <a:endParaRPr lang="en-US" altLang="zh-CN" sz="2400" dirty="0" smtClean="0"/>
+          </a:p>
+          <a:p>
+            <a:pPr lvl="1" algn="l"/>
+            <a:r>
+              <a:rPr lang="zh-CN" altLang="en-US" sz="2000" dirty="0" smtClean="0">
+                <a:sym typeface="+mn-ea"/>
+              </a:rPr>
+              <a:t>质量</a:t>
+            </a:r>
+            <a:r>
+              <a:rPr lang="zh-CN" altLang="en-US" sz="2000" dirty="0" smtClean="0">
+                <a:sym typeface="+mn-ea"/>
+              </a:rPr>
+              <a:t>规划回答了“项目及项目的可交付成果做到什么程度”</a:t>
+            </a:r>
+            <a:r>
+              <a:rPr lang="zh-CN" altLang="en-US" sz="2000" dirty="0">
+                <a:sym typeface="+mn-ea"/>
+              </a:rPr>
+              <a:t>，</a:t>
+            </a:r>
+            <a:r>
+              <a:rPr lang="zh-CN" altLang="en-US" sz="2000" dirty="0" smtClean="0">
+                <a:sym typeface="+mn-ea"/>
+              </a:rPr>
+              <a:t>由</a:t>
+            </a:r>
+            <a:r>
+              <a:rPr lang="zh-CN" altLang="en-US" sz="2000" dirty="0" smtClean="0">
+                <a:solidFill>
+                  <a:srgbClr val="FF0000"/>
+                </a:solidFill>
+                <a:sym typeface="+mn-ea"/>
+              </a:rPr>
+              <a:t>质量</a:t>
+            </a:r>
+            <a:r>
+              <a:rPr lang="en-US" altLang="zh-CN" sz="2000" dirty="0" smtClean="0">
+                <a:solidFill>
+                  <a:srgbClr val="FF0000"/>
+                </a:solidFill>
+                <a:sym typeface="+mn-ea"/>
+              </a:rPr>
+              <a:t>(</a:t>
+            </a:r>
+            <a:r>
+              <a:rPr lang="zh-CN" altLang="en-US" sz="2000" dirty="0" smtClean="0">
+                <a:solidFill>
+                  <a:srgbClr val="FF0000"/>
+                </a:solidFill>
+                <a:sym typeface="+mn-ea"/>
+              </a:rPr>
+              <a:t>测试</a:t>
+            </a:r>
+            <a:r>
+              <a:rPr lang="en-US" altLang="zh-CN" sz="2000" dirty="0" smtClean="0">
+                <a:solidFill>
+                  <a:srgbClr val="FF0000"/>
+                </a:solidFill>
+                <a:sym typeface="+mn-ea"/>
+              </a:rPr>
+              <a:t>)</a:t>
+            </a:r>
+            <a:r>
+              <a:rPr lang="zh-CN" altLang="en-US" sz="2000" dirty="0" smtClean="0">
+                <a:solidFill>
+                  <a:srgbClr val="FF0000"/>
+                </a:solidFill>
+                <a:sym typeface="+mn-ea"/>
+              </a:rPr>
+              <a:t>专家</a:t>
+            </a:r>
+            <a:r>
+              <a:rPr lang="zh-CN" altLang="en-US" sz="2000" dirty="0" smtClean="0">
+                <a:sym typeface="+mn-ea"/>
+              </a:rPr>
+              <a:t>主要负责，</a:t>
+            </a:r>
+            <a:r>
+              <a:rPr lang="zh-CN" altLang="en-US" sz="2000" dirty="0" smtClean="0">
+                <a:solidFill>
+                  <a:srgbClr val="FF0000"/>
+                </a:solidFill>
+                <a:sym typeface="+mn-ea"/>
+              </a:rPr>
+              <a:t>项目经理</a:t>
+            </a:r>
+            <a:r>
+              <a:rPr lang="zh-CN" altLang="en-US" sz="2000" dirty="0" smtClean="0">
+                <a:sym typeface="+mn-ea"/>
+              </a:rPr>
+              <a:t>承担组织协调工作；</a:t>
+            </a:r>
+            <a:endParaRPr lang="zh-CN" altLang="en-US" sz="2000" dirty="0" smtClean="0">
+              <a:sym typeface="+mn-ea"/>
+            </a:endParaRPr>
+          </a:p>
+          <a:p>
             <a:pPr lvl="1"/>
-            <a:r>
-              <a:rPr lang="zh-CN" altLang="en-US" sz="2000" dirty="0" smtClean="0"/>
-              <a:t>有时候，带给我们的麻烦远超过带给我们的便利；</a:t>
-            </a:r>
-            <a:endParaRPr lang="en-US" altLang="zh-CN" sz="2000" dirty="0" smtClean="0"/>
-          </a:p>
-          <a:p>
-            <a:pPr lvl="1"/>
-            <a:r>
-              <a:rPr lang="zh-CN" altLang="en-US" sz="2000" dirty="0" smtClean="0"/>
-              <a:t>有时候，会让巨大的投入化为泡影；</a:t>
-            </a:r>
-            <a:endParaRPr lang="en-US" altLang="zh-CN" sz="2000" dirty="0" smtClean="0"/>
-          </a:p>
-          <a:p>
-            <a:pPr lvl="1"/>
-            <a:r>
-              <a:rPr lang="zh-CN" altLang="en-US" sz="2000" dirty="0" smtClean="0"/>
-              <a:t>有时候，会死人</a:t>
-            </a:r>
-            <a:r>
-              <a:rPr lang="en-US" altLang="zh-CN" sz="2000" dirty="0" smtClean="0"/>
-              <a:t>……</a:t>
-            </a:r>
-            <a:r>
-              <a:rPr lang="zh-CN" altLang="en-US" sz="2000" dirty="0" smtClean="0"/>
-              <a:t>；</a:t>
-            </a:r>
             <a:endParaRPr lang="en-US" altLang="zh-CN" sz="2000" dirty="0" smtClean="0"/>
           </a:p>
           <a:p>
@@ -14391,8 +13006,11 @@
           <a:p>
             <a:r>
               <a:rPr lang="zh-CN" altLang="en-US" dirty="0" smtClean="0"/>
-              <a:t>规划质量</a:t>
-            </a:r>
+              <a:t>什么是质量？</a:t>
+            </a:r>
+            <a:br>
+              <a:rPr lang="zh-CN" altLang="en-US" dirty="0"/>
+            </a:br>
             <a:endParaRPr lang="zh-CN" altLang="en-US" dirty="0"/>
           </a:p>
         </p:txBody>
@@ -14407,85 +13025,133 @@
             <p:ph idx="1"/>
           </p:nvPr>
         </p:nvSpPr>
-        <p:spPr>
-          <a:xfrm>
-            <a:off x="640080" y="1489075"/>
-            <a:ext cx="9704070" cy="4846320"/>
-          </a:xfrm>
-        </p:spPr>
+        <p:spPr/>
         <p:txBody>
           <a:bodyPr/>
           <a:lstStyle/>
           <a:p>
             <a:r>
               <a:rPr lang="zh-CN" altLang="en-US" sz="2400" dirty="0" smtClean="0"/>
-              <a:t>规划质量回答“项目及项目的可交付成果做到什么程度”</a:t>
-            </a:r>
-            <a:r>
-              <a:rPr lang="zh-CN" altLang="en-US" sz="2400" dirty="0"/>
-              <a:t>，</a:t>
+              <a:t>质量</a:t>
+            </a:r>
+            <a:r>
+              <a:rPr lang="en-US" sz="2400" dirty="0" smtClean="0"/>
+              <a:t>[</a:t>
+            </a:r>
+            <a:r>
+              <a:rPr lang="en-US" altLang="zh-CN" sz="2400" dirty="0" smtClean="0"/>
+              <a:t>Q</a:t>
+            </a:r>
+            <a:r>
+              <a:rPr lang="en-US" sz="2400" dirty="0" smtClean="0"/>
+              <a:t>uality]</a:t>
             </a:r>
             <a:r>
               <a:rPr lang="zh-CN" altLang="en-US" sz="2400" dirty="0" smtClean="0"/>
-              <a:t>由</a:t>
+              <a:t>（</a:t>
             </a:r>
             <a:r>
               <a:rPr lang="zh-CN" altLang="en-US" sz="2400" dirty="0" smtClean="0">
-                <a:solidFill>
-                  <a:srgbClr val="FF0000"/>
-                </a:solidFill>
+                <a:sym typeface="+mn-ea"/>
               </a:rPr>
-              <a:t>质量</a:t>
-            </a:r>
-            <a:r>
-              <a:rPr lang="en-US" altLang="zh-CN" sz="2400" dirty="0" smtClean="0">
-                <a:solidFill>
-                  <a:srgbClr val="FF0000"/>
-                </a:solidFill>
-              </a:rPr>
-              <a:t>(</a:t>
-            </a:r>
-            <a:r>
-              <a:rPr lang="zh-CN" altLang="en-US" sz="2400" dirty="0" smtClean="0">
-                <a:solidFill>
-                  <a:srgbClr val="FF0000"/>
-                </a:solidFill>
-              </a:rPr>
-              <a:t>测试</a:t>
-            </a:r>
-            <a:r>
-              <a:rPr lang="en-US" altLang="zh-CN" sz="2400" dirty="0" smtClean="0">
-                <a:solidFill>
-                  <a:srgbClr val="FF0000"/>
-                </a:solidFill>
-              </a:rPr>
-              <a:t>)</a:t>
-            </a:r>
-            <a:r>
-              <a:rPr lang="zh-CN" altLang="en-US" sz="2400" dirty="0" smtClean="0">
-                <a:solidFill>
-                  <a:srgbClr val="FF0000"/>
-                </a:solidFill>
-              </a:rPr>
-              <a:t>专家</a:t>
+              <a:t>仁者见仁智者见智</a:t>
             </a:r>
             <a:r>
               <a:rPr lang="zh-CN" altLang="en-US" sz="2400" dirty="0" smtClean="0"/>
-              <a:t>主要负责，</a:t>
-            </a:r>
-            <a:r>
-              <a:rPr lang="zh-CN" altLang="en-US" sz="2400" dirty="0" smtClean="0">
-                <a:solidFill>
-                  <a:srgbClr val="FF0000"/>
-                </a:solidFill>
-              </a:rPr>
-              <a:t>项目经理</a:t>
-            </a:r>
-            <a:r>
-              <a:rPr lang="zh-CN" altLang="en-US" sz="2400" dirty="0" smtClean="0"/>
-              <a:t>承担组织协调工作；</a:t>
-            </a:r>
-            <a:endParaRPr lang="zh-CN" altLang="en-US" sz="2200" dirty="0" smtClean="0"/>
+              <a:t>）</a:t>
+            </a:r>
+            <a:endParaRPr lang="en-US" altLang="zh-CN" sz="2400" dirty="0" smtClean="0"/>
+          </a:p>
+          <a:p>
+            <a:pPr lvl="1"/>
+            <a:r>
+              <a:rPr lang="en-US" altLang="zh-CN" sz="2000" dirty="0" smtClean="0"/>
+              <a:t>ISO 9000</a:t>
+            </a:r>
+            <a:r>
+              <a:rPr lang="zh-CN" altLang="en-US" sz="2000" dirty="0" smtClean="0"/>
+              <a:t>：品质是一组固有特性（在产品或服务中本身具有的特性）符合需求的程度。 </a:t>
+            </a:r>
+            <a:endParaRPr lang="zh-CN" altLang="en-US" sz="2000" dirty="0" smtClean="0"/>
+          </a:p>
+          <a:p>
+            <a:pPr lvl="1"/>
+            <a:r>
+              <a:rPr lang="zh-CN" altLang="en-US" sz="2000" dirty="0" smtClean="0"/>
+              <a:t>菲利浦</a:t>
+            </a:r>
+            <a:r>
+              <a:rPr lang="en-US" altLang="zh-CN" sz="2000" dirty="0" smtClean="0"/>
+              <a:t>·</a:t>
+            </a:r>
+            <a:r>
+              <a:rPr lang="zh-CN" altLang="en-US" sz="2000" dirty="0" smtClean="0"/>
+              <a:t>克劳士比：品质就是“符合需求”。此处的需求并不一定完全反映了客户的期待。</a:t>
+            </a:r>
+            <a:endParaRPr lang="zh-CN" altLang="en-US" sz="2000" dirty="0" smtClean="0"/>
+          </a:p>
+          <a:p>
+            <a:pPr lvl="1"/>
+            <a:r>
+              <a:rPr lang="zh-CN" altLang="en-US" sz="2000" dirty="0" smtClean="0"/>
+              <a:t>约瑟夫</a:t>
+            </a:r>
+            <a:r>
+              <a:rPr lang="en-US" altLang="zh-CN" sz="2000" dirty="0" smtClean="0"/>
+              <a:t>·</a:t>
+            </a:r>
+            <a:r>
+              <a:rPr lang="zh-CN" altLang="en-US" sz="2000" dirty="0" smtClean="0"/>
+              <a:t>朱兰：品质就是“适合使用” 。而是否适合则交由客户来定义。 </a:t>
+            </a:r>
+            <a:endParaRPr lang="zh-CN" altLang="en-US" sz="2000" dirty="0" smtClean="0"/>
+          </a:p>
+          <a:p>
+            <a:pPr lvl="1"/>
+            <a:r>
+              <a:rPr lang="zh-CN" altLang="en-US" sz="2000" dirty="0" smtClean="0"/>
+              <a:t>狩野纪昭将品质视为一个二维的系统，二维的坐标分别为“当然的品质” 及“有魅力的品质”，可以简化为一句话：符合或超越客户期待的产品及服务。 </a:t>
+            </a:r>
+            <a:endParaRPr lang="zh-CN" altLang="en-US" sz="2000" dirty="0" smtClean="0"/>
+          </a:p>
+          <a:p>
+            <a:pPr lvl="1"/>
+            <a:r>
+              <a:rPr lang="zh-CN" altLang="en-US" sz="2000" dirty="0" smtClean="0"/>
+              <a:t>罗勃特</a:t>
+            </a:r>
+            <a:r>
+              <a:rPr lang="en-US" altLang="zh-CN" sz="2000" dirty="0" smtClean="0"/>
+              <a:t>·M·</a:t>
+            </a:r>
+            <a:r>
+              <a:rPr lang="zh-CN" altLang="en-US" sz="2000" dirty="0" smtClean="0"/>
+              <a:t>波西格：品质是“用心的结果”。</a:t>
+            </a:r>
+            <a:endParaRPr lang="en-US" altLang="zh-CN" sz="2000" dirty="0" smtClean="0"/>
+          </a:p>
+          <a:p>
+            <a:pPr lvl="1"/>
+            <a:r>
+              <a:rPr lang="en-US" altLang="zh-CN" sz="2000" dirty="0" smtClean="0"/>
+              <a:t>6</a:t>
+            </a:r>
+            <a:r>
+              <a:rPr lang="el-GR" altLang="zh-CN" sz="2000" dirty="0" smtClean="0"/>
+              <a:t>σ</a:t>
+            </a:r>
+            <a:r>
+              <a:rPr lang="zh-CN" altLang="el-GR" sz="2000" dirty="0" smtClean="0"/>
+              <a:t>：</a:t>
+            </a:r>
+            <a:r>
+              <a:rPr lang="zh-CN" altLang="en-US" sz="2000" dirty="0" smtClean="0"/>
+              <a:t>百万次测试中的错误次数。 </a:t>
+            </a:r>
+            <a:endParaRPr lang="zh-CN" altLang="en-US" sz="2000" dirty="0" smtClean="0"/>
+          </a:p>
+          <a:p>
+            <a:endParaRPr lang="zh-CN" altLang="en-US" dirty="0"/>
           </a:p>
         </p:txBody>
       </p:sp>
@@ -14505,191 +13171,6 @@
 </file>
 
 <file path=ppt/slides/slide8.xml><?xml version="1.0" encoding="utf-8"?>
-<p:sld xmlns:a="http://schemas.openxmlformats.org/drawingml/2006/main" xmlns:r="http://schemas.openxmlformats.org/officeDocument/2006/relationships" xmlns:p="http://schemas.openxmlformats.org/presentationml/2006/main">
-  <p:cSld>
-    <p:spTree>
-      <p:nvGrpSpPr>
-        <p:cNvPr id="1" name=""/>
-        <p:cNvGrpSpPr/>
-        <p:nvPr/>
-      </p:nvGrpSpPr>
-      <p:grpSpPr>
-        <a:xfrm>
-          <a:off x="0" y="0"/>
-          <a:ext cx="0" cy="0"/>
-          <a:chOff x="0" y="0"/>
-          <a:chExt cx="0" cy="0"/>
-        </a:xfrm>
-      </p:grpSpPr>
-      <p:sp>
-        <p:nvSpPr>
-          <p:cNvPr id="2" name="标题 1"/>
-          <p:cNvSpPr>
-            <a:spLocks noGrp="1"/>
-          </p:cNvSpPr>
-          <p:nvPr>
-            <p:ph type="title"/>
-          </p:nvPr>
-        </p:nvSpPr>
-        <p:spPr/>
-        <p:txBody>
-          <a:bodyPr/>
-          <a:lstStyle/>
-          <a:p>
-            <a:r>
-              <a:rPr lang="zh-CN" altLang="en-US" dirty="0" smtClean="0"/>
-              <a:t>什么是质量？</a:t>
-            </a:r>
-            <a:endParaRPr lang="zh-CN" altLang="en-US" dirty="0"/>
-          </a:p>
-        </p:txBody>
-      </p:sp>
-      <p:sp>
-        <p:nvSpPr>
-          <p:cNvPr id="3" name="内容占位符 2"/>
-          <p:cNvSpPr>
-            <a:spLocks noGrp="1"/>
-          </p:cNvSpPr>
-          <p:nvPr>
-            <p:ph idx="1"/>
-          </p:nvPr>
-        </p:nvSpPr>
-        <p:spPr/>
-        <p:txBody>
-          <a:bodyPr/>
-          <a:lstStyle/>
-          <a:p>
-            <a:r>
-              <a:rPr lang="zh-CN" altLang="en-US" sz="2400" dirty="0" smtClean="0"/>
-              <a:t>质量</a:t>
-            </a:r>
-            <a:r>
-              <a:rPr lang="en-US" sz="2400" dirty="0" smtClean="0"/>
-              <a:t>[</a:t>
-            </a:r>
-            <a:r>
-              <a:rPr lang="en-US" altLang="zh-CN" sz="2400" dirty="0" smtClean="0"/>
-              <a:t>Q</a:t>
-            </a:r>
-            <a:r>
-              <a:rPr lang="en-US" sz="2400" dirty="0" smtClean="0"/>
-              <a:t>uality]</a:t>
-            </a:r>
-            <a:r>
-              <a:rPr lang="zh-CN" altLang="en-US" sz="2400" dirty="0" smtClean="0"/>
-              <a:t>，没有统一的标准定义。</a:t>
-            </a:r>
-            <a:endParaRPr lang="en-US" altLang="zh-CN" sz="2400" dirty="0" smtClean="0"/>
-          </a:p>
-          <a:p>
-            <a:pPr lvl="1"/>
-            <a:r>
-              <a:rPr lang="en-US" altLang="zh-CN" sz="2000" dirty="0" smtClean="0"/>
-              <a:t>ISO 9000</a:t>
-            </a:r>
-            <a:r>
-              <a:rPr lang="zh-CN" altLang="en-US" sz="2000" dirty="0" smtClean="0"/>
-              <a:t>：品质是一组固有特性（在产品或服务中本身具有的特性）符合需求的程度。 </a:t>
-            </a:r>
-            <a:endParaRPr lang="zh-CN" altLang="en-US" sz="2000" dirty="0" smtClean="0"/>
-          </a:p>
-          <a:p>
-            <a:pPr lvl="1"/>
-            <a:r>
-              <a:rPr lang="zh-CN" altLang="en-US" sz="2000" dirty="0" smtClean="0"/>
-              <a:t>菲利浦</a:t>
-            </a:r>
-            <a:r>
-              <a:rPr lang="en-US" altLang="zh-CN" sz="2000" dirty="0" smtClean="0"/>
-              <a:t>·</a:t>
-            </a:r>
-            <a:r>
-              <a:rPr lang="zh-CN" altLang="en-US" sz="2000" dirty="0" smtClean="0"/>
-              <a:t>克劳士比：品质就是“符合需求”。此处的需求并不一定完全反映了客户的期待。</a:t>
-            </a:r>
-            <a:endParaRPr lang="zh-CN" altLang="en-US" sz="2000" dirty="0" smtClean="0"/>
-          </a:p>
-          <a:p>
-            <a:pPr lvl="1"/>
-            <a:r>
-              <a:rPr lang="zh-CN" altLang="en-US" sz="2000" dirty="0" smtClean="0"/>
-              <a:t>约瑟夫</a:t>
-            </a:r>
-            <a:r>
-              <a:rPr lang="en-US" altLang="zh-CN" sz="2000" dirty="0" smtClean="0"/>
-              <a:t>·</a:t>
-            </a:r>
-            <a:r>
-              <a:rPr lang="zh-CN" altLang="en-US" sz="2000" dirty="0" smtClean="0"/>
-              <a:t>朱兰：品质就是“适合使用” 。而是否适合则交由客户来定义。 </a:t>
-            </a:r>
-            <a:endParaRPr lang="zh-CN" altLang="en-US" sz="2000" dirty="0" smtClean="0"/>
-          </a:p>
-          <a:p>
-            <a:pPr lvl="1"/>
-            <a:r>
-              <a:rPr lang="zh-CN" altLang="en-US" sz="2000" dirty="0" smtClean="0"/>
-              <a:t>狩野纪昭将品质视为一个二维的系统，二维的坐标分别为“当然的品质” 及“有魅力的品质”，可以简化为一句话：符合或超越客户期待的产品及服务。 </a:t>
-            </a:r>
-            <a:endParaRPr lang="zh-CN" altLang="en-US" sz="2000" dirty="0" smtClean="0"/>
-          </a:p>
-          <a:p>
-            <a:pPr lvl="1"/>
-            <a:r>
-              <a:rPr lang="zh-CN" altLang="en-US" sz="2000" dirty="0" smtClean="0"/>
-              <a:t>罗勃特</a:t>
-            </a:r>
-            <a:r>
-              <a:rPr lang="en-US" altLang="zh-CN" sz="2000" dirty="0" smtClean="0"/>
-              <a:t>·M·</a:t>
-            </a:r>
-            <a:r>
-              <a:rPr lang="zh-CN" altLang="en-US" sz="2000" dirty="0" smtClean="0"/>
-              <a:t>波西格：品质是“用心的结果”。</a:t>
-            </a:r>
-            <a:endParaRPr lang="en-US" altLang="zh-CN" sz="2000" dirty="0" smtClean="0"/>
-          </a:p>
-          <a:p>
-            <a:pPr lvl="1"/>
-            <a:r>
-              <a:rPr lang="en-US" altLang="zh-CN" sz="2000" dirty="0" smtClean="0"/>
-              <a:t>6</a:t>
-            </a:r>
-            <a:r>
-              <a:rPr lang="el-GR" altLang="zh-CN" sz="2000" dirty="0" smtClean="0"/>
-              <a:t>σ</a:t>
-            </a:r>
-            <a:r>
-              <a:rPr lang="zh-CN" altLang="el-GR" sz="2000" dirty="0" smtClean="0"/>
-              <a:t>：</a:t>
-            </a:r>
-            <a:r>
-              <a:rPr lang="zh-CN" altLang="en-US" sz="2000" dirty="0" smtClean="0"/>
-              <a:t>百万次测试中的错误次数。 </a:t>
-            </a:r>
-            <a:endParaRPr lang="zh-CN" altLang="en-US" sz="2000" dirty="0" smtClean="0"/>
-          </a:p>
-          <a:p>
-            <a:endParaRPr lang="zh-CN" altLang="en-US" dirty="0"/>
-          </a:p>
-        </p:txBody>
-      </p:sp>
-    </p:spTree>
-  </p:cSld>
-  <p:clrMapOvr>
-    <a:masterClrMapping/>
-  </p:clrMapOvr>
-  <p:timing>
-    <p:tnLst>
-      <p:par>
-        <p:cTn id="1" dur="indefinite" restart="never" nodeType="tmRoot"/>
-      </p:par>
-    </p:tnLst>
-  </p:timing>
-</p:sld>
-</file>
-
-<file path=ppt/slides/slide9.xml><?xml version="1.0" encoding="utf-8"?>
 <p:sld xmlns:a="http://schemas.openxmlformats.org/drawingml/2006/main" xmlns:r="http://schemas.openxmlformats.org/officeDocument/2006/relationships" xmlns:p="http://schemas.openxmlformats.org/presentationml/2006/main">
   <p:cSld>
     <p:spTree>
@@ -15012,6 +13493,97 @@
           </a:p>
         </p:txBody>
       </p:sp>
+    </p:spTree>
+  </p:cSld>
+  <p:clrMapOvr>
+    <a:masterClrMapping/>
+  </p:clrMapOvr>
+  <p:timing>
+    <p:tnLst>
+      <p:par>
+        <p:cTn id="1" dur="indefinite" restart="never" nodeType="tmRoot"/>
+      </p:par>
+    </p:tnLst>
+  </p:timing>
+</p:sld>
+</file>
+
+<file path=ppt/slides/slide9.xml><?xml version="1.0" encoding="utf-8"?>
+<p:sld xmlns:a="http://schemas.openxmlformats.org/drawingml/2006/main" xmlns:r="http://schemas.openxmlformats.org/officeDocument/2006/relationships" xmlns:p="http://schemas.openxmlformats.org/presentationml/2006/main">
+  <p:cSld>
+    <p:spTree>
+      <p:nvGrpSpPr>
+        <p:cNvPr id="1" name=""/>
+        <p:cNvGrpSpPr/>
+        <p:nvPr/>
+      </p:nvGrpSpPr>
+      <p:grpSpPr>
+        <a:xfrm>
+          <a:off x="0" y="0"/>
+          <a:ext cx="0" cy="0"/>
+          <a:chOff x="0" y="0"/>
+          <a:chExt cx="0" cy="0"/>
+        </a:xfrm>
+      </p:grpSpPr>
+      <p:sp>
+        <p:nvSpPr>
+          <p:cNvPr id="2" name="标题 1"/>
+          <p:cNvSpPr>
+            <a:spLocks noGrp="1"/>
+          </p:cNvSpPr>
+          <p:nvPr>
+            <p:ph type="title"/>
+          </p:nvPr>
+        </p:nvSpPr>
+        <p:spPr/>
+        <p:txBody>
+          <a:bodyPr/>
+          <a:lstStyle/>
+          <a:p>
+            <a:r>
+              <a:rPr lang="en-US" altLang="zh-CN" dirty="0" smtClean="0"/>
+              <a:t>IT</a:t>
+            </a:r>
+            <a:r>
+              <a:rPr lang="zh-CN" altLang="en-US" dirty="0" smtClean="0"/>
+              <a:t>项目中的质量工作</a:t>
+            </a:r>
+            <a:endParaRPr lang="zh-CN" altLang="en-US" dirty="0"/>
+          </a:p>
+        </p:txBody>
+      </p:sp>
+      <p:pic>
+        <p:nvPicPr>
+          <p:cNvPr id="1026" name="Picture 2" descr="D:\软件学院\参考资料\7.0\10-11第二学期\IT项目管理\参考资料\测试过程.jpg"/>
+          <p:cNvPicPr>
+            <a:picLocks noChangeAspect="1" noChangeArrowheads="1"/>
+          </p:cNvPicPr>
+          <p:nvPr/>
+        </p:nvPicPr>
+        <p:blipFill>
+          <a:blip r:embed="rId1" cstate="print">
+            <a:extLst>
+              <a:ext uri="{28A0092B-C50C-407E-A947-70E740481C1C}">
+                <a14:useLocalDpi xmlns:a14="http://schemas.microsoft.com/office/drawing/2010/main" val="0"/>
+              </a:ext>
+            </a:extLst>
+          </a:blip>
+          <a:srcRect/>
+          <a:stretch>
+            <a:fillRect/>
+          </a:stretch>
+        </p:blipFill>
+        <p:spPr bwMode="auto">
+          <a:xfrm>
+            <a:off x="901700" y="2170430"/>
+            <a:ext cx="10389235" cy="3058160"/>
+          </a:xfrm>
+          <a:prstGeom prst="rect">
+            <a:avLst/>
+          </a:prstGeom>
+          <a:noFill/>
+        </p:spPr>
+      </p:pic>
     </p:spTree>
   </p:cSld>
   <p:clrMapOvr>

--- a/materials/slides/ch03-4.pptx
+++ b/materials/slides/ch03-4.pptx
@@ -12771,33 +12771,154 @@
           <a:lstStyle/>
           <a:p>
             <a:r>
-              <a:rPr lang="zh-CN" altLang="en-US" sz="2400" dirty="0" smtClean="0"/>
-              <a:t>阅读教材</a:t>
-            </a:r>
-            <a:r>
-              <a:rPr lang="en-US" altLang="zh-CN" sz="2400" dirty="0" smtClean="0"/>
-              <a:t>《</a:t>
-            </a:r>
-            <a:r>
-              <a:rPr lang="zh-CN" altLang="en-US" sz="2400" dirty="0" smtClean="0"/>
-              <a:t>项目质量管理</a:t>
-            </a:r>
-            <a:r>
-              <a:rPr lang="en-US" altLang="zh-CN" sz="2400" dirty="0" smtClean="0"/>
-              <a:t>》</a:t>
-            </a:r>
-            <a:r>
-              <a:rPr lang="zh-CN" altLang="en-US" sz="2400" dirty="0" smtClean="0"/>
-              <a:t>章节的第一小节；</a:t>
-            </a:r>
-            <a:endParaRPr lang="zh-CN" altLang="en-US" sz="2400" dirty="0" smtClean="0"/>
-          </a:p>
-          <a:p>
-            <a:r>
               <a:rPr lang="zh-CN" altLang="en-US" sz="2400" dirty="0" smtClean="0">
                 <a:sym typeface="+mn-ea"/>
               </a:rPr>
-              <a:t>质量问题可能会：</a:t>
+              <a:t>质量问题可能会带来什么：</a:t>
+            </a:r>
+            <a:endParaRPr lang="en-US" altLang="zh-CN" sz="2400" dirty="0" smtClean="0"/>
+          </a:p>
+          <a:p>
+            <a:pPr lvl="1" algn="l"/>
+            <a:r>
+              <a:rPr lang="zh-CN" altLang="en-US" sz="2400" dirty="0" smtClean="0">
+                <a:sym typeface="+mn-ea"/>
+              </a:rPr>
+              <a:t>有时候，带给我们的麻烦远超过带给我们的便利；</a:t>
+            </a:r>
+            <a:endParaRPr lang="zh-CN" altLang="en-US" sz="2400" dirty="0" smtClean="0"/>
+          </a:p>
+          <a:p>
+            <a:pPr lvl="1" algn="l"/>
+            <a:r>
+              <a:rPr lang="zh-CN" altLang="en-US" sz="2400" dirty="0" smtClean="0">
+                <a:sym typeface="+mn-ea"/>
+              </a:rPr>
+              <a:t>有时候，会让巨大的投入化为泡影；</a:t>
+            </a:r>
+            <a:endParaRPr lang="zh-CN" altLang="en-US" sz="2400" dirty="0" smtClean="0"/>
+          </a:p>
+          <a:p>
+            <a:pPr lvl="1" algn="l"/>
+            <a:r>
+              <a:rPr lang="zh-CN" altLang="en-US" sz="2400" dirty="0" smtClean="0">
+                <a:sym typeface="+mn-ea"/>
+              </a:rPr>
+              <a:t>有时候，会产生更严重后果，如人员伤亡等；</a:t>
+            </a:r>
+            <a:endParaRPr lang="zh-CN" altLang="en-US" sz="2400" dirty="0" smtClean="0"/>
+          </a:p>
+          <a:p>
+            <a:r>
+              <a:rPr lang="zh-CN" altLang="en-US" sz="2400" dirty="0" smtClean="0">
+                <a:sym typeface="+mn-ea"/>
+              </a:rPr>
+              <a:t>具体案例参见阅读教材</a:t>
+            </a:r>
+            <a:r>
+              <a:rPr lang="en-US" altLang="zh-CN" sz="2400" dirty="0" smtClean="0">
+                <a:sym typeface="+mn-ea"/>
+              </a:rPr>
+              <a:t>《</a:t>
+            </a:r>
+            <a:r>
+              <a:rPr lang="zh-CN" altLang="en-US" sz="2400" dirty="0" smtClean="0">
+                <a:sym typeface="+mn-ea"/>
+              </a:rPr>
+              <a:t>项目质量管理</a:t>
+            </a:r>
+            <a:r>
+              <a:rPr lang="en-US" altLang="zh-CN" sz="2400" dirty="0" smtClean="0">
+                <a:sym typeface="+mn-ea"/>
+              </a:rPr>
+              <a:t>》</a:t>
+            </a:r>
+            <a:r>
+              <a:rPr lang="zh-CN" altLang="en-US" sz="2400" dirty="0" smtClean="0">
+                <a:sym typeface="+mn-ea"/>
+              </a:rPr>
+              <a:t>章节的第</a:t>
+            </a:r>
+            <a:r>
+              <a:rPr lang="en-US" altLang="zh-CN" sz="2400" dirty="0" smtClean="0">
+                <a:sym typeface="+mn-ea"/>
+              </a:rPr>
+              <a:t>1</a:t>
+            </a:r>
+            <a:r>
+              <a:rPr lang="zh-CN" altLang="en-US" sz="2400" dirty="0" smtClean="0">
+                <a:sym typeface="+mn-ea"/>
+              </a:rPr>
+              <a:t>小节；</a:t>
+            </a:r>
+            <a:endParaRPr lang="en-US" altLang="zh-CN" sz="2400" dirty="0" smtClean="0"/>
+          </a:p>
+          <a:p>
+            <a:r>
+              <a:rPr lang="zh-CN" altLang="en-US" sz="2400" dirty="0" smtClean="0">
+                <a:sym typeface="+mn-ea"/>
+              </a:rPr>
+              <a:t>质量规划（参见</a:t>
+            </a:r>
+            <a:r>
+              <a:rPr lang="zh-CN" altLang="en-US" sz="2400" dirty="0" smtClean="0">
+                <a:sym typeface="+mn-ea"/>
+              </a:rPr>
+              <a:t>教材</a:t>
+            </a:r>
+            <a:r>
+              <a:rPr lang="en-US" altLang="zh-CN" sz="2400" dirty="0" smtClean="0">
+                <a:sym typeface="+mn-ea"/>
+              </a:rPr>
+              <a:t>《</a:t>
+            </a:r>
+            <a:r>
+              <a:rPr lang="zh-CN" altLang="en-US" sz="2400" dirty="0" smtClean="0">
+                <a:sym typeface="+mn-ea"/>
+              </a:rPr>
+              <a:t>项目质量管理</a:t>
+            </a:r>
+            <a:r>
+              <a:rPr lang="en-US" altLang="zh-CN" sz="2400" dirty="0" smtClean="0">
+                <a:sym typeface="+mn-ea"/>
+              </a:rPr>
+              <a:t>》</a:t>
+            </a:r>
+            <a:r>
+              <a:rPr lang="zh-CN" altLang="en-US" sz="2400" dirty="0" smtClean="0">
+                <a:sym typeface="+mn-ea"/>
+              </a:rPr>
+              <a:t>章节的第</a:t>
+            </a:r>
+            <a:r>
+              <a:rPr lang="en-US" altLang="zh-CN" sz="2400" dirty="0" smtClean="0">
+                <a:sym typeface="+mn-ea"/>
+              </a:rPr>
+              <a:t>2</a:t>
+            </a:r>
+            <a:r>
+              <a:rPr lang="zh-CN" altLang="en-US" sz="2400" dirty="0" smtClean="0">
+                <a:sym typeface="+mn-ea"/>
+              </a:rPr>
+              <a:t>、</a:t>
+            </a:r>
+            <a:r>
+              <a:rPr lang="en-US" altLang="zh-CN" sz="2400" dirty="0" smtClean="0">
+                <a:sym typeface="+mn-ea"/>
+              </a:rPr>
+              <a:t>3</a:t>
+            </a:r>
+            <a:r>
+              <a:rPr lang="zh-CN" altLang="en-US" sz="2400" dirty="0" smtClean="0">
+                <a:sym typeface="+mn-ea"/>
+              </a:rPr>
+              <a:t>小节</a:t>
+            </a:r>
+            <a:r>
+              <a:rPr lang="zh-CN" altLang="en-US" sz="2400" dirty="0" smtClean="0">
+                <a:sym typeface="+mn-ea"/>
+              </a:rPr>
+              <a:t>）</a:t>
             </a:r>
             <a:endParaRPr lang="en-US" altLang="zh-CN" sz="2400" dirty="0" smtClean="0"/>
           </a:p>
@@ -12807,58 +12928,22 @@
               <a:rPr lang="zh-CN" altLang="en-US" sz="2000" dirty="0" smtClean="0">
                 <a:sym typeface="+mn-ea"/>
               </a:rPr>
-              <a:t>有时候，带给我们的麻烦远超过带给我们的便利；</a:t>
-            </a:r>
-            <a:endParaRPr lang="zh-CN" altLang="en-US" sz="2000" dirty="0" smtClean="0"/>
-          </a:p>
-          <a:p>
-            <a:pPr lvl="1" algn="l"/>
+              <a:t>质量规划回答了“项目及项目的可交付成果</a:t>
+            </a:r>
+            <a:r>
+              <a:rPr lang="zh-CN" altLang="en-US" sz="2000" dirty="0" smtClean="0">
+                <a:solidFill>
+                  <a:srgbClr val="FF0000"/>
+                </a:solidFill>
+                <a:sym typeface="+mn-ea"/>
+              </a:rPr>
+              <a:t>做到什么程度</a:t>
+            </a:r>
             <a:r>
               <a:rPr lang="zh-CN" altLang="en-US" sz="2000" dirty="0" smtClean="0">
                 <a:sym typeface="+mn-ea"/>
               </a:rPr>
-              <a:t>有时候，会让巨大的投入化为泡影；</a:t>
-            </a:r>
-            <a:endParaRPr lang="zh-CN" altLang="en-US" sz="2000" dirty="0" smtClean="0"/>
-          </a:p>
-          <a:p>
-            <a:pPr lvl="1" algn="l"/>
-            <a:r>
-              <a:rPr lang="zh-CN" altLang="en-US" sz="2000" dirty="0" smtClean="0">
-                <a:sym typeface="+mn-ea"/>
-              </a:rPr>
-              <a:t>有时候，</a:t>
-            </a:r>
-            <a:r>
-              <a:rPr lang="zh-CN" altLang="en-US" sz="2000" dirty="0" smtClean="0">
-                <a:sym typeface="+mn-ea"/>
-              </a:rPr>
-              <a:t>会产生更严重后果，如人员伤亡等；</a:t>
-            </a:r>
-            <a:endParaRPr lang="en-US" altLang="zh-CN" sz="2400" dirty="0" smtClean="0"/>
-          </a:p>
-          <a:p>
-            <a:r>
-              <a:rPr lang="zh-CN" altLang="en-US" sz="2400" dirty="0" smtClean="0">
-                <a:sym typeface="+mn-ea"/>
-              </a:rPr>
-              <a:t>质量规划</a:t>
-            </a:r>
-            <a:endParaRPr lang="en-US" altLang="zh-CN" sz="2400" dirty="0" smtClean="0"/>
-          </a:p>
-          <a:p>
-            <a:pPr lvl="1" algn="l"/>
-            <a:r>
-              <a:rPr lang="zh-CN" altLang="en-US" sz="2000" dirty="0" smtClean="0">
-                <a:sym typeface="+mn-ea"/>
-              </a:rPr>
-              <a:t>质量</a:t>
-            </a:r>
-            <a:r>
-              <a:rPr lang="zh-CN" altLang="en-US" sz="2000" dirty="0" smtClean="0">
-                <a:sym typeface="+mn-ea"/>
-              </a:rPr>
-              <a:t>规划回答了“项目及项目的可交付成果做到什么程度”</a:t>
+              <a:t>”</a:t>
             </a:r>
             <a:r>
               <a:rPr lang="zh-CN" altLang="en-US" sz="2000" dirty="0">
@@ -12938,21 +13023,6 @@
               </a:rPr>
               <a:t>承担组织协调工作；</a:t>
             </a:r>
-            <a:endParaRPr lang="zh-CN" altLang="en-US" sz="2000" dirty="0" smtClean="0">
-              <a:sym typeface="+mn-ea"/>
-            </a:endParaRPr>
-          </a:p>
-          <a:p>
-            <a:pPr lvl="1"/>
-            <a:endParaRPr lang="en-US" altLang="zh-CN" sz="2000" dirty="0" smtClean="0"/>
-          </a:p>
-          <a:p>
-            <a:pPr lvl="1">
-              <a:buNone/>
-            </a:pPr>
-            <a:endParaRPr lang="en-US" altLang="zh-CN" sz="2200" b="1" dirty="0" smtClean="0"/>
-          </a:p>
-          <a:p>
             <a:endParaRPr lang="zh-CN" altLang="en-US" sz="2400" dirty="0"/>
           </a:p>
         </p:txBody>
@@ -12965,7 +13035,661 @@
   <p:timing>
     <p:tnLst>
       <p:par>
-        <p:cTn id="1" dur="indefinite" restart="never" nodeType="tmRoot"/>
+        <p:cTn id="1" dur="indefinite" restart="never" nodeType="tmRoot">
+          <p:childTnLst>
+            <p:seq concurrent="1" nextAc="seek">
+              <p:cTn id="2" dur="indefinite" nodeType="mainSeq">
+                <p:childTnLst>
+                  <p:par>
+                    <p:cTn id="3" fill="hold">
+                      <p:stCondLst>
+                        <p:cond delay="indefinite"/>
+                      </p:stCondLst>
+                      <p:childTnLst>
+                        <p:par>
+                          <p:cTn id="4" fill="hold">
+                            <p:stCondLst>
+                              <p:cond delay="0"/>
+                            </p:stCondLst>
+                            <p:childTnLst>
+                              <p:par>
+                                <p:cTn id="5" presetID="2" presetClass="entr" presetSubtype="4" fill="hold" nodeType="clickEffect">
+                                  <p:stCondLst>
+                                    <p:cond delay="0"/>
+                                  </p:stCondLst>
+                                  <p:childTnLst>
+                                    <p:set>
+                                      <p:cBhvr>
+                                        <p:cTn id="6" dur="1" fill="hold">
+                                          <p:stCondLst>
+                                            <p:cond delay="0"/>
+                                          </p:stCondLst>
+                                        </p:cTn>
+                                        <p:tgtEl>
+                                          <p:spTgt spid="3">
+                                            <p:txEl>
+                                              <p:pRg st="0" end="0"/>
+                                            </p:txEl>
+                                          </p:spTgt>
+                                        </p:tgtEl>
+                                        <p:attrNameLst>
+                                          <p:attrName>style.visibility</p:attrName>
+                                        </p:attrNameLst>
+                                      </p:cBhvr>
+                                      <p:to>
+                                        <p:strVal val="visible"/>
+                                      </p:to>
+                                    </p:set>
+                                    <p:anim calcmode="lin" valueType="num">
+                                      <p:cBhvr additive="base">
+                                        <p:cTn id="7" dur="500" fill="hold"/>
+                                        <p:tgtEl>
+                                          <p:spTgt spid="3">
+                                            <p:txEl>
+                                              <p:pRg st="0" end="0"/>
+                                            </p:txEl>
+                                          </p:spTgt>
+                                        </p:tgtEl>
+                                        <p:attrNameLst>
+                                          <p:attrName>ppt_x</p:attrName>
+                                        </p:attrNameLst>
+                                      </p:cBhvr>
+                                      <p:tavLst>
+                                        <p:tav tm="0">
+                                          <p:val>
+                                            <p:strVal val="#ppt_x"/>
+                                          </p:val>
+                                        </p:tav>
+                                        <p:tav tm="100000">
+                                          <p:val>
+                                            <p:strVal val="#ppt_x"/>
+                                          </p:val>
+                                        </p:tav>
+                                      </p:tavLst>
+                                    </p:anim>
+                                    <p:anim calcmode="lin" valueType="num">
+                                      <p:cBhvr additive="base">
+                                        <p:cTn id="8" dur="500" fill="hold"/>
+                                        <p:tgtEl>
+                                          <p:spTgt spid="3">
+                                            <p:txEl>
+                                              <p:pRg st="0" end="0"/>
+                                            </p:txEl>
+                                          </p:spTgt>
+                                        </p:tgtEl>
+                                        <p:attrNameLst>
+                                          <p:attrName>ppt_y</p:attrName>
+                                        </p:attrNameLst>
+                                      </p:cBhvr>
+                                      <p:tavLst>
+                                        <p:tav tm="0">
+                                          <p:val>
+                                            <p:strVal val="1+#ppt_h/2"/>
+                                          </p:val>
+                                        </p:tav>
+                                        <p:tav tm="100000">
+                                          <p:val>
+                                            <p:strVal val="#ppt_y"/>
+                                          </p:val>
+                                        </p:tav>
+                                      </p:tavLst>
+                                    </p:anim>
+                                  </p:childTnLst>
+                                </p:cTn>
+                              </p:par>
+                              <p:par>
+                                <p:cTn id="9" presetID="2" presetClass="entr" presetSubtype="4" fill="hold" nodeType="withEffect">
+                                  <p:stCondLst>
+                                    <p:cond delay="0"/>
+                                  </p:stCondLst>
+                                  <p:childTnLst>
+                                    <p:set>
+                                      <p:cBhvr>
+                                        <p:cTn id="10" dur="1" fill="hold">
+                                          <p:stCondLst>
+                                            <p:cond delay="0"/>
+                                          </p:stCondLst>
+                                        </p:cTn>
+                                        <p:tgtEl>
+                                          <p:spTgt spid="3">
+                                            <p:txEl>
+                                              <p:pRg st="1" end="1"/>
+                                            </p:txEl>
+                                          </p:spTgt>
+                                        </p:tgtEl>
+                                        <p:attrNameLst>
+                                          <p:attrName>style.visibility</p:attrName>
+                                        </p:attrNameLst>
+                                      </p:cBhvr>
+                                      <p:to>
+                                        <p:strVal val="visible"/>
+                                      </p:to>
+                                    </p:set>
+                                    <p:anim calcmode="lin" valueType="num">
+                                      <p:cBhvr additive="base">
+                                        <p:cTn id="11" dur="500" fill="hold"/>
+                                        <p:tgtEl>
+                                          <p:spTgt spid="3">
+                                            <p:txEl>
+                                              <p:pRg st="1" end="1"/>
+                                            </p:txEl>
+                                          </p:spTgt>
+                                        </p:tgtEl>
+                                        <p:attrNameLst>
+                                          <p:attrName>ppt_x</p:attrName>
+                                        </p:attrNameLst>
+                                      </p:cBhvr>
+                                      <p:tavLst>
+                                        <p:tav tm="0">
+                                          <p:val>
+                                            <p:strVal val="#ppt_x"/>
+                                          </p:val>
+                                        </p:tav>
+                                        <p:tav tm="100000">
+                                          <p:val>
+                                            <p:strVal val="#ppt_x"/>
+                                          </p:val>
+                                        </p:tav>
+                                      </p:tavLst>
+                                    </p:anim>
+                                    <p:anim calcmode="lin" valueType="num">
+                                      <p:cBhvr additive="base">
+                                        <p:cTn id="12" dur="500" fill="hold"/>
+                                        <p:tgtEl>
+                                          <p:spTgt spid="3">
+                                            <p:txEl>
+                                              <p:pRg st="1" end="1"/>
+                                            </p:txEl>
+                                          </p:spTgt>
+                                        </p:tgtEl>
+                                        <p:attrNameLst>
+                                          <p:attrName>ppt_y</p:attrName>
+                                        </p:attrNameLst>
+                                      </p:cBhvr>
+                                      <p:tavLst>
+                                        <p:tav tm="0">
+                                          <p:val>
+                                            <p:strVal val="1+#ppt_h/2"/>
+                                          </p:val>
+                                        </p:tav>
+                                        <p:tav tm="100000">
+                                          <p:val>
+                                            <p:strVal val="#ppt_y"/>
+                                          </p:val>
+                                        </p:tav>
+                                      </p:tavLst>
+                                    </p:anim>
+                                  </p:childTnLst>
+                                </p:cTn>
+                              </p:par>
+                              <p:par>
+                                <p:cTn id="13" presetID="2" presetClass="entr" presetSubtype="4" fill="hold" nodeType="withEffect">
+                                  <p:stCondLst>
+                                    <p:cond delay="0"/>
+                                  </p:stCondLst>
+                                  <p:childTnLst>
+                                    <p:set>
+                                      <p:cBhvr>
+                                        <p:cTn id="14" dur="1" fill="hold">
+                                          <p:stCondLst>
+                                            <p:cond delay="0"/>
+                                          </p:stCondLst>
+                                        </p:cTn>
+                                        <p:tgtEl>
+                                          <p:spTgt spid="3">
+                                            <p:txEl>
+                                              <p:pRg st="2" end="2"/>
+                                            </p:txEl>
+                                          </p:spTgt>
+                                        </p:tgtEl>
+                                        <p:attrNameLst>
+                                          <p:attrName>style.visibility</p:attrName>
+                                        </p:attrNameLst>
+                                      </p:cBhvr>
+                                      <p:to>
+                                        <p:strVal val="visible"/>
+                                      </p:to>
+                                    </p:set>
+                                    <p:anim calcmode="lin" valueType="num">
+                                      <p:cBhvr additive="base">
+                                        <p:cTn id="15" dur="500" fill="hold"/>
+                                        <p:tgtEl>
+                                          <p:spTgt spid="3">
+                                            <p:txEl>
+                                              <p:pRg st="2" end="2"/>
+                                            </p:txEl>
+                                          </p:spTgt>
+                                        </p:tgtEl>
+                                        <p:attrNameLst>
+                                          <p:attrName>ppt_x</p:attrName>
+                                        </p:attrNameLst>
+                                      </p:cBhvr>
+                                      <p:tavLst>
+                                        <p:tav tm="0">
+                                          <p:val>
+                                            <p:strVal val="#ppt_x"/>
+                                          </p:val>
+                                        </p:tav>
+                                        <p:tav tm="100000">
+                                          <p:val>
+                                            <p:strVal val="#ppt_x"/>
+                                          </p:val>
+                                        </p:tav>
+                                      </p:tavLst>
+                                    </p:anim>
+                                    <p:anim calcmode="lin" valueType="num">
+                                      <p:cBhvr additive="base">
+                                        <p:cTn id="16" dur="500" fill="hold"/>
+                                        <p:tgtEl>
+                                          <p:spTgt spid="3">
+                                            <p:txEl>
+                                              <p:pRg st="2" end="2"/>
+                                            </p:txEl>
+                                          </p:spTgt>
+                                        </p:tgtEl>
+                                        <p:attrNameLst>
+                                          <p:attrName>ppt_y</p:attrName>
+                                        </p:attrNameLst>
+                                      </p:cBhvr>
+                                      <p:tavLst>
+                                        <p:tav tm="0">
+                                          <p:val>
+                                            <p:strVal val="1+#ppt_h/2"/>
+                                          </p:val>
+                                        </p:tav>
+                                        <p:tav tm="100000">
+                                          <p:val>
+                                            <p:strVal val="#ppt_y"/>
+                                          </p:val>
+                                        </p:tav>
+                                      </p:tavLst>
+                                    </p:anim>
+                                  </p:childTnLst>
+                                </p:cTn>
+                              </p:par>
+                              <p:par>
+                                <p:cTn id="17" presetID="2" presetClass="entr" presetSubtype="4" fill="hold" nodeType="withEffect">
+                                  <p:stCondLst>
+                                    <p:cond delay="0"/>
+                                  </p:stCondLst>
+                                  <p:childTnLst>
+                                    <p:set>
+                                      <p:cBhvr>
+                                        <p:cTn id="18" dur="1" fill="hold">
+                                          <p:stCondLst>
+                                            <p:cond delay="0"/>
+                                          </p:stCondLst>
+                                        </p:cTn>
+                                        <p:tgtEl>
+                                          <p:spTgt spid="3">
+                                            <p:txEl>
+                                              <p:pRg st="3" end="3"/>
+                                            </p:txEl>
+                                          </p:spTgt>
+                                        </p:tgtEl>
+                                        <p:attrNameLst>
+                                          <p:attrName>style.visibility</p:attrName>
+                                        </p:attrNameLst>
+                                      </p:cBhvr>
+                                      <p:to>
+                                        <p:strVal val="visible"/>
+                                      </p:to>
+                                    </p:set>
+                                    <p:anim calcmode="lin" valueType="num">
+                                      <p:cBhvr additive="base">
+                                        <p:cTn id="19" dur="500" fill="hold"/>
+                                        <p:tgtEl>
+                                          <p:spTgt spid="3">
+                                            <p:txEl>
+                                              <p:pRg st="3" end="3"/>
+                                            </p:txEl>
+                                          </p:spTgt>
+                                        </p:tgtEl>
+                                        <p:attrNameLst>
+                                          <p:attrName>ppt_x</p:attrName>
+                                        </p:attrNameLst>
+                                      </p:cBhvr>
+                                      <p:tavLst>
+                                        <p:tav tm="0">
+                                          <p:val>
+                                            <p:strVal val="#ppt_x"/>
+                                          </p:val>
+                                        </p:tav>
+                                        <p:tav tm="100000">
+                                          <p:val>
+                                            <p:strVal val="#ppt_x"/>
+                                          </p:val>
+                                        </p:tav>
+                                      </p:tavLst>
+                                    </p:anim>
+                                    <p:anim calcmode="lin" valueType="num">
+                                      <p:cBhvr additive="base">
+                                        <p:cTn id="20" dur="500" fill="hold"/>
+                                        <p:tgtEl>
+                                          <p:spTgt spid="3">
+                                            <p:txEl>
+                                              <p:pRg st="3" end="3"/>
+                                            </p:txEl>
+                                          </p:spTgt>
+                                        </p:tgtEl>
+                                        <p:attrNameLst>
+                                          <p:attrName>ppt_y</p:attrName>
+                                        </p:attrNameLst>
+                                      </p:cBhvr>
+                                      <p:tavLst>
+                                        <p:tav tm="0">
+                                          <p:val>
+                                            <p:strVal val="1+#ppt_h/2"/>
+                                          </p:val>
+                                        </p:tav>
+                                        <p:tav tm="100000">
+                                          <p:val>
+                                            <p:strVal val="#ppt_y"/>
+                                          </p:val>
+                                        </p:tav>
+                                      </p:tavLst>
+                                    </p:anim>
+                                  </p:childTnLst>
+                                </p:cTn>
+                              </p:par>
+                              <p:par>
+                                <p:cTn id="21" presetID="2" presetClass="entr" presetSubtype="4" fill="hold" nodeType="withEffect">
+                                  <p:stCondLst>
+                                    <p:cond delay="0"/>
+                                  </p:stCondLst>
+                                  <p:childTnLst>
+                                    <p:set>
+                                      <p:cBhvr>
+                                        <p:cTn id="22" dur="1" fill="hold">
+                                          <p:stCondLst>
+                                            <p:cond delay="0"/>
+                                          </p:stCondLst>
+                                        </p:cTn>
+                                        <p:tgtEl>
+                                          <p:spTgt spid="3">
+                                            <p:txEl>
+                                              <p:pRg st="4" end="4"/>
+                                            </p:txEl>
+                                          </p:spTgt>
+                                        </p:tgtEl>
+                                        <p:attrNameLst>
+                                          <p:attrName>style.visibility</p:attrName>
+                                        </p:attrNameLst>
+                                      </p:cBhvr>
+                                      <p:to>
+                                        <p:strVal val="visible"/>
+                                      </p:to>
+                                    </p:set>
+                                    <p:anim calcmode="lin" valueType="num">
+                                      <p:cBhvr additive="base">
+                                        <p:cTn id="23" dur="500" fill="hold"/>
+                                        <p:tgtEl>
+                                          <p:spTgt spid="3">
+                                            <p:txEl>
+                                              <p:pRg st="4" end="4"/>
+                                            </p:txEl>
+                                          </p:spTgt>
+                                        </p:tgtEl>
+                                        <p:attrNameLst>
+                                          <p:attrName>ppt_x</p:attrName>
+                                        </p:attrNameLst>
+                                      </p:cBhvr>
+                                      <p:tavLst>
+                                        <p:tav tm="0">
+                                          <p:val>
+                                            <p:strVal val="#ppt_x"/>
+                                          </p:val>
+                                        </p:tav>
+                                        <p:tav tm="100000">
+                                          <p:val>
+                                            <p:strVal val="#ppt_x"/>
+                                          </p:val>
+                                        </p:tav>
+                                      </p:tavLst>
+                                    </p:anim>
+                                    <p:anim calcmode="lin" valueType="num">
+                                      <p:cBhvr additive="base">
+                                        <p:cTn id="24" dur="500" fill="hold"/>
+                                        <p:tgtEl>
+                                          <p:spTgt spid="3">
+                                            <p:txEl>
+                                              <p:pRg st="4" end="4"/>
+                                            </p:txEl>
+                                          </p:spTgt>
+                                        </p:tgtEl>
+                                        <p:attrNameLst>
+                                          <p:attrName>ppt_y</p:attrName>
+                                        </p:attrNameLst>
+                                      </p:cBhvr>
+                                      <p:tavLst>
+                                        <p:tav tm="0">
+                                          <p:val>
+                                            <p:strVal val="1+#ppt_h/2"/>
+                                          </p:val>
+                                        </p:tav>
+                                        <p:tav tm="100000">
+                                          <p:val>
+                                            <p:strVal val="#ppt_y"/>
+                                          </p:val>
+                                        </p:tav>
+                                      </p:tavLst>
+                                    </p:anim>
+                                  </p:childTnLst>
+                                </p:cTn>
+                              </p:par>
+                            </p:childTnLst>
+                          </p:cTn>
+                        </p:par>
+                      </p:childTnLst>
+                    </p:cTn>
+                  </p:par>
+                  <p:par>
+                    <p:cTn id="25" fill="hold">
+                      <p:stCondLst>
+                        <p:cond delay="indefinite"/>
+                      </p:stCondLst>
+                      <p:childTnLst>
+                        <p:par>
+                          <p:cTn id="26" fill="hold">
+                            <p:stCondLst>
+                              <p:cond delay="0"/>
+                            </p:stCondLst>
+                            <p:childTnLst>
+                              <p:par>
+                                <p:cTn id="27" presetID="2" presetClass="entr" presetSubtype="4" fill="hold" nodeType="clickEffect">
+                                  <p:stCondLst>
+                                    <p:cond delay="0"/>
+                                  </p:stCondLst>
+                                  <p:childTnLst>
+                                    <p:set>
+                                      <p:cBhvr>
+                                        <p:cTn id="28" dur="1" fill="hold">
+                                          <p:stCondLst>
+                                            <p:cond delay="0"/>
+                                          </p:stCondLst>
+                                        </p:cTn>
+                                        <p:tgtEl>
+                                          <p:spTgt spid="3">
+                                            <p:txEl>
+                                              <p:pRg st="5" end="5"/>
+                                            </p:txEl>
+                                          </p:spTgt>
+                                        </p:tgtEl>
+                                        <p:attrNameLst>
+                                          <p:attrName>style.visibility</p:attrName>
+                                        </p:attrNameLst>
+                                      </p:cBhvr>
+                                      <p:to>
+                                        <p:strVal val="visible"/>
+                                      </p:to>
+                                    </p:set>
+                                    <p:anim calcmode="lin" valueType="num">
+                                      <p:cBhvr additive="base">
+                                        <p:cTn id="29" dur="500" fill="hold"/>
+                                        <p:tgtEl>
+                                          <p:spTgt spid="3">
+                                            <p:txEl>
+                                              <p:pRg st="5" end="5"/>
+                                            </p:txEl>
+                                          </p:spTgt>
+                                        </p:tgtEl>
+                                        <p:attrNameLst>
+                                          <p:attrName>ppt_x</p:attrName>
+                                        </p:attrNameLst>
+                                      </p:cBhvr>
+                                      <p:tavLst>
+                                        <p:tav tm="0">
+                                          <p:val>
+                                            <p:strVal val="#ppt_x"/>
+                                          </p:val>
+                                        </p:tav>
+                                        <p:tav tm="100000">
+                                          <p:val>
+                                            <p:strVal val="#ppt_x"/>
+                                          </p:val>
+                                        </p:tav>
+                                      </p:tavLst>
+                                    </p:anim>
+                                    <p:anim calcmode="lin" valueType="num">
+                                      <p:cBhvr additive="base">
+                                        <p:cTn id="30" dur="500" fill="hold"/>
+                                        <p:tgtEl>
+                                          <p:spTgt spid="3">
+                                            <p:txEl>
+                                              <p:pRg st="5" end="5"/>
+                                            </p:txEl>
+                                          </p:spTgt>
+                                        </p:tgtEl>
+                                        <p:attrNameLst>
+                                          <p:attrName>ppt_y</p:attrName>
+                                        </p:attrNameLst>
+                                      </p:cBhvr>
+                                      <p:tavLst>
+                                        <p:tav tm="0">
+                                          <p:val>
+                                            <p:strVal val="1+#ppt_h/2"/>
+                                          </p:val>
+                                        </p:tav>
+                                        <p:tav tm="100000">
+                                          <p:val>
+                                            <p:strVal val="#ppt_y"/>
+                                          </p:val>
+                                        </p:tav>
+                                      </p:tavLst>
+                                    </p:anim>
+                                  </p:childTnLst>
+                                </p:cTn>
+                              </p:par>
+                              <p:par>
+                                <p:cTn id="31" presetID="2" presetClass="entr" presetSubtype="4" fill="hold" nodeType="withEffect">
+                                  <p:stCondLst>
+                                    <p:cond delay="0"/>
+                                  </p:stCondLst>
+                                  <p:childTnLst>
+                                    <p:set>
+                                      <p:cBhvr>
+                                        <p:cTn id="32" dur="1" fill="hold">
+                                          <p:stCondLst>
+                                            <p:cond delay="0"/>
+                                          </p:stCondLst>
+                                        </p:cTn>
+                                        <p:tgtEl>
+                                          <p:spTgt spid="3">
+                                            <p:txEl>
+                                              <p:pRg st="6" end="6"/>
+                                            </p:txEl>
+                                          </p:spTgt>
+                                        </p:tgtEl>
+                                        <p:attrNameLst>
+                                          <p:attrName>style.visibility</p:attrName>
+                                        </p:attrNameLst>
+                                      </p:cBhvr>
+                                      <p:to>
+                                        <p:strVal val="visible"/>
+                                      </p:to>
+                                    </p:set>
+                                    <p:anim calcmode="lin" valueType="num">
+                                      <p:cBhvr additive="base">
+                                        <p:cTn id="33" dur="500" fill="hold"/>
+                                        <p:tgtEl>
+                                          <p:spTgt spid="3">
+                                            <p:txEl>
+                                              <p:pRg st="6" end="6"/>
+                                            </p:txEl>
+                                          </p:spTgt>
+                                        </p:tgtEl>
+                                        <p:attrNameLst>
+                                          <p:attrName>ppt_x</p:attrName>
+                                        </p:attrNameLst>
+                                      </p:cBhvr>
+                                      <p:tavLst>
+                                        <p:tav tm="0">
+                                          <p:val>
+                                            <p:strVal val="#ppt_x"/>
+                                          </p:val>
+                                        </p:tav>
+                                        <p:tav tm="100000">
+                                          <p:val>
+                                            <p:strVal val="#ppt_x"/>
+                                          </p:val>
+                                        </p:tav>
+                                      </p:tavLst>
+                                    </p:anim>
+                                    <p:anim calcmode="lin" valueType="num">
+                                      <p:cBhvr additive="base">
+                                        <p:cTn id="34" dur="500" fill="hold"/>
+                                        <p:tgtEl>
+                                          <p:spTgt spid="3">
+                                            <p:txEl>
+                                              <p:pRg st="6" end="6"/>
+                                            </p:txEl>
+                                          </p:spTgt>
+                                        </p:tgtEl>
+                                        <p:attrNameLst>
+                                          <p:attrName>ppt_y</p:attrName>
+                                        </p:attrNameLst>
+                                      </p:cBhvr>
+                                      <p:tavLst>
+                                        <p:tav tm="0">
+                                          <p:val>
+                                            <p:strVal val="1+#ppt_h/2"/>
+                                          </p:val>
+                                        </p:tav>
+                                        <p:tav tm="100000">
+                                          <p:val>
+                                            <p:strVal val="#ppt_y"/>
+                                          </p:val>
+                                        </p:tav>
+                                      </p:tavLst>
+                                    </p:anim>
+                                  </p:childTnLst>
+                                </p:cTn>
+                              </p:par>
+                            </p:childTnLst>
+                          </p:cTn>
+                        </p:par>
+                      </p:childTnLst>
+                    </p:cTn>
+                  </p:par>
+                </p:childTnLst>
+              </p:cTn>
+              <p:prevCondLst>
+                <p:cond evt="onPrev" delay="0">
+                  <p:tgtEl>
+                    <p:sldTgt/>
+                  </p:tgtEl>
+                </p:cond>
+              </p:prevCondLst>
+              <p:nextCondLst>
+                <p:cond evt="onNext" delay="0">
+                  <p:tgtEl>
+                    <p:sldTgt/>
+                  </p:tgtEl>
+                </p:cond>
+              </p:nextCondLst>
+            </p:seq>
+          </p:childTnLst>
+        </p:cTn>
       </p:par>
     </p:tnLst>
   </p:timing>
@@ -13048,7 +13772,7 @@
             </a:r>
             <a:r>
               <a:rPr lang="zh-CN" altLang="en-US" sz="2400" dirty="0" smtClean="0"/>
-              <a:t>（</a:t>
+              <a:t>（对应质量的定义，</a:t>
             </a:r>
             <a:r>
               <a:rPr lang="zh-CN" altLang="en-US" sz="2400" dirty="0" smtClean="0">
@@ -13070,7 +13794,7 @@
             </a:r>
             <a:r>
               <a:rPr lang="zh-CN" altLang="en-US" sz="2000" dirty="0" smtClean="0"/>
-              <a:t>：品质是一组固有特性（在产品或服务中本身具有的特性）符合需求的程度。 </a:t>
+              <a:t>：一个实体满足规定和潜在需要能力的特性的总和，是一组固有特性（在产品或服务中本身具有的特性）符合需求的程度。 </a:t>
             </a:r>
             <a:endParaRPr lang="zh-CN" altLang="en-US" sz="2000" dirty="0" smtClean="0"/>
           </a:p>
@@ -13086,7 +13810,7 @@
             </a:r>
             <a:r>
               <a:rPr lang="zh-CN" altLang="en-US" sz="2000" dirty="0" smtClean="0"/>
-              <a:t>克劳士比：品质就是“符合需求”。此处的需求并不一定完全反映了客户的期待。</a:t>
+              <a:t>克劳士比：品质就是“符合需求”，此处的需求并不一定完全反映了客户的期待。</a:t>
             </a:r>
             <a:endParaRPr lang="zh-CN" altLang="en-US" sz="2000" dirty="0" smtClean="0"/>
           </a:p>
@@ -13102,7 +13826,7 @@
             </a:r>
             <a:r>
               <a:rPr lang="zh-CN" altLang="en-US" sz="2000" dirty="0" smtClean="0"/>
-              <a:t>朱兰：品质就是“适合使用” 。而是否适合则交由客户来定义。 </a:t>
+              <a:t>朱兰：品质就是“适合使用” ，而是否适合则交由客户来定义。 </a:t>
             </a:r>
             <a:endParaRPr lang="zh-CN" altLang="en-US" sz="2000" dirty="0" smtClean="0"/>
           </a:p>
@@ -13142,11 +13866,11 @@
             </a:r>
             <a:r>
               <a:rPr lang="zh-CN" altLang="el-GR" sz="2000" dirty="0" smtClean="0"/>
-              <a:t>：</a:t>
+              <a:t>（西格玛）：</a:t>
             </a:r>
             <a:r>
               <a:rPr lang="zh-CN" altLang="en-US" sz="2000" dirty="0" smtClean="0"/>
-              <a:t>百万次测试中的错误次数。 </a:t>
+              <a:t>百万次测试中的错误次数，“零缺陷”的完美商业追求。</a:t>
             </a:r>
             <a:endParaRPr lang="zh-CN" altLang="en-US" sz="2000" dirty="0" smtClean="0"/>
           </a:p>
@@ -13271,7 +13995,7 @@
         </p:blipFill>
         <p:spPr bwMode="auto">
           <a:xfrm>
-            <a:off x="1524001" y="3636396"/>
+            <a:off x="1524001" y="3504951"/>
             <a:ext cx="2423782" cy="3174544"/>
           </a:xfrm>
           <a:prstGeom prst="rect">
@@ -13312,7 +14036,7 @@
         </p:blipFill>
         <p:spPr bwMode="auto">
           <a:xfrm>
-            <a:off x="3905956" y="3636396"/>
+            <a:off x="3905956" y="3504951"/>
             <a:ext cx="3032612" cy="3174544"/>
           </a:xfrm>
           <a:prstGeom prst="rect">
@@ -13353,7 +14077,7 @@
         </p:blipFill>
         <p:spPr bwMode="auto">
           <a:xfrm>
-            <a:off x="6923112" y="4002281"/>
+            <a:off x="6923112" y="3870836"/>
             <a:ext cx="3744879" cy="2808660"/>
           </a:xfrm>
           <a:prstGeom prst="rect">
@@ -13379,7 +14103,7 @@
         </p:nvSpPr>
         <p:spPr>
           <a:xfrm>
-            <a:off x="2207542" y="3022093"/>
+            <a:off x="2207542" y="2890648"/>
             <a:ext cx="1046480" cy="645160"/>
           </a:xfrm>
           <a:prstGeom prst="rect">
@@ -13463,7 +14187,7 @@
         </p:nvSpPr>
         <p:spPr>
           <a:xfrm>
-            <a:off x="7831184" y="3022093"/>
+            <a:off x="7831184" y="2890648"/>
             <a:ext cx="1681480" cy="645160"/>
           </a:xfrm>
           <a:prstGeom prst="rect">
@@ -13501,9 +14225,493 @@
   <p:timing>
     <p:tnLst>
       <p:par>
-        <p:cTn id="1" dur="indefinite" restart="never" nodeType="tmRoot"/>
+        <p:cTn id="1" dur="indefinite" restart="never" nodeType="tmRoot">
+          <p:childTnLst>
+            <p:seq concurrent="1" nextAc="seek">
+              <p:cTn id="2" dur="indefinite" nodeType="mainSeq">
+                <p:childTnLst>
+                  <p:par>
+                    <p:cTn id="3" fill="hold">
+                      <p:stCondLst>
+                        <p:cond delay="indefinite"/>
+                      </p:stCondLst>
+                      <p:childTnLst>
+                        <p:par>
+                          <p:cTn id="4" fill="hold">
+                            <p:stCondLst>
+                              <p:cond delay="0"/>
+                            </p:stCondLst>
+                            <p:childTnLst>
+                              <p:par>
+                                <p:cTn id="5" presetID="2" presetClass="entr" presetSubtype="4" fill="hold" nodeType="clickEffect">
+                                  <p:stCondLst>
+                                    <p:cond delay="0"/>
+                                  </p:stCondLst>
+                                  <p:childTnLst>
+                                    <p:set>
+                                      <p:cBhvr>
+                                        <p:cTn id="6" dur="1" fill="hold">
+                                          <p:stCondLst>
+                                            <p:cond delay="0"/>
+                                          </p:stCondLst>
+                                        </p:cTn>
+                                        <p:tgtEl>
+                                          <p:spTgt spid="1028"/>
+                                        </p:tgtEl>
+                                        <p:attrNameLst>
+                                          <p:attrName>style.visibility</p:attrName>
+                                        </p:attrNameLst>
+                                      </p:cBhvr>
+                                      <p:to>
+                                        <p:strVal val="visible"/>
+                                      </p:to>
+                                    </p:set>
+                                    <p:anim calcmode="lin" valueType="num">
+                                      <p:cBhvr additive="base">
+                                        <p:cTn id="7" dur="500" fill="hold"/>
+                                        <p:tgtEl>
+                                          <p:spTgt spid="1028"/>
+                                        </p:tgtEl>
+                                        <p:attrNameLst>
+                                          <p:attrName>ppt_x</p:attrName>
+                                        </p:attrNameLst>
+                                      </p:cBhvr>
+                                      <p:tavLst>
+                                        <p:tav tm="0">
+                                          <p:val>
+                                            <p:strVal val="#ppt_x"/>
+                                          </p:val>
+                                        </p:tav>
+                                        <p:tav tm="100000">
+                                          <p:val>
+                                            <p:strVal val="#ppt_x"/>
+                                          </p:val>
+                                        </p:tav>
+                                      </p:tavLst>
+                                    </p:anim>
+                                    <p:anim calcmode="lin" valueType="num">
+                                      <p:cBhvr additive="base">
+                                        <p:cTn id="8" dur="500" fill="hold"/>
+                                        <p:tgtEl>
+                                          <p:spTgt spid="1028"/>
+                                        </p:tgtEl>
+                                        <p:attrNameLst>
+                                          <p:attrName>ppt_y</p:attrName>
+                                        </p:attrNameLst>
+                                      </p:cBhvr>
+                                      <p:tavLst>
+                                        <p:tav tm="0">
+                                          <p:val>
+                                            <p:strVal val="1+#ppt_h/2"/>
+                                          </p:val>
+                                        </p:tav>
+                                        <p:tav tm="100000">
+                                          <p:val>
+                                            <p:strVal val="#ppt_y"/>
+                                          </p:val>
+                                        </p:tav>
+                                      </p:tavLst>
+                                    </p:anim>
+                                  </p:childTnLst>
+                                </p:cTn>
+                              </p:par>
+                              <p:par>
+                                <p:cTn id="9" presetID="2" presetClass="entr" presetSubtype="4" fill="hold" nodeType="withEffect">
+                                  <p:stCondLst>
+                                    <p:cond delay="0"/>
+                                  </p:stCondLst>
+                                  <p:childTnLst>
+                                    <p:set>
+                                      <p:cBhvr>
+                                        <p:cTn id="10" dur="1" fill="hold">
+                                          <p:stCondLst>
+                                            <p:cond delay="0"/>
+                                          </p:stCondLst>
+                                        </p:cTn>
+                                        <p:tgtEl>
+                                          <p:spTgt spid="1031"/>
+                                        </p:tgtEl>
+                                        <p:attrNameLst>
+                                          <p:attrName>style.visibility</p:attrName>
+                                        </p:attrNameLst>
+                                      </p:cBhvr>
+                                      <p:to>
+                                        <p:strVal val="visible"/>
+                                      </p:to>
+                                    </p:set>
+                                    <p:anim calcmode="lin" valueType="num">
+                                      <p:cBhvr additive="base">
+                                        <p:cTn id="11" dur="500" fill="hold"/>
+                                        <p:tgtEl>
+                                          <p:spTgt spid="1031"/>
+                                        </p:tgtEl>
+                                        <p:attrNameLst>
+                                          <p:attrName>ppt_x</p:attrName>
+                                        </p:attrNameLst>
+                                      </p:cBhvr>
+                                      <p:tavLst>
+                                        <p:tav tm="0">
+                                          <p:val>
+                                            <p:strVal val="#ppt_x"/>
+                                          </p:val>
+                                        </p:tav>
+                                        <p:tav tm="100000">
+                                          <p:val>
+                                            <p:strVal val="#ppt_x"/>
+                                          </p:val>
+                                        </p:tav>
+                                      </p:tavLst>
+                                    </p:anim>
+                                    <p:anim calcmode="lin" valueType="num">
+                                      <p:cBhvr additive="base">
+                                        <p:cTn id="12" dur="500" fill="hold"/>
+                                        <p:tgtEl>
+                                          <p:spTgt spid="1031"/>
+                                        </p:tgtEl>
+                                        <p:attrNameLst>
+                                          <p:attrName>ppt_y</p:attrName>
+                                        </p:attrNameLst>
+                                      </p:cBhvr>
+                                      <p:tavLst>
+                                        <p:tav tm="0">
+                                          <p:val>
+                                            <p:strVal val="1+#ppt_h/2"/>
+                                          </p:val>
+                                        </p:tav>
+                                        <p:tav tm="100000">
+                                          <p:val>
+                                            <p:strVal val="#ppt_y"/>
+                                          </p:val>
+                                        </p:tav>
+                                      </p:tavLst>
+                                    </p:anim>
+                                  </p:childTnLst>
+                                </p:cTn>
+                              </p:par>
+                              <p:par>
+                                <p:cTn id="13" presetID="2" presetClass="entr" presetSubtype="4" fill="hold" nodeType="withEffect">
+                                  <p:stCondLst>
+                                    <p:cond delay="0"/>
+                                  </p:stCondLst>
+                                  <p:childTnLst>
+                                    <p:set>
+                                      <p:cBhvr>
+                                        <p:cTn id="14" dur="1" fill="hold">
+                                          <p:stCondLst>
+                                            <p:cond delay="0"/>
+                                          </p:stCondLst>
+                                        </p:cTn>
+                                        <p:tgtEl>
+                                          <p:spTgt spid="1033"/>
+                                        </p:tgtEl>
+                                        <p:attrNameLst>
+                                          <p:attrName>style.visibility</p:attrName>
+                                        </p:attrNameLst>
+                                      </p:cBhvr>
+                                      <p:to>
+                                        <p:strVal val="visible"/>
+                                      </p:to>
+                                    </p:set>
+                                    <p:anim calcmode="lin" valueType="num">
+                                      <p:cBhvr additive="base">
+                                        <p:cTn id="15" dur="500" fill="hold"/>
+                                        <p:tgtEl>
+                                          <p:spTgt spid="1033"/>
+                                        </p:tgtEl>
+                                        <p:attrNameLst>
+                                          <p:attrName>ppt_x</p:attrName>
+                                        </p:attrNameLst>
+                                      </p:cBhvr>
+                                      <p:tavLst>
+                                        <p:tav tm="0">
+                                          <p:val>
+                                            <p:strVal val="#ppt_x"/>
+                                          </p:val>
+                                        </p:tav>
+                                        <p:tav tm="100000">
+                                          <p:val>
+                                            <p:strVal val="#ppt_x"/>
+                                          </p:val>
+                                        </p:tav>
+                                      </p:tavLst>
+                                    </p:anim>
+                                    <p:anim calcmode="lin" valueType="num">
+                                      <p:cBhvr additive="base">
+                                        <p:cTn id="16" dur="500" fill="hold"/>
+                                        <p:tgtEl>
+                                          <p:spTgt spid="1033"/>
+                                        </p:tgtEl>
+                                        <p:attrNameLst>
+                                          <p:attrName>ppt_y</p:attrName>
+                                        </p:attrNameLst>
+                                      </p:cBhvr>
+                                      <p:tavLst>
+                                        <p:tav tm="0">
+                                          <p:val>
+                                            <p:strVal val="1+#ppt_h/2"/>
+                                          </p:val>
+                                        </p:tav>
+                                        <p:tav tm="100000">
+                                          <p:val>
+                                            <p:strVal val="#ppt_y"/>
+                                          </p:val>
+                                        </p:tav>
+                                      </p:tavLst>
+                                    </p:anim>
+                                  </p:childTnLst>
+                                </p:cTn>
+                              </p:par>
+                              <p:par>
+                                <p:cTn id="17" presetID="2" presetClass="entr" presetSubtype="4" fill="hold" grpId="0" nodeType="withEffect">
+                                  <p:stCondLst>
+                                    <p:cond delay="0"/>
+                                  </p:stCondLst>
+                                  <p:childTnLst>
+                                    <p:set>
+                                      <p:cBhvr>
+                                        <p:cTn id="18" dur="1" fill="hold">
+                                          <p:stCondLst>
+                                            <p:cond delay="0"/>
+                                          </p:stCondLst>
+                                        </p:cTn>
+                                        <p:tgtEl>
+                                          <p:spTgt spid="4"/>
+                                        </p:tgtEl>
+                                        <p:attrNameLst>
+                                          <p:attrName>style.visibility</p:attrName>
+                                        </p:attrNameLst>
+                                      </p:cBhvr>
+                                      <p:to>
+                                        <p:strVal val="visible"/>
+                                      </p:to>
+                                    </p:set>
+                                    <p:anim calcmode="lin" valueType="num">
+                                      <p:cBhvr additive="base">
+                                        <p:cTn id="19" dur="500" fill="hold"/>
+                                        <p:tgtEl>
+                                          <p:spTgt spid="4"/>
+                                        </p:tgtEl>
+                                        <p:attrNameLst>
+                                          <p:attrName>ppt_x</p:attrName>
+                                        </p:attrNameLst>
+                                      </p:cBhvr>
+                                      <p:tavLst>
+                                        <p:tav tm="0">
+                                          <p:val>
+                                            <p:strVal val="#ppt_x"/>
+                                          </p:val>
+                                        </p:tav>
+                                        <p:tav tm="100000">
+                                          <p:val>
+                                            <p:strVal val="#ppt_x"/>
+                                          </p:val>
+                                        </p:tav>
+                                      </p:tavLst>
+                                    </p:anim>
+                                    <p:anim calcmode="lin" valueType="num">
+                                      <p:cBhvr additive="base">
+                                        <p:cTn id="20" dur="500" fill="hold"/>
+                                        <p:tgtEl>
+                                          <p:spTgt spid="4"/>
+                                        </p:tgtEl>
+                                        <p:attrNameLst>
+                                          <p:attrName>ppt_y</p:attrName>
+                                        </p:attrNameLst>
+                                      </p:cBhvr>
+                                      <p:tavLst>
+                                        <p:tav tm="0">
+                                          <p:val>
+                                            <p:strVal val="1+#ppt_h/2"/>
+                                          </p:val>
+                                        </p:tav>
+                                        <p:tav tm="100000">
+                                          <p:val>
+                                            <p:strVal val="#ppt_y"/>
+                                          </p:val>
+                                        </p:tav>
+                                      </p:tavLst>
+                                    </p:anim>
+                                  </p:childTnLst>
+                                </p:cTn>
+                              </p:par>
+                              <p:par>
+                                <p:cTn id="21" presetID="2" presetClass="entr" presetSubtype="4" fill="hold" grpId="0" nodeType="withEffect">
+                                  <p:stCondLst>
+                                    <p:cond delay="0"/>
+                                  </p:stCondLst>
+                                  <p:childTnLst>
+                                    <p:set>
+                                      <p:cBhvr>
+                                        <p:cTn id="22" dur="1" fill="hold">
+                                          <p:stCondLst>
+                                            <p:cond delay="0"/>
+                                          </p:stCondLst>
+                                        </p:cTn>
+                                        <p:tgtEl>
+                                          <p:spTgt spid="12"/>
+                                        </p:tgtEl>
+                                        <p:attrNameLst>
+                                          <p:attrName>style.visibility</p:attrName>
+                                        </p:attrNameLst>
+                                      </p:cBhvr>
+                                      <p:to>
+                                        <p:strVal val="visible"/>
+                                      </p:to>
+                                    </p:set>
+                                    <p:anim calcmode="lin" valueType="num">
+                                      <p:cBhvr additive="base">
+                                        <p:cTn id="23" dur="500" fill="hold"/>
+                                        <p:tgtEl>
+                                          <p:spTgt spid="12"/>
+                                        </p:tgtEl>
+                                        <p:attrNameLst>
+                                          <p:attrName>ppt_x</p:attrName>
+                                        </p:attrNameLst>
+                                      </p:cBhvr>
+                                      <p:tavLst>
+                                        <p:tav tm="0">
+                                          <p:val>
+                                            <p:strVal val="#ppt_x"/>
+                                          </p:val>
+                                        </p:tav>
+                                        <p:tav tm="100000">
+                                          <p:val>
+                                            <p:strVal val="#ppt_x"/>
+                                          </p:val>
+                                        </p:tav>
+                                      </p:tavLst>
+                                    </p:anim>
+                                    <p:anim calcmode="lin" valueType="num">
+                                      <p:cBhvr additive="base">
+                                        <p:cTn id="24" dur="500" fill="hold"/>
+                                        <p:tgtEl>
+                                          <p:spTgt spid="12"/>
+                                        </p:tgtEl>
+                                        <p:attrNameLst>
+                                          <p:attrName>ppt_y</p:attrName>
+                                        </p:attrNameLst>
+                                      </p:cBhvr>
+                                      <p:tavLst>
+                                        <p:tav tm="0">
+                                          <p:val>
+                                            <p:strVal val="1+#ppt_h/2"/>
+                                          </p:val>
+                                        </p:tav>
+                                        <p:tav tm="100000">
+                                          <p:val>
+                                            <p:strVal val="#ppt_y"/>
+                                          </p:val>
+                                        </p:tav>
+                                      </p:tavLst>
+                                    </p:anim>
+                                  </p:childTnLst>
+                                </p:cTn>
+                              </p:par>
+                              <p:par>
+                                <p:cTn id="25" presetID="2" presetClass="entr" presetSubtype="4" fill="hold" grpId="0" nodeType="withEffect">
+                                  <p:stCondLst>
+                                    <p:cond delay="0"/>
+                                  </p:stCondLst>
+                                  <p:childTnLst>
+                                    <p:set>
+                                      <p:cBhvr>
+                                        <p:cTn id="26" dur="1" fill="hold">
+                                          <p:stCondLst>
+                                            <p:cond delay="0"/>
+                                          </p:stCondLst>
+                                        </p:cTn>
+                                        <p:tgtEl>
+                                          <p:spTgt spid="13"/>
+                                        </p:tgtEl>
+                                        <p:attrNameLst>
+                                          <p:attrName>style.visibility</p:attrName>
+                                        </p:attrNameLst>
+                                      </p:cBhvr>
+                                      <p:to>
+                                        <p:strVal val="visible"/>
+                                      </p:to>
+                                    </p:set>
+                                    <p:anim calcmode="lin" valueType="num">
+                                      <p:cBhvr additive="base">
+                                        <p:cTn id="27" dur="500" fill="hold"/>
+                                        <p:tgtEl>
+                                          <p:spTgt spid="13"/>
+                                        </p:tgtEl>
+                                        <p:attrNameLst>
+                                          <p:attrName>ppt_x</p:attrName>
+                                        </p:attrNameLst>
+                                      </p:cBhvr>
+                                      <p:tavLst>
+                                        <p:tav tm="0">
+                                          <p:val>
+                                            <p:strVal val="#ppt_x"/>
+                                          </p:val>
+                                        </p:tav>
+                                        <p:tav tm="100000">
+                                          <p:val>
+                                            <p:strVal val="#ppt_x"/>
+                                          </p:val>
+                                        </p:tav>
+                                      </p:tavLst>
+                                    </p:anim>
+                                    <p:anim calcmode="lin" valueType="num">
+                                      <p:cBhvr additive="base">
+                                        <p:cTn id="28" dur="500" fill="hold"/>
+                                        <p:tgtEl>
+                                          <p:spTgt spid="13"/>
+                                        </p:tgtEl>
+                                        <p:attrNameLst>
+                                          <p:attrName>ppt_y</p:attrName>
+                                        </p:attrNameLst>
+                                      </p:cBhvr>
+                                      <p:tavLst>
+                                        <p:tav tm="0">
+                                          <p:val>
+                                            <p:strVal val="1+#ppt_h/2"/>
+                                          </p:val>
+                                        </p:tav>
+                                        <p:tav tm="100000">
+                                          <p:val>
+                                            <p:strVal val="#ppt_y"/>
+                                          </p:val>
+                                        </p:tav>
+                                      </p:tavLst>
+                                    </p:anim>
+                                  </p:childTnLst>
+                                </p:cTn>
+                              </p:par>
+                            </p:childTnLst>
+                          </p:cTn>
+                        </p:par>
+                      </p:childTnLst>
+                    </p:cTn>
+                  </p:par>
+                </p:childTnLst>
+              </p:cTn>
+              <p:prevCondLst>
+                <p:cond evt="onPrev" delay="0">
+                  <p:tgtEl>
+                    <p:sldTgt/>
+                  </p:tgtEl>
+                </p:cond>
+              </p:prevCondLst>
+              <p:nextCondLst>
+                <p:cond evt="onNext" delay="0">
+                  <p:tgtEl>
+                    <p:sldTgt/>
+                  </p:tgtEl>
+                </p:cond>
+              </p:nextCondLst>
+            </p:seq>
+          </p:childTnLst>
+        </p:cTn>
       </p:par>
     </p:tnLst>
+    <p:bldLst>
+      <p:bldP spid="4" grpId="0"/>
+      <p:bldP spid="12" grpId="0"/>
+      <p:bldP spid="13" grpId="0"/>
+    </p:bldLst>
   </p:timing>
 </p:sld>
 </file>

--- a/materials/slides/ch03-4.pptx
+++ b/materials/slides/ch03-4.pptx
@@ -12858,67 +12858,7 @@
               <a:rPr lang="zh-CN" altLang="en-US" sz="2400" dirty="0" smtClean="0">
                 <a:sym typeface="+mn-ea"/>
               </a:rPr>
-              <a:t>质量规划（参见</a:t>
-            </a:r>
-            <a:r>
-              <a:rPr lang="zh-CN" altLang="en-US" sz="2400" dirty="0" smtClean="0">
-                <a:sym typeface="+mn-ea"/>
-              </a:rPr>
-              <a:t>教材</a:t>
-            </a:r>
-            <a:r>
-              <a:rPr lang="en-US" altLang="zh-CN" sz="2400" dirty="0" smtClean="0">
-                <a:sym typeface="+mn-ea"/>
-              </a:rPr>
-              <a:t>《</a:t>
-            </a:r>
-            <a:r>
-              <a:rPr lang="zh-CN" altLang="en-US" sz="2400" dirty="0" smtClean="0">
-                <a:sym typeface="+mn-ea"/>
-              </a:rPr>
-              <a:t>项目质量管理</a:t>
-            </a:r>
-            <a:r>
-              <a:rPr lang="en-US" altLang="zh-CN" sz="2400" dirty="0" smtClean="0">
-                <a:sym typeface="+mn-ea"/>
-              </a:rPr>
-              <a:t>》</a:t>
-            </a:r>
-            <a:r>
-              <a:rPr lang="zh-CN" altLang="en-US" sz="2400" dirty="0" smtClean="0">
-                <a:sym typeface="+mn-ea"/>
-              </a:rPr>
-              <a:t>章节的第</a:t>
-            </a:r>
-            <a:r>
-              <a:rPr lang="en-US" altLang="zh-CN" sz="2400" dirty="0" smtClean="0">
-                <a:sym typeface="+mn-ea"/>
-              </a:rPr>
-              <a:t>2</a:t>
-            </a:r>
-            <a:r>
-              <a:rPr lang="zh-CN" altLang="en-US" sz="2400" dirty="0" smtClean="0">
-                <a:sym typeface="+mn-ea"/>
-              </a:rPr>
-              <a:t>、</a:t>
-            </a:r>
-            <a:r>
-              <a:rPr lang="en-US" altLang="zh-CN" sz="2400" dirty="0" smtClean="0">
-                <a:sym typeface="+mn-ea"/>
-              </a:rPr>
-              <a:t>3</a:t>
-            </a:r>
-            <a:r>
-              <a:rPr lang="zh-CN" altLang="en-US" sz="2400" dirty="0" smtClean="0">
-                <a:sym typeface="+mn-ea"/>
-              </a:rPr>
-              <a:t>小节</a:t>
-            </a:r>
-            <a:r>
-              <a:rPr lang="zh-CN" altLang="en-US" sz="2400" dirty="0" smtClean="0">
-                <a:sym typeface="+mn-ea"/>
-              </a:rPr>
-              <a:t>）</a:t>
+              <a:t>质量规划</a:t>
             </a:r>
             <a:endParaRPr lang="en-US" altLang="zh-CN" sz="2400" dirty="0" smtClean="0"/>
           </a:p>

--- a/materials/slides/ch03-4.pptx
+++ b/materials/slides/ch03-4.pptx
@@ -13750,7 +13750,7 @@
             </a:r>
             <a:r>
               <a:rPr lang="zh-CN" altLang="en-US" sz="2000" dirty="0" smtClean="0"/>
-              <a:t>克劳士比：品质就是“符合需求”，此处的需求并不一定完全反映了客户的期待。</a:t>
+              <a:t>克劳士比：品质就是“符合需求”，此处的需求并不一定只是反映了客户的期待。</a:t>
             </a:r>
             <a:endParaRPr lang="zh-CN" altLang="en-US" sz="2000" dirty="0" smtClean="0"/>
           </a:p>
